--- a/documenten/eindpresentatie/drone1.pptx
+++ b/documenten/eindpresentatie/drone1.pptx
@@ -5,12 +5,17 @@
     <p:sldMasterId id="2147484454" r:id="rId1"/>
   </p:sldMasterIdLst>
   <p:notesMasterIdLst>
-    <p:notesMasterId r:id="rId5"/>
+    <p:notesMasterId r:id="rId10"/>
   </p:notesMasterIdLst>
   <p:sldIdLst>
     <p:sldId id="256" r:id="rId2"/>
     <p:sldId id="259" r:id="rId3"/>
     <p:sldId id="261" r:id="rId4"/>
+    <p:sldId id="262" r:id="rId5"/>
+    <p:sldId id="263" r:id="rId6"/>
+    <p:sldId id="264" r:id="rId7"/>
+    <p:sldId id="265" r:id="rId8"/>
+    <p:sldId id="266" r:id="rId9"/>
   </p:sldIdLst>
   <p:sldSz cx="12192000" cy="6858000"/>
   <p:notesSz cx="6858000" cy="9144000"/>
@@ -166,7 +171,7 @@
             </a:lvl1pPr>
           </a:lstStyle>
           <a:p>
-            <a:endParaRPr lang="nl-BE"/>
+            <a:endParaRPr lang="nl-BE" dirty="0"/>
           </a:p>
         </p:txBody>
       </p:sp>
@@ -201,7 +206,7 @@
               <a:rPr lang="nl-BE" smtClean="0"/>
               <a:t>10/05/2020</a:t>
             </a:fld>
-            <a:endParaRPr lang="nl-BE"/>
+            <a:endParaRPr lang="nl-BE" dirty="0"/>
           </a:p>
         </p:txBody>
       </p:sp>
@@ -234,7 +239,7 @@
           <a:bodyPr vert="horz" lIns="91440" tIns="45720" rIns="91440" bIns="45720" rtlCol="0" anchor="ctr"/>
           <a:lstStyle/>
           <a:p>
-            <a:endParaRPr lang="nl-BE"/>
+            <a:endParaRPr lang="nl-BE" dirty="0"/>
           </a:p>
         </p:txBody>
       </p:sp>
@@ -325,7 +330,7 @@
             </a:lvl1pPr>
           </a:lstStyle>
           <a:p>
-            <a:endParaRPr lang="nl-BE"/>
+            <a:endParaRPr lang="nl-BE" dirty="0"/>
           </a:p>
         </p:txBody>
       </p:sp>
@@ -360,7 +365,7 @@
               <a:rPr lang="nl-BE" smtClean="0"/>
               <a:t>‹nr.›</a:t>
             </a:fld>
-            <a:endParaRPr lang="nl-BE"/>
+            <a:endParaRPr lang="nl-BE" dirty="0"/>
           </a:p>
         </p:txBody>
       </p:sp>
@@ -776,10 +781,10 @@
           <a:lstStyle/>
           <a:p>
             <a:r>
-              <a:rPr lang="nl-BE" smtClean="0"/>
+              <a:rPr lang="nl-BE" dirty="0" smtClean="0"/>
               <a:t>Naam student</a:t>
             </a:r>
-            <a:endParaRPr lang="nl-BE"/>
+            <a:endParaRPr lang="nl-BE" dirty="0"/>
           </a:p>
         </p:txBody>
       </p:sp>
@@ -799,10 +804,10 @@
           <a:lstStyle/>
           <a:p>
             <a:r>
-              <a:rPr lang="nl-BE" smtClean="0"/>
+              <a:rPr lang="nl-BE" dirty="0" smtClean="0"/>
               <a:t>Context - Ontwerp - Implementatie – Samenvatting en conclusie</a:t>
             </a:r>
-            <a:endParaRPr lang="nl-BE"/>
+            <a:endParaRPr lang="nl-BE" dirty="0"/>
           </a:p>
         </p:txBody>
       </p:sp>
@@ -825,7 +830,7 @@
               <a:rPr lang="nl-BE" smtClean="0"/>
               <a:t>‹nr.›</a:t>
             </a:fld>
-            <a:endParaRPr lang="nl-BE"/>
+            <a:endParaRPr lang="nl-BE" dirty="0"/>
           </a:p>
         </p:txBody>
       </p:sp>
@@ -988,10 +993,10 @@
           <a:lstStyle/>
           <a:p>
             <a:r>
-              <a:rPr lang="nl-BE" smtClean="0"/>
+              <a:rPr lang="nl-BE" dirty="0" smtClean="0"/>
               <a:t>Naam student</a:t>
             </a:r>
-            <a:endParaRPr lang="nl-BE"/>
+            <a:endParaRPr lang="nl-BE" dirty="0"/>
           </a:p>
         </p:txBody>
       </p:sp>
@@ -1011,10 +1016,10 @@
           <a:lstStyle/>
           <a:p>
             <a:r>
-              <a:rPr lang="nl-BE" smtClean="0"/>
+              <a:rPr lang="nl-BE" dirty="0" smtClean="0"/>
               <a:t>Context - Ontwerp - Implementatie – Samenvatting en conclusie</a:t>
             </a:r>
-            <a:endParaRPr lang="nl-BE"/>
+            <a:endParaRPr lang="nl-BE" dirty="0"/>
           </a:p>
         </p:txBody>
       </p:sp>
@@ -1037,7 +1042,7 @@
               <a:rPr lang="nl-BE" smtClean="0"/>
               <a:t>‹nr.›</a:t>
             </a:fld>
-            <a:endParaRPr lang="nl-BE"/>
+            <a:endParaRPr lang="nl-BE" dirty="0"/>
           </a:p>
         </p:txBody>
       </p:sp>
@@ -1248,10 +1253,10 @@
           <a:lstStyle/>
           <a:p>
             <a:r>
-              <a:rPr lang="nl-BE" smtClean="0"/>
+              <a:rPr lang="nl-BE" dirty="0" smtClean="0"/>
               <a:t>Naam student</a:t>
             </a:r>
-            <a:endParaRPr lang="nl-BE"/>
+            <a:endParaRPr lang="nl-BE" dirty="0"/>
           </a:p>
         </p:txBody>
       </p:sp>
@@ -1271,10 +1276,10 @@
           <a:lstStyle/>
           <a:p>
             <a:r>
-              <a:rPr lang="nl-BE" smtClean="0"/>
+              <a:rPr lang="nl-BE" dirty="0" smtClean="0"/>
               <a:t>Context - Ontwerp - Implementatie – Samenvatting en conclusie</a:t>
             </a:r>
-            <a:endParaRPr lang="nl-BE"/>
+            <a:endParaRPr lang="nl-BE" dirty="0"/>
           </a:p>
         </p:txBody>
       </p:sp>
@@ -1297,7 +1302,7 @@
               <a:rPr lang="nl-BE" smtClean="0"/>
               <a:t>‹nr.›</a:t>
             </a:fld>
-            <a:endParaRPr lang="nl-BE"/>
+            <a:endParaRPr lang="nl-BE" dirty="0"/>
           </a:p>
         </p:txBody>
       </p:sp>
@@ -1422,10 +1427,10 @@
           <a:lstStyle/>
           <a:p>
             <a:r>
-              <a:rPr lang="nl-BE" smtClean="0"/>
+              <a:rPr lang="nl-BE" dirty="0" smtClean="0"/>
               <a:t>Naam student</a:t>
             </a:r>
-            <a:endParaRPr lang="nl-BE"/>
+            <a:endParaRPr lang="nl-BE" dirty="0"/>
           </a:p>
         </p:txBody>
       </p:sp>
@@ -1445,10 +1450,10 @@
           <a:lstStyle/>
           <a:p>
             <a:r>
-              <a:rPr lang="nl-BE" smtClean="0"/>
+              <a:rPr lang="nl-BE" dirty="0" smtClean="0"/>
               <a:t>Context - Ontwerp - Implementatie – Samenvatting en conclusie</a:t>
             </a:r>
-            <a:endParaRPr lang="nl-BE"/>
+            <a:endParaRPr lang="nl-BE" dirty="0"/>
           </a:p>
         </p:txBody>
       </p:sp>
@@ -1471,7 +1476,7 @@
               <a:rPr lang="nl-BE" smtClean="0"/>
               <a:t>‹nr.›</a:t>
             </a:fld>
-            <a:endParaRPr lang="nl-BE"/>
+            <a:endParaRPr lang="nl-BE" dirty="0"/>
           </a:p>
         </p:txBody>
       </p:sp>
@@ -1769,10 +1774,10 @@
           <a:lstStyle/>
           <a:p>
             <a:r>
-              <a:rPr lang="nl-BE" smtClean="0"/>
+              <a:rPr lang="nl-BE" dirty="0" smtClean="0"/>
               <a:t>Naam student</a:t>
             </a:r>
-            <a:endParaRPr lang="nl-BE"/>
+            <a:endParaRPr lang="nl-BE" dirty="0"/>
           </a:p>
         </p:txBody>
       </p:sp>
@@ -1792,10 +1797,10 @@
           <a:lstStyle/>
           <a:p>
             <a:r>
-              <a:rPr lang="nl-BE" smtClean="0"/>
+              <a:rPr lang="nl-BE" dirty="0" smtClean="0"/>
               <a:t>Context - Ontwerp - Implementatie – Samenvatting en conclusie</a:t>
             </a:r>
-            <a:endParaRPr lang="nl-BE"/>
+            <a:endParaRPr lang="nl-BE" dirty="0"/>
           </a:p>
         </p:txBody>
       </p:sp>
@@ -1818,7 +1823,7 @@
               <a:rPr lang="nl-BE" smtClean="0"/>
               <a:t>‹nr.›</a:t>
             </a:fld>
-            <a:endParaRPr lang="nl-BE"/>
+            <a:endParaRPr lang="nl-BE" dirty="0"/>
           </a:p>
         </p:txBody>
       </p:sp>
@@ -2048,10 +2053,10 @@
           <a:lstStyle/>
           <a:p>
             <a:r>
-              <a:rPr lang="nl-BE" smtClean="0"/>
+              <a:rPr lang="nl-BE" dirty="0" smtClean="0"/>
               <a:t>Naam student</a:t>
             </a:r>
-            <a:endParaRPr lang="nl-BE"/>
+            <a:endParaRPr lang="nl-BE" dirty="0"/>
           </a:p>
         </p:txBody>
       </p:sp>
@@ -2071,10 +2076,10 @@
           <a:lstStyle/>
           <a:p>
             <a:r>
-              <a:rPr lang="nl-BE" smtClean="0"/>
+              <a:rPr lang="nl-BE" dirty="0" smtClean="0"/>
               <a:t>Context - Ontwerp - Implementatie – Samenvatting en conclusie</a:t>
             </a:r>
-            <a:endParaRPr lang="nl-BE"/>
+            <a:endParaRPr lang="nl-BE" dirty="0"/>
           </a:p>
         </p:txBody>
       </p:sp>
@@ -2097,7 +2102,7 @@
               <a:rPr lang="nl-BE" smtClean="0"/>
               <a:t>‹nr.›</a:t>
             </a:fld>
-            <a:endParaRPr lang="nl-BE"/>
+            <a:endParaRPr lang="nl-BE" dirty="0"/>
           </a:p>
         </p:txBody>
       </p:sp>
@@ -2436,10 +2441,10 @@
           <a:lstStyle/>
           <a:p>
             <a:r>
-              <a:rPr lang="nl-BE" smtClean="0"/>
+              <a:rPr lang="nl-BE" dirty="0" smtClean="0"/>
               <a:t>Naam student</a:t>
             </a:r>
-            <a:endParaRPr lang="nl-BE"/>
+            <a:endParaRPr lang="nl-BE" dirty="0"/>
           </a:p>
         </p:txBody>
       </p:sp>
@@ -2459,10 +2464,10 @@
           <a:lstStyle/>
           <a:p>
             <a:r>
-              <a:rPr lang="nl-BE" smtClean="0"/>
+              <a:rPr lang="nl-BE" dirty="0" smtClean="0"/>
               <a:t>Context - Ontwerp - Implementatie – Samenvatting en conclusie</a:t>
             </a:r>
-            <a:endParaRPr lang="nl-BE"/>
+            <a:endParaRPr lang="nl-BE" dirty="0"/>
           </a:p>
         </p:txBody>
       </p:sp>
@@ -2485,7 +2490,7 @@
               <a:rPr lang="nl-BE" smtClean="0"/>
               <a:t>‹nr.›</a:t>
             </a:fld>
-            <a:endParaRPr lang="nl-BE"/>
+            <a:endParaRPr lang="nl-BE" dirty="0"/>
           </a:p>
         </p:txBody>
       </p:sp>
@@ -2563,10 +2568,10 @@
           <a:lstStyle/>
           <a:p>
             <a:r>
-              <a:rPr lang="nl-BE" smtClean="0"/>
+              <a:rPr lang="nl-BE" dirty="0" smtClean="0"/>
               <a:t>Naam student</a:t>
             </a:r>
-            <a:endParaRPr lang="nl-BE"/>
+            <a:endParaRPr lang="nl-BE" dirty="0"/>
           </a:p>
         </p:txBody>
       </p:sp>
@@ -2586,10 +2591,10 @@
           <a:lstStyle/>
           <a:p>
             <a:r>
-              <a:rPr lang="nl-BE" smtClean="0"/>
+              <a:rPr lang="nl-BE" dirty="0" smtClean="0"/>
               <a:t>Context - Ontwerp - Implementatie – Samenvatting en conclusie</a:t>
             </a:r>
-            <a:endParaRPr lang="nl-BE"/>
+            <a:endParaRPr lang="nl-BE" dirty="0"/>
           </a:p>
         </p:txBody>
       </p:sp>
@@ -2612,7 +2617,7 @@
               <a:rPr lang="nl-BE" smtClean="0"/>
               <a:t>‹nr.›</a:t>
             </a:fld>
-            <a:endParaRPr lang="nl-BE"/>
+            <a:endParaRPr lang="nl-BE" dirty="0"/>
           </a:p>
         </p:txBody>
       </p:sp>
@@ -2738,10 +2743,10 @@
           <a:lstStyle/>
           <a:p>
             <a:r>
-              <a:rPr lang="nl-BE" smtClean="0"/>
+              <a:rPr lang="nl-BE" dirty="0" smtClean="0"/>
               <a:t>Naam student</a:t>
             </a:r>
-            <a:endParaRPr lang="nl-BE"/>
+            <a:endParaRPr lang="nl-BE" dirty="0"/>
           </a:p>
         </p:txBody>
       </p:sp>
@@ -2769,10 +2774,10 @@
           </a:lstStyle>
           <a:p>
             <a:r>
-              <a:rPr lang="nl-BE" smtClean="0"/>
+              <a:rPr lang="nl-BE" dirty="0" smtClean="0"/>
               <a:t>Context - Ontwerp - Implementatie – Samenvatting en conclusie</a:t>
             </a:r>
-            <a:endParaRPr lang="nl-BE"/>
+            <a:endParaRPr lang="nl-BE" dirty="0"/>
           </a:p>
         </p:txBody>
       </p:sp>
@@ -2795,7 +2800,7 @@
               <a:rPr lang="nl-BE" smtClean="0"/>
               <a:t>‹nr.›</a:t>
             </a:fld>
-            <a:endParaRPr lang="nl-BE"/>
+            <a:endParaRPr lang="nl-BE" dirty="0"/>
           </a:p>
         </p:txBody>
       </p:sp>
@@ -3096,10 +3101,10 @@
           </a:lstStyle>
           <a:p>
             <a:r>
-              <a:rPr lang="nl-BE" smtClean="0"/>
+              <a:rPr lang="nl-BE" dirty="0" smtClean="0"/>
               <a:t>Naam student</a:t>
             </a:r>
-            <a:endParaRPr lang="nl-BE"/>
+            <a:endParaRPr lang="nl-BE" dirty="0"/>
           </a:p>
         </p:txBody>
       </p:sp>
@@ -3132,10 +3137,10 @@
           </a:lstStyle>
           <a:p>
             <a:r>
-              <a:rPr lang="nl-BE" smtClean="0"/>
+              <a:rPr lang="nl-BE" dirty="0" smtClean="0"/>
               <a:t>Context - Ontwerp - Implementatie – Samenvatting en conclusie</a:t>
             </a:r>
-            <a:endParaRPr lang="nl-BE"/>
+            <a:endParaRPr lang="nl-BE" dirty="0"/>
           </a:p>
         </p:txBody>
       </p:sp>
@@ -3166,7 +3171,7 @@
               <a:rPr lang="nl-BE" smtClean="0"/>
               <a:t>‹nr.›</a:t>
             </a:fld>
-            <a:endParaRPr lang="nl-BE"/>
+            <a:endParaRPr lang="nl-BE" dirty="0"/>
           </a:p>
         </p:txBody>
       </p:sp>
@@ -3382,7 +3387,7 @@
           </a:lstStyle>
           <a:p>
             <a:r>
-              <a:rPr lang="nl-NL" smtClean="0"/>
+              <a:rPr lang="nl-NL" dirty="0" smtClean="0"/>
               <a:t>Klik op het pictogram als u een afbeelding wilt toevoegen</a:t>
             </a:r>
             <a:endParaRPr lang="en-US" dirty="0"/>
@@ -3482,10 +3487,10 @@
           <a:lstStyle/>
           <a:p>
             <a:r>
-              <a:rPr lang="nl-BE" smtClean="0"/>
+              <a:rPr lang="nl-BE" dirty="0" smtClean="0"/>
               <a:t>Naam student</a:t>
             </a:r>
-            <a:endParaRPr lang="nl-BE"/>
+            <a:endParaRPr lang="nl-BE" dirty="0"/>
           </a:p>
         </p:txBody>
       </p:sp>
@@ -3527,7 +3532,7 @@
               <a:rPr lang="nl-BE" smtClean="0"/>
               <a:t>‹nr.›</a:t>
             </a:fld>
-            <a:endParaRPr lang="nl-BE"/>
+            <a:endParaRPr lang="nl-BE" dirty="0"/>
           </a:p>
         </p:txBody>
       </p:sp>
@@ -3769,10 +3774,10 @@
           </a:lstStyle>
           <a:p>
             <a:r>
-              <a:rPr lang="nl-BE" smtClean="0"/>
+              <a:rPr lang="nl-BE" dirty="0" smtClean="0"/>
               <a:t>Naam student</a:t>
             </a:r>
-            <a:endParaRPr lang="nl-BE"/>
+            <a:endParaRPr lang="nl-BE" dirty="0"/>
           </a:p>
         </p:txBody>
       </p:sp>
@@ -3808,10 +3813,10 @@
           </a:lstStyle>
           <a:p>
             <a:r>
-              <a:rPr lang="nl-BE" smtClean="0"/>
+              <a:rPr lang="nl-BE" dirty="0" smtClean="0"/>
               <a:t>Context - Ontwerp - Implementatie – Samenvatting en conclusie</a:t>
             </a:r>
-            <a:endParaRPr lang="nl-BE"/>
+            <a:endParaRPr lang="nl-BE" dirty="0"/>
           </a:p>
         </p:txBody>
       </p:sp>
@@ -3850,7 +3855,7 @@
               <a:rPr lang="nl-BE" smtClean="0"/>
               <a:t>‹nr.›</a:t>
             </a:fld>
-            <a:endParaRPr lang="nl-BE"/>
+            <a:endParaRPr lang="nl-BE" dirty="0"/>
           </a:p>
         </p:txBody>
       </p:sp>
@@ -4561,7 +4566,7 @@
         </p:spPr>
         <p:txBody>
           <a:bodyPr>
-            <a:normAutofit fontScale="92500" lnSpcReduction="20000"/>
+            <a:normAutofit lnSpcReduction="10000"/>
           </a:bodyPr>
           <a:lstStyle>
             <a:lvl1pPr marL="91440" indent="-91440" algn="l" defTabSz="914400" rtl="0" eaLnBrk="1" latinLnBrk="0" hangingPunct="1">
@@ -4834,13 +4839,8 @@
                 </a:solidFill>
                 <a:latin typeface="+mj-lt"/>
               </a:rPr>
-              <a:t>  Webapplicatie (MVC)</a:t>
-            </a:r>
-          </a:p>
-          <a:p>
-            <a:pPr marL="0" indent="0">
-              <a:buNone/>
-            </a:pPr>
+              <a:t>  Webapplicatie (MVC</a:t>
+            </a:r>
             <a:r>
               <a:rPr lang="en-GB" sz="3600" dirty="0" smtClean="0">
                 <a:solidFill>
@@ -4848,7 +4848,7 @@
                 </a:solidFill>
                 <a:latin typeface="+mj-lt"/>
               </a:rPr>
-              <a:t>  Uploaden van bestanden</a:t>
+              <a:t>)</a:t>
             </a:r>
             <a:endParaRPr lang="nl-BE" sz="3600" dirty="0" smtClean="0">
               <a:solidFill>
@@ -5084,7 +5084,7 @@
           <a:lstStyle/>
           <a:p>
             <a:pPr algn="ctr"/>
-            <a:endParaRPr lang="nl-BE"/>
+            <a:endParaRPr lang="nl-BE" dirty="0"/>
           </a:p>
         </p:txBody>
       </p:sp>
@@ -5184,7 +5184,7 @@
                             </p:stCondLst>
                             <p:childTnLst>
                               <p:par>
-                                <p:cTn id="5" presetID="1" presetClass="entr" presetSubtype="0" fill="hold" nodeType="clickEffect">
+                                <p:cTn id="5" presetID="10" presetClass="entr" presetSubtype="0" fill="hold" nodeType="clickEffect">
                                   <p:stCondLst>
                                     <p:cond delay="0"/>
                                   </p:stCondLst>
@@ -5211,6 +5211,18 @@
                                         <p:strVal val="visible"/>
                                       </p:to>
                                     </p:set>
+                                    <p:animEffect transition="in" filter="fade">
+                                      <p:cBhvr>
+                                        <p:cTn id="7" dur="500"/>
+                                        <p:tgtEl>
+                                          <p:spTgt spid="8">
+                                            <p:txEl>
+                                              <p:pRg st="0" end="0"/>
+                                            </p:txEl>
+                                          </p:spTgt>
+                                        </p:tgtEl>
+                                      </p:cBhvr>
+                                    </p:animEffect>
                                   </p:childTnLst>
                                 </p:cTn>
                               </p:par>
@@ -5221,26 +5233,26 @@
                     </p:cTn>
                   </p:par>
                   <p:par>
-                    <p:cTn id="7" fill="hold">
+                    <p:cTn id="8" fill="hold">
                       <p:stCondLst>
                         <p:cond delay="indefinite"/>
                       </p:stCondLst>
                       <p:childTnLst>
                         <p:par>
-                          <p:cTn id="8" fill="hold">
+                          <p:cTn id="9" fill="hold">
                             <p:stCondLst>
                               <p:cond delay="0"/>
                             </p:stCondLst>
                             <p:childTnLst>
                               <p:par>
-                                <p:cTn id="9" presetID="1" presetClass="entr" presetSubtype="0" fill="hold" nodeType="clickEffect">
+                                <p:cTn id="10" presetID="10" presetClass="entr" presetSubtype="0" fill="hold" nodeType="clickEffect">
                                   <p:stCondLst>
                                     <p:cond delay="0"/>
                                   </p:stCondLst>
                                   <p:childTnLst>
                                     <p:set>
                                       <p:cBhvr>
-                                        <p:cTn id="10" dur="1" fill="hold">
+                                        <p:cTn id="11" dur="1" fill="hold">
                                           <p:stCondLst>
                                             <p:cond delay="0"/>
                                           </p:stCondLst>
@@ -5260,6 +5272,18 @@
                                         <p:strVal val="visible"/>
                                       </p:to>
                                     </p:set>
+                                    <p:animEffect transition="in" filter="fade">
+                                      <p:cBhvr>
+                                        <p:cTn id="12" dur="500"/>
+                                        <p:tgtEl>
+                                          <p:spTgt spid="8">
+                                            <p:txEl>
+                                              <p:pRg st="1" end="1"/>
+                                            </p:txEl>
+                                          </p:spTgt>
+                                        </p:tgtEl>
+                                      </p:cBhvr>
+                                    </p:animEffect>
                                   </p:childTnLst>
                                 </p:cTn>
                               </p:par>
@@ -5270,26 +5294,26 @@
                     </p:cTn>
                   </p:par>
                   <p:par>
-                    <p:cTn id="11" fill="hold">
+                    <p:cTn id="13" fill="hold">
                       <p:stCondLst>
                         <p:cond delay="indefinite"/>
                       </p:stCondLst>
                       <p:childTnLst>
                         <p:par>
-                          <p:cTn id="12" fill="hold">
+                          <p:cTn id="14" fill="hold">
                             <p:stCondLst>
                               <p:cond delay="0"/>
                             </p:stCondLst>
                             <p:childTnLst>
                               <p:par>
-                                <p:cTn id="13" presetID="1" presetClass="entr" presetSubtype="0" fill="hold" nodeType="clickEffect">
+                                <p:cTn id="15" presetID="10" presetClass="entr" presetSubtype="0" fill="hold" nodeType="clickEffect">
                                   <p:stCondLst>
                                     <p:cond delay="0"/>
                                   </p:stCondLst>
                                   <p:childTnLst>
                                     <p:set>
                                       <p:cBhvr>
-                                        <p:cTn id="14" dur="1" fill="hold">
+                                        <p:cTn id="16" dur="1" fill="hold">
                                           <p:stCondLst>
                                             <p:cond delay="0"/>
                                           </p:stCondLst>
@@ -5309,6 +5333,18 @@
                                         <p:strVal val="visible"/>
                                       </p:to>
                                     </p:set>
+                                    <p:animEffect transition="in" filter="fade">
+                                      <p:cBhvr>
+                                        <p:cTn id="17" dur="500"/>
+                                        <p:tgtEl>
+                                          <p:spTgt spid="8">
+                                            <p:txEl>
+                                              <p:pRg st="2" end="2"/>
+                                            </p:txEl>
+                                          </p:spTgt>
+                                        </p:tgtEl>
+                                      </p:cBhvr>
+                                    </p:animEffect>
                                   </p:childTnLst>
                                 </p:cTn>
                               </p:par>
@@ -5319,26 +5355,26 @@
                     </p:cTn>
                   </p:par>
                   <p:par>
-                    <p:cTn id="15" fill="hold">
+                    <p:cTn id="18" fill="hold">
                       <p:stCondLst>
                         <p:cond delay="indefinite"/>
                       </p:stCondLst>
                       <p:childTnLst>
                         <p:par>
-                          <p:cTn id="16" fill="hold">
+                          <p:cTn id="19" fill="hold">
                             <p:stCondLst>
                               <p:cond delay="0"/>
                             </p:stCondLst>
                             <p:childTnLst>
                               <p:par>
-                                <p:cTn id="17" presetID="1" presetClass="entr" presetSubtype="0" fill="hold" nodeType="clickEffect">
+                                <p:cTn id="20" presetID="10" presetClass="entr" presetSubtype="0" fill="hold" nodeType="clickEffect">
                                   <p:stCondLst>
                                     <p:cond delay="0"/>
                                   </p:stCondLst>
                                   <p:childTnLst>
                                     <p:set>
                                       <p:cBhvr>
-                                        <p:cTn id="18" dur="1" fill="hold">
+                                        <p:cTn id="21" dur="1" fill="hold">
                                           <p:stCondLst>
                                             <p:cond delay="0"/>
                                           </p:stCondLst>
@@ -5358,36 +5394,30 @@
                                         <p:strVal val="visible"/>
                                       </p:to>
                                     </p:set>
+                                    <p:animEffect transition="in" filter="fade">
+                                      <p:cBhvr>
+                                        <p:cTn id="22" dur="500"/>
+                                        <p:tgtEl>
+                                          <p:spTgt spid="8">
+                                            <p:txEl>
+                                              <p:pRg st="3" end="3"/>
+                                            </p:txEl>
+                                          </p:spTgt>
+                                        </p:tgtEl>
+                                      </p:cBhvr>
+                                    </p:animEffect>
                                   </p:childTnLst>
                                 </p:cTn>
                               </p:par>
-                            </p:childTnLst>
-                          </p:cTn>
-                        </p:par>
-                      </p:childTnLst>
-                    </p:cTn>
-                  </p:par>
-                  <p:par>
-                    <p:cTn id="19" fill="hold">
-                      <p:stCondLst>
-                        <p:cond delay="indefinite"/>
-                      </p:stCondLst>
-                      <p:childTnLst>
-                        <p:par>
-                          <p:cTn id="20" fill="hold">
-                            <p:stCondLst>
-                              <p:cond delay="0"/>
-                            </p:stCondLst>
-                            <p:childTnLst>
                               <p:par>
-                                <p:cTn id="21" presetID="1" presetClass="entr" presetSubtype="0" fill="hold" nodeType="clickEffect">
+                                <p:cTn id="23" presetID="10" presetClass="entr" presetSubtype="0" fill="hold" nodeType="withEffect">
                                   <p:stCondLst>
                                     <p:cond delay="0"/>
                                   </p:stCondLst>
                                   <p:childTnLst>
                                     <p:set>
                                       <p:cBhvr>
-                                        <p:cTn id="22" dur="1" fill="hold">
+                                        <p:cTn id="24" dur="1" fill="hold">
                                           <p:stCondLst>
                                             <p:cond delay="0"/>
                                           </p:stCondLst>
@@ -5407,6 +5437,18 @@
                                         <p:strVal val="visible"/>
                                       </p:to>
                                     </p:set>
+                                    <p:animEffect transition="in" filter="fade">
+                                      <p:cBhvr>
+                                        <p:cTn id="25" dur="500"/>
+                                        <p:tgtEl>
+                                          <p:spTgt spid="8">
+                                            <p:txEl>
+                                              <p:pRg st="4" end="4"/>
+                                            </p:txEl>
+                                          </p:spTgt>
+                                        </p:tgtEl>
+                                      </p:cBhvr>
+                                    </p:animEffect>
                                   </p:childTnLst>
                                 </p:cTn>
                               </p:par>
@@ -5417,26 +5459,26 @@
                     </p:cTn>
                   </p:par>
                   <p:par>
-                    <p:cTn id="23" fill="hold">
+                    <p:cTn id="26" fill="hold">
                       <p:stCondLst>
                         <p:cond delay="indefinite"/>
                       </p:stCondLst>
                       <p:childTnLst>
                         <p:par>
-                          <p:cTn id="24" fill="hold">
+                          <p:cTn id="27" fill="hold">
                             <p:stCondLst>
                               <p:cond delay="0"/>
                             </p:stCondLst>
                             <p:childTnLst>
                               <p:par>
-                                <p:cTn id="25" presetID="1" presetClass="entr" presetSubtype="0" fill="hold" nodeType="clickEffect">
+                                <p:cTn id="28" presetID="10" presetClass="entr" presetSubtype="0" fill="hold" nodeType="clickEffect">
                                   <p:stCondLst>
                                     <p:cond delay="0"/>
                                   </p:stCondLst>
                                   <p:childTnLst>
                                     <p:set>
                                       <p:cBhvr>
-                                        <p:cTn id="26" dur="1" fill="hold">
+                                        <p:cTn id="29" dur="1" fill="hold">
                                           <p:stCondLst>
                                             <p:cond delay="0"/>
                                           </p:stCondLst>
@@ -5456,6 +5498,18 @@
                                         <p:strVal val="visible"/>
                                       </p:to>
                                     </p:set>
+                                    <p:animEffect transition="in" filter="fade">
+                                      <p:cBhvr>
+                                        <p:cTn id="30" dur="500"/>
+                                        <p:tgtEl>
+                                          <p:spTgt spid="8">
+                                            <p:txEl>
+                                              <p:pRg st="5" end="5"/>
+                                            </p:txEl>
+                                          </p:spTgt>
+                                        </p:tgtEl>
+                                      </p:cBhvr>
+                                    </p:animEffect>
                                   </p:childTnLst>
                                 </p:cTn>
                               </p:par>
@@ -5466,26 +5520,26 @@
                     </p:cTn>
                   </p:par>
                   <p:par>
-                    <p:cTn id="27" fill="hold">
+                    <p:cTn id="31" fill="hold">
                       <p:stCondLst>
                         <p:cond delay="indefinite"/>
                       </p:stCondLst>
                       <p:childTnLst>
                         <p:par>
-                          <p:cTn id="28" fill="hold">
+                          <p:cTn id="32" fill="hold">
                             <p:stCondLst>
                               <p:cond delay="0"/>
                             </p:stCondLst>
                             <p:childTnLst>
                               <p:par>
-                                <p:cTn id="29" presetID="1" presetClass="entr" presetSubtype="0" fill="hold" nodeType="clickEffect">
+                                <p:cTn id="33" presetID="10" presetClass="entr" presetSubtype="0" fill="hold" nodeType="clickEffect">
                                   <p:stCondLst>
                                     <p:cond delay="0"/>
                                   </p:stCondLst>
                                   <p:childTnLst>
                                     <p:set>
                                       <p:cBhvr>
-                                        <p:cTn id="30" dur="1" fill="hold">
+                                        <p:cTn id="34" dur="1" fill="hold">
                                           <p:stCondLst>
                                             <p:cond delay="0"/>
                                           </p:stCondLst>
@@ -5505,6 +5559,18 @@
                                         <p:strVal val="visible"/>
                                       </p:to>
                                     </p:set>
+                                    <p:animEffect transition="in" filter="fade">
+                                      <p:cBhvr>
+                                        <p:cTn id="35" dur="500"/>
+                                        <p:tgtEl>
+                                          <p:spTgt spid="8">
+                                            <p:txEl>
+                                              <p:pRg st="6" end="6"/>
+                                            </p:txEl>
+                                          </p:spTgt>
+                                        </p:tgtEl>
+                                      </p:cBhvr>
+                                    </p:animEffect>
                                   </p:childTnLst>
                                 </p:cTn>
                               </p:par>
@@ -5614,7 +5680,15 @@
             </a:r>
             <a:r>
               <a:rPr lang="en-GB" sz="1400" cap="none" dirty="0" smtClean="0"/>
-              <a:t>– MVC – Uploaden – Databank – Parsers – Visualisatie – Inlogsysteem – Future work</a:t>
+              <a:t>– MVC </a:t>
+            </a:r>
+            <a:r>
+              <a:rPr lang="en-GB" sz="1400" cap="none" dirty="0" smtClean="0"/>
+              <a:t>– </a:t>
+            </a:r>
+            <a:r>
+              <a:rPr lang="en-GB" sz="1400" cap="none" dirty="0" smtClean="0"/>
+              <a:t>Databank – Parsers – Visualisatie – Inlogsysteem – Future work</a:t>
             </a:r>
             <a:endParaRPr lang="nl-BE" sz="1400" cap="none" dirty="0"/>
           </a:p>
@@ -5728,12 +5802,12 @@
           </a:lstStyle>
           <a:p>
             <a:r>
-              <a:rPr lang="en-GB" smtClean="0">
+              <a:rPr lang="en-GB" dirty="0" smtClean="0">
                 <a:solidFill>
                   <a:schemeClr val="tx1"/>
                 </a:solidFill>
               </a:rPr>
-              <a:t>Inhoud</a:t>
+              <a:t>Context</a:t>
             </a:r>
             <a:endParaRPr lang="nl-BE" dirty="0">
               <a:solidFill>
@@ -6015,15 +6089,12 @@
               <a:buFont typeface="Calibri" panose="020F0502020204030204" pitchFamily="34" charset="0"/>
               <a:buNone/>
             </a:pPr>
-            <a:r>
-              <a:rPr lang="nl-BE" sz="2400" dirty="0" smtClean="0">
-                <a:solidFill>
-                  <a:schemeClr val="tx1"/>
-                </a:solidFill>
-                <a:latin typeface="+mj-lt"/>
-              </a:rPr>
-              <a:t>Tekst</a:t>
-            </a:r>
+            <a:endParaRPr lang="nl-BE" sz="2400" dirty="0" smtClean="0">
+              <a:solidFill>
+                <a:schemeClr val="tx1"/>
+              </a:solidFill>
+              <a:latin typeface="+mj-lt"/>
+            </a:endParaRPr>
           </a:p>
           <a:p>
             <a:pPr marL="0" indent="0">
@@ -6045,10 +6116,5623 @@
           </a:p>
         </p:txBody>
       </p:sp>
+      <p:pic>
+        <p:nvPicPr>
+          <p:cNvPr id="8" name="Afbeelding 7"/>
+          <p:cNvPicPr>
+            <a:picLocks noChangeAspect="1"/>
+          </p:cNvPicPr>
+          <p:nvPr/>
+        </p:nvPicPr>
+        <p:blipFill>
+          <a:blip r:embed="rId2"/>
+          <a:stretch>
+            <a:fillRect/>
+          </a:stretch>
+        </p:blipFill>
+        <p:spPr>
+          <a:xfrm>
+            <a:off x="8637479" y="1108034"/>
+            <a:ext cx="2848373" cy="1390844"/>
+          </a:xfrm>
+          <a:prstGeom prst="rect">
+            <a:avLst/>
+          </a:prstGeom>
+        </p:spPr>
+      </p:pic>
+      <p:pic>
+        <p:nvPicPr>
+          <p:cNvPr id="9" name="Picture 2" descr="https://www.jandenul.com/sites/default/files/styles/large/public/rs3270_img_1379.jpg?itok=WlwNPAbM"/>
+          <p:cNvPicPr>
+            <a:picLocks noChangeAspect="1" noChangeArrowheads="1"/>
+          </p:cNvPicPr>
+          <p:nvPr/>
+        </p:nvPicPr>
+        <p:blipFill>
+          <a:blip r:embed="rId3">
+            <a:extLst>
+              <a:ext uri="{28A0092B-C50C-407E-A947-70E740481C1C}">
+                <a14:useLocalDpi xmlns:a14="http://schemas.microsoft.com/office/drawing/2010/main" val="0"/>
+              </a:ext>
+            </a:extLst>
+          </a:blip>
+          <a:srcRect/>
+          <a:stretch>
+            <a:fillRect/>
+          </a:stretch>
+        </p:blipFill>
+        <p:spPr bwMode="auto">
+          <a:xfrm>
+            <a:off x="1097280" y="1203710"/>
+            <a:ext cx="5252649" cy="2961181"/>
+          </a:xfrm>
+          <a:prstGeom prst="rect">
+            <a:avLst/>
+          </a:prstGeom>
+          <a:noFill/>
+          <a:extLst>
+            <a:ext uri="{909E8E84-426E-40DD-AFC4-6F175D3DCCD1}">
+              <a14:hiddenFill xmlns:a14="http://schemas.microsoft.com/office/drawing/2010/main">
+                <a:solidFill>
+                  <a:srgbClr val="FFFFFF"/>
+                </a:solidFill>
+              </a14:hiddenFill>
+            </a:ext>
+          </a:extLst>
+        </p:spPr>
+      </p:pic>
+      <p:pic>
+        <p:nvPicPr>
+          <p:cNvPr id="13" name="Picture 4" descr="https://www.jandenul.com/sites/default/files/project/images/Suez_web1_0.jpg"/>
+          <p:cNvPicPr>
+            <a:picLocks noChangeAspect="1" noChangeArrowheads="1"/>
+          </p:cNvPicPr>
+          <p:nvPr/>
+        </p:nvPicPr>
+        <p:blipFill>
+          <a:blip r:embed="rId4">
+            <a:extLst>
+              <a:ext uri="{28A0092B-C50C-407E-A947-70E740481C1C}">
+                <a14:useLocalDpi xmlns:a14="http://schemas.microsoft.com/office/drawing/2010/main" val="0"/>
+              </a:ext>
+            </a:extLst>
+          </a:blip>
+          <a:srcRect/>
+          <a:stretch>
+            <a:fillRect/>
+          </a:stretch>
+        </p:blipFill>
+        <p:spPr bwMode="auto">
+          <a:xfrm>
+            <a:off x="6447211" y="2745033"/>
+            <a:ext cx="5038641" cy="3359095"/>
+          </a:xfrm>
+          <a:prstGeom prst="rect">
+            <a:avLst/>
+          </a:prstGeom>
+          <a:noFill/>
+          <a:extLst>
+            <a:ext uri="{909E8E84-426E-40DD-AFC4-6F175D3DCCD1}">
+              <a14:hiddenFill xmlns:a14="http://schemas.microsoft.com/office/drawing/2010/main">
+                <a:solidFill>
+                  <a:srgbClr val="FFFFFF"/>
+                </a:solidFill>
+              </a14:hiddenFill>
+            </a:ext>
+          </a:extLst>
+        </p:spPr>
+      </p:pic>
+      <p:pic>
+        <p:nvPicPr>
+          <p:cNvPr id="14" name="Picture 6" descr="Jan De Nul successfully completes cable installation for the ADNOC ..."/>
+          <p:cNvPicPr>
+            <a:picLocks noChangeAspect="1" noChangeArrowheads="1"/>
+          </p:cNvPicPr>
+          <p:nvPr/>
+        </p:nvPicPr>
+        <p:blipFill>
+          <a:blip r:embed="rId5">
+            <a:extLst>
+              <a:ext uri="{28A0092B-C50C-407E-A947-70E740481C1C}">
+                <a14:useLocalDpi xmlns:a14="http://schemas.microsoft.com/office/drawing/2010/main" val="0"/>
+              </a:ext>
+            </a:extLst>
+          </a:blip>
+          <a:srcRect/>
+          <a:stretch>
+            <a:fillRect/>
+          </a:stretch>
+        </p:blipFill>
+        <p:spPr bwMode="auto">
+          <a:xfrm>
+            <a:off x="1928085" y="3711599"/>
+            <a:ext cx="3591037" cy="2392529"/>
+          </a:xfrm>
+          <a:prstGeom prst="rect">
+            <a:avLst/>
+          </a:prstGeom>
+          <a:noFill/>
+          <a:extLst>
+            <a:ext uri="{909E8E84-426E-40DD-AFC4-6F175D3DCCD1}">
+              <a14:hiddenFill xmlns:a14="http://schemas.microsoft.com/office/drawing/2010/main">
+                <a:solidFill>
+                  <a:srgbClr val="FFFFFF"/>
+                </a:solidFill>
+              </a14:hiddenFill>
+            </a:ext>
+          </a:extLst>
+        </p:spPr>
+      </p:pic>
     </p:spTree>
     <p:extLst>
       <p:ext uri="{BB962C8B-B14F-4D97-AF65-F5344CB8AC3E}">
         <p14:creationId xmlns:p14="http://schemas.microsoft.com/office/powerpoint/2010/main" val="1397006277"/>
+      </p:ext>
+    </p:extLst>
+  </p:cSld>
+  <p:clrMapOvr>
+    <a:masterClrMapping/>
+  </p:clrMapOvr>
+  <p:timing>
+    <p:tnLst>
+      <p:par>
+        <p:cTn id="1" dur="indefinite" restart="never" nodeType="tmRoot">
+          <p:childTnLst>
+            <p:seq concurrent="1" nextAc="seek">
+              <p:cTn id="2" dur="indefinite" nodeType="mainSeq">
+                <p:childTnLst>
+                  <p:par>
+                    <p:cTn id="3" fill="hold">
+                      <p:stCondLst>
+                        <p:cond delay="indefinite"/>
+                        <p:cond evt="onBegin" delay="0">
+                          <p:tn val="2"/>
+                        </p:cond>
+                      </p:stCondLst>
+                      <p:childTnLst>
+                        <p:par>
+                          <p:cTn id="4" fill="hold">
+                            <p:stCondLst>
+                              <p:cond delay="0"/>
+                            </p:stCondLst>
+                            <p:childTnLst>
+                              <p:par>
+                                <p:cTn id="5" presetID="10" presetClass="entr" presetSubtype="0" fill="hold" nodeType="withEffect">
+                                  <p:stCondLst>
+                                    <p:cond delay="0"/>
+                                  </p:stCondLst>
+                                  <p:childTnLst>
+                                    <p:set>
+                                      <p:cBhvr>
+                                        <p:cTn id="6" dur="1" fill="hold">
+                                          <p:stCondLst>
+                                            <p:cond delay="0"/>
+                                          </p:stCondLst>
+                                        </p:cTn>
+                                        <p:tgtEl>
+                                          <p:spTgt spid="8"/>
+                                        </p:tgtEl>
+                                        <p:attrNameLst>
+                                          <p:attrName>style.visibility</p:attrName>
+                                        </p:attrNameLst>
+                                      </p:cBhvr>
+                                      <p:to>
+                                        <p:strVal val="visible"/>
+                                      </p:to>
+                                    </p:set>
+                                    <p:animEffect transition="in" filter="fade">
+                                      <p:cBhvr>
+                                        <p:cTn id="7" dur="500"/>
+                                        <p:tgtEl>
+                                          <p:spTgt spid="8"/>
+                                        </p:tgtEl>
+                                      </p:cBhvr>
+                                    </p:animEffect>
+                                  </p:childTnLst>
+                                </p:cTn>
+                              </p:par>
+                              <p:par>
+                                <p:cTn id="8" presetID="10" presetClass="entr" presetSubtype="0" fill="hold" nodeType="withEffect">
+                                  <p:stCondLst>
+                                    <p:cond delay="0"/>
+                                  </p:stCondLst>
+                                  <p:childTnLst>
+                                    <p:set>
+                                      <p:cBhvr>
+                                        <p:cTn id="9" dur="1" fill="hold">
+                                          <p:stCondLst>
+                                            <p:cond delay="0"/>
+                                          </p:stCondLst>
+                                        </p:cTn>
+                                        <p:tgtEl>
+                                          <p:spTgt spid="9"/>
+                                        </p:tgtEl>
+                                        <p:attrNameLst>
+                                          <p:attrName>style.visibility</p:attrName>
+                                        </p:attrNameLst>
+                                      </p:cBhvr>
+                                      <p:to>
+                                        <p:strVal val="visible"/>
+                                      </p:to>
+                                    </p:set>
+                                    <p:animEffect transition="in" filter="fade">
+                                      <p:cBhvr>
+                                        <p:cTn id="10" dur="500"/>
+                                        <p:tgtEl>
+                                          <p:spTgt spid="9"/>
+                                        </p:tgtEl>
+                                      </p:cBhvr>
+                                    </p:animEffect>
+                                  </p:childTnLst>
+                                </p:cTn>
+                              </p:par>
+                              <p:par>
+                                <p:cTn id="11" presetID="10" presetClass="entr" presetSubtype="0" fill="hold" nodeType="withEffect">
+                                  <p:stCondLst>
+                                    <p:cond delay="0"/>
+                                  </p:stCondLst>
+                                  <p:childTnLst>
+                                    <p:set>
+                                      <p:cBhvr>
+                                        <p:cTn id="12" dur="1" fill="hold">
+                                          <p:stCondLst>
+                                            <p:cond delay="0"/>
+                                          </p:stCondLst>
+                                        </p:cTn>
+                                        <p:tgtEl>
+                                          <p:spTgt spid="13"/>
+                                        </p:tgtEl>
+                                        <p:attrNameLst>
+                                          <p:attrName>style.visibility</p:attrName>
+                                        </p:attrNameLst>
+                                      </p:cBhvr>
+                                      <p:to>
+                                        <p:strVal val="visible"/>
+                                      </p:to>
+                                    </p:set>
+                                    <p:animEffect transition="in" filter="fade">
+                                      <p:cBhvr>
+                                        <p:cTn id="13" dur="500"/>
+                                        <p:tgtEl>
+                                          <p:spTgt spid="13"/>
+                                        </p:tgtEl>
+                                      </p:cBhvr>
+                                    </p:animEffect>
+                                  </p:childTnLst>
+                                </p:cTn>
+                              </p:par>
+                              <p:par>
+                                <p:cTn id="14" presetID="10" presetClass="entr" presetSubtype="0" fill="hold" nodeType="withEffect">
+                                  <p:stCondLst>
+                                    <p:cond delay="0"/>
+                                  </p:stCondLst>
+                                  <p:childTnLst>
+                                    <p:set>
+                                      <p:cBhvr>
+                                        <p:cTn id="15" dur="1" fill="hold">
+                                          <p:stCondLst>
+                                            <p:cond delay="0"/>
+                                          </p:stCondLst>
+                                        </p:cTn>
+                                        <p:tgtEl>
+                                          <p:spTgt spid="14"/>
+                                        </p:tgtEl>
+                                        <p:attrNameLst>
+                                          <p:attrName>style.visibility</p:attrName>
+                                        </p:attrNameLst>
+                                      </p:cBhvr>
+                                      <p:to>
+                                        <p:strVal val="visible"/>
+                                      </p:to>
+                                    </p:set>
+                                    <p:animEffect transition="in" filter="fade">
+                                      <p:cBhvr>
+                                        <p:cTn id="16" dur="500"/>
+                                        <p:tgtEl>
+                                          <p:spTgt spid="14"/>
+                                        </p:tgtEl>
+                                      </p:cBhvr>
+                                    </p:animEffect>
+                                  </p:childTnLst>
+                                </p:cTn>
+                              </p:par>
+                            </p:childTnLst>
+                          </p:cTn>
+                        </p:par>
+                      </p:childTnLst>
+                    </p:cTn>
+                  </p:par>
+                </p:childTnLst>
+              </p:cTn>
+              <p:prevCondLst>
+                <p:cond evt="onPrev" delay="0">
+                  <p:tgtEl>
+                    <p:sldTgt/>
+                  </p:tgtEl>
+                </p:cond>
+              </p:prevCondLst>
+              <p:nextCondLst>
+                <p:cond evt="onNext" delay="0">
+                  <p:tgtEl>
+                    <p:sldTgt/>
+                  </p:tgtEl>
+                </p:cond>
+              </p:nextCondLst>
+            </p:seq>
+          </p:childTnLst>
+        </p:cTn>
+      </p:par>
+    </p:tnLst>
+  </p:timing>
+</p:sld>
+</file>
+
+<file path=ppt/slides/slide4.xml><?xml version="1.0" encoding="utf-8"?>
+<p:sld xmlns:a="http://schemas.openxmlformats.org/drawingml/2006/main" xmlns:r="http://schemas.openxmlformats.org/officeDocument/2006/relationships" xmlns:p="http://schemas.openxmlformats.org/presentationml/2006/main">
+  <p:cSld>
+    <p:spTree>
+      <p:nvGrpSpPr>
+        <p:cNvPr id="1" name=""/>
+        <p:cNvGrpSpPr/>
+        <p:nvPr/>
+      </p:nvGrpSpPr>
+      <p:grpSpPr>
+        <a:xfrm>
+          <a:off x="0" y="0"/>
+          <a:ext cx="0" cy="0"/>
+          <a:chOff x="0" y="0"/>
+          <a:chExt cx="0" cy="0"/>
+        </a:xfrm>
+      </p:grpSpPr>
+      <p:sp>
+        <p:nvSpPr>
+          <p:cNvPr id="4" name="Tijdelijke aanduiding voor datum 3"/>
+          <p:cNvSpPr>
+            <a:spLocks noGrp="1"/>
+          </p:cNvSpPr>
+          <p:nvPr>
+            <p:ph type="dt" sz="half" idx="10"/>
+          </p:nvPr>
+        </p:nvSpPr>
+        <p:spPr>
+          <a:xfrm>
+            <a:off x="313508" y="6459783"/>
+            <a:ext cx="2472271" cy="365125"/>
+          </a:xfrm>
+        </p:spPr>
+        <p:txBody>
+          <a:bodyPr/>
+          <a:lstStyle/>
+          <a:p>
+            <a:r>
+              <a:rPr lang="nl-BE" sz="1400" dirty="0" smtClean="0"/>
+              <a:t>Bryan Van Huyneghem</a:t>
+            </a:r>
+            <a:endParaRPr lang="nl-BE" sz="800" dirty="0"/>
+          </a:p>
+        </p:txBody>
+      </p:sp>
+      <p:sp>
+        <p:nvSpPr>
+          <p:cNvPr id="5" name="Tijdelijke aanduiding voor voettekst 4"/>
+          <p:cNvSpPr>
+            <a:spLocks noGrp="1"/>
+          </p:cNvSpPr>
+          <p:nvPr>
+            <p:ph type="ftr" sz="quarter" idx="11"/>
+          </p:nvPr>
+        </p:nvSpPr>
+        <p:spPr>
+          <a:xfrm>
+            <a:off x="2191294" y="6459784"/>
+            <a:ext cx="7870372" cy="365125"/>
+          </a:xfrm>
+        </p:spPr>
+        <p:txBody>
+          <a:bodyPr/>
+          <a:lstStyle/>
+          <a:p>
+            <a:r>
+              <a:rPr lang="en-GB" sz="1600" b="1" cap="none" dirty="0" smtClean="0"/>
+              <a:t>Context</a:t>
+            </a:r>
+            <a:r>
+              <a:rPr lang="en-GB" sz="1600" cap="none" dirty="0" smtClean="0"/>
+              <a:t> </a:t>
+            </a:r>
+            <a:r>
+              <a:rPr lang="en-GB" sz="1400" cap="none" dirty="0" smtClean="0"/>
+              <a:t>– MVC </a:t>
+            </a:r>
+            <a:r>
+              <a:rPr lang="en-GB" sz="1400" cap="none" dirty="0" smtClean="0"/>
+              <a:t>– </a:t>
+            </a:r>
+            <a:r>
+              <a:rPr lang="en-GB" sz="1400" cap="none" dirty="0" smtClean="0"/>
+              <a:t>Databank – Parsers – Visualisatie – Inlogsysteem – Future work</a:t>
+            </a:r>
+            <a:endParaRPr lang="nl-BE" sz="1400" cap="none" dirty="0"/>
+          </a:p>
+        </p:txBody>
+      </p:sp>
+      <p:sp>
+        <p:nvSpPr>
+          <p:cNvPr id="6" name="Tijdelijke aanduiding voor dianummer 5"/>
+          <p:cNvSpPr>
+            <a:spLocks noGrp="1"/>
+          </p:cNvSpPr>
+          <p:nvPr>
+            <p:ph type="sldNum" sz="quarter" idx="12"/>
+          </p:nvPr>
+        </p:nvSpPr>
+        <p:spPr>
+          <a:xfrm>
+            <a:off x="10613571" y="6459785"/>
+            <a:ext cx="598912" cy="365125"/>
+          </a:xfrm>
+        </p:spPr>
+        <p:txBody>
+          <a:bodyPr/>
+          <a:lstStyle/>
+          <a:p>
+            <a:fld id="{535572C1-3FAA-4346-9330-03EF25016D70}" type="slidenum">
+              <a:rPr lang="nl-BE" sz="1600" smtClean="0"/>
+              <a:t>4</a:t>
+            </a:fld>
+            <a:endParaRPr lang="nl-BE" sz="1600" dirty="0"/>
+          </a:p>
+        </p:txBody>
+      </p:sp>
+      <p:cxnSp>
+        <p:nvCxnSpPr>
+          <p:cNvPr id="10" name="Rechte verbindingslijn 9"/>
+          <p:cNvCxnSpPr/>
+          <p:nvPr/>
+        </p:nvCxnSpPr>
+        <p:spPr>
+          <a:xfrm>
+            <a:off x="1097280" y="1045030"/>
+            <a:ext cx="10210256" cy="0"/>
+          </a:xfrm>
+          <a:prstGeom prst="line">
+            <a:avLst/>
+          </a:prstGeom>
+          <a:ln>
+            <a:solidFill>
+              <a:schemeClr val="bg1">
+                <a:lumMod val="65000"/>
+              </a:schemeClr>
+            </a:solidFill>
+          </a:ln>
+        </p:spPr>
+        <p:style>
+          <a:lnRef idx="1">
+            <a:schemeClr val="accent1"/>
+          </a:lnRef>
+          <a:fillRef idx="0">
+            <a:schemeClr val="accent1"/>
+          </a:fillRef>
+          <a:effectRef idx="0">
+            <a:schemeClr val="accent1"/>
+          </a:effectRef>
+          <a:fontRef idx="minor">
+            <a:schemeClr val="tx1"/>
+          </a:fontRef>
+        </p:style>
+      </p:cxnSp>
+      <p:sp>
+        <p:nvSpPr>
+          <p:cNvPr id="11" name="Titel 1"/>
+          <p:cNvSpPr txBox="1">
+            <a:spLocks/>
+          </p:cNvSpPr>
+          <p:nvPr/>
+        </p:nvSpPr>
+        <p:spPr>
+          <a:xfrm>
+            <a:off x="1097280" y="286604"/>
+            <a:ext cx="10058400" cy="758426"/>
+          </a:xfrm>
+          <a:prstGeom prst="rect">
+            <a:avLst/>
+          </a:prstGeom>
+        </p:spPr>
+        <p:txBody>
+          <a:bodyPr anchor="ctr"/>
+          <a:lstStyle>
+            <a:lvl1pPr algn="l" defTabSz="914400" rtl="0" eaLnBrk="1" latinLnBrk="0" hangingPunct="1">
+              <a:lnSpc>
+                <a:spcPct val="85000"/>
+              </a:lnSpc>
+              <a:spcBef>
+                <a:spcPct val="0"/>
+              </a:spcBef>
+              <a:buNone/>
+              <a:defRPr sz="4800" kern="1200" spc="-50" baseline="0">
+                <a:solidFill>
+                  <a:schemeClr val="tx1">
+                    <a:lumMod val="75000"/>
+                    <a:lumOff val="25000"/>
+                  </a:schemeClr>
+                </a:solidFill>
+                <a:latin typeface="+mj-lt"/>
+                <a:ea typeface="+mj-ea"/>
+                <a:cs typeface="+mj-cs"/>
+              </a:defRPr>
+            </a:lvl1pPr>
+          </a:lstStyle>
+          <a:p>
+            <a:r>
+              <a:rPr lang="nl-BE" dirty="0" smtClean="0">
+                <a:solidFill>
+                  <a:schemeClr val="tx1"/>
+                </a:solidFill>
+              </a:rPr>
+              <a:t>Projectd</a:t>
+            </a:r>
+            <a:r>
+              <a:rPr lang="nl-BE" dirty="0" smtClean="0">
+                <a:solidFill>
+                  <a:schemeClr val="tx1"/>
+                </a:solidFill>
+              </a:rPr>
+              <a:t>oelstellingen</a:t>
+            </a:r>
+            <a:endParaRPr lang="nl-BE" dirty="0">
+              <a:solidFill>
+                <a:schemeClr val="tx1"/>
+              </a:solidFill>
+            </a:endParaRPr>
+          </a:p>
+        </p:txBody>
+      </p:sp>
+      <p:sp>
+        <p:nvSpPr>
+          <p:cNvPr id="12" name="Tijdelijke aanduiding voor inhoud 2"/>
+          <p:cNvSpPr txBox="1">
+            <a:spLocks/>
+          </p:cNvSpPr>
+          <p:nvPr/>
+        </p:nvSpPr>
+        <p:spPr>
+          <a:xfrm>
+            <a:off x="1097280" y="1420585"/>
+            <a:ext cx="10058400" cy="4448507"/>
+          </a:xfrm>
+          <a:prstGeom prst="rect">
+            <a:avLst/>
+          </a:prstGeom>
+        </p:spPr>
+        <p:txBody>
+          <a:bodyPr>
+            <a:normAutofit/>
+          </a:bodyPr>
+          <a:lstStyle>
+            <a:lvl1pPr marL="91440" indent="-91440" algn="l" defTabSz="914400" rtl="0" eaLnBrk="1" latinLnBrk="0" hangingPunct="1">
+              <a:lnSpc>
+                <a:spcPct val="90000"/>
+              </a:lnSpc>
+              <a:spcBef>
+                <a:spcPts val="1200"/>
+              </a:spcBef>
+              <a:spcAft>
+                <a:spcPts val="200"/>
+              </a:spcAft>
+              <a:buClr>
+                <a:schemeClr val="accent1"/>
+              </a:buClr>
+              <a:buSzPct val="100000"/>
+              <a:buFont typeface="Calibri" panose="020F0502020204030204" pitchFamily="34" charset="0"/>
+              <a:buChar char=" "/>
+              <a:defRPr sz="2000" kern="1200">
+                <a:solidFill>
+                  <a:schemeClr val="tx1">
+                    <a:lumMod val="75000"/>
+                    <a:lumOff val="25000"/>
+                  </a:schemeClr>
+                </a:solidFill>
+                <a:latin typeface="+mn-lt"/>
+                <a:ea typeface="+mn-ea"/>
+                <a:cs typeface="+mn-cs"/>
+              </a:defRPr>
+            </a:lvl1pPr>
+            <a:lvl2pPr marL="384048" indent="-182880" algn="l" defTabSz="914400" rtl="0" eaLnBrk="1" latinLnBrk="0" hangingPunct="1">
+              <a:lnSpc>
+                <a:spcPct val="90000"/>
+              </a:lnSpc>
+              <a:spcBef>
+                <a:spcPts val="200"/>
+              </a:spcBef>
+              <a:spcAft>
+                <a:spcPts val="400"/>
+              </a:spcAft>
+              <a:buClr>
+                <a:schemeClr val="accent1"/>
+              </a:buClr>
+              <a:buFont typeface="Calibri" pitchFamily="34" charset="0"/>
+              <a:buChar char="◦"/>
+              <a:defRPr sz="1800" kern="1200">
+                <a:solidFill>
+                  <a:schemeClr val="tx1">
+                    <a:lumMod val="75000"/>
+                    <a:lumOff val="25000"/>
+                  </a:schemeClr>
+                </a:solidFill>
+                <a:latin typeface="+mn-lt"/>
+                <a:ea typeface="+mn-ea"/>
+                <a:cs typeface="+mn-cs"/>
+              </a:defRPr>
+            </a:lvl2pPr>
+            <a:lvl3pPr marL="566928" indent="-182880" algn="l" defTabSz="914400" rtl="0" eaLnBrk="1" latinLnBrk="0" hangingPunct="1">
+              <a:lnSpc>
+                <a:spcPct val="90000"/>
+              </a:lnSpc>
+              <a:spcBef>
+                <a:spcPts val="200"/>
+              </a:spcBef>
+              <a:spcAft>
+                <a:spcPts val="400"/>
+              </a:spcAft>
+              <a:buClr>
+                <a:schemeClr val="accent1"/>
+              </a:buClr>
+              <a:buFont typeface="Calibri" pitchFamily="34" charset="0"/>
+              <a:buChar char="◦"/>
+              <a:defRPr sz="1400" kern="1200">
+                <a:solidFill>
+                  <a:schemeClr val="tx1">
+                    <a:lumMod val="75000"/>
+                    <a:lumOff val="25000"/>
+                  </a:schemeClr>
+                </a:solidFill>
+                <a:latin typeface="+mn-lt"/>
+                <a:ea typeface="+mn-ea"/>
+                <a:cs typeface="+mn-cs"/>
+              </a:defRPr>
+            </a:lvl3pPr>
+            <a:lvl4pPr marL="749808" indent="-182880" algn="l" defTabSz="914400" rtl="0" eaLnBrk="1" latinLnBrk="0" hangingPunct="1">
+              <a:lnSpc>
+                <a:spcPct val="90000"/>
+              </a:lnSpc>
+              <a:spcBef>
+                <a:spcPts val="200"/>
+              </a:spcBef>
+              <a:spcAft>
+                <a:spcPts val="400"/>
+              </a:spcAft>
+              <a:buClr>
+                <a:schemeClr val="accent1"/>
+              </a:buClr>
+              <a:buFont typeface="Calibri" pitchFamily="34" charset="0"/>
+              <a:buChar char="◦"/>
+              <a:defRPr sz="1400" kern="1200">
+                <a:solidFill>
+                  <a:schemeClr val="tx1">
+                    <a:lumMod val="75000"/>
+                    <a:lumOff val="25000"/>
+                  </a:schemeClr>
+                </a:solidFill>
+                <a:latin typeface="+mn-lt"/>
+                <a:ea typeface="+mn-ea"/>
+                <a:cs typeface="+mn-cs"/>
+              </a:defRPr>
+            </a:lvl4pPr>
+            <a:lvl5pPr marL="932688" indent="-182880" algn="l" defTabSz="914400" rtl="0" eaLnBrk="1" latinLnBrk="0" hangingPunct="1">
+              <a:lnSpc>
+                <a:spcPct val="90000"/>
+              </a:lnSpc>
+              <a:spcBef>
+                <a:spcPts val="200"/>
+              </a:spcBef>
+              <a:spcAft>
+                <a:spcPts val="400"/>
+              </a:spcAft>
+              <a:buClr>
+                <a:schemeClr val="accent1"/>
+              </a:buClr>
+              <a:buFont typeface="Calibri" pitchFamily="34" charset="0"/>
+              <a:buChar char="◦"/>
+              <a:defRPr sz="1400" kern="1200">
+                <a:solidFill>
+                  <a:schemeClr val="tx1">
+                    <a:lumMod val="75000"/>
+                    <a:lumOff val="25000"/>
+                  </a:schemeClr>
+                </a:solidFill>
+                <a:latin typeface="+mn-lt"/>
+                <a:ea typeface="+mn-ea"/>
+                <a:cs typeface="+mn-cs"/>
+              </a:defRPr>
+            </a:lvl5pPr>
+            <a:lvl6pPr marL="1100000" indent="-228600" algn="l" defTabSz="914400" rtl="0" eaLnBrk="1" latinLnBrk="0" hangingPunct="1">
+              <a:lnSpc>
+                <a:spcPct val="90000"/>
+              </a:lnSpc>
+              <a:spcBef>
+                <a:spcPts val="200"/>
+              </a:spcBef>
+              <a:spcAft>
+                <a:spcPts val="400"/>
+              </a:spcAft>
+              <a:buClr>
+                <a:schemeClr val="accent1"/>
+              </a:buClr>
+              <a:buFont typeface="Calibri" pitchFamily="34" charset="0"/>
+              <a:buChar char="◦"/>
+              <a:defRPr sz="1400" kern="1200">
+                <a:solidFill>
+                  <a:schemeClr val="tx1">
+                    <a:lumMod val="75000"/>
+                    <a:lumOff val="25000"/>
+                  </a:schemeClr>
+                </a:solidFill>
+                <a:latin typeface="+mn-lt"/>
+                <a:ea typeface="+mn-ea"/>
+                <a:cs typeface="+mn-cs"/>
+              </a:defRPr>
+            </a:lvl6pPr>
+            <a:lvl7pPr marL="1300000" indent="-228600" algn="l" defTabSz="914400" rtl="0" eaLnBrk="1" latinLnBrk="0" hangingPunct="1">
+              <a:lnSpc>
+                <a:spcPct val="90000"/>
+              </a:lnSpc>
+              <a:spcBef>
+                <a:spcPts val="200"/>
+              </a:spcBef>
+              <a:spcAft>
+                <a:spcPts val="400"/>
+              </a:spcAft>
+              <a:buClr>
+                <a:schemeClr val="accent1"/>
+              </a:buClr>
+              <a:buFont typeface="Calibri" pitchFamily="34" charset="0"/>
+              <a:buChar char="◦"/>
+              <a:defRPr sz="1400" kern="1200">
+                <a:solidFill>
+                  <a:schemeClr val="tx1">
+                    <a:lumMod val="75000"/>
+                    <a:lumOff val="25000"/>
+                  </a:schemeClr>
+                </a:solidFill>
+                <a:latin typeface="+mn-lt"/>
+                <a:ea typeface="+mn-ea"/>
+                <a:cs typeface="+mn-cs"/>
+              </a:defRPr>
+            </a:lvl7pPr>
+            <a:lvl8pPr marL="1500000" indent="-228600" algn="l" defTabSz="914400" rtl="0" eaLnBrk="1" latinLnBrk="0" hangingPunct="1">
+              <a:lnSpc>
+                <a:spcPct val="90000"/>
+              </a:lnSpc>
+              <a:spcBef>
+                <a:spcPts val="200"/>
+              </a:spcBef>
+              <a:spcAft>
+                <a:spcPts val="400"/>
+              </a:spcAft>
+              <a:buClr>
+                <a:schemeClr val="accent1"/>
+              </a:buClr>
+              <a:buFont typeface="Calibri" pitchFamily="34" charset="0"/>
+              <a:buChar char="◦"/>
+              <a:defRPr sz="1400" kern="1200">
+                <a:solidFill>
+                  <a:schemeClr val="tx1">
+                    <a:lumMod val="75000"/>
+                    <a:lumOff val="25000"/>
+                  </a:schemeClr>
+                </a:solidFill>
+                <a:latin typeface="+mn-lt"/>
+                <a:ea typeface="+mn-ea"/>
+                <a:cs typeface="+mn-cs"/>
+              </a:defRPr>
+            </a:lvl8pPr>
+            <a:lvl9pPr marL="1700000" indent="-228600" algn="l" defTabSz="914400" rtl="0" eaLnBrk="1" latinLnBrk="0" hangingPunct="1">
+              <a:lnSpc>
+                <a:spcPct val="90000"/>
+              </a:lnSpc>
+              <a:spcBef>
+                <a:spcPts val="200"/>
+              </a:spcBef>
+              <a:spcAft>
+                <a:spcPts val="400"/>
+              </a:spcAft>
+              <a:buClr>
+                <a:schemeClr val="accent1"/>
+              </a:buClr>
+              <a:buFont typeface="Calibri" pitchFamily="34" charset="0"/>
+              <a:buChar char="◦"/>
+              <a:defRPr sz="1400" kern="1200">
+                <a:solidFill>
+                  <a:schemeClr val="tx1">
+                    <a:lumMod val="75000"/>
+                    <a:lumOff val="25000"/>
+                  </a:schemeClr>
+                </a:solidFill>
+                <a:latin typeface="+mn-lt"/>
+                <a:ea typeface="+mn-ea"/>
+                <a:cs typeface="+mn-cs"/>
+              </a:defRPr>
+            </a:lvl9pPr>
+          </a:lstStyle>
+          <a:p>
+            <a:pPr marL="0" indent="0">
+              <a:buFont typeface="Calibri" panose="020F0502020204030204" pitchFamily="34" charset="0"/>
+              <a:buNone/>
+            </a:pPr>
+            <a:endParaRPr lang="nl-BE" sz="2400" dirty="0" smtClean="0">
+              <a:solidFill>
+                <a:schemeClr val="tx1"/>
+              </a:solidFill>
+            </a:endParaRPr>
+          </a:p>
+          <a:p>
+            <a:pPr marL="514350" indent="-514350">
+              <a:buFont typeface="+mj-lt"/>
+              <a:buAutoNum type="arabicParenR"/>
+            </a:pPr>
+            <a:endParaRPr lang="nl-BE" sz="2400" dirty="0"/>
+          </a:p>
+        </p:txBody>
+      </p:sp>
+      <p:pic>
+        <p:nvPicPr>
+          <p:cNvPr id="8" name="Picture 2" descr="Database Diagram Icon - Wiring Diagrams Show"/>
+          <p:cNvPicPr>
+            <a:picLocks noChangeAspect="1" noChangeArrowheads="1"/>
+          </p:cNvPicPr>
+          <p:nvPr/>
+        </p:nvPicPr>
+        <p:blipFill>
+          <a:blip r:embed="rId2">
+            <a:extLst>
+              <a:ext uri="{28A0092B-C50C-407E-A947-70E740481C1C}">
+                <a14:useLocalDpi xmlns:a14="http://schemas.microsoft.com/office/drawing/2010/main" val="0"/>
+              </a:ext>
+            </a:extLst>
+          </a:blip>
+          <a:srcRect/>
+          <a:stretch>
+            <a:fillRect/>
+          </a:stretch>
+        </p:blipFill>
+        <p:spPr bwMode="auto">
+          <a:xfrm>
+            <a:off x="2401165" y="2676604"/>
+            <a:ext cx="1075857" cy="1054079"/>
+          </a:xfrm>
+          <a:prstGeom prst="rect">
+            <a:avLst/>
+          </a:prstGeom>
+          <a:noFill/>
+          <a:extLst>
+            <a:ext uri="{909E8E84-426E-40DD-AFC4-6F175D3DCCD1}">
+              <a14:hiddenFill xmlns:a14="http://schemas.microsoft.com/office/drawing/2010/main">
+                <a:solidFill>
+                  <a:srgbClr val="FFFFFF"/>
+                </a:solidFill>
+              </a14:hiddenFill>
+            </a:ext>
+          </a:extLst>
+        </p:spPr>
+      </p:pic>
+      <p:sp>
+        <p:nvSpPr>
+          <p:cNvPr id="9" name="Tekstvak 8"/>
+          <p:cNvSpPr txBox="1"/>
+          <p:nvPr/>
+        </p:nvSpPr>
+        <p:spPr>
+          <a:xfrm>
+            <a:off x="1248584" y="1969759"/>
+            <a:ext cx="2433423" cy="646331"/>
+          </a:xfrm>
+          <a:prstGeom prst="rect">
+            <a:avLst/>
+          </a:prstGeom>
+          <a:noFill/>
+        </p:spPr>
+        <p:txBody>
+          <a:bodyPr wrap="none" rtlCol="0">
+            <a:spAutoFit/>
+          </a:bodyPr>
+          <a:lstStyle/>
+          <a:p>
+            <a:pPr algn="ctr"/>
+            <a:r>
+              <a:rPr lang="en-GB" dirty="0"/>
+              <a:t>1.</a:t>
+            </a:r>
+          </a:p>
+          <a:p>
+            <a:r>
+              <a:rPr lang="en-GB" dirty="0"/>
+              <a:t>Data en databankmodel</a:t>
+            </a:r>
+            <a:endParaRPr lang="nl-BE" dirty="0"/>
+          </a:p>
+        </p:txBody>
+      </p:sp>
+      <p:pic>
+        <p:nvPicPr>
+          <p:cNvPr id="13" name="Afbeelding 12"/>
+          <p:cNvPicPr>
+            <a:picLocks noChangeAspect="1"/>
+          </p:cNvPicPr>
+          <p:nvPr/>
+        </p:nvPicPr>
+        <p:blipFill>
+          <a:blip r:embed="rId3"/>
+          <a:stretch>
+            <a:fillRect/>
+          </a:stretch>
+        </p:blipFill>
+        <p:spPr>
+          <a:xfrm>
+            <a:off x="1435696" y="2833017"/>
+            <a:ext cx="797040" cy="797040"/>
+          </a:xfrm>
+          <a:prstGeom prst="rect">
+            <a:avLst/>
+          </a:prstGeom>
+        </p:spPr>
+      </p:pic>
+      <p:pic>
+        <p:nvPicPr>
+          <p:cNvPr id="14" name="Picture 6" descr="Hand Drawn Arrow Icons - Download Free Vector Icons | Noun Project"/>
+          <p:cNvPicPr>
+            <a:picLocks noChangeAspect="1" noChangeArrowheads="1"/>
+          </p:cNvPicPr>
+          <p:nvPr/>
+        </p:nvPicPr>
+        <p:blipFill>
+          <a:blip r:embed="rId4" cstate="print">
+            <a:extLst>
+              <a:ext uri="{28A0092B-C50C-407E-A947-70E740481C1C}">
+                <a14:useLocalDpi xmlns:a14="http://schemas.microsoft.com/office/drawing/2010/main" val="0"/>
+              </a:ext>
+            </a:extLst>
+          </a:blip>
+          <a:srcRect/>
+          <a:stretch>
+            <a:fillRect/>
+          </a:stretch>
+        </p:blipFill>
+        <p:spPr bwMode="auto">
+          <a:xfrm>
+            <a:off x="3863005" y="2964735"/>
+            <a:ext cx="516777" cy="516777"/>
+          </a:xfrm>
+          <a:prstGeom prst="rect">
+            <a:avLst/>
+          </a:prstGeom>
+          <a:noFill/>
+          <a:extLst>
+            <a:ext uri="{909E8E84-426E-40DD-AFC4-6F175D3DCCD1}">
+              <a14:hiddenFill xmlns:a14="http://schemas.microsoft.com/office/drawing/2010/main">
+                <a:solidFill>
+                  <a:srgbClr val="FFFFFF"/>
+                </a:solidFill>
+              </a14:hiddenFill>
+            </a:ext>
+          </a:extLst>
+        </p:spPr>
+      </p:pic>
+      <p:grpSp>
+        <p:nvGrpSpPr>
+          <p:cNvPr id="15" name="Groep 14"/>
+          <p:cNvGrpSpPr/>
+          <p:nvPr/>
+        </p:nvGrpSpPr>
+        <p:grpSpPr>
+          <a:xfrm>
+            <a:off x="4581411" y="1969758"/>
+            <a:ext cx="1079013" cy="1756735"/>
+            <a:chOff x="4356292" y="1802059"/>
+            <a:chExt cx="1079013" cy="1756735"/>
+          </a:xfrm>
+        </p:grpSpPr>
+        <p:pic>
+          <p:nvPicPr>
+            <p:cNvPr id="16" name="Picture 8" descr="Office, database Free Icon of Super Flat Remix V1.08 Apps"/>
+            <p:cNvPicPr>
+              <a:picLocks noChangeAspect="1" noChangeArrowheads="1"/>
+            </p:cNvPicPr>
+            <p:nvPr/>
+          </p:nvPicPr>
+          <p:blipFill>
+            <a:blip r:embed="rId5" cstate="print">
+              <a:extLst>
+                <a:ext uri="{28A0092B-C50C-407E-A947-70E740481C1C}">
+                  <a14:useLocalDpi xmlns:a14="http://schemas.microsoft.com/office/drawing/2010/main" val="0"/>
+                </a:ext>
+              </a:extLst>
+            </a:blip>
+            <a:srcRect/>
+            <a:stretch>
+              <a:fillRect/>
+            </a:stretch>
+          </p:blipFill>
+          <p:spPr bwMode="auto">
+            <a:xfrm>
+              <a:off x="4540647" y="2848490"/>
+              <a:ext cx="710304" cy="710304"/>
+            </a:xfrm>
+            <a:prstGeom prst="rect">
+              <a:avLst/>
+            </a:prstGeom>
+            <a:noFill/>
+            <a:extLst>
+              <a:ext uri="{909E8E84-426E-40DD-AFC4-6F175D3DCCD1}">
+                <a14:hiddenFill xmlns:a14="http://schemas.microsoft.com/office/drawing/2010/main">
+                  <a:solidFill>
+                    <a:srgbClr val="FFFFFF"/>
+                  </a:solidFill>
+                </a14:hiddenFill>
+              </a:ext>
+            </a:extLst>
+          </p:spPr>
+        </p:pic>
+        <p:sp>
+          <p:nvSpPr>
+            <p:cNvPr id="17" name="Tekstvak 16"/>
+            <p:cNvSpPr txBox="1"/>
+            <p:nvPr/>
+          </p:nvSpPr>
+          <p:spPr>
+            <a:xfrm>
+              <a:off x="4356292" y="1802059"/>
+              <a:ext cx="1079013" cy="646331"/>
+            </a:xfrm>
+            <a:prstGeom prst="rect">
+              <a:avLst/>
+            </a:prstGeom>
+            <a:noFill/>
+          </p:spPr>
+          <p:txBody>
+            <a:bodyPr wrap="none" rtlCol="0">
+              <a:spAutoFit/>
+            </a:bodyPr>
+            <a:lstStyle/>
+            <a:p>
+              <a:pPr algn="ctr"/>
+              <a:r>
+                <a:rPr lang="en-GB" dirty="0"/>
+                <a:t>2.</a:t>
+              </a:r>
+            </a:p>
+            <a:p>
+              <a:r>
+                <a:rPr lang="en-GB" dirty="0"/>
+                <a:t>Databank</a:t>
+              </a:r>
+              <a:endParaRPr lang="nl-BE" dirty="0"/>
+            </a:p>
+          </p:txBody>
+        </p:sp>
+      </p:grpSp>
+      <p:pic>
+        <p:nvPicPr>
+          <p:cNvPr id="18" name="Picture 6" descr="Hand Drawn Arrow Icons - Download Free Vector Icons | Noun Project"/>
+          <p:cNvPicPr>
+            <a:picLocks noChangeAspect="1" noChangeArrowheads="1"/>
+          </p:cNvPicPr>
+          <p:nvPr/>
+        </p:nvPicPr>
+        <p:blipFill>
+          <a:blip r:embed="rId4" cstate="print">
+            <a:extLst>
+              <a:ext uri="{28A0092B-C50C-407E-A947-70E740481C1C}">
+                <a14:useLocalDpi xmlns:a14="http://schemas.microsoft.com/office/drawing/2010/main" val="0"/>
+              </a:ext>
+            </a:extLst>
+          </a:blip>
+          <a:srcRect/>
+          <a:stretch>
+            <a:fillRect/>
+          </a:stretch>
+        </p:blipFill>
+        <p:spPr bwMode="auto">
+          <a:xfrm>
+            <a:off x="5966021" y="2943746"/>
+            <a:ext cx="516777" cy="516777"/>
+          </a:xfrm>
+          <a:prstGeom prst="rect">
+            <a:avLst/>
+          </a:prstGeom>
+          <a:noFill/>
+          <a:extLst>
+            <a:ext uri="{909E8E84-426E-40DD-AFC4-6F175D3DCCD1}">
+              <a14:hiddenFill xmlns:a14="http://schemas.microsoft.com/office/drawing/2010/main">
+                <a:solidFill>
+                  <a:srgbClr val="FFFFFF"/>
+                </a:solidFill>
+              </a14:hiddenFill>
+            </a:ext>
+          </a:extLst>
+        </p:spPr>
+      </p:pic>
+      <p:pic>
+        <p:nvPicPr>
+          <p:cNvPr id="22" name="Picture 6" descr="Hand Drawn Arrow Icons - Download Free Vector Icons | Noun Project"/>
+          <p:cNvPicPr>
+            <a:picLocks noChangeAspect="1" noChangeArrowheads="1"/>
+          </p:cNvPicPr>
+          <p:nvPr/>
+        </p:nvPicPr>
+        <p:blipFill>
+          <a:blip r:embed="rId4" cstate="print">
+            <a:extLst>
+              <a:ext uri="{28A0092B-C50C-407E-A947-70E740481C1C}">
+                <a14:useLocalDpi xmlns:a14="http://schemas.microsoft.com/office/drawing/2010/main" val="0"/>
+              </a:ext>
+            </a:extLst>
+          </a:blip>
+          <a:srcRect/>
+          <a:stretch>
+            <a:fillRect/>
+          </a:stretch>
+        </p:blipFill>
+        <p:spPr bwMode="auto">
+          <a:xfrm>
+            <a:off x="8518072" y="2951046"/>
+            <a:ext cx="516777" cy="516777"/>
+          </a:xfrm>
+          <a:prstGeom prst="rect">
+            <a:avLst/>
+          </a:prstGeom>
+          <a:noFill/>
+          <a:extLst>
+            <a:ext uri="{909E8E84-426E-40DD-AFC4-6F175D3DCCD1}">
+              <a14:hiddenFill xmlns:a14="http://schemas.microsoft.com/office/drawing/2010/main">
+                <a:solidFill>
+                  <a:srgbClr val="FFFFFF"/>
+                </a:solidFill>
+              </a14:hiddenFill>
+            </a:ext>
+          </a:extLst>
+        </p:spPr>
+      </p:pic>
+      <p:grpSp>
+        <p:nvGrpSpPr>
+          <p:cNvPr id="23" name="Groep 22"/>
+          <p:cNvGrpSpPr/>
+          <p:nvPr/>
+        </p:nvGrpSpPr>
+        <p:grpSpPr>
+          <a:xfrm>
+            <a:off x="9340445" y="1965866"/>
+            <a:ext cx="1240532" cy="1760627"/>
+            <a:chOff x="9315938" y="2042612"/>
+            <a:chExt cx="1240532" cy="1760627"/>
+          </a:xfrm>
+        </p:grpSpPr>
+        <p:pic>
+          <p:nvPicPr>
+            <p:cNvPr id="24" name="Afbeelding 23"/>
+            <p:cNvPicPr>
+              <a:picLocks noChangeAspect="1"/>
+            </p:cNvPicPr>
+            <p:nvPr/>
+          </p:nvPicPr>
+          <p:blipFill>
+            <a:blip r:embed="rId6" cstate="print">
+              <a:extLst>
+                <a:ext uri="{28A0092B-C50C-407E-A947-70E740481C1C}">
+                  <a14:useLocalDpi xmlns:a14="http://schemas.microsoft.com/office/drawing/2010/main" val="0"/>
+                </a:ext>
+              </a:extLst>
+            </a:blip>
+            <a:stretch>
+              <a:fillRect/>
+            </a:stretch>
+          </p:blipFill>
+          <p:spPr>
+            <a:xfrm>
+              <a:off x="9529271" y="2989373"/>
+              <a:ext cx="813866" cy="813866"/>
+            </a:xfrm>
+            <a:prstGeom prst="rect">
+              <a:avLst/>
+            </a:prstGeom>
+          </p:spPr>
+        </p:pic>
+        <p:sp>
+          <p:nvSpPr>
+            <p:cNvPr id="25" name="Tekstvak 24"/>
+            <p:cNvSpPr txBox="1"/>
+            <p:nvPr/>
+          </p:nvSpPr>
+          <p:spPr>
+            <a:xfrm>
+              <a:off x="9315938" y="2042612"/>
+              <a:ext cx="1240532" cy="646331"/>
+            </a:xfrm>
+            <a:prstGeom prst="rect">
+              <a:avLst/>
+            </a:prstGeom>
+            <a:noFill/>
+          </p:spPr>
+          <p:txBody>
+            <a:bodyPr wrap="none" rtlCol="0">
+              <a:spAutoFit/>
+            </a:bodyPr>
+            <a:lstStyle/>
+            <a:p>
+              <a:pPr algn="ctr"/>
+              <a:r>
+                <a:rPr lang="en-GB" dirty="0"/>
+                <a:t>4.</a:t>
+              </a:r>
+            </a:p>
+            <a:p>
+              <a:r>
+                <a:rPr lang="en-GB" dirty="0"/>
+                <a:t>Visualisatie</a:t>
+              </a:r>
+              <a:endParaRPr lang="nl-BE" dirty="0"/>
+            </a:p>
+          </p:txBody>
+        </p:sp>
+      </p:grpSp>
+      <p:pic>
+        <p:nvPicPr>
+          <p:cNvPr id="26" name="Picture 6" descr="Hand Drawn Arrow Icons - Download Free Vector Icons | Noun Project"/>
+          <p:cNvPicPr>
+            <a:picLocks noChangeAspect="1" noChangeArrowheads="1"/>
+          </p:cNvPicPr>
+          <p:nvPr/>
+        </p:nvPicPr>
+        <p:blipFill>
+          <a:blip r:embed="rId4" cstate="print">
+            <a:extLst>
+              <a:ext uri="{28A0092B-C50C-407E-A947-70E740481C1C}">
+                <a14:useLocalDpi xmlns:a14="http://schemas.microsoft.com/office/drawing/2010/main" val="0"/>
+              </a:ext>
+            </a:extLst>
+          </a:blip>
+          <a:srcRect/>
+          <a:stretch>
+            <a:fillRect/>
+          </a:stretch>
+        </p:blipFill>
+        <p:spPr bwMode="auto">
+          <a:xfrm rot="5400000">
+            <a:off x="7242044" y="3953875"/>
+            <a:ext cx="516777" cy="516777"/>
+          </a:xfrm>
+          <a:prstGeom prst="rect">
+            <a:avLst/>
+          </a:prstGeom>
+          <a:noFill/>
+          <a:extLst>
+            <a:ext uri="{909E8E84-426E-40DD-AFC4-6F175D3DCCD1}">
+              <a14:hiddenFill xmlns:a14="http://schemas.microsoft.com/office/drawing/2010/main">
+                <a:solidFill>
+                  <a:srgbClr val="FFFFFF"/>
+                </a:solidFill>
+              </a14:hiddenFill>
+            </a:ext>
+          </a:extLst>
+        </p:spPr>
+      </p:pic>
+      <p:pic>
+        <p:nvPicPr>
+          <p:cNvPr id="27" name="Afbeelding 26"/>
+          <p:cNvPicPr>
+            <a:picLocks noChangeAspect="1"/>
+          </p:cNvPicPr>
+          <p:nvPr/>
+        </p:nvPicPr>
+        <p:blipFill>
+          <a:blip r:embed="rId7"/>
+          <a:stretch>
+            <a:fillRect/>
+          </a:stretch>
+        </p:blipFill>
+        <p:spPr>
+          <a:xfrm>
+            <a:off x="7114096" y="5255289"/>
+            <a:ext cx="793230" cy="541998"/>
+          </a:xfrm>
+          <a:prstGeom prst="rect">
+            <a:avLst/>
+          </a:prstGeom>
+        </p:spPr>
+      </p:pic>
+      <p:sp>
+        <p:nvSpPr>
+          <p:cNvPr id="28" name="Tekstvak 27"/>
+          <p:cNvSpPr txBox="1"/>
+          <p:nvPr/>
+        </p:nvSpPr>
+        <p:spPr>
+          <a:xfrm>
+            <a:off x="6888277" y="4608958"/>
+            <a:ext cx="1224310" cy="646331"/>
+          </a:xfrm>
+          <a:prstGeom prst="rect">
+            <a:avLst/>
+          </a:prstGeom>
+          <a:noFill/>
+        </p:spPr>
+        <p:txBody>
+          <a:bodyPr wrap="none" rtlCol="0">
+            <a:spAutoFit/>
+          </a:bodyPr>
+          <a:lstStyle/>
+          <a:p>
+            <a:pPr algn="ctr"/>
+            <a:r>
+              <a:rPr lang="en-GB" dirty="0"/>
+              <a:t>5.</a:t>
+            </a:r>
+          </a:p>
+          <a:p>
+            <a:r>
+              <a:rPr lang="en-GB" dirty="0"/>
+              <a:t>Exporteren</a:t>
+            </a:r>
+            <a:endParaRPr lang="nl-BE" dirty="0"/>
+          </a:p>
+        </p:txBody>
+      </p:sp>
+      <p:grpSp>
+        <p:nvGrpSpPr>
+          <p:cNvPr id="2" name="Groep 1"/>
+          <p:cNvGrpSpPr/>
+          <p:nvPr/>
+        </p:nvGrpSpPr>
+        <p:grpSpPr>
+          <a:xfrm>
+            <a:off x="6736283" y="1971528"/>
+            <a:ext cx="1528303" cy="1731992"/>
+            <a:chOff x="6736283" y="1971528"/>
+            <a:chExt cx="1528303" cy="1731992"/>
+          </a:xfrm>
+        </p:grpSpPr>
+        <p:sp>
+          <p:nvSpPr>
+            <p:cNvPr id="21" name="Tekstvak 20"/>
+            <p:cNvSpPr txBox="1"/>
+            <p:nvPr/>
+          </p:nvSpPr>
+          <p:spPr>
+            <a:xfrm>
+              <a:off x="6736283" y="1971528"/>
+              <a:ext cx="1528303" cy="646331"/>
+            </a:xfrm>
+            <a:prstGeom prst="rect">
+              <a:avLst/>
+            </a:prstGeom>
+            <a:noFill/>
+          </p:spPr>
+          <p:txBody>
+            <a:bodyPr wrap="none" rtlCol="0">
+              <a:spAutoFit/>
+            </a:bodyPr>
+            <a:lstStyle/>
+            <a:p>
+              <a:pPr algn="ctr"/>
+              <a:r>
+                <a:rPr lang="en-GB" dirty="0"/>
+                <a:t>3.</a:t>
+              </a:r>
+            </a:p>
+            <a:p>
+              <a:r>
+                <a:rPr lang="en-GB" dirty="0"/>
+                <a:t>Webapplicatie</a:t>
+              </a:r>
+              <a:endParaRPr lang="nl-BE" dirty="0"/>
+            </a:p>
+          </p:txBody>
+        </p:sp>
+        <p:pic>
+          <p:nvPicPr>
+            <p:cNvPr id="30" name="Picture 4" descr="Application, asp.net, development, programming, web icon"/>
+            <p:cNvPicPr>
+              <a:picLocks noChangeAspect="1" noChangeArrowheads="1"/>
+            </p:cNvPicPr>
+            <p:nvPr/>
+          </p:nvPicPr>
+          <p:blipFill>
+            <a:blip r:embed="rId8" cstate="print">
+              <a:extLst>
+                <a:ext uri="{28A0092B-C50C-407E-A947-70E740481C1C}">
+                  <a14:useLocalDpi xmlns:a14="http://schemas.microsoft.com/office/drawing/2010/main" val="0"/>
+                </a:ext>
+              </a:extLst>
+            </a:blip>
+            <a:srcRect/>
+            <a:stretch>
+              <a:fillRect/>
+            </a:stretch>
+          </p:blipFill>
+          <p:spPr bwMode="auto">
+            <a:xfrm>
+              <a:off x="7043863" y="2759553"/>
+              <a:ext cx="943967" cy="943967"/>
+            </a:xfrm>
+            <a:prstGeom prst="rect">
+              <a:avLst/>
+            </a:prstGeom>
+            <a:noFill/>
+            <a:extLst>
+              <a:ext uri="{909E8E84-426E-40DD-AFC4-6F175D3DCCD1}">
+                <a14:hiddenFill xmlns:a14="http://schemas.microsoft.com/office/drawing/2010/main">
+                  <a:solidFill>
+                    <a:srgbClr val="FFFFFF"/>
+                  </a:solidFill>
+                </a14:hiddenFill>
+              </a:ext>
+            </a:extLst>
+          </p:spPr>
+        </p:pic>
+      </p:grpSp>
+    </p:spTree>
+    <p:extLst>
+      <p:ext uri="{BB962C8B-B14F-4D97-AF65-F5344CB8AC3E}">
+        <p14:creationId xmlns:p14="http://schemas.microsoft.com/office/powerpoint/2010/main" val="77246149"/>
+      </p:ext>
+    </p:extLst>
+  </p:cSld>
+  <p:clrMapOvr>
+    <a:masterClrMapping/>
+  </p:clrMapOvr>
+  <p:timing>
+    <p:tnLst>
+      <p:par>
+        <p:cTn id="1" dur="indefinite" restart="never" nodeType="tmRoot">
+          <p:childTnLst>
+            <p:seq concurrent="1" nextAc="seek">
+              <p:cTn id="2" dur="indefinite" nodeType="mainSeq">
+                <p:childTnLst>
+                  <p:par>
+                    <p:cTn id="3" fill="hold">
+                      <p:stCondLst>
+                        <p:cond delay="indefinite"/>
+                      </p:stCondLst>
+                      <p:childTnLst>
+                        <p:par>
+                          <p:cTn id="4" fill="hold">
+                            <p:stCondLst>
+                              <p:cond delay="0"/>
+                            </p:stCondLst>
+                            <p:childTnLst>
+                              <p:par>
+                                <p:cTn id="5" presetID="10" presetClass="entr" presetSubtype="0" fill="hold" nodeType="clickEffect">
+                                  <p:stCondLst>
+                                    <p:cond delay="0"/>
+                                  </p:stCondLst>
+                                  <p:childTnLst>
+                                    <p:set>
+                                      <p:cBhvr>
+                                        <p:cTn id="6" dur="1" fill="hold">
+                                          <p:stCondLst>
+                                            <p:cond delay="0"/>
+                                          </p:stCondLst>
+                                        </p:cTn>
+                                        <p:tgtEl>
+                                          <p:spTgt spid="8"/>
+                                        </p:tgtEl>
+                                        <p:attrNameLst>
+                                          <p:attrName>style.visibility</p:attrName>
+                                        </p:attrNameLst>
+                                      </p:cBhvr>
+                                      <p:to>
+                                        <p:strVal val="visible"/>
+                                      </p:to>
+                                    </p:set>
+                                    <p:animEffect transition="in" filter="fade">
+                                      <p:cBhvr>
+                                        <p:cTn id="7" dur="500"/>
+                                        <p:tgtEl>
+                                          <p:spTgt spid="8"/>
+                                        </p:tgtEl>
+                                      </p:cBhvr>
+                                    </p:animEffect>
+                                  </p:childTnLst>
+                                </p:cTn>
+                              </p:par>
+                              <p:par>
+                                <p:cTn id="8" presetID="10" presetClass="entr" presetSubtype="0" fill="hold" grpId="0" nodeType="withEffect">
+                                  <p:stCondLst>
+                                    <p:cond delay="0"/>
+                                  </p:stCondLst>
+                                  <p:childTnLst>
+                                    <p:set>
+                                      <p:cBhvr>
+                                        <p:cTn id="9" dur="1" fill="hold">
+                                          <p:stCondLst>
+                                            <p:cond delay="0"/>
+                                          </p:stCondLst>
+                                        </p:cTn>
+                                        <p:tgtEl>
+                                          <p:spTgt spid="9"/>
+                                        </p:tgtEl>
+                                        <p:attrNameLst>
+                                          <p:attrName>style.visibility</p:attrName>
+                                        </p:attrNameLst>
+                                      </p:cBhvr>
+                                      <p:to>
+                                        <p:strVal val="visible"/>
+                                      </p:to>
+                                    </p:set>
+                                    <p:animEffect transition="in" filter="fade">
+                                      <p:cBhvr>
+                                        <p:cTn id="10" dur="500"/>
+                                        <p:tgtEl>
+                                          <p:spTgt spid="9"/>
+                                        </p:tgtEl>
+                                      </p:cBhvr>
+                                    </p:animEffect>
+                                  </p:childTnLst>
+                                </p:cTn>
+                              </p:par>
+                              <p:par>
+                                <p:cTn id="11" presetID="10" presetClass="entr" presetSubtype="0" fill="hold" nodeType="withEffect">
+                                  <p:stCondLst>
+                                    <p:cond delay="0"/>
+                                  </p:stCondLst>
+                                  <p:childTnLst>
+                                    <p:set>
+                                      <p:cBhvr>
+                                        <p:cTn id="12" dur="1" fill="hold">
+                                          <p:stCondLst>
+                                            <p:cond delay="0"/>
+                                          </p:stCondLst>
+                                        </p:cTn>
+                                        <p:tgtEl>
+                                          <p:spTgt spid="13"/>
+                                        </p:tgtEl>
+                                        <p:attrNameLst>
+                                          <p:attrName>style.visibility</p:attrName>
+                                        </p:attrNameLst>
+                                      </p:cBhvr>
+                                      <p:to>
+                                        <p:strVal val="visible"/>
+                                      </p:to>
+                                    </p:set>
+                                    <p:animEffect transition="in" filter="fade">
+                                      <p:cBhvr>
+                                        <p:cTn id="13" dur="500"/>
+                                        <p:tgtEl>
+                                          <p:spTgt spid="13"/>
+                                        </p:tgtEl>
+                                      </p:cBhvr>
+                                    </p:animEffect>
+                                  </p:childTnLst>
+                                </p:cTn>
+                              </p:par>
+                            </p:childTnLst>
+                          </p:cTn>
+                        </p:par>
+                      </p:childTnLst>
+                    </p:cTn>
+                  </p:par>
+                  <p:par>
+                    <p:cTn id="14" fill="hold">
+                      <p:stCondLst>
+                        <p:cond delay="indefinite"/>
+                      </p:stCondLst>
+                      <p:childTnLst>
+                        <p:par>
+                          <p:cTn id="15" fill="hold">
+                            <p:stCondLst>
+                              <p:cond delay="0"/>
+                            </p:stCondLst>
+                            <p:childTnLst>
+                              <p:par>
+                                <p:cTn id="16" presetID="10" presetClass="entr" presetSubtype="0" fill="hold" nodeType="clickEffect">
+                                  <p:stCondLst>
+                                    <p:cond delay="0"/>
+                                  </p:stCondLst>
+                                  <p:childTnLst>
+                                    <p:set>
+                                      <p:cBhvr>
+                                        <p:cTn id="17" dur="1" fill="hold">
+                                          <p:stCondLst>
+                                            <p:cond delay="0"/>
+                                          </p:stCondLst>
+                                        </p:cTn>
+                                        <p:tgtEl>
+                                          <p:spTgt spid="15"/>
+                                        </p:tgtEl>
+                                        <p:attrNameLst>
+                                          <p:attrName>style.visibility</p:attrName>
+                                        </p:attrNameLst>
+                                      </p:cBhvr>
+                                      <p:to>
+                                        <p:strVal val="visible"/>
+                                      </p:to>
+                                    </p:set>
+                                    <p:animEffect transition="in" filter="fade">
+                                      <p:cBhvr>
+                                        <p:cTn id="18" dur="500"/>
+                                        <p:tgtEl>
+                                          <p:spTgt spid="15"/>
+                                        </p:tgtEl>
+                                      </p:cBhvr>
+                                    </p:animEffect>
+                                  </p:childTnLst>
+                                </p:cTn>
+                              </p:par>
+                              <p:par>
+                                <p:cTn id="19" presetID="10" presetClass="entr" presetSubtype="0" fill="hold" nodeType="withEffect">
+                                  <p:stCondLst>
+                                    <p:cond delay="0"/>
+                                  </p:stCondLst>
+                                  <p:childTnLst>
+                                    <p:set>
+                                      <p:cBhvr>
+                                        <p:cTn id="20" dur="1" fill="hold">
+                                          <p:stCondLst>
+                                            <p:cond delay="0"/>
+                                          </p:stCondLst>
+                                        </p:cTn>
+                                        <p:tgtEl>
+                                          <p:spTgt spid="14"/>
+                                        </p:tgtEl>
+                                        <p:attrNameLst>
+                                          <p:attrName>style.visibility</p:attrName>
+                                        </p:attrNameLst>
+                                      </p:cBhvr>
+                                      <p:to>
+                                        <p:strVal val="visible"/>
+                                      </p:to>
+                                    </p:set>
+                                    <p:animEffect transition="in" filter="fade">
+                                      <p:cBhvr>
+                                        <p:cTn id="21" dur="500"/>
+                                        <p:tgtEl>
+                                          <p:spTgt spid="14"/>
+                                        </p:tgtEl>
+                                      </p:cBhvr>
+                                    </p:animEffect>
+                                  </p:childTnLst>
+                                </p:cTn>
+                              </p:par>
+                            </p:childTnLst>
+                          </p:cTn>
+                        </p:par>
+                      </p:childTnLst>
+                    </p:cTn>
+                  </p:par>
+                  <p:par>
+                    <p:cTn id="22" fill="hold">
+                      <p:stCondLst>
+                        <p:cond delay="indefinite"/>
+                      </p:stCondLst>
+                      <p:childTnLst>
+                        <p:par>
+                          <p:cTn id="23" fill="hold">
+                            <p:stCondLst>
+                              <p:cond delay="0"/>
+                            </p:stCondLst>
+                            <p:childTnLst>
+                              <p:par>
+                                <p:cTn id="24" presetID="10" presetClass="entr" presetSubtype="0" fill="hold" nodeType="clickEffect">
+                                  <p:stCondLst>
+                                    <p:cond delay="0"/>
+                                  </p:stCondLst>
+                                  <p:childTnLst>
+                                    <p:set>
+                                      <p:cBhvr>
+                                        <p:cTn id="25" dur="1" fill="hold">
+                                          <p:stCondLst>
+                                            <p:cond delay="0"/>
+                                          </p:stCondLst>
+                                        </p:cTn>
+                                        <p:tgtEl>
+                                          <p:spTgt spid="18"/>
+                                        </p:tgtEl>
+                                        <p:attrNameLst>
+                                          <p:attrName>style.visibility</p:attrName>
+                                        </p:attrNameLst>
+                                      </p:cBhvr>
+                                      <p:to>
+                                        <p:strVal val="visible"/>
+                                      </p:to>
+                                    </p:set>
+                                    <p:animEffect transition="in" filter="fade">
+                                      <p:cBhvr>
+                                        <p:cTn id="26" dur="500"/>
+                                        <p:tgtEl>
+                                          <p:spTgt spid="18"/>
+                                        </p:tgtEl>
+                                      </p:cBhvr>
+                                    </p:animEffect>
+                                  </p:childTnLst>
+                                </p:cTn>
+                              </p:par>
+                              <p:par>
+                                <p:cTn id="27" presetID="10" presetClass="entr" presetSubtype="0" fill="hold" nodeType="withEffect">
+                                  <p:stCondLst>
+                                    <p:cond delay="0"/>
+                                  </p:stCondLst>
+                                  <p:childTnLst>
+                                    <p:set>
+                                      <p:cBhvr>
+                                        <p:cTn id="28" dur="1" fill="hold">
+                                          <p:stCondLst>
+                                            <p:cond delay="0"/>
+                                          </p:stCondLst>
+                                        </p:cTn>
+                                        <p:tgtEl>
+                                          <p:spTgt spid="2"/>
+                                        </p:tgtEl>
+                                        <p:attrNameLst>
+                                          <p:attrName>style.visibility</p:attrName>
+                                        </p:attrNameLst>
+                                      </p:cBhvr>
+                                      <p:to>
+                                        <p:strVal val="visible"/>
+                                      </p:to>
+                                    </p:set>
+                                    <p:animEffect transition="in" filter="fade">
+                                      <p:cBhvr>
+                                        <p:cTn id="29" dur="500"/>
+                                        <p:tgtEl>
+                                          <p:spTgt spid="2"/>
+                                        </p:tgtEl>
+                                      </p:cBhvr>
+                                    </p:animEffect>
+                                  </p:childTnLst>
+                                </p:cTn>
+                              </p:par>
+                            </p:childTnLst>
+                          </p:cTn>
+                        </p:par>
+                      </p:childTnLst>
+                    </p:cTn>
+                  </p:par>
+                  <p:par>
+                    <p:cTn id="30" fill="hold">
+                      <p:stCondLst>
+                        <p:cond delay="indefinite"/>
+                      </p:stCondLst>
+                      <p:childTnLst>
+                        <p:par>
+                          <p:cTn id="31" fill="hold">
+                            <p:stCondLst>
+                              <p:cond delay="0"/>
+                            </p:stCondLst>
+                            <p:childTnLst>
+                              <p:par>
+                                <p:cTn id="32" presetID="10" presetClass="entr" presetSubtype="0" fill="hold" nodeType="clickEffect">
+                                  <p:stCondLst>
+                                    <p:cond delay="0"/>
+                                  </p:stCondLst>
+                                  <p:childTnLst>
+                                    <p:set>
+                                      <p:cBhvr>
+                                        <p:cTn id="33" dur="1" fill="hold">
+                                          <p:stCondLst>
+                                            <p:cond delay="0"/>
+                                          </p:stCondLst>
+                                        </p:cTn>
+                                        <p:tgtEl>
+                                          <p:spTgt spid="22"/>
+                                        </p:tgtEl>
+                                        <p:attrNameLst>
+                                          <p:attrName>style.visibility</p:attrName>
+                                        </p:attrNameLst>
+                                      </p:cBhvr>
+                                      <p:to>
+                                        <p:strVal val="visible"/>
+                                      </p:to>
+                                    </p:set>
+                                    <p:animEffect transition="in" filter="fade">
+                                      <p:cBhvr>
+                                        <p:cTn id="34" dur="500"/>
+                                        <p:tgtEl>
+                                          <p:spTgt spid="22"/>
+                                        </p:tgtEl>
+                                      </p:cBhvr>
+                                    </p:animEffect>
+                                  </p:childTnLst>
+                                </p:cTn>
+                              </p:par>
+                              <p:par>
+                                <p:cTn id="35" presetID="10" presetClass="entr" presetSubtype="0" fill="hold" nodeType="withEffect">
+                                  <p:stCondLst>
+                                    <p:cond delay="0"/>
+                                  </p:stCondLst>
+                                  <p:childTnLst>
+                                    <p:set>
+                                      <p:cBhvr>
+                                        <p:cTn id="36" dur="1" fill="hold">
+                                          <p:stCondLst>
+                                            <p:cond delay="0"/>
+                                          </p:stCondLst>
+                                        </p:cTn>
+                                        <p:tgtEl>
+                                          <p:spTgt spid="23"/>
+                                        </p:tgtEl>
+                                        <p:attrNameLst>
+                                          <p:attrName>style.visibility</p:attrName>
+                                        </p:attrNameLst>
+                                      </p:cBhvr>
+                                      <p:to>
+                                        <p:strVal val="visible"/>
+                                      </p:to>
+                                    </p:set>
+                                    <p:animEffect transition="in" filter="fade">
+                                      <p:cBhvr>
+                                        <p:cTn id="37" dur="500"/>
+                                        <p:tgtEl>
+                                          <p:spTgt spid="23"/>
+                                        </p:tgtEl>
+                                      </p:cBhvr>
+                                    </p:animEffect>
+                                  </p:childTnLst>
+                                </p:cTn>
+                              </p:par>
+                            </p:childTnLst>
+                          </p:cTn>
+                        </p:par>
+                      </p:childTnLst>
+                    </p:cTn>
+                  </p:par>
+                  <p:par>
+                    <p:cTn id="38" fill="hold">
+                      <p:stCondLst>
+                        <p:cond delay="indefinite"/>
+                      </p:stCondLst>
+                      <p:childTnLst>
+                        <p:par>
+                          <p:cTn id="39" fill="hold">
+                            <p:stCondLst>
+                              <p:cond delay="0"/>
+                            </p:stCondLst>
+                            <p:childTnLst>
+                              <p:par>
+                                <p:cTn id="40" presetID="10" presetClass="entr" presetSubtype="0" fill="hold" nodeType="clickEffect">
+                                  <p:stCondLst>
+                                    <p:cond delay="0"/>
+                                  </p:stCondLst>
+                                  <p:childTnLst>
+                                    <p:set>
+                                      <p:cBhvr>
+                                        <p:cTn id="41" dur="1" fill="hold">
+                                          <p:stCondLst>
+                                            <p:cond delay="0"/>
+                                          </p:stCondLst>
+                                        </p:cTn>
+                                        <p:tgtEl>
+                                          <p:spTgt spid="26"/>
+                                        </p:tgtEl>
+                                        <p:attrNameLst>
+                                          <p:attrName>style.visibility</p:attrName>
+                                        </p:attrNameLst>
+                                      </p:cBhvr>
+                                      <p:to>
+                                        <p:strVal val="visible"/>
+                                      </p:to>
+                                    </p:set>
+                                    <p:animEffect transition="in" filter="fade">
+                                      <p:cBhvr>
+                                        <p:cTn id="42" dur="500"/>
+                                        <p:tgtEl>
+                                          <p:spTgt spid="26"/>
+                                        </p:tgtEl>
+                                      </p:cBhvr>
+                                    </p:animEffect>
+                                  </p:childTnLst>
+                                </p:cTn>
+                              </p:par>
+                              <p:par>
+                                <p:cTn id="43" presetID="10" presetClass="entr" presetSubtype="0" fill="hold" grpId="0" nodeType="withEffect">
+                                  <p:stCondLst>
+                                    <p:cond delay="0"/>
+                                  </p:stCondLst>
+                                  <p:childTnLst>
+                                    <p:set>
+                                      <p:cBhvr>
+                                        <p:cTn id="44" dur="1" fill="hold">
+                                          <p:stCondLst>
+                                            <p:cond delay="0"/>
+                                          </p:stCondLst>
+                                        </p:cTn>
+                                        <p:tgtEl>
+                                          <p:spTgt spid="28"/>
+                                        </p:tgtEl>
+                                        <p:attrNameLst>
+                                          <p:attrName>style.visibility</p:attrName>
+                                        </p:attrNameLst>
+                                      </p:cBhvr>
+                                      <p:to>
+                                        <p:strVal val="visible"/>
+                                      </p:to>
+                                    </p:set>
+                                    <p:animEffect transition="in" filter="fade">
+                                      <p:cBhvr>
+                                        <p:cTn id="45" dur="500"/>
+                                        <p:tgtEl>
+                                          <p:spTgt spid="28"/>
+                                        </p:tgtEl>
+                                      </p:cBhvr>
+                                    </p:animEffect>
+                                  </p:childTnLst>
+                                </p:cTn>
+                              </p:par>
+                              <p:par>
+                                <p:cTn id="46" presetID="10" presetClass="entr" presetSubtype="0" fill="hold" nodeType="withEffect">
+                                  <p:stCondLst>
+                                    <p:cond delay="0"/>
+                                  </p:stCondLst>
+                                  <p:childTnLst>
+                                    <p:set>
+                                      <p:cBhvr>
+                                        <p:cTn id="47" dur="1" fill="hold">
+                                          <p:stCondLst>
+                                            <p:cond delay="0"/>
+                                          </p:stCondLst>
+                                        </p:cTn>
+                                        <p:tgtEl>
+                                          <p:spTgt spid="27"/>
+                                        </p:tgtEl>
+                                        <p:attrNameLst>
+                                          <p:attrName>style.visibility</p:attrName>
+                                        </p:attrNameLst>
+                                      </p:cBhvr>
+                                      <p:to>
+                                        <p:strVal val="visible"/>
+                                      </p:to>
+                                    </p:set>
+                                    <p:animEffect transition="in" filter="fade">
+                                      <p:cBhvr>
+                                        <p:cTn id="48" dur="500"/>
+                                        <p:tgtEl>
+                                          <p:spTgt spid="27"/>
+                                        </p:tgtEl>
+                                      </p:cBhvr>
+                                    </p:animEffect>
+                                  </p:childTnLst>
+                                </p:cTn>
+                              </p:par>
+                            </p:childTnLst>
+                          </p:cTn>
+                        </p:par>
+                      </p:childTnLst>
+                    </p:cTn>
+                  </p:par>
+                </p:childTnLst>
+              </p:cTn>
+              <p:prevCondLst>
+                <p:cond evt="onPrev" delay="0">
+                  <p:tgtEl>
+                    <p:sldTgt/>
+                  </p:tgtEl>
+                </p:cond>
+              </p:prevCondLst>
+              <p:nextCondLst>
+                <p:cond evt="onNext" delay="0">
+                  <p:tgtEl>
+                    <p:sldTgt/>
+                  </p:tgtEl>
+                </p:cond>
+              </p:nextCondLst>
+            </p:seq>
+          </p:childTnLst>
+        </p:cTn>
+      </p:par>
+    </p:tnLst>
+    <p:bldLst>
+      <p:bldP spid="9" grpId="0"/>
+      <p:bldP spid="28" grpId="0"/>
+    </p:bldLst>
+  </p:timing>
+</p:sld>
+</file>
+
+<file path=ppt/slides/slide5.xml><?xml version="1.0" encoding="utf-8"?>
+<p:sld xmlns:a="http://schemas.openxmlformats.org/drawingml/2006/main" xmlns:r="http://schemas.openxmlformats.org/officeDocument/2006/relationships" xmlns:p="http://schemas.openxmlformats.org/presentationml/2006/main">
+  <p:cSld>
+    <p:spTree>
+      <p:nvGrpSpPr>
+        <p:cNvPr id="1" name=""/>
+        <p:cNvGrpSpPr/>
+        <p:nvPr/>
+      </p:nvGrpSpPr>
+      <p:grpSpPr>
+        <a:xfrm>
+          <a:off x="0" y="0"/>
+          <a:ext cx="0" cy="0"/>
+          <a:chOff x="0" y="0"/>
+          <a:chExt cx="0" cy="0"/>
+        </a:xfrm>
+      </p:grpSpPr>
+      <p:sp>
+        <p:nvSpPr>
+          <p:cNvPr id="4" name="Tijdelijke aanduiding voor datum 3"/>
+          <p:cNvSpPr>
+            <a:spLocks noGrp="1"/>
+          </p:cNvSpPr>
+          <p:nvPr>
+            <p:ph type="dt" sz="half" idx="10"/>
+          </p:nvPr>
+        </p:nvSpPr>
+        <p:spPr>
+          <a:xfrm>
+            <a:off x="313508" y="6459783"/>
+            <a:ext cx="2472271" cy="365125"/>
+          </a:xfrm>
+        </p:spPr>
+        <p:txBody>
+          <a:bodyPr/>
+          <a:lstStyle/>
+          <a:p>
+            <a:r>
+              <a:rPr lang="nl-BE" sz="1400" dirty="0" smtClean="0"/>
+              <a:t>Bryan Van Huyneghem</a:t>
+            </a:r>
+            <a:endParaRPr lang="nl-BE" sz="800" dirty="0"/>
+          </a:p>
+        </p:txBody>
+      </p:sp>
+      <p:sp>
+        <p:nvSpPr>
+          <p:cNvPr id="5" name="Tijdelijke aanduiding voor voettekst 4"/>
+          <p:cNvSpPr>
+            <a:spLocks noGrp="1"/>
+          </p:cNvSpPr>
+          <p:nvPr>
+            <p:ph type="ftr" sz="quarter" idx="11"/>
+          </p:nvPr>
+        </p:nvSpPr>
+        <p:spPr>
+          <a:xfrm>
+            <a:off x="2191294" y="6459784"/>
+            <a:ext cx="7870372" cy="365125"/>
+          </a:xfrm>
+        </p:spPr>
+        <p:txBody>
+          <a:bodyPr/>
+          <a:lstStyle/>
+          <a:p>
+            <a:r>
+              <a:rPr lang="en-GB" sz="1400" cap="none" dirty="0" smtClean="0"/>
+              <a:t>Context – </a:t>
+            </a:r>
+            <a:r>
+              <a:rPr lang="en-GB" sz="1600" b="1" cap="none" dirty="0" smtClean="0"/>
+              <a:t>MVC</a:t>
+            </a:r>
+            <a:r>
+              <a:rPr lang="en-GB" sz="1600" cap="none" dirty="0" smtClean="0"/>
+              <a:t> </a:t>
+            </a:r>
+            <a:r>
+              <a:rPr lang="en-GB" sz="1400" cap="none" dirty="0" smtClean="0"/>
+              <a:t>– </a:t>
+            </a:r>
+            <a:r>
+              <a:rPr lang="en-GB" sz="1400" cap="none" dirty="0" smtClean="0"/>
+              <a:t>Databank – Parsers – Visualisatie – Inlogsysteem – Future work</a:t>
+            </a:r>
+            <a:endParaRPr lang="nl-BE" sz="1400" cap="none" dirty="0"/>
+          </a:p>
+        </p:txBody>
+      </p:sp>
+      <p:sp>
+        <p:nvSpPr>
+          <p:cNvPr id="6" name="Tijdelijke aanduiding voor dianummer 5"/>
+          <p:cNvSpPr>
+            <a:spLocks noGrp="1"/>
+          </p:cNvSpPr>
+          <p:nvPr>
+            <p:ph type="sldNum" sz="quarter" idx="12"/>
+          </p:nvPr>
+        </p:nvSpPr>
+        <p:spPr>
+          <a:xfrm>
+            <a:off x="10613571" y="6459785"/>
+            <a:ext cx="598912" cy="365125"/>
+          </a:xfrm>
+        </p:spPr>
+        <p:txBody>
+          <a:bodyPr/>
+          <a:lstStyle/>
+          <a:p>
+            <a:fld id="{535572C1-3FAA-4346-9330-03EF25016D70}" type="slidenum">
+              <a:rPr lang="nl-BE" sz="1600" smtClean="0"/>
+              <a:t>5</a:t>
+            </a:fld>
+            <a:endParaRPr lang="nl-BE" sz="1600" dirty="0"/>
+          </a:p>
+        </p:txBody>
+      </p:sp>
+      <p:cxnSp>
+        <p:nvCxnSpPr>
+          <p:cNvPr id="10" name="Rechte verbindingslijn 9"/>
+          <p:cNvCxnSpPr/>
+          <p:nvPr/>
+        </p:nvCxnSpPr>
+        <p:spPr>
+          <a:xfrm>
+            <a:off x="1097280" y="1045030"/>
+            <a:ext cx="10210256" cy="0"/>
+          </a:xfrm>
+          <a:prstGeom prst="line">
+            <a:avLst/>
+          </a:prstGeom>
+          <a:ln>
+            <a:solidFill>
+              <a:schemeClr val="bg1">
+                <a:lumMod val="65000"/>
+              </a:schemeClr>
+            </a:solidFill>
+          </a:ln>
+        </p:spPr>
+        <p:style>
+          <a:lnRef idx="1">
+            <a:schemeClr val="accent1"/>
+          </a:lnRef>
+          <a:fillRef idx="0">
+            <a:schemeClr val="accent1"/>
+          </a:fillRef>
+          <a:effectRef idx="0">
+            <a:schemeClr val="accent1"/>
+          </a:effectRef>
+          <a:fontRef idx="minor">
+            <a:schemeClr val="tx1"/>
+          </a:fontRef>
+        </p:style>
+      </p:cxnSp>
+      <p:sp>
+        <p:nvSpPr>
+          <p:cNvPr id="11" name="Titel 1"/>
+          <p:cNvSpPr txBox="1">
+            <a:spLocks/>
+          </p:cNvSpPr>
+          <p:nvPr/>
+        </p:nvSpPr>
+        <p:spPr>
+          <a:xfrm>
+            <a:off x="1097280" y="286604"/>
+            <a:ext cx="10058400" cy="758426"/>
+          </a:xfrm>
+          <a:prstGeom prst="rect">
+            <a:avLst/>
+          </a:prstGeom>
+        </p:spPr>
+        <p:txBody>
+          <a:bodyPr anchor="ctr"/>
+          <a:lstStyle>
+            <a:lvl1pPr algn="l" defTabSz="914400" rtl="0" eaLnBrk="1" latinLnBrk="0" hangingPunct="1">
+              <a:lnSpc>
+                <a:spcPct val="85000"/>
+              </a:lnSpc>
+              <a:spcBef>
+                <a:spcPct val="0"/>
+              </a:spcBef>
+              <a:buNone/>
+              <a:defRPr sz="4800" kern="1200" spc="-50" baseline="0">
+                <a:solidFill>
+                  <a:schemeClr val="tx1">
+                    <a:lumMod val="75000"/>
+                    <a:lumOff val="25000"/>
+                  </a:schemeClr>
+                </a:solidFill>
+                <a:latin typeface="+mj-lt"/>
+                <a:ea typeface="+mj-ea"/>
+                <a:cs typeface="+mj-cs"/>
+              </a:defRPr>
+            </a:lvl1pPr>
+          </a:lstStyle>
+          <a:p>
+            <a:r>
+              <a:rPr lang="en-GB" dirty="0" smtClean="0">
+                <a:solidFill>
+                  <a:schemeClr val="tx1"/>
+                </a:solidFill>
+              </a:rPr>
+              <a:t>Webapplicatie met ASP.NET MVC 5</a:t>
+            </a:r>
+            <a:endParaRPr lang="nl-BE" dirty="0">
+              <a:solidFill>
+                <a:schemeClr val="tx1"/>
+              </a:solidFill>
+            </a:endParaRPr>
+          </a:p>
+        </p:txBody>
+      </p:sp>
+      <p:sp>
+        <p:nvSpPr>
+          <p:cNvPr id="12" name="Tijdelijke aanduiding voor inhoud 2"/>
+          <p:cNvSpPr txBox="1">
+            <a:spLocks/>
+          </p:cNvSpPr>
+          <p:nvPr/>
+        </p:nvSpPr>
+        <p:spPr>
+          <a:xfrm>
+            <a:off x="6732493" y="1420585"/>
+            <a:ext cx="4787153" cy="4448507"/>
+          </a:xfrm>
+          <a:prstGeom prst="rect">
+            <a:avLst/>
+          </a:prstGeom>
+        </p:spPr>
+        <p:txBody>
+          <a:bodyPr>
+            <a:normAutofit/>
+          </a:bodyPr>
+          <a:lstStyle>
+            <a:lvl1pPr marL="91440" indent="-91440" algn="l" defTabSz="914400" rtl="0" eaLnBrk="1" latinLnBrk="0" hangingPunct="1">
+              <a:lnSpc>
+                <a:spcPct val="90000"/>
+              </a:lnSpc>
+              <a:spcBef>
+                <a:spcPts val="1200"/>
+              </a:spcBef>
+              <a:spcAft>
+                <a:spcPts val="200"/>
+              </a:spcAft>
+              <a:buClr>
+                <a:schemeClr val="accent1"/>
+              </a:buClr>
+              <a:buSzPct val="100000"/>
+              <a:buFont typeface="Calibri" panose="020F0502020204030204" pitchFamily="34" charset="0"/>
+              <a:buChar char=" "/>
+              <a:defRPr sz="2000" kern="1200">
+                <a:solidFill>
+                  <a:schemeClr val="tx1">
+                    <a:lumMod val="75000"/>
+                    <a:lumOff val="25000"/>
+                  </a:schemeClr>
+                </a:solidFill>
+                <a:latin typeface="+mn-lt"/>
+                <a:ea typeface="+mn-ea"/>
+                <a:cs typeface="+mn-cs"/>
+              </a:defRPr>
+            </a:lvl1pPr>
+            <a:lvl2pPr marL="384048" indent="-182880" algn="l" defTabSz="914400" rtl="0" eaLnBrk="1" latinLnBrk="0" hangingPunct="1">
+              <a:lnSpc>
+                <a:spcPct val="90000"/>
+              </a:lnSpc>
+              <a:spcBef>
+                <a:spcPts val="200"/>
+              </a:spcBef>
+              <a:spcAft>
+                <a:spcPts val="400"/>
+              </a:spcAft>
+              <a:buClr>
+                <a:schemeClr val="accent1"/>
+              </a:buClr>
+              <a:buFont typeface="Calibri" pitchFamily="34" charset="0"/>
+              <a:buChar char="◦"/>
+              <a:defRPr sz="1800" kern="1200">
+                <a:solidFill>
+                  <a:schemeClr val="tx1">
+                    <a:lumMod val="75000"/>
+                    <a:lumOff val="25000"/>
+                  </a:schemeClr>
+                </a:solidFill>
+                <a:latin typeface="+mn-lt"/>
+                <a:ea typeface="+mn-ea"/>
+                <a:cs typeface="+mn-cs"/>
+              </a:defRPr>
+            </a:lvl2pPr>
+            <a:lvl3pPr marL="566928" indent="-182880" algn="l" defTabSz="914400" rtl="0" eaLnBrk="1" latinLnBrk="0" hangingPunct="1">
+              <a:lnSpc>
+                <a:spcPct val="90000"/>
+              </a:lnSpc>
+              <a:spcBef>
+                <a:spcPts val="200"/>
+              </a:spcBef>
+              <a:spcAft>
+                <a:spcPts val="400"/>
+              </a:spcAft>
+              <a:buClr>
+                <a:schemeClr val="accent1"/>
+              </a:buClr>
+              <a:buFont typeface="Calibri" pitchFamily="34" charset="0"/>
+              <a:buChar char="◦"/>
+              <a:defRPr sz="1400" kern="1200">
+                <a:solidFill>
+                  <a:schemeClr val="tx1">
+                    <a:lumMod val="75000"/>
+                    <a:lumOff val="25000"/>
+                  </a:schemeClr>
+                </a:solidFill>
+                <a:latin typeface="+mn-lt"/>
+                <a:ea typeface="+mn-ea"/>
+                <a:cs typeface="+mn-cs"/>
+              </a:defRPr>
+            </a:lvl3pPr>
+            <a:lvl4pPr marL="749808" indent="-182880" algn="l" defTabSz="914400" rtl="0" eaLnBrk="1" latinLnBrk="0" hangingPunct="1">
+              <a:lnSpc>
+                <a:spcPct val="90000"/>
+              </a:lnSpc>
+              <a:spcBef>
+                <a:spcPts val="200"/>
+              </a:spcBef>
+              <a:spcAft>
+                <a:spcPts val="400"/>
+              </a:spcAft>
+              <a:buClr>
+                <a:schemeClr val="accent1"/>
+              </a:buClr>
+              <a:buFont typeface="Calibri" pitchFamily="34" charset="0"/>
+              <a:buChar char="◦"/>
+              <a:defRPr sz="1400" kern="1200">
+                <a:solidFill>
+                  <a:schemeClr val="tx1">
+                    <a:lumMod val="75000"/>
+                    <a:lumOff val="25000"/>
+                  </a:schemeClr>
+                </a:solidFill>
+                <a:latin typeface="+mn-lt"/>
+                <a:ea typeface="+mn-ea"/>
+                <a:cs typeface="+mn-cs"/>
+              </a:defRPr>
+            </a:lvl4pPr>
+            <a:lvl5pPr marL="932688" indent="-182880" algn="l" defTabSz="914400" rtl="0" eaLnBrk="1" latinLnBrk="0" hangingPunct="1">
+              <a:lnSpc>
+                <a:spcPct val="90000"/>
+              </a:lnSpc>
+              <a:spcBef>
+                <a:spcPts val="200"/>
+              </a:spcBef>
+              <a:spcAft>
+                <a:spcPts val="400"/>
+              </a:spcAft>
+              <a:buClr>
+                <a:schemeClr val="accent1"/>
+              </a:buClr>
+              <a:buFont typeface="Calibri" pitchFamily="34" charset="0"/>
+              <a:buChar char="◦"/>
+              <a:defRPr sz="1400" kern="1200">
+                <a:solidFill>
+                  <a:schemeClr val="tx1">
+                    <a:lumMod val="75000"/>
+                    <a:lumOff val="25000"/>
+                  </a:schemeClr>
+                </a:solidFill>
+                <a:latin typeface="+mn-lt"/>
+                <a:ea typeface="+mn-ea"/>
+                <a:cs typeface="+mn-cs"/>
+              </a:defRPr>
+            </a:lvl5pPr>
+            <a:lvl6pPr marL="1100000" indent="-228600" algn="l" defTabSz="914400" rtl="0" eaLnBrk="1" latinLnBrk="0" hangingPunct="1">
+              <a:lnSpc>
+                <a:spcPct val="90000"/>
+              </a:lnSpc>
+              <a:spcBef>
+                <a:spcPts val="200"/>
+              </a:spcBef>
+              <a:spcAft>
+                <a:spcPts val="400"/>
+              </a:spcAft>
+              <a:buClr>
+                <a:schemeClr val="accent1"/>
+              </a:buClr>
+              <a:buFont typeface="Calibri" pitchFamily="34" charset="0"/>
+              <a:buChar char="◦"/>
+              <a:defRPr sz="1400" kern="1200">
+                <a:solidFill>
+                  <a:schemeClr val="tx1">
+                    <a:lumMod val="75000"/>
+                    <a:lumOff val="25000"/>
+                  </a:schemeClr>
+                </a:solidFill>
+                <a:latin typeface="+mn-lt"/>
+                <a:ea typeface="+mn-ea"/>
+                <a:cs typeface="+mn-cs"/>
+              </a:defRPr>
+            </a:lvl6pPr>
+            <a:lvl7pPr marL="1300000" indent="-228600" algn="l" defTabSz="914400" rtl="0" eaLnBrk="1" latinLnBrk="0" hangingPunct="1">
+              <a:lnSpc>
+                <a:spcPct val="90000"/>
+              </a:lnSpc>
+              <a:spcBef>
+                <a:spcPts val="200"/>
+              </a:spcBef>
+              <a:spcAft>
+                <a:spcPts val="400"/>
+              </a:spcAft>
+              <a:buClr>
+                <a:schemeClr val="accent1"/>
+              </a:buClr>
+              <a:buFont typeface="Calibri" pitchFamily="34" charset="0"/>
+              <a:buChar char="◦"/>
+              <a:defRPr sz="1400" kern="1200">
+                <a:solidFill>
+                  <a:schemeClr val="tx1">
+                    <a:lumMod val="75000"/>
+                    <a:lumOff val="25000"/>
+                  </a:schemeClr>
+                </a:solidFill>
+                <a:latin typeface="+mn-lt"/>
+                <a:ea typeface="+mn-ea"/>
+                <a:cs typeface="+mn-cs"/>
+              </a:defRPr>
+            </a:lvl7pPr>
+            <a:lvl8pPr marL="1500000" indent="-228600" algn="l" defTabSz="914400" rtl="0" eaLnBrk="1" latinLnBrk="0" hangingPunct="1">
+              <a:lnSpc>
+                <a:spcPct val="90000"/>
+              </a:lnSpc>
+              <a:spcBef>
+                <a:spcPts val="200"/>
+              </a:spcBef>
+              <a:spcAft>
+                <a:spcPts val="400"/>
+              </a:spcAft>
+              <a:buClr>
+                <a:schemeClr val="accent1"/>
+              </a:buClr>
+              <a:buFont typeface="Calibri" pitchFamily="34" charset="0"/>
+              <a:buChar char="◦"/>
+              <a:defRPr sz="1400" kern="1200">
+                <a:solidFill>
+                  <a:schemeClr val="tx1">
+                    <a:lumMod val="75000"/>
+                    <a:lumOff val="25000"/>
+                  </a:schemeClr>
+                </a:solidFill>
+                <a:latin typeface="+mn-lt"/>
+                <a:ea typeface="+mn-ea"/>
+                <a:cs typeface="+mn-cs"/>
+              </a:defRPr>
+            </a:lvl8pPr>
+            <a:lvl9pPr marL="1700000" indent="-228600" algn="l" defTabSz="914400" rtl="0" eaLnBrk="1" latinLnBrk="0" hangingPunct="1">
+              <a:lnSpc>
+                <a:spcPct val="90000"/>
+              </a:lnSpc>
+              <a:spcBef>
+                <a:spcPts val="200"/>
+              </a:spcBef>
+              <a:spcAft>
+                <a:spcPts val="400"/>
+              </a:spcAft>
+              <a:buClr>
+                <a:schemeClr val="accent1"/>
+              </a:buClr>
+              <a:buFont typeface="Calibri" pitchFamily="34" charset="0"/>
+              <a:buChar char="◦"/>
+              <a:defRPr sz="1400" kern="1200">
+                <a:solidFill>
+                  <a:schemeClr val="tx1">
+                    <a:lumMod val="75000"/>
+                    <a:lumOff val="25000"/>
+                  </a:schemeClr>
+                </a:solidFill>
+                <a:latin typeface="+mn-lt"/>
+                <a:ea typeface="+mn-ea"/>
+                <a:cs typeface="+mn-cs"/>
+              </a:defRPr>
+            </a:lvl9pPr>
+          </a:lstStyle>
+          <a:p>
+            <a:pPr>
+              <a:buFont typeface="Wingdings" panose="05000000000000000000" pitchFamily="2" charset="2"/>
+              <a:buChar char="Ø"/>
+            </a:pPr>
+            <a:r>
+              <a:rPr lang="en-GB" sz="2400" dirty="0">
+                <a:solidFill>
+                  <a:schemeClr val="tx1"/>
+                </a:solidFill>
+                <a:latin typeface="+mj-lt"/>
+              </a:rPr>
+              <a:t> </a:t>
+            </a:r>
+            <a:r>
+              <a:rPr lang="nl-BE" sz="2400" dirty="0" smtClean="0">
+                <a:solidFill>
+                  <a:schemeClr val="tx1"/>
+                </a:solidFill>
+                <a:latin typeface="+mj-lt"/>
+              </a:rPr>
+              <a:t>Typisch </a:t>
+            </a:r>
+            <a:r>
+              <a:rPr lang="nl-BE" sz="2400" b="1" dirty="0" smtClean="0">
+                <a:solidFill>
+                  <a:schemeClr val="tx1"/>
+                </a:solidFill>
+                <a:latin typeface="+mj-lt"/>
+              </a:rPr>
+              <a:t>MVC</a:t>
+            </a:r>
+            <a:r>
+              <a:rPr lang="nl-BE" sz="2400" dirty="0" smtClean="0">
+                <a:solidFill>
+                  <a:schemeClr val="tx1"/>
+                </a:solidFill>
+                <a:latin typeface="+mj-lt"/>
+              </a:rPr>
+              <a:t> </a:t>
+            </a:r>
+            <a:r>
+              <a:rPr lang="nl-BE" sz="2400" i="1" dirty="0" smtClean="0">
+                <a:solidFill>
+                  <a:schemeClr val="tx1"/>
+                </a:solidFill>
+                <a:latin typeface="+mj-lt"/>
+              </a:rPr>
+              <a:t>software pattern</a:t>
+            </a:r>
+          </a:p>
+          <a:p>
+            <a:pPr lvl="1">
+              <a:buFont typeface="Wingdings" panose="05000000000000000000" pitchFamily="2" charset="2"/>
+              <a:buChar char="Ø"/>
+            </a:pPr>
+            <a:endParaRPr lang="en-GB" sz="2200" i="1" dirty="0">
+              <a:solidFill>
+                <a:schemeClr val="tx1"/>
+              </a:solidFill>
+              <a:latin typeface="+mj-lt"/>
+            </a:endParaRPr>
+          </a:p>
+          <a:p>
+            <a:pPr lvl="1">
+              <a:buFont typeface="Wingdings" panose="05000000000000000000" pitchFamily="2" charset="2"/>
+              <a:buChar char="§"/>
+            </a:pPr>
+            <a:r>
+              <a:rPr lang="en-GB" sz="2000" b="1" i="1" dirty="0" smtClean="0">
+                <a:solidFill>
+                  <a:schemeClr val="tx1"/>
+                </a:solidFill>
+              </a:rPr>
+              <a:t>Controllers</a:t>
+            </a:r>
+            <a:r>
+              <a:rPr lang="en-GB" sz="2000" i="1" dirty="0">
+                <a:solidFill>
+                  <a:schemeClr val="tx1"/>
+                </a:solidFill>
+              </a:rPr>
+              <a:t>: </a:t>
+            </a:r>
+            <a:r>
+              <a:rPr lang="en-GB" sz="2000" dirty="0">
+                <a:solidFill>
+                  <a:schemeClr val="tx1"/>
+                </a:solidFill>
+              </a:rPr>
+              <a:t>navigatie en </a:t>
+            </a:r>
+            <a:r>
+              <a:rPr lang="en-GB" sz="2000" dirty="0" smtClean="0">
+                <a:solidFill>
+                  <a:schemeClr val="tx1"/>
+                </a:solidFill>
+              </a:rPr>
+              <a:t>CRUD</a:t>
+            </a:r>
+          </a:p>
+          <a:p>
+            <a:pPr lvl="1">
+              <a:buFont typeface="Wingdings" panose="05000000000000000000" pitchFamily="2" charset="2"/>
+              <a:buChar char="Ø"/>
+            </a:pPr>
+            <a:endParaRPr lang="en-GB" sz="2000" i="1" dirty="0">
+              <a:solidFill>
+                <a:schemeClr val="tx1"/>
+              </a:solidFill>
+              <a:latin typeface="+mj-lt"/>
+            </a:endParaRPr>
+          </a:p>
+          <a:p>
+            <a:pPr lvl="1">
+              <a:buFont typeface="Wingdings" panose="05000000000000000000" pitchFamily="2" charset="2"/>
+              <a:buChar char="§"/>
+            </a:pPr>
+            <a:r>
+              <a:rPr lang="en-GB" sz="2000" b="1" i="1" dirty="0">
+                <a:solidFill>
+                  <a:schemeClr val="tx1"/>
+                </a:solidFill>
+              </a:rPr>
+              <a:t>Model</a:t>
+            </a:r>
+            <a:r>
+              <a:rPr lang="en-GB" sz="2000" i="1" dirty="0">
+                <a:solidFill>
+                  <a:schemeClr val="tx1"/>
+                </a:solidFill>
+              </a:rPr>
+              <a:t>: Object Relational </a:t>
+            </a:r>
+            <a:r>
+              <a:rPr lang="en-GB" sz="2000" i="1" dirty="0" smtClean="0">
+                <a:solidFill>
+                  <a:schemeClr val="tx1"/>
+                </a:solidFill>
+              </a:rPr>
+              <a:t>Modelling</a:t>
+            </a:r>
+          </a:p>
+          <a:p>
+            <a:pPr lvl="1">
+              <a:buFont typeface="Wingdings" panose="05000000000000000000" pitchFamily="2" charset="2"/>
+              <a:buChar char="Ø"/>
+            </a:pPr>
+            <a:endParaRPr lang="en-GB" sz="2000" i="1" dirty="0">
+              <a:solidFill>
+                <a:schemeClr val="tx1"/>
+              </a:solidFill>
+              <a:latin typeface="+mj-lt"/>
+            </a:endParaRPr>
+          </a:p>
+          <a:p>
+            <a:pPr lvl="1">
+              <a:buFont typeface="Wingdings" panose="05000000000000000000" pitchFamily="2" charset="2"/>
+              <a:buChar char="§"/>
+            </a:pPr>
+            <a:r>
+              <a:rPr lang="en-GB" sz="2000" b="1" i="1" dirty="0">
+                <a:solidFill>
+                  <a:schemeClr val="tx1"/>
+                </a:solidFill>
+              </a:rPr>
+              <a:t>Views</a:t>
+            </a:r>
+            <a:r>
+              <a:rPr lang="en-GB" sz="2000" dirty="0">
+                <a:solidFill>
+                  <a:schemeClr val="tx1"/>
+                </a:solidFill>
+              </a:rPr>
+              <a:t>: ‘</a:t>
+            </a:r>
+            <a:r>
+              <a:rPr lang="en-GB" sz="2000" i="1" dirty="0">
+                <a:solidFill>
+                  <a:schemeClr val="tx1"/>
+                </a:solidFill>
+              </a:rPr>
+              <a:t>Razor pages</a:t>
+            </a:r>
+            <a:r>
+              <a:rPr lang="en-GB" sz="2000" dirty="0">
+                <a:solidFill>
+                  <a:schemeClr val="tx1"/>
+                </a:solidFill>
+              </a:rPr>
+              <a:t>’ </a:t>
+            </a:r>
+            <a:r>
+              <a:rPr lang="en-GB" sz="2000" dirty="0" smtClean="0">
+                <a:solidFill>
+                  <a:schemeClr val="tx1"/>
+                </a:solidFill>
+              </a:rPr>
+              <a:t>(.cshtml)</a:t>
+            </a:r>
+            <a:endParaRPr lang="nl-BE" sz="2400" dirty="0" smtClean="0">
+              <a:solidFill>
+                <a:schemeClr val="tx1"/>
+              </a:solidFill>
+            </a:endParaRPr>
+          </a:p>
+          <a:p>
+            <a:pPr marL="514350" indent="-514350">
+              <a:buFont typeface="+mj-lt"/>
+              <a:buAutoNum type="arabicParenR"/>
+            </a:pPr>
+            <a:endParaRPr lang="nl-BE" sz="2400" dirty="0"/>
+          </a:p>
+        </p:txBody>
+      </p:sp>
+      <p:pic>
+        <p:nvPicPr>
+          <p:cNvPr id="2" name="Afbeelding 1"/>
+          <p:cNvPicPr>
+            <a:picLocks noChangeAspect="1"/>
+          </p:cNvPicPr>
+          <p:nvPr/>
+        </p:nvPicPr>
+        <p:blipFill>
+          <a:blip r:embed="rId2">
+            <a:extLst>
+              <a:ext uri="{28A0092B-C50C-407E-A947-70E740481C1C}">
+                <a14:useLocalDpi xmlns:a14="http://schemas.microsoft.com/office/drawing/2010/main" val="0"/>
+              </a:ext>
+            </a:extLst>
+          </a:blip>
+          <a:stretch>
+            <a:fillRect/>
+          </a:stretch>
+        </p:blipFill>
+        <p:spPr>
+          <a:xfrm>
+            <a:off x="524997" y="986492"/>
+            <a:ext cx="5672650" cy="5395743"/>
+          </a:xfrm>
+          <a:prstGeom prst="rect">
+            <a:avLst/>
+          </a:prstGeom>
+        </p:spPr>
+      </p:pic>
+      <p:pic>
+        <p:nvPicPr>
+          <p:cNvPr id="9" name="Picture 4" descr="Application, asp.net, development, programming, web icon"/>
+          <p:cNvPicPr>
+            <a:picLocks noChangeAspect="1" noChangeArrowheads="1"/>
+          </p:cNvPicPr>
+          <p:nvPr/>
+        </p:nvPicPr>
+        <p:blipFill>
+          <a:blip r:embed="rId3" cstate="print">
+            <a:extLst>
+              <a:ext uri="{28A0092B-C50C-407E-A947-70E740481C1C}">
+                <a14:useLocalDpi xmlns:a14="http://schemas.microsoft.com/office/drawing/2010/main" val="0"/>
+              </a:ext>
+            </a:extLst>
+          </a:blip>
+          <a:srcRect/>
+          <a:stretch>
+            <a:fillRect/>
+          </a:stretch>
+        </p:blipFill>
+        <p:spPr bwMode="auto">
+          <a:xfrm>
+            <a:off x="11155680" y="42525"/>
+            <a:ext cx="943967" cy="943967"/>
+          </a:xfrm>
+          <a:prstGeom prst="rect">
+            <a:avLst/>
+          </a:prstGeom>
+          <a:noFill/>
+          <a:extLst>
+            <a:ext uri="{909E8E84-426E-40DD-AFC4-6F175D3DCCD1}">
+              <a14:hiddenFill xmlns:a14="http://schemas.microsoft.com/office/drawing/2010/main">
+                <a:solidFill>
+                  <a:srgbClr val="FFFFFF"/>
+                </a:solidFill>
+              </a14:hiddenFill>
+            </a:ext>
+          </a:extLst>
+        </p:spPr>
+      </p:pic>
+      <p:pic>
+        <p:nvPicPr>
+          <p:cNvPr id="1026" name="Picture 2" descr="C# Development Fundamentals | Pluralsight"/>
+          <p:cNvPicPr>
+            <a:picLocks noChangeAspect="1" noChangeArrowheads="1"/>
+          </p:cNvPicPr>
+          <p:nvPr/>
+        </p:nvPicPr>
+        <p:blipFill>
+          <a:blip r:embed="rId4" cstate="print">
+            <a:extLst>
+              <a:ext uri="{28A0092B-C50C-407E-A947-70E740481C1C}">
+                <a14:useLocalDpi xmlns:a14="http://schemas.microsoft.com/office/drawing/2010/main" val="0"/>
+              </a:ext>
+            </a:extLst>
+          </a:blip>
+          <a:srcRect/>
+          <a:stretch>
+            <a:fillRect/>
+          </a:stretch>
+        </p:blipFill>
+        <p:spPr bwMode="auto">
+          <a:xfrm>
+            <a:off x="6779139" y="4200279"/>
+            <a:ext cx="1652611" cy="1652611"/>
+          </a:xfrm>
+          <a:prstGeom prst="rect">
+            <a:avLst/>
+          </a:prstGeom>
+          <a:noFill/>
+          <a:extLst>
+            <a:ext uri="{909E8E84-426E-40DD-AFC4-6F175D3DCCD1}">
+              <a14:hiddenFill xmlns:a14="http://schemas.microsoft.com/office/drawing/2010/main">
+                <a:solidFill>
+                  <a:srgbClr val="FFFFFF"/>
+                </a:solidFill>
+              </a14:hiddenFill>
+            </a:ext>
+          </a:extLst>
+        </p:spPr>
+      </p:pic>
+      <p:pic>
+        <p:nvPicPr>
+          <p:cNvPr id="1028" name="Picture 4" descr="File:JavaScript-logo.png - Wikimedia Commons"/>
+          <p:cNvPicPr>
+            <a:picLocks noChangeAspect="1" noChangeArrowheads="1"/>
+          </p:cNvPicPr>
+          <p:nvPr/>
+        </p:nvPicPr>
+        <p:blipFill>
+          <a:blip r:embed="rId5" cstate="print">
+            <a:extLst>
+              <a:ext uri="{28A0092B-C50C-407E-A947-70E740481C1C}">
+                <a14:useLocalDpi xmlns:a14="http://schemas.microsoft.com/office/drawing/2010/main" val="0"/>
+              </a:ext>
+            </a:extLst>
+          </a:blip>
+          <a:srcRect/>
+          <a:stretch>
+            <a:fillRect/>
+          </a:stretch>
+        </p:blipFill>
+        <p:spPr bwMode="auto">
+          <a:xfrm>
+            <a:off x="8771963" y="4672480"/>
+            <a:ext cx="708211" cy="708211"/>
+          </a:xfrm>
+          <a:prstGeom prst="rect">
+            <a:avLst/>
+          </a:prstGeom>
+          <a:noFill/>
+          <a:extLst>
+            <a:ext uri="{909E8E84-426E-40DD-AFC4-6F175D3DCCD1}">
+              <a14:hiddenFill xmlns:a14="http://schemas.microsoft.com/office/drawing/2010/main">
+                <a:solidFill>
+                  <a:srgbClr val="FFFFFF"/>
+                </a:solidFill>
+              </a14:hiddenFill>
+            </a:ext>
+          </a:extLst>
+        </p:spPr>
+      </p:pic>
+      <p:pic>
+        <p:nvPicPr>
+          <p:cNvPr id="1030" name="Picture 6" descr="HTML5 logo using CSS3 - Catalin Red"/>
+          <p:cNvPicPr>
+            <a:picLocks noChangeAspect="1" noChangeArrowheads="1"/>
+          </p:cNvPicPr>
+          <p:nvPr/>
+        </p:nvPicPr>
+        <p:blipFill>
+          <a:blip r:embed="rId6" cstate="print">
+            <a:extLst>
+              <a:ext uri="{28A0092B-C50C-407E-A947-70E740481C1C}">
+                <a14:useLocalDpi xmlns:a14="http://schemas.microsoft.com/office/drawing/2010/main" val="0"/>
+              </a:ext>
+            </a:extLst>
+          </a:blip>
+          <a:srcRect/>
+          <a:stretch>
+            <a:fillRect/>
+          </a:stretch>
+        </p:blipFill>
+        <p:spPr bwMode="auto">
+          <a:xfrm>
+            <a:off x="10061666" y="4597870"/>
+            <a:ext cx="995081" cy="857428"/>
+          </a:xfrm>
+          <a:prstGeom prst="rect">
+            <a:avLst/>
+          </a:prstGeom>
+          <a:noFill/>
+          <a:extLst>
+            <a:ext uri="{909E8E84-426E-40DD-AFC4-6F175D3DCCD1}">
+              <a14:hiddenFill xmlns:a14="http://schemas.microsoft.com/office/drawing/2010/main">
+                <a:solidFill>
+                  <a:srgbClr val="FFFFFF"/>
+                </a:solidFill>
+              </a14:hiddenFill>
+            </a:ext>
+          </a:extLst>
+        </p:spPr>
+      </p:pic>
+    </p:spTree>
+    <p:extLst>
+      <p:ext uri="{BB962C8B-B14F-4D97-AF65-F5344CB8AC3E}">
+        <p14:creationId xmlns:p14="http://schemas.microsoft.com/office/powerpoint/2010/main" val="3414212472"/>
+      </p:ext>
+    </p:extLst>
+  </p:cSld>
+  <p:clrMapOvr>
+    <a:masterClrMapping/>
+  </p:clrMapOvr>
+  <p:timing>
+    <p:tnLst>
+      <p:par>
+        <p:cTn id="1" dur="indefinite" restart="never" nodeType="tmRoot">
+          <p:childTnLst>
+            <p:seq concurrent="1" nextAc="seek">
+              <p:cTn id="2" dur="indefinite" nodeType="mainSeq">
+                <p:childTnLst>
+                  <p:par>
+                    <p:cTn id="3" fill="hold">
+                      <p:stCondLst>
+                        <p:cond delay="indefinite"/>
+                      </p:stCondLst>
+                      <p:childTnLst>
+                        <p:par>
+                          <p:cTn id="4" fill="hold">
+                            <p:stCondLst>
+                              <p:cond delay="0"/>
+                            </p:stCondLst>
+                            <p:childTnLst>
+                              <p:par>
+                                <p:cTn id="5" presetID="10" presetClass="entr" presetSubtype="0" fill="hold" nodeType="clickEffect">
+                                  <p:stCondLst>
+                                    <p:cond delay="0"/>
+                                  </p:stCondLst>
+                                  <p:childTnLst>
+                                    <p:set>
+                                      <p:cBhvr>
+                                        <p:cTn id="6" dur="1" fill="hold">
+                                          <p:stCondLst>
+                                            <p:cond delay="0"/>
+                                          </p:stCondLst>
+                                        </p:cTn>
+                                        <p:tgtEl>
+                                          <p:spTgt spid="1026"/>
+                                        </p:tgtEl>
+                                        <p:attrNameLst>
+                                          <p:attrName>style.visibility</p:attrName>
+                                        </p:attrNameLst>
+                                      </p:cBhvr>
+                                      <p:to>
+                                        <p:strVal val="visible"/>
+                                      </p:to>
+                                    </p:set>
+                                    <p:animEffect transition="in" filter="fade">
+                                      <p:cBhvr>
+                                        <p:cTn id="7" dur="500"/>
+                                        <p:tgtEl>
+                                          <p:spTgt spid="1026"/>
+                                        </p:tgtEl>
+                                      </p:cBhvr>
+                                    </p:animEffect>
+                                  </p:childTnLst>
+                                </p:cTn>
+                              </p:par>
+                              <p:par>
+                                <p:cTn id="8" presetID="10" presetClass="entr" presetSubtype="0" fill="hold" nodeType="withEffect">
+                                  <p:stCondLst>
+                                    <p:cond delay="0"/>
+                                  </p:stCondLst>
+                                  <p:childTnLst>
+                                    <p:set>
+                                      <p:cBhvr>
+                                        <p:cTn id="9" dur="1" fill="hold">
+                                          <p:stCondLst>
+                                            <p:cond delay="0"/>
+                                          </p:stCondLst>
+                                        </p:cTn>
+                                        <p:tgtEl>
+                                          <p:spTgt spid="1028"/>
+                                        </p:tgtEl>
+                                        <p:attrNameLst>
+                                          <p:attrName>style.visibility</p:attrName>
+                                        </p:attrNameLst>
+                                      </p:cBhvr>
+                                      <p:to>
+                                        <p:strVal val="visible"/>
+                                      </p:to>
+                                    </p:set>
+                                    <p:animEffect transition="in" filter="fade">
+                                      <p:cBhvr>
+                                        <p:cTn id="10" dur="500"/>
+                                        <p:tgtEl>
+                                          <p:spTgt spid="1028"/>
+                                        </p:tgtEl>
+                                      </p:cBhvr>
+                                    </p:animEffect>
+                                  </p:childTnLst>
+                                </p:cTn>
+                              </p:par>
+                              <p:par>
+                                <p:cTn id="11" presetID="10" presetClass="entr" presetSubtype="0" fill="hold" nodeType="withEffect">
+                                  <p:stCondLst>
+                                    <p:cond delay="0"/>
+                                  </p:stCondLst>
+                                  <p:childTnLst>
+                                    <p:set>
+                                      <p:cBhvr>
+                                        <p:cTn id="12" dur="1" fill="hold">
+                                          <p:stCondLst>
+                                            <p:cond delay="0"/>
+                                          </p:stCondLst>
+                                        </p:cTn>
+                                        <p:tgtEl>
+                                          <p:spTgt spid="1030"/>
+                                        </p:tgtEl>
+                                        <p:attrNameLst>
+                                          <p:attrName>style.visibility</p:attrName>
+                                        </p:attrNameLst>
+                                      </p:cBhvr>
+                                      <p:to>
+                                        <p:strVal val="visible"/>
+                                      </p:to>
+                                    </p:set>
+                                    <p:animEffect transition="in" filter="fade">
+                                      <p:cBhvr>
+                                        <p:cTn id="13" dur="500"/>
+                                        <p:tgtEl>
+                                          <p:spTgt spid="1030"/>
+                                        </p:tgtEl>
+                                      </p:cBhvr>
+                                    </p:animEffect>
+                                  </p:childTnLst>
+                                </p:cTn>
+                              </p:par>
+                            </p:childTnLst>
+                          </p:cTn>
+                        </p:par>
+                      </p:childTnLst>
+                    </p:cTn>
+                  </p:par>
+                  <p:par>
+                    <p:cTn id="14" fill="hold">
+                      <p:stCondLst>
+                        <p:cond delay="indefinite"/>
+                      </p:stCondLst>
+                      <p:childTnLst>
+                        <p:par>
+                          <p:cTn id="15" fill="hold">
+                            <p:stCondLst>
+                              <p:cond delay="0"/>
+                            </p:stCondLst>
+                            <p:childTnLst>
+                              <p:par>
+                                <p:cTn id="16" presetID="10" presetClass="entr" presetSubtype="0" fill="hold" nodeType="clickEffect">
+                                  <p:stCondLst>
+                                    <p:cond delay="0"/>
+                                  </p:stCondLst>
+                                  <p:childTnLst>
+                                    <p:set>
+                                      <p:cBhvr>
+                                        <p:cTn id="17" dur="1" fill="hold">
+                                          <p:stCondLst>
+                                            <p:cond delay="0"/>
+                                          </p:stCondLst>
+                                        </p:cTn>
+                                        <p:tgtEl>
+                                          <p:spTgt spid="12">
+                                            <p:txEl>
+                                              <p:pRg st="0" end="0"/>
+                                            </p:txEl>
+                                          </p:spTgt>
+                                        </p:tgtEl>
+                                        <p:attrNameLst>
+                                          <p:attrName>style.visibility</p:attrName>
+                                        </p:attrNameLst>
+                                      </p:cBhvr>
+                                      <p:to>
+                                        <p:strVal val="visible"/>
+                                      </p:to>
+                                    </p:set>
+                                    <p:animEffect transition="in" filter="fade">
+                                      <p:cBhvr>
+                                        <p:cTn id="18" dur="500"/>
+                                        <p:tgtEl>
+                                          <p:spTgt spid="12">
+                                            <p:txEl>
+                                              <p:pRg st="0" end="0"/>
+                                            </p:txEl>
+                                          </p:spTgt>
+                                        </p:tgtEl>
+                                      </p:cBhvr>
+                                    </p:animEffect>
+                                  </p:childTnLst>
+                                </p:cTn>
+                              </p:par>
+                              <p:par>
+                                <p:cTn id="19" presetID="10" presetClass="entr" presetSubtype="0" fill="hold" nodeType="withEffect">
+                                  <p:stCondLst>
+                                    <p:cond delay="0"/>
+                                  </p:stCondLst>
+                                  <p:childTnLst>
+                                    <p:set>
+                                      <p:cBhvr>
+                                        <p:cTn id="20" dur="1" fill="hold">
+                                          <p:stCondLst>
+                                            <p:cond delay="0"/>
+                                          </p:stCondLst>
+                                        </p:cTn>
+                                        <p:tgtEl>
+                                          <p:spTgt spid="12">
+                                            <p:txEl>
+                                              <p:pRg st="2" end="2"/>
+                                            </p:txEl>
+                                          </p:spTgt>
+                                        </p:tgtEl>
+                                        <p:attrNameLst>
+                                          <p:attrName>style.visibility</p:attrName>
+                                        </p:attrNameLst>
+                                      </p:cBhvr>
+                                      <p:to>
+                                        <p:strVal val="visible"/>
+                                      </p:to>
+                                    </p:set>
+                                    <p:animEffect transition="in" filter="fade">
+                                      <p:cBhvr>
+                                        <p:cTn id="21" dur="500"/>
+                                        <p:tgtEl>
+                                          <p:spTgt spid="12">
+                                            <p:txEl>
+                                              <p:pRg st="2" end="2"/>
+                                            </p:txEl>
+                                          </p:spTgt>
+                                        </p:tgtEl>
+                                      </p:cBhvr>
+                                    </p:animEffect>
+                                  </p:childTnLst>
+                                </p:cTn>
+                              </p:par>
+                              <p:par>
+                                <p:cTn id="22" presetID="10" presetClass="entr" presetSubtype="0" fill="hold" nodeType="withEffect">
+                                  <p:stCondLst>
+                                    <p:cond delay="0"/>
+                                  </p:stCondLst>
+                                  <p:childTnLst>
+                                    <p:set>
+                                      <p:cBhvr>
+                                        <p:cTn id="23" dur="1" fill="hold">
+                                          <p:stCondLst>
+                                            <p:cond delay="0"/>
+                                          </p:stCondLst>
+                                        </p:cTn>
+                                        <p:tgtEl>
+                                          <p:spTgt spid="12">
+                                            <p:txEl>
+                                              <p:pRg st="4" end="4"/>
+                                            </p:txEl>
+                                          </p:spTgt>
+                                        </p:tgtEl>
+                                        <p:attrNameLst>
+                                          <p:attrName>style.visibility</p:attrName>
+                                        </p:attrNameLst>
+                                      </p:cBhvr>
+                                      <p:to>
+                                        <p:strVal val="visible"/>
+                                      </p:to>
+                                    </p:set>
+                                    <p:animEffect transition="in" filter="fade">
+                                      <p:cBhvr>
+                                        <p:cTn id="24" dur="500"/>
+                                        <p:tgtEl>
+                                          <p:spTgt spid="12">
+                                            <p:txEl>
+                                              <p:pRg st="4" end="4"/>
+                                            </p:txEl>
+                                          </p:spTgt>
+                                        </p:tgtEl>
+                                      </p:cBhvr>
+                                    </p:animEffect>
+                                  </p:childTnLst>
+                                </p:cTn>
+                              </p:par>
+                              <p:par>
+                                <p:cTn id="25" presetID="10" presetClass="entr" presetSubtype="0" fill="hold" nodeType="withEffect">
+                                  <p:stCondLst>
+                                    <p:cond delay="0"/>
+                                  </p:stCondLst>
+                                  <p:childTnLst>
+                                    <p:set>
+                                      <p:cBhvr>
+                                        <p:cTn id="26" dur="1" fill="hold">
+                                          <p:stCondLst>
+                                            <p:cond delay="0"/>
+                                          </p:stCondLst>
+                                        </p:cTn>
+                                        <p:tgtEl>
+                                          <p:spTgt spid="12">
+                                            <p:txEl>
+                                              <p:pRg st="6" end="6"/>
+                                            </p:txEl>
+                                          </p:spTgt>
+                                        </p:tgtEl>
+                                        <p:attrNameLst>
+                                          <p:attrName>style.visibility</p:attrName>
+                                        </p:attrNameLst>
+                                      </p:cBhvr>
+                                      <p:to>
+                                        <p:strVal val="visible"/>
+                                      </p:to>
+                                    </p:set>
+                                    <p:animEffect transition="in" filter="fade">
+                                      <p:cBhvr>
+                                        <p:cTn id="27" dur="500"/>
+                                        <p:tgtEl>
+                                          <p:spTgt spid="12">
+                                            <p:txEl>
+                                              <p:pRg st="6" end="6"/>
+                                            </p:txEl>
+                                          </p:spTgt>
+                                        </p:tgtEl>
+                                      </p:cBhvr>
+                                    </p:animEffect>
+                                  </p:childTnLst>
+                                </p:cTn>
+                              </p:par>
+                            </p:childTnLst>
+                          </p:cTn>
+                        </p:par>
+                      </p:childTnLst>
+                    </p:cTn>
+                  </p:par>
+                </p:childTnLst>
+              </p:cTn>
+              <p:prevCondLst>
+                <p:cond evt="onPrev" delay="0">
+                  <p:tgtEl>
+                    <p:sldTgt/>
+                  </p:tgtEl>
+                </p:cond>
+              </p:prevCondLst>
+              <p:nextCondLst>
+                <p:cond evt="onNext" delay="0">
+                  <p:tgtEl>
+                    <p:sldTgt/>
+                  </p:tgtEl>
+                </p:cond>
+              </p:nextCondLst>
+            </p:seq>
+          </p:childTnLst>
+        </p:cTn>
+      </p:par>
+    </p:tnLst>
+  </p:timing>
+</p:sld>
+</file>
+
+<file path=ppt/slides/slide6.xml><?xml version="1.0" encoding="utf-8"?>
+<p:sld xmlns:a="http://schemas.openxmlformats.org/drawingml/2006/main" xmlns:r="http://schemas.openxmlformats.org/officeDocument/2006/relationships" xmlns:p="http://schemas.openxmlformats.org/presentationml/2006/main">
+  <p:cSld>
+    <p:spTree>
+      <p:nvGrpSpPr>
+        <p:cNvPr id="1" name=""/>
+        <p:cNvGrpSpPr/>
+        <p:nvPr/>
+      </p:nvGrpSpPr>
+      <p:grpSpPr>
+        <a:xfrm>
+          <a:off x="0" y="0"/>
+          <a:ext cx="0" cy="0"/>
+          <a:chOff x="0" y="0"/>
+          <a:chExt cx="0" cy="0"/>
+        </a:xfrm>
+      </p:grpSpPr>
+      <p:sp>
+        <p:nvSpPr>
+          <p:cNvPr id="4" name="Tijdelijke aanduiding voor datum 3"/>
+          <p:cNvSpPr>
+            <a:spLocks noGrp="1"/>
+          </p:cNvSpPr>
+          <p:nvPr>
+            <p:ph type="dt" sz="half" idx="10"/>
+          </p:nvPr>
+        </p:nvSpPr>
+        <p:spPr>
+          <a:xfrm>
+            <a:off x="313508" y="6459783"/>
+            <a:ext cx="2472271" cy="365125"/>
+          </a:xfrm>
+        </p:spPr>
+        <p:txBody>
+          <a:bodyPr/>
+          <a:lstStyle/>
+          <a:p>
+            <a:r>
+              <a:rPr lang="nl-BE" sz="1400" dirty="0" smtClean="0"/>
+              <a:t>Bryan Van Huyneghem</a:t>
+            </a:r>
+            <a:endParaRPr lang="nl-BE" sz="800" dirty="0"/>
+          </a:p>
+        </p:txBody>
+      </p:sp>
+      <p:sp>
+        <p:nvSpPr>
+          <p:cNvPr id="5" name="Tijdelijke aanduiding voor voettekst 4"/>
+          <p:cNvSpPr>
+            <a:spLocks noGrp="1"/>
+          </p:cNvSpPr>
+          <p:nvPr>
+            <p:ph type="ftr" sz="quarter" idx="11"/>
+          </p:nvPr>
+        </p:nvSpPr>
+        <p:spPr>
+          <a:xfrm>
+            <a:off x="2191294" y="6459784"/>
+            <a:ext cx="7870372" cy="365125"/>
+          </a:xfrm>
+        </p:spPr>
+        <p:txBody>
+          <a:bodyPr/>
+          <a:lstStyle/>
+          <a:p>
+            <a:r>
+              <a:rPr lang="en-GB" sz="1400" cap="none" dirty="0" smtClean="0"/>
+              <a:t>Context – </a:t>
+            </a:r>
+            <a:r>
+              <a:rPr lang="en-GB" sz="1600" b="1" cap="none" dirty="0" smtClean="0"/>
+              <a:t>MVC</a:t>
+            </a:r>
+            <a:r>
+              <a:rPr lang="en-GB" sz="1600" cap="none" dirty="0" smtClean="0"/>
+              <a:t> </a:t>
+            </a:r>
+            <a:r>
+              <a:rPr lang="en-GB" sz="1400" cap="none" dirty="0" smtClean="0"/>
+              <a:t>– </a:t>
+            </a:r>
+            <a:r>
+              <a:rPr lang="en-GB" sz="1400" cap="none" dirty="0" smtClean="0"/>
+              <a:t>Databank – Parsers – Visualisatie – Inlogsysteem – Future work</a:t>
+            </a:r>
+            <a:endParaRPr lang="nl-BE" sz="1400" cap="none" dirty="0"/>
+          </a:p>
+        </p:txBody>
+      </p:sp>
+      <p:sp>
+        <p:nvSpPr>
+          <p:cNvPr id="6" name="Tijdelijke aanduiding voor dianummer 5"/>
+          <p:cNvSpPr>
+            <a:spLocks noGrp="1"/>
+          </p:cNvSpPr>
+          <p:nvPr>
+            <p:ph type="sldNum" sz="quarter" idx="12"/>
+          </p:nvPr>
+        </p:nvSpPr>
+        <p:spPr>
+          <a:xfrm>
+            <a:off x="10613571" y="6459785"/>
+            <a:ext cx="598912" cy="365125"/>
+          </a:xfrm>
+        </p:spPr>
+        <p:txBody>
+          <a:bodyPr/>
+          <a:lstStyle/>
+          <a:p>
+            <a:fld id="{535572C1-3FAA-4346-9330-03EF25016D70}" type="slidenum">
+              <a:rPr lang="nl-BE" sz="1600" smtClean="0"/>
+              <a:t>6</a:t>
+            </a:fld>
+            <a:endParaRPr lang="nl-BE" sz="1600" dirty="0"/>
+          </a:p>
+        </p:txBody>
+      </p:sp>
+      <p:cxnSp>
+        <p:nvCxnSpPr>
+          <p:cNvPr id="10" name="Rechte verbindingslijn 9"/>
+          <p:cNvCxnSpPr/>
+          <p:nvPr/>
+        </p:nvCxnSpPr>
+        <p:spPr>
+          <a:xfrm>
+            <a:off x="1097280" y="1045030"/>
+            <a:ext cx="10210256" cy="0"/>
+          </a:xfrm>
+          <a:prstGeom prst="line">
+            <a:avLst/>
+          </a:prstGeom>
+          <a:ln>
+            <a:solidFill>
+              <a:schemeClr val="bg1">
+                <a:lumMod val="65000"/>
+              </a:schemeClr>
+            </a:solidFill>
+          </a:ln>
+        </p:spPr>
+        <p:style>
+          <a:lnRef idx="1">
+            <a:schemeClr val="accent1"/>
+          </a:lnRef>
+          <a:fillRef idx="0">
+            <a:schemeClr val="accent1"/>
+          </a:fillRef>
+          <a:effectRef idx="0">
+            <a:schemeClr val="accent1"/>
+          </a:effectRef>
+          <a:fontRef idx="minor">
+            <a:schemeClr val="tx1"/>
+          </a:fontRef>
+        </p:style>
+      </p:cxnSp>
+      <p:sp>
+        <p:nvSpPr>
+          <p:cNvPr id="11" name="Titel 1"/>
+          <p:cNvSpPr txBox="1">
+            <a:spLocks/>
+          </p:cNvSpPr>
+          <p:nvPr/>
+        </p:nvSpPr>
+        <p:spPr>
+          <a:xfrm>
+            <a:off x="1097280" y="286604"/>
+            <a:ext cx="10058400" cy="758426"/>
+          </a:xfrm>
+          <a:prstGeom prst="rect">
+            <a:avLst/>
+          </a:prstGeom>
+        </p:spPr>
+        <p:txBody>
+          <a:bodyPr anchor="ctr"/>
+          <a:lstStyle>
+            <a:lvl1pPr algn="l" defTabSz="914400" rtl="0" eaLnBrk="1" latinLnBrk="0" hangingPunct="1">
+              <a:lnSpc>
+                <a:spcPct val="85000"/>
+              </a:lnSpc>
+              <a:spcBef>
+                <a:spcPct val="0"/>
+              </a:spcBef>
+              <a:buNone/>
+              <a:defRPr sz="4800" kern="1200" spc="-50" baseline="0">
+                <a:solidFill>
+                  <a:schemeClr val="tx1">
+                    <a:lumMod val="75000"/>
+                    <a:lumOff val="25000"/>
+                  </a:schemeClr>
+                </a:solidFill>
+                <a:latin typeface="+mj-lt"/>
+                <a:ea typeface="+mj-ea"/>
+                <a:cs typeface="+mj-cs"/>
+              </a:defRPr>
+            </a:lvl1pPr>
+          </a:lstStyle>
+          <a:p>
+            <a:r>
+              <a:rPr lang="en-GB" dirty="0" smtClean="0">
+                <a:solidFill>
+                  <a:schemeClr val="tx1"/>
+                </a:solidFill>
+              </a:rPr>
+              <a:t>Webapplicatie met ASP.NET MVC 5</a:t>
+            </a:r>
+            <a:endParaRPr lang="nl-BE" dirty="0">
+              <a:solidFill>
+                <a:schemeClr val="tx1"/>
+              </a:solidFill>
+            </a:endParaRPr>
+          </a:p>
+        </p:txBody>
+      </p:sp>
+      <p:sp>
+        <p:nvSpPr>
+          <p:cNvPr id="12" name="Tijdelijke aanduiding voor inhoud 2"/>
+          <p:cNvSpPr txBox="1">
+            <a:spLocks/>
+          </p:cNvSpPr>
+          <p:nvPr/>
+        </p:nvSpPr>
+        <p:spPr>
+          <a:xfrm>
+            <a:off x="8328212" y="1420585"/>
+            <a:ext cx="3639670" cy="4448507"/>
+          </a:xfrm>
+          <a:prstGeom prst="rect">
+            <a:avLst/>
+          </a:prstGeom>
+        </p:spPr>
+        <p:txBody>
+          <a:bodyPr>
+            <a:normAutofit/>
+          </a:bodyPr>
+          <a:lstStyle>
+            <a:lvl1pPr marL="91440" indent="-91440" algn="l" defTabSz="914400" rtl="0" eaLnBrk="1" latinLnBrk="0" hangingPunct="1">
+              <a:lnSpc>
+                <a:spcPct val="90000"/>
+              </a:lnSpc>
+              <a:spcBef>
+                <a:spcPts val="1200"/>
+              </a:spcBef>
+              <a:spcAft>
+                <a:spcPts val="200"/>
+              </a:spcAft>
+              <a:buClr>
+                <a:schemeClr val="accent1"/>
+              </a:buClr>
+              <a:buSzPct val="100000"/>
+              <a:buFont typeface="Calibri" panose="020F0502020204030204" pitchFamily="34" charset="0"/>
+              <a:buChar char=" "/>
+              <a:defRPr sz="2000" kern="1200">
+                <a:solidFill>
+                  <a:schemeClr val="tx1">
+                    <a:lumMod val="75000"/>
+                    <a:lumOff val="25000"/>
+                  </a:schemeClr>
+                </a:solidFill>
+                <a:latin typeface="+mn-lt"/>
+                <a:ea typeface="+mn-ea"/>
+                <a:cs typeface="+mn-cs"/>
+              </a:defRPr>
+            </a:lvl1pPr>
+            <a:lvl2pPr marL="384048" indent="-182880" algn="l" defTabSz="914400" rtl="0" eaLnBrk="1" latinLnBrk="0" hangingPunct="1">
+              <a:lnSpc>
+                <a:spcPct val="90000"/>
+              </a:lnSpc>
+              <a:spcBef>
+                <a:spcPts val="200"/>
+              </a:spcBef>
+              <a:spcAft>
+                <a:spcPts val="400"/>
+              </a:spcAft>
+              <a:buClr>
+                <a:schemeClr val="accent1"/>
+              </a:buClr>
+              <a:buFont typeface="Calibri" pitchFamily="34" charset="0"/>
+              <a:buChar char="◦"/>
+              <a:defRPr sz="1800" kern="1200">
+                <a:solidFill>
+                  <a:schemeClr val="tx1">
+                    <a:lumMod val="75000"/>
+                    <a:lumOff val="25000"/>
+                  </a:schemeClr>
+                </a:solidFill>
+                <a:latin typeface="+mn-lt"/>
+                <a:ea typeface="+mn-ea"/>
+                <a:cs typeface="+mn-cs"/>
+              </a:defRPr>
+            </a:lvl2pPr>
+            <a:lvl3pPr marL="566928" indent="-182880" algn="l" defTabSz="914400" rtl="0" eaLnBrk="1" latinLnBrk="0" hangingPunct="1">
+              <a:lnSpc>
+                <a:spcPct val="90000"/>
+              </a:lnSpc>
+              <a:spcBef>
+                <a:spcPts val="200"/>
+              </a:spcBef>
+              <a:spcAft>
+                <a:spcPts val="400"/>
+              </a:spcAft>
+              <a:buClr>
+                <a:schemeClr val="accent1"/>
+              </a:buClr>
+              <a:buFont typeface="Calibri" pitchFamily="34" charset="0"/>
+              <a:buChar char="◦"/>
+              <a:defRPr sz="1400" kern="1200">
+                <a:solidFill>
+                  <a:schemeClr val="tx1">
+                    <a:lumMod val="75000"/>
+                    <a:lumOff val="25000"/>
+                  </a:schemeClr>
+                </a:solidFill>
+                <a:latin typeface="+mn-lt"/>
+                <a:ea typeface="+mn-ea"/>
+                <a:cs typeface="+mn-cs"/>
+              </a:defRPr>
+            </a:lvl3pPr>
+            <a:lvl4pPr marL="749808" indent="-182880" algn="l" defTabSz="914400" rtl="0" eaLnBrk="1" latinLnBrk="0" hangingPunct="1">
+              <a:lnSpc>
+                <a:spcPct val="90000"/>
+              </a:lnSpc>
+              <a:spcBef>
+                <a:spcPts val="200"/>
+              </a:spcBef>
+              <a:spcAft>
+                <a:spcPts val="400"/>
+              </a:spcAft>
+              <a:buClr>
+                <a:schemeClr val="accent1"/>
+              </a:buClr>
+              <a:buFont typeface="Calibri" pitchFamily="34" charset="0"/>
+              <a:buChar char="◦"/>
+              <a:defRPr sz="1400" kern="1200">
+                <a:solidFill>
+                  <a:schemeClr val="tx1">
+                    <a:lumMod val="75000"/>
+                    <a:lumOff val="25000"/>
+                  </a:schemeClr>
+                </a:solidFill>
+                <a:latin typeface="+mn-lt"/>
+                <a:ea typeface="+mn-ea"/>
+                <a:cs typeface="+mn-cs"/>
+              </a:defRPr>
+            </a:lvl4pPr>
+            <a:lvl5pPr marL="932688" indent="-182880" algn="l" defTabSz="914400" rtl="0" eaLnBrk="1" latinLnBrk="0" hangingPunct="1">
+              <a:lnSpc>
+                <a:spcPct val="90000"/>
+              </a:lnSpc>
+              <a:spcBef>
+                <a:spcPts val="200"/>
+              </a:spcBef>
+              <a:spcAft>
+                <a:spcPts val="400"/>
+              </a:spcAft>
+              <a:buClr>
+                <a:schemeClr val="accent1"/>
+              </a:buClr>
+              <a:buFont typeface="Calibri" pitchFamily="34" charset="0"/>
+              <a:buChar char="◦"/>
+              <a:defRPr sz="1400" kern="1200">
+                <a:solidFill>
+                  <a:schemeClr val="tx1">
+                    <a:lumMod val="75000"/>
+                    <a:lumOff val="25000"/>
+                  </a:schemeClr>
+                </a:solidFill>
+                <a:latin typeface="+mn-lt"/>
+                <a:ea typeface="+mn-ea"/>
+                <a:cs typeface="+mn-cs"/>
+              </a:defRPr>
+            </a:lvl5pPr>
+            <a:lvl6pPr marL="1100000" indent="-228600" algn="l" defTabSz="914400" rtl="0" eaLnBrk="1" latinLnBrk="0" hangingPunct="1">
+              <a:lnSpc>
+                <a:spcPct val="90000"/>
+              </a:lnSpc>
+              <a:spcBef>
+                <a:spcPts val="200"/>
+              </a:spcBef>
+              <a:spcAft>
+                <a:spcPts val="400"/>
+              </a:spcAft>
+              <a:buClr>
+                <a:schemeClr val="accent1"/>
+              </a:buClr>
+              <a:buFont typeface="Calibri" pitchFamily="34" charset="0"/>
+              <a:buChar char="◦"/>
+              <a:defRPr sz="1400" kern="1200">
+                <a:solidFill>
+                  <a:schemeClr val="tx1">
+                    <a:lumMod val="75000"/>
+                    <a:lumOff val="25000"/>
+                  </a:schemeClr>
+                </a:solidFill>
+                <a:latin typeface="+mn-lt"/>
+                <a:ea typeface="+mn-ea"/>
+                <a:cs typeface="+mn-cs"/>
+              </a:defRPr>
+            </a:lvl6pPr>
+            <a:lvl7pPr marL="1300000" indent="-228600" algn="l" defTabSz="914400" rtl="0" eaLnBrk="1" latinLnBrk="0" hangingPunct="1">
+              <a:lnSpc>
+                <a:spcPct val="90000"/>
+              </a:lnSpc>
+              <a:spcBef>
+                <a:spcPts val="200"/>
+              </a:spcBef>
+              <a:spcAft>
+                <a:spcPts val="400"/>
+              </a:spcAft>
+              <a:buClr>
+                <a:schemeClr val="accent1"/>
+              </a:buClr>
+              <a:buFont typeface="Calibri" pitchFamily="34" charset="0"/>
+              <a:buChar char="◦"/>
+              <a:defRPr sz="1400" kern="1200">
+                <a:solidFill>
+                  <a:schemeClr val="tx1">
+                    <a:lumMod val="75000"/>
+                    <a:lumOff val="25000"/>
+                  </a:schemeClr>
+                </a:solidFill>
+                <a:latin typeface="+mn-lt"/>
+                <a:ea typeface="+mn-ea"/>
+                <a:cs typeface="+mn-cs"/>
+              </a:defRPr>
+            </a:lvl7pPr>
+            <a:lvl8pPr marL="1500000" indent="-228600" algn="l" defTabSz="914400" rtl="0" eaLnBrk="1" latinLnBrk="0" hangingPunct="1">
+              <a:lnSpc>
+                <a:spcPct val="90000"/>
+              </a:lnSpc>
+              <a:spcBef>
+                <a:spcPts val="200"/>
+              </a:spcBef>
+              <a:spcAft>
+                <a:spcPts val="400"/>
+              </a:spcAft>
+              <a:buClr>
+                <a:schemeClr val="accent1"/>
+              </a:buClr>
+              <a:buFont typeface="Calibri" pitchFamily="34" charset="0"/>
+              <a:buChar char="◦"/>
+              <a:defRPr sz="1400" kern="1200">
+                <a:solidFill>
+                  <a:schemeClr val="tx1">
+                    <a:lumMod val="75000"/>
+                    <a:lumOff val="25000"/>
+                  </a:schemeClr>
+                </a:solidFill>
+                <a:latin typeface="+mn-lt"/>
+                <a:ea typeface="+mn-ea"/>
+                <a:cs typeface="+mn-cs"/>
+              </a:defRPr>
+            </a:lvl8pPr>
+            <a:lvl9pPr marL="1700000" indent="-228600" algn="l" defTabSz="914400" rtl="0" eaLnBrk="1" latinLnBrk="0" hangingPunct="1">
+              <a:lnSpc>
+                <a:spcPct val="90000"/>
+              </a:lnSpc>
+              <a:spcBef>
+                <a:spcPts val="200"/>
+              </a:spcBef>
+              <a:spcAft>
+                <a:spcPts val="400"/>
+              </a:spcAft>
+              <a:buClr>
+                <a:schemeClr val="accent1"/>
+              </a:buClr>
+              <a:buFont typeface="Calibri" pitchFamily="34" charset="0"/>
+              <a:buChar char="◦"/>
+              <a:defRPr sz="1400" kern="1200">
+                <a:solidFill>
+                  <a:schemeClr val="tx1">
+                    <a:lumMod val="75000"/>
+                    <a:lumOff val="25000"/>
+                  </a:schemeClr>
+                </a:solidFill>
+                <a:latin typeface="+mn-lt"/>
+                <a:ea typeface="+mn-ea"/>
+                <a:cs typeface="+mn-cs"/>
+              </a:defRPr>
+            </a:lvl9pPr>
+          </a:lstStyle>
+          <a:p>
+            <a:pPr marL="0" indent="0">
+              <a:buNone/>
+            </a:pPr>
+            <a:r>
+              <a:rPr lang="nl-BE" sz="2400" dirty="0" smtClean="0">
+                <a:solidFill>
+                  <a:schemeClr val="tx1"/>
+                </a:solidFill>
+              </a:rPr>
+              <a:t>HTML-tabel met extra functionaliteiten…</a:t>
+            </a:r>
+          </a:p>
+          <a:p>
+            <a:pPr marL="0" indent="0">
+              <a:buNone/>
+            </a:pPr>
+            <a:endParaRPr lang="en-GB" sz="2200" i="1" dirty="0">
+              <a:solidFill>
+                <a:schemeClr val="tx1"/>
+              </a:solidFill>
+            </a:endParaRPr>
+          </a:p>
+          <a:p>
+            <a:pPr lvl="1">
+              <a:buFont typeface="Wingdings" panose="05000000000000000000" pitchFamily="2" charset="2"/>
+              <a:buChar char="§"/>
+            </a:pPr>
+            <a:r>
+              <a:rPr lang="nl-BE" sz="2000" b="1" i="1" dirty="0" smtClean="0">
+                <a:solidFill>
+                  <a:schemeClr val="tx1"/>
+                </a:solidFill>
+              </a:rPr>
+              <a:t>Zoeken</a:t>
+            </a:r>
+            <a:r>
+              <a:rPr lang="nl-BE" sz="2000" dirty="0" smtClean="0">
+                <a:solidFill>
+                  <a:schemeClr val="tx1"/>
+                </a:solidFill>
+              </a:rPr>
+              <a:t> in kolommen</a:t>
+            </a:r>
+          </a:p>
+          <a:p>
+            <a:pPr lvl="1">
+              <a:buFont typeface="Wingdings" panose="05000000000000000000" pitchFamily="2" charset="2"/>
+              <a:buChar char="§"/>
+            </a:pPr>
+            <a:endParaRPr lang="en-GB" sz="2000" i="1" dirty="0">
+              <a:solidFill>
+                <a:schemeClr val="tx1"/>
+              </a:solidFill>
+            </a:endParaRPr>
+          </a:p>
+          <a:p>
+            <a:pPr lvl="1">
+              <a:buFont typeface="Wingdings" panose="05000000000000000000" pitchFamily="2" charset="2"/>
+              <a:buChar char="§"/>
+            </a:pPr>
+            <a:r>
+              <a:rPr lang="nl-BE" sz="2000" b="1" i="1" dirty="0" smtClean="0">
+                <a:solidFill>
+                  <a:schemeClr val="tx1"/>
+                </a:solidFill>
+              </a:rPr>
+              <a:t>Sorteren</a:t>
+            </a:r>
+            <a:r>
+              <a:rPr lang="nl-BE" sz="2000" dirty="0" smtClean="0">
+                <a:solidFill>
+                  <a:schemeClr val="tx1"/>
+                </a:solidFill>
+              </a:rPr>
+              <a:t> van kolommen</a:t>
+            </a:r>
+          </a:p>
+          <a:p>
+            <a:pPr lvl="1">
+              <a:buFont typeface="Wingdings" panose="05000000000000000000" pitchFamily="2" charset="2"/>
+              <a:buChar char="§"/>
+            </a:pPr>
+            <a:endParaRPr lang="nl-BE" sz="2000" i="1" dirty="0" smtClean="0">
+              <a:solidFill>
+                <a:schemeClr val="tx1"/>
+              </a:solidFill>
+            </a:endParaRPr>
+          </a:p>
+          <a:p>
+            <a:pPr lvl="1">
+              <a:buFont typeface="Wingdings" panose="05000000000000000000" pitchFamily="2" charset="2"/>
+              <a:buChar char="§"/>
+            </a:pPr>
+            <a:r>
+              <a:rPr lang="en-GB" sz="2000" b="1" i="1" dirty="0" smtClean="0">
+                <a:solidFill>
+                  <a:schemeClr val="tx1"/>
+                </a:solidFill>
+              </a:rPr>
+              <a:t>Paginering</a:t>
+            </a:r>
+            <a:r>
+              <a:rPr lang="en-GB" sz="2000" dirty="0" smtClean="0">
+                <a:solidFill>
+                  <a:schemeClr val="tx1"/>
+                </a:solidFill>
+              </a:rPr>
+              <a:t> van entries</a:t>
+            </a:r>
+          </a:p>
+          <a:p>
+            <a:pPr lvl="1">
+              <a:buFont typeface="Wingdings" panose="05000000000000000000" pitchFamily="2" charset="2"/>
+              <a:buChar char="§"/>
+            </a:pPr>
+            <a:endParaRPr lang="en-GB" sz="2000" b="1" dirty="0">
+              <a:solidFill>
+                <a:schemeClr val="tx1"/>
+              </a:solidFill>
+            </a:endParaRPr>
+          </a:p>
+          <a:p>
+            <a:pPr marL="201168" lvl="1" indent="0">
+              <a:buNone/>
+            </a:pPr>
+            <a:r>
+              <a:rPr lang="en-GB" sz="2000" dirty="0" smtClean="0">
+                <a:solidFill>
+                  <a:schemeClr val="tx1"/>
+                </a:solidFill>
+              </a:rPr>
+              <a:t>-&gt;</a:t>
+            </a:r>
+            <a:r>
+              <a:rPr lang="en-GB" sz="2000" b="1" dirty="0" smtClean="0">
+                <a:solidFill>
+                  <a:schemeClr val="tx1"/>
+                </a:solidFill>
+              </a:rPr>
+              <a:t> Data Tables </a:t>
+            </a:r>
+            <a:r>
+              <a:rPr lang="en-GB" sz="2000" dirty="0" smtClean="0">
+                <a:solidFill>
+                  <a:schemeClr val="tx1"/>
+                </a:solidFill>
+              </a:rPr>
+              <a:t>(jQuery)</a:t>
+            </a:r>
+            <a:endParaRPr lang="nl-BE" sz="2400" dirty="0">
+              <a:solidFill>
+                <a:schemeClr val="tx1"/>
+              </a:solidFill>
+            </a:endParaRPr>
+          </a:p>
+          <a:p>
+            <a:pPr marL="0" indent="0">
+              <a:buFont typeface="Calibri" panose="020F0502020204030204" pitchFamily="34" charset="0"/>
+              <a:buNone/>
+            </a:pPr>
+            <a:endParaRPr lang="nl-BE" sz="2400" dirty="0" smtClean="0">
+              <a:solidFill>
+                <a:schemeClr val="tx1"/>
+              </a:solidFill>
+            </a:endParaRPr>
+          </a:p>
+          <a:p>
+            <a:pPr marL="514350" indent="-514350">
+              <a:buFont typeface="+mj-lt"/>
+              <a:buAutoNum type="arabicParenR"/>
+            </a:pPr>
+            <a:endParaRPr lang="nl-BE" sz="2400" dirty="0"/>
+          </a:p>
+        </p:txBody>
+      </p:sp>
+      <p:pic>
+        <p:nvPicPr>
+          <p:cNvPr id="2" name="Afbeelding 1"/>
+          <p:cNvPicPr>
+            <a:picLocks noChangeAspect="1"/>
+          </p:cNvPicPr>
+          <p:nvPr/>
+        </p:nvPicPr>
+        <p:blipFill>
+          <a:blip r:embed="rId2"/>
+          <a:stretch>
+            <a:fillRect/>
+          </a:stretch>
+        </p:blipFill>
+        <p:spPr>
+          <a:xfrm>
+            <a:off x="598685" y="1045029"/>
+            <a:ext cx="7577671" cy="5391558"/>
+          </a:xfrm>
+          <a:prstGeom prst="rect">
+            <a:avLst/>
+          </a:prstGeom>
+        </p:spPr>
+      </p:pic>
+      <p:pic>
+        <p:nvPicPr>
+          <p:cNvPr id="13" name="Picture 4" descr="Application, asp.net, development, programming, web icon"/>
+          <p:cNvPicPr>
+            <a:picLocks noChangeAspect="1" noChangeArrowheads="1"/>
+          </p:cNvPicPr>
+          <p:nvPr/>
+        </p:nvPicPr>
+        <p:blipFill>
+          <a:blip r:embed="rId3" cstate="print">
+            <a:extLst>
+              <a:ext uri="{28A0092B-C50C-407E-A947-70E740481C1C}">
+                <a14:useLocalDpi xmlns:a14="http://schemas.microsoft.com/office/drawing/2010/main" val="0"/>
+              </a:ext>
+            </a:extLst>
+          </a:blip>
+          <a:srcRect/>
+          <a:stretch>
+            <a:fillRect/>
+          </a:stretch>
+        </p:blipFill>
+        <p:spPr bwMode="auto">
+          <a:xfrm>
+            <a:off x="11155680" y="42525"/>
+            <a:ext cx="943967" cy="943967"/>
+          </a:xfrm>
+          <a:prstGeom prst="rect">
+            <a:avLst/>
+          </a:prstGeom>
+          <a:noFill/>
+          <a:extLst>
+            <a:ext uri="{909E8E84-426E-40DD-AFC4-6F175D3DCCD1}">
+              <a14:hiddenFill xmlns:a14="http://schemas.microsoft.com/office/drawing/2010/main">
+                <a:solidFill>
+                  <a:srgbClr val="FFFFFF"/>
+                </a:solidFill>
+              </a14:hiddenFill>
+            </a:ext>
+          </a:extLst>
+        </p:spPr>
+      </p:pic>
+    </p:spTree>
+    <p:extLst>
+      <p:ext uri="{BB962C8B-B14F-4D97-AF65-F5344CB8AC3E}">
+        <p14:creationId xmlns:p14="http://schemas.microsoft.com/office/powerpoint/2010/main" val="196824026"/>
+      </p:ext>
+    </p:extLst>
+  </p:cSld>
+  <p:clrMapOvr>
+    <a:masterClrMapping/>
+  </p:clrMapOvr>
+  <p:timing>
+    <p:tnLst>
+      <p:par>
+        <p:cTn id="1" dur="indefinite" restart="never" nodeType="tmRoot">
+          <p:childTnLst>
+            <p:seq concurrent="1" nextAc="seek">
+              <p:cTn id="2" dur="indefinite" nodeType="mainSeq">
+                <p:childTnLst>
+                  <p:par>
+                    <p:cTn id="3" fill="hold">
+                      <p:stCondLst>
+                        <p:cond delay="indefinite"/>
+                      </p:stCondLst>
+                      <p:childTnLst>
+                        <p:par>
+                          <p:cTn id="4" fill="hold">
+                            <p:stCondLst>
+                              <p:cond delay="0"/>
+                            </p:stCondLst>
+                            <p:childTnLst>
+                              <p:par>
+                                <p:cTn id="5" presetID="10" presetClass="entr" presetSubtype="0" fill="hold" nodeType="clickEffect">
+                                  <p:stCondLst>
+                                    <p:cond delay="0"/>
+                                  </p:stCondLst>
+                                  <p:childTnLst>
+                                    <p:set>
+                                      <p:cBhvr>
+                                        <p:cTn id="6" dur="1" fill="hold">
+                                          <p:stCondLst>
+                                            <p:cond delay="0"/>
+                                          </p:stCondLst>
+                                        </p:cTn>
+                                        <p:tgtEl>
+                                          <p:spTgt spid="12">
+                                            <p:txEl>
+                                              <p:pRg st="0" end="0"/>
+                                            </p:txEl>
+                                          </p:spTgt>
+                                        </p:tgtEl>
+                                        <p:attrNameLst>
+                                          <p:attrName>style.visibility</p:attrName>
+                                        </p:attrNameLst>
+                                      </p:cBhvr>
+                                      <p:to>
+                                        <p:strVal val="visible"/>
+                                      </p:to>
+                                    </p:set>
+                                    <p:animEffect transition="in" filter="fade">
+                                      <p:cBhvr>
+                                        <p:cTn id="7" dur="500"/>
+                                        <p:tgtEl>
+                                          <p:spTgt spid="12">
+                                            <p:txEl>
+                                              <p:pRg st="0" end="0"/>
+                                            </p:txEl>
+                                          </p:spTgt>
+                                        </p:tgtEl>
+                                      </p:cBhvr>
+                                    </p:animEffect>
+                                  </p:childTnLst>
+                                </p:cTn>
+                              </p:par>
+                              <p:par>
+                                <p:cTn id="8" presetID="10" presetClass="entr" presetSubtype="0" fill="hold" nodeType="withEffect">
+                                  <p:stCondLst>
+                                    <p:cond delay="0"/>
+                                  </p:stCondLst>
+                                  <p:childTnLst>
+                                    <p:set>
+                                      <p:cBhvr>
+                                        <p:cTn id="9" dur="1" fill="hold">
+                                          <p:stCondLst>
+                                            <p:cond delay="0"/>
+                                          </p:stCondLst>
+                                        </p:cTn>
+                                        <p:tgtEl>
+                                          <p:spTgt spid="12">
+                                            <p:txEl>
+                                              <p:pRg st="2" end="2"/>
+                                            </p:txEl>
+                                          </p:spTgt>
+                                        </p:tgtEl>
+                                        <p:attrNameLst>
+                                          <p:attrName>style.visibility</p:attrName>
+                                        </p:attrNameLst>
+                                      </p:cBhvr>
+                                      <p:to>
+                                        <p:strVal val="visible"/>
+                                      </p:to>
+                                    </p:set>
+                                    <p:animEffect transition="in" filter="fade">
+                                      <p:cBhvr>
+                                        <p:cTn id="10" dur="500"/>
+                                        <p:tgtEl>
+                                          <p:spTgt spid="12">
+                                            <p:txEl>
+                                              <p:pRg st="2" end="2"/>
+                                            </p:txEl>
+                                          </p:spTgt>
+                                        </p:tgtEl>
+                                      </p:cBhvr>
+                                    </p:animEffect>
+                                  </p:childTnLst>
+                                </p:cTn>
+                              </p:par>
+                              <p:par>
+                                <p:cTn id="11" presetID="10" presetClass="entr" presetSubtype="0" fill="hold" nodeType="withEffect">
+                                  <p:stCondLst>
+                                    <p:cond delay="0"/>
+                                  </p:stCondLst>
+                                  <p:childTnLst>
+                                    <p:set>
+                                      <p:cBhvr>
+                                        <p:cTn id="12" dur="1" fill="hold">
+                                          <p:stCondLst>
+                                            <p:cond delay="0"/>
+                                          </p:stCondLst>
+                                        </p:cTn>
+                                        <p:tgtEl>
+                                          <p:spTgt spid="12">
+                                            <p:txEl>
+                                              <p:pRg st="4" end="4"/>
+                                            </p:txEl>
+                                          </p:spTgt>
+                                        </p:tgtEl>
+                                        <p:attrNameLst>
+                                          <p:attrName>style.visibility</p:attrName>
+                                        </p:attrNameLst>
+                                      </p:cBhvr>
+                                      <p:to>
+                                        <p:strVal val="visible"/>
+                                      </p:to>
+                                    </p:set>
+                                    <p:animEffect transition="in" filter="fade">
+                                      <p:cBhvr>
+                                        <p:cTn id="13" dur="500"/>
+                                        <p:tgtEl>
+                                          <p:spTgt spid="12">
+                                            <p:txEl>
+                                              <p:pRg st="4" end="4"/>
+                                            </p:txEl>
+                                          </p:spTgt>
+                                        </p:tgtEl>
+                                      </p:cBhvr>
+                                    </p:animEffect>
+                                  </p:childTnLst>
+                                </p:cTn>
+                              </p:par>
+                              <p:par>
+                                <p:cTn id="14" presetID="10" presetClass="entr" presetSubtype="0" fill="hold" nodeType="withEffect">
+                                  <p:stCondLst>
+                                    <p:cond delay="0"/>
+                                  </p:stCondLst>
+                                  <p:childTnLst>
+                                    <p:set>
+                                      <p:cBhvr>
+                                        <p:cTn id="15" dur="1" fill="hold">
+                                          <p:stCondLst>
+                                            <p:cond delay="0"/>
+                                          </p:stCondLst>
+                                        </p:cTn>
+                                        <p:tgtEl>
+                                          <p:spTgt spid="12">
+                                            <p:txEl>
+                                              <p:pRg st="6" end="6"/>
+                                            </p:txEl>
+                                          </p:spTgt>
+                                        </p:tgtEl>
+                                        <p:attrNameLst>
+                                          <p:attrName>style.visibility</p:attrName>
+                                        </p:attrNameLst>
+                                      </p:cBhvr>
+                                      <p:to>
+                                        <p:strVal val="visible"/>
+                                      </p:to>
+                                    </p:set>
+                                    <p:animEffect transition="in" filter="fade">
+                                      <p:cBhvr>
+                                        <p:cTn id="16" dur="500"/>
+                                        <p:tgtEl>
+                                          <p:spTgt spid="12">
+                                            <p:txEl>
+                                              <p:pRg st="6" end="6"/>
+                                            </p:txEl>
+                                          </p:spTgt>
+                                        </p:tgtEl>
+                                      </p:cBhvr>
+                                    </p:animEffect>
+                                  </p:childTnLst>
+                                </p:cTn>
+                              </p:par>
+                              <p:par>
+                                <p:cTn id="17" presetID="10" presetClass="entr" presetSubtype="0" fill="hold" nodeType="withEffect">
+                                  <p:stCondLst>
+                                    <p:cond delay="0"/>
+                                  </p:stCondLst>
+                                  <p:childTnLst>
+                                    <p:set>
+                                      <p:cBhvr>
+                                        <p:cTn id="18" dur="1" fill="hold">
+                                          <p:stCondLst>
+                                            <p:cond delay="0"/>
+                                          </p:stCondLst>
+                                        </p:cTn>
+                                        <p:tgtEl>
+                                          <p:spTgt spid="12">
+                                            <p:txEl>
+                                              <p:pRg st="8" end="8"/>
+                                            </p:txEl>
+                                          </p:spTgt>
+                                        </p:tgtEl>
+                                        <p:attrNameLst>
+                                          <p:attrName>style.visibility</p:attrName>
+                                        </p:attrNameLst>
+                                      </p:cBhvr>
+                                      <p:to>
+                                        <p:strVal val="visible"/>
+                                      </p:to>
+                                    </p:set>
+                                    <p:animEffect transition="in" filter="fade">
+                                      <p:cBhvr>
+                                        <p:cTn id="19" dur="500"/>
+                                        <p:tgtEl>
+                                          <p:spTgt spid="12">
+                                            <p:txEl>
+                                              <p:pRg st="8" end="8"/>
+                                            </p:txEl>
+                                          </p:spTgt>
+                                        </p:tgtEl>
+                                      </p:cBhvr>
+                                    </p:animEffect>
+                                  </p:childTnLst>
+                                </p:cTn>
+                              </p:par>
+                            </p:childTnLst>
+                          </p:cTn>
+                        </p:par>
+                      </p:childTnLst>
+                    </p:cTn>
+                  </p:par>
+                </p:childTnLst>
+              </p:cTn>
+              <p:prevCondLst>
+                <p:cond evt="onPrev" delay="0">
+                  <p:tgtEl>
+                    <p:sldTgt/>
+                  </p:tgtEl>
+                </p:cond>
+              </p:prevCondLst>
+              <p:nextCondLst>
+                <p:cond evt="onNext" delay="0">
+                  <p:tgtEl>
+                    <p:sldTgt/>
+                  </p:tgtEl>
+                </p:cond>
+              </p:nextCondLst>
+            </p:seq>
+          </p:childTnLst>
+        </p:cTn>
+      </p:par>
+    </p:tnLst>
+  </p:timing>
+</p:sld>
+</file>
+
+<file path=ppt/slides/slide7.xml><?xml version="1.0" encoding="utf-8"?>
+<p:sld xmlns:a="http://schemas.openxmlformats.org/drawingml/2006/main" xmlns:r="http://schemas.openxmlformats.org/officeDocument/2006/relationships" xmlns:p="http://schemas.openxmlformats.org/presentationml/2006/main">
+  <p:cSld>
+    <p:spTree>
+      <p:nvGrpSpPr>
+        <p:cNvPr id="1" name=""/>
+        <p:cNvGrpSpPr/>
+        <p:nvPr/>
+      </p:nvGrpSpPr>
+      <p:grpSpPr>
+        <a:xfrm>
+          <a:off x="0" y="0"/>
+          <a:ext cx="0" cy="0"/>
+          <a:chOff x="0" y="0"/>
+          <a:chExt cx="0" cy="0"/>
+        </a:xfrm>
+      </p:grpSpPr>
+      <p:sp>
+        <p:nvSpPr>
+          <p:cNvPr id="4" name="Tijdelijke aanduiding voor datum 3"/>
+          <p:cNvSpPr>
+            <a:spLocks noGrp="1"/>
+          </p:cNvSpPr>
+          <p:nvPr>
+            <p:ph type="dt" sz="half" idx="10"/>
+          </p:nvPr>
+        </p:nvSpPr>
+        <p:spPr>
+          <a:xfrm>
+            <a:off x="313508" y="6459783"/>
+            <a:ext cx="2472271" cy="365125"/>
+          </a:xfrm>
+        </p:spPr>
+        <p:txBody>
+          <a:bodyPr/>
+          <a:lstStyle/>
+          <a:p>
+            <a:r>
+              <a:rPr lang="nl-BE" sz="1400" dirty="0" smtClean="0"/>
+              <a:t>Bryan Van Huyneghem</a:t>
+            </a:r>
+            <a:endParaRPr lang="nl-BE" sz="800" dirty="0"/>
+          </a:p>
+        </p:txBody>
+      </p:sp>
+      <p:sp>
+        <p:nvSpPr>
+          <p:cNvPr id="5" name="Tijdelijke aanduiding voor voettekst 4"/>
+          <p:cNvSpPr>
+            <a:spLocks noGrp="1"/>
+          </p:cNvSpPr>
+          <p:nvPr>
+            <p:ph type="ftr" sz="quarter" idx="11"/>
+          </p:nvPr>
+        </p:nvSpPr>
+        <p:spPr>
+          <a:xfrm>
+            <a:off x="2191294" y="6459784"/>
+            <a:ext cx="7870372" cy="365125"/>
+          </a:xfrm>
+        </p:spPr>
+        <p:txBody>
+          <a:bodyPr/>
+          <a:lstStyle/>
+          <a:p>
+            <a:r>
+              <a:rPr lang="en-GB" sz="1400" cap="none" dirty="0" smtClean="0"/>
+              <a:t>Context – </a:t>
+            </a:r>
+            <a:r>
+              <a:rPr lang="en-GB" sz="1600" b="1" cap="none" dirty="0" smtClean="0"/>
+              <a:t>MVC</a:t>
+            </a:r>
+            <a:r>
+              <a:rPr lang="en-GB" sz="1600" cap="none" dirty="0" smtClean="0"/>
+              <a:t> </a:t>
+            </a:r>
+            <a:r>
+              <a:rPr lang="en-GB" sz="1400" cap="none" dirty="0" smtClean="0"/>
+              <a:t>– </a:t>
+            </a:r>
+            <a:r>
+              <a:rPr lang="en-GB" sz="1400" cap="none" dirty="0" smtClean="0"/>
+              <a:t>Databank – Parsers – Visualisatie – Inlogsysteem – Future work</a:t>
+            </a:r>
+            <a:endParaRPr lang="nl-BE" sz="1400" cap="none" dirty="0"/>
+          </a:p>
+        </p:txBody>
+      </p:sp>
+      <p:sp>
+        <p:nvSpPr>
+          <p:cNvPr id="6" name="Tijdelijke aanduiding voor dianummer 5"/>
+          <p:cNvSpPr>
+            <a:spLocks noGrp="1"/>
+          </p:cNvSpPr>
+          <p:nvPr>
+            <p:ph type="sldNum" sz="quarter" idx="12"/>
+          </p:nvPr>
+        </p:nvSpPr>
+        <p:spPr>
+          <a:xfrm>
+            <a:off x="10613571" y="6459785"/>
+            <a:ext cx="598912" cy="365125"/>
+          </a:xfrm>
+        </p:spPr>
+        <p:txBody>
+          <a:bodyPr/>
+          <a:lstStyle/>
+          <a:p>
+            <a:fld id="{535572C1-3FAA-4346-9330-03EF25016D70}" type="slidenum">
+              <a:rPr lang="nl-BE" sz="1600" smtClean="0"/>
+              <a:t>7</a:t>
+            </a:fld>
+            <a:endParaRPr lang="nl-BE" sz="1600" dirty="0"/>
+          </a:p>
+        </p:txBody>
+      </p:sp>
+      <p:cxnSp>
+        <p:nvCxnSpPr>
+          <p:cNvPr id="10" name="Rechte verbindingslijn 9"/>
+          <p:cNvCxnSpPr/>
+          <p:nvPr/>
+        </p:nvCxnSpPr>
+        <p:spPr>
+          <a:xfrm>
+            <a:off x="1097280" y="1045030"/>
+            <a:ext cx="10210256" cy="0"/>
+          </a:xfrm>
+          <a:prstGeom prst="line">
+            <a:avLst/>
+          </a:prstGeom>
+          <a:ln>
+            <a:solidFill>
+              <a:schemeClr val="bg1">
+                <a:lumMod val="65000"/>
+              </a:schemeClr>
+            </a:solidFill>
+          </a:ln>
+        </p:spPr>
+        <p:style>
+          <a:lnRef idx="1">
+            <a:schemeClr val="accent1"/>
+          </a:lnRef>
+          <a:fillRef idx="0">
+            <a:schemeClr val="accent1"/>
+          </a:fillRef>
+          <a:effectRef idx="0">
+            <a:schemeClr val="accent1"/>
+          </a:effectRef>
+          <a:fontRef idx="minor">
+            <a:schemeClr val="tx1"/>
+          </a:fontRef>
+        </p:style>
+      </p:cxnSp>
+      <p:sp>
+        <p:nvSpPr>
+          <p:cNvPr id="11" name="Titel 1"/>
+          <p:cNvSpPr txBox="1">
+            <a:spLocks/>
+          </p:cNvSpPr>
+          <p:nvPr/>
+        </p:nvSpPr>
+        <p:spPr>
+          <a:xfrm>
+            <a:off x="1097280" y="286604"/>
+            <a:ext cx="10058400" cy="758426"/>
+          </a:xfrm>
+          <a:prstGeom prst="rect">
+            <a:avLst/>
+          </a:prstGeom>
+        </p:spPr>
+        <p:txBody>
+          <a:bodyPr anchor="ctr"/>
+          <a:lstStyle>
+            <a:lvl1pPr algn="l" defTabSz="914400" rtl="0" eaLnBrk="1" latinLnBrk="0" hangingPunct="1">
+              <a:lnSpc>
+                <a:spcPct val="85000"/>
+              </a:lnSpc>
+              <a:spcBef>
+                <a:spcPct val="0"/>
+              </a:spcBef>
+              <a:buNone/>
+              <a:defRPr sz="4800" kern="1200" spc="-50" baseline="0">
+                <a:solidFill>
+                  <a:schemeClr val="tx1">
+                    <a:lumMod val="75000"/>
+                    <a:lumOff val="25000"/>
+                  </a:schemeClr>
+                </a:solidFill>
+                <a:latin typeface="+mj-lt"/>
+                <a:ea typeface="+mj-ea"/>
+                <a:cs typeface="+mj-cs"/>
+              </a:defRPr>
+            </a:lvl1pPr>
+          </a:lstStyle>
+          <a:p>
+            <a:r>
+              <a:rPr lang="en-GB" dirty="0" smtClean="0">
+                <a:solidFill>
+                  <a:schemeClr val="tx1"/>
+                </a:solidFill>
+              </a:rPr>
+              <a:t>Uploaden van bestanden</a:t>
+            </a:r>
+            <a:endParaRPr lang="nl-BE" dirty="0">
+              <a:solidFill>
+                <a:schemeClr val="tx1"/>
+              </a:solidFill>
+            </a:endParaRPr>
+          </a:p>
+        </p:txBody>
+      </p:sp>
+      <p:sp>
+        <p:nvSpPr>
+          <p:cNvPr id="12" name="Tijdelijke aanduiding voor inhoud 2"/>
+          <p:cNvSpPr txBox="1">
+            <a:spLocks/>
+          </p:cNvSpPr>
+          <p:nvPr/>
+        </p:nvSpPr>
+        <p:spPr>
+          <a:xfrm>
+            <a:off x="1097280" y="1420585"/>
+            <a:ext cx="10058400" cy="4448507"/>
+          </a:xfrm>
+          <a:prstGeom prst="rect">
+            <a:avLst/>
+          </a:prstGeom>
+        </p:spPr>
+        <p:txBody>
+          <a:bodyPr>
+            <a:normAutofit/>
+          </a:bodyPr>
+          <a:lstStyle>
+            <a:lvl1pPr marL="91440" indent="-91440" algn="l" defTabSz="914400" rtl="0" eaLnBrk="1" latinLnBrk="0" hangingPunct="1">
+              <a:lnSpc>
+                <a:spcPct val="90000"/>
+              </a:lnSpc>
+              <a:spcBef>
+                <a:spcPts val="1200"/>
+              </a:spcBef>
+              <a:spcAft>
+                <a:spcPts val="200"/>
+              </a:spcAft>
+              <a:buClr>
+                <a:schemeClr val="accent1"/>
+              </a:buClr>
+              <a:buSzPct val="100000"/>
+              <a:buFont typeface="Calibri" panose="020F0502020204030204" pitchFamily="34" charset="0"/>
+              <a:buChar char=" "/>
+              <a:defRPr sz="2000" kern="1200">
+                <a:solidFill>
+                  <a:schemeClr val="tx1">
+                    <a:lumMod val="75000"/>
+                    <a:lumOff val="25000"/>
+                  </a:schemeClr>
+                </a:solidFill>
+                <a:latin typeface="+mn-lt"/>
+                <a:ea typeface="+mn-ea"/>
+                <a:cs typeface="+mn-cs"/>
+              </a:defRPr>
+            </a:lvl1pPr>
+            <a:lvl2pPr marL="384048" indent="-182880" algn="l" defTabSz="914400" rtl="0" eaLnBrk="1" latinLnBrk="0" hangingPunct="1">
+              <a:lnSpc>
+                <a:spcPct val="90000"/>
+              </a:lnSpc>
+              <a:spcBef>
+                <a:spcPts val="200"/>
+              </a:spcBef>
+              <a:spcAft>
+                <a:spcPts val="400"/>
+              </a:spcAft>
+              <a:buClr>
+                <a:schemeClr val="accent1"/>
+              </a:buClr>
+              <a:buFont typeface="Calibri" pitchFamily="34" charset="0"/>
+              <a:buChar char="◦"/>
+              <a:defRPr sz="1800" kern="1200">
+                <a:solidFill>
+                  <a:schemeClr val="tx1">
+                    <a:lumMod val="75000"/>
+                    <a:lumOff val="25000"/>
+                  </a:schemeClr>
+                </a:solidFill>
+                <a:latin typeface="+mn-lt"/>
+                <a:ea typeface="+mn-ea"/>
+                <a:cs typeface="+mn-cs"/>
+              </a:defRPr>
+            </a:lvl2pPr>
+            <a:lvl3pPr marL="566928" indent="-182880" algn="l" defTabSz="914400" rtl="0" eaLnBrk="1" latinLnBrk="0" hangingPunct="1">
+              <a:lnSpc>
+                <a:spcPct val="90000"/>
+              </a:lnSpc>
+              <a:spcBef>
+                <a:spcPts val="200"/>
+              </a:spcBef>
+              <a:spcAft>
+                <a:spcPts val="400"/>
+              </a:spcAft>
+              <a:buClr>
+                <a:schemeClr val="accent1"/>
+              </a:buClr>
+              <a:buFont typeface="Calibri" pitchFamily="34" charset="0"/>
+              <a:buChar char="◦"/>
+              <a:defRPr sz="1400" kern="1200">
+                <a:solidFill>
+                  <a:schemeClr val="tx1">
+                    <a:lumMod val="75000"/>
+                    <a:lumOff val="25000"/>
+                  </a:schemeClr>
+                </a:solidFill>
+                <a:latin typeface="+mn-lt"/>
+                <a:ea typeface="+mn-ea"/>
+                <a:cs typeface="+mn-cs"/>
+              </a:defRPr>
+            </a:lvl3pPr>
+            <a:lvl4pPr marL="749808" indent="-182880" algn="l" defTabSz="914400" rtl="0" eaLnBrk="1" latinLnBrk="0" hangingPunct="1">
+              <a:lnSpc>
+                <a:spcPct val="90000"/>
+              </a:lnSpc>
+              <a:spcBef>
+                <a:spcPts val="200"/>
+              </a:spcBef>
+              <a:spcAft>
+                <a:spcPts val="400"/>
+              </a:spcAft>
+              <a:buClr>
+                <a:schemeClr val="accent1"/>
+              </a:buClr>
+              <a:buFont typeface="Calibri" pitchFamily="34" charset="0"/>
+              <a:buChar char="◦"/>
+              <a:defRPr sz="1400" kern="1200">
+                <a:solidFill>
+                  <a:schemeClr val="tx1">
+                    <a:lumMod val="75000"/>
+                    <a:lumOff val="25000"/>
+                  </a:schemeClr>
+                </a:solidFill>
+                <a:latin typeface="+mn-lt"/>
+                <a:ea typeface="+mn-ea"/>
+                <a:cs typeface="+mn-cs"/>
+              </a:defRPr>
+            </a:lvl4pPr>
+            <a:lvl5pPr marL="932688" indent="-182880" algn="l" defTabSz="914400" rtl="0" eaLnBrk="1" latinLnBrk="0" hangingPunct="1">
+              <a:lnSpc>
+                <a:spcPct val="90000"/>
+              </a:lnSpc>
+              <a:spcBef>
+                <a:spcPts val="200"/>
+              </a:spcBef>
+              <a:spcAft>
+                <a:spcPts val="400"/>
+              </a:spcAft>
+              <a:buClr>
+                <a:schemeClr val="accent1"/>
+              </a:buClr>
+              <a:buFont typeface="Calibri" pitchFamily="34" charset="0"/>
+              <a:buChar char="◦"/>
+              <a:defRPr sz="1400" kern="1200">
+                <a:solidFill>
+                  <a:schemeClr val="tx1">
+                    <a:lumMod val="75000"/>
+                    <a:lumOff val="25000"/>
+                  </a:schemeClr>
+                </a:solidFill>
+                <a:latin typeface="+mn-lt"/>
+                <a:ea typeface="+mn-ea"/>
+                <a:cs typeface="+mn-cs"/>
+              </a:defRPr>
+            </a:lvl5pPr>
+            <a:lvl6pPr marL="1100000" indent="-228600" algn="l" defTabSz="914400" rtl="0" eaLnBrk="1" latinLnBrk="0" hangingPunct="1">
+              <a:lnSpc>
+                <a:spcPct val="90000"/>
+              </a:lnSpc>
+              <a:spcBef>
+                <a:spcPts val="200"/>
+              </a:spcBef>
+              <a:spcAft>
+                <a:spcPts val="400"/>
+              </a:spcAft>
+              <a:buClr>
+                <a:schemeClr val="accent1"/>
+              </a:buClr>
+              <a:buFont typeface="Calibri" pitchFamily="34" charset="0"/>
+              <a:buChar char="◦"/>
+              <a:defRPr sz="1400" kern="1200">
+                <a:solidFill>
+                  <a:schemeClr val="tx1">
+                    <a:lumMod val="75000"/>
+                    <a:lumOff val="25000"/>
+                  </a:schemeClr>
+                </a:solidFill>
+                <a:latin typeface="+mn-lt"/>
+                <a:ea typeface="+mn-ea"/>
+                <a:cs typeface="+mn-cs"/>
+              </a:defRPr>
+            </a:lvl6pPr>
+            <a:lvl7pPr marL="1300000" indent="-228600" algn="l" defTabSz="914400" rtl="0" eaLnBrk="1" latinLnBrk="0" hangingPunct="1">
+              <a:lnSpc>
+                <a:spcPct val="90000"/>
+              </a:lnSpc>
+              <a:spcBef>
+                <a:spcPts val="200"/>
+              </a:spcBef>
+              <a:spcAft>
+                <a:spcPts val="400"/>
+              </a:spcAft>
+              <a:buClr>
+                <a:schemeClr val="accent1"/>
+              </a:buClr>
+              <a:buFont typeface="Calibri" pitchFamily="34" charset="0"/>
+              <a:buChar char="◦"/>
+              <a:defRPr sz="1400" kern="1200">
+                <a:solidFill>
+                  <a:schemeClr val="tx1">
+                    <a:lumMod val="75000"/>
+                    <a:lumOff val="25000"/>
+                  </a:schemeClr>
+                </a:solidFill>
+                <a:latin typeface="+mn-lt"/>
+                <a:ea typeface="+mn-ea"/>
+                <a:cs typeface="+mn-cs"/>
+              </a:defRPr>
+            </a:lvl7pPr>
+            <a:lvl8pPr marL="1500000" indent="-228600" algn="l" defTabSz="914400" rtl="0" eaLnBrk="1" latinLnBrk="0" hangingPunct="1">
+              <a:lnSpc>
+                <a:spcPct val="90000"/>
+              </a:lnSpc>
+              <a:spcBef>
+                <a:spcPts val="200"/>
+              </a:spcBef>
+              <a:spcAft>
+                <a:spcPts val="400"/>
+              </a:spcAft>
+              <a:buClr>
+                <a:schemeClr val="accent1"/>
+              </a:buClr>
+              <a:buFont typeface="Calibri" pitchFamily="34" charset="0"/>
+              <a:buChar char="◦"/>
+              <a:defRPr sz="1400" kern="1200">
+                <a:solidFill>
+                  <a:schemeClr val="tx1">
+                    <a:lumMod val="75000"/>
+                    <a:lumOff val="25000"/>
+                  </a:schemeClr>
+                </a:solidFill>
+                <a:latin typeface="+mn-lt"/>
+                <a:ea typeface="+mn-ea"/>
+                <a:cs typeface="+mn-cs"/>
+              </a:defRPr>
+            </a:lvl8pPr>
+            <a:lvl9pPr marL="1700000" indent="-228600" algn="l" defTabSz="914400" rtl="0" eaLnBrk="1" latinLnBrk="0" hangingPunct="1">
+              <a:lnSpc>
+                <a:spcPct val="90000"/>
+              </a:lnSpc>
+              <a:spcBef>
+                <a:spcPts val="200"/>
+              </a:spcBef>
+              <a:spcAft>
+                <a:spcPts val="400"/>
+              </a:spcAft>
+              <a:buClr>
+                <a:schemeClr val="accent1"/>
+              </a:buClr>
+              <a:buFont typeface="Calibri" pitchFamily="34" charset="0"/>
+              <a:buChar char="◦"/>
+              <a:defRPr sz="1400" kern="1200">
+                <a:solidFill>
+                  <a:schemeClr val="tx1">
+                    <a:lumMod val="75000"/>
+                    <a:lumOff val="25000"/>
+                  </a:schemeClr>
+                </a:solidFill>
+                <a:latin typeface="+mn-lt"/>
+                <a:ea typeface="+mn-ea"/>
+                <a:cs typeface="+mn-cs"/>
+              </a:defRPr>
+            </a:lvl9pPr>
+          </a:lstStyle>
+          <a:p>
+            <a:pPr marL="0" indent="0">
+              <a:buFont typeface="Calibri" panose="020F0502020204030204" pitchFamily="34" charset="0"/>
+              <a:buNone/>
+            </a:pPr>
+            <a:endParaRPr lang="nl-BE" sz="2400" dirty="0" smtClean="0">
+              <a:solidFill>
+                <a:schemeClr val="tx1"/>
+              </a:solidFill>
+              <a:latin typeface="+mj-lt"/>
+            </a:endParaRPr>
+          </a:p>
+          <a:p>
+            <a:pPr marL="0" indent="0">
+              <a:buNone/>
+            </a:pPr>
+            <a:endParaRPr lang="nl-BE" sz="2400" dirty="0" smtClean="0">
+              <a:solidFill>
+                <a:schemeClr val="tx1"/>
+              </a:solidFill>
+            </a:endParaRPr>
+          </a:p>
+          <a:p>
+            <a:pPr marL="514350" indent="-514350">
+              <a:buFont typeface="+mj-lt"/>
+              <a:buAutoNum type="arabicParenR"/>
+            </a:pPr>
+            <a:endParaRPr lang="nl-BE" sz="2400" dirty="0"/>
+          </a:p>
+        </p:txBody>
+      </p:sp>
+      <p:pic>
+        <p:nvPicPr>
+          <p:cNvPr id="2" name="Afbeelding 1"/>
+          <p:cNvPicPr>
+            <a:picLocks noChangeAspect="1"/>
+          </p:cNvPicPr>
+          <p:nvPr/>
+        </p:nvPicPr>
+        <p:blipFill>
+          <a:blip r:embed="rId2"/>
+          <a:stretch>
+            <a:fillRect/>
+          </a:stretch>
+        </p:blipFill>
+        <p:spPr>
+          <a:xfrm>
+            <a:off x="953072" y="1144116"/>
+            <a:ext cx="10498671" cy="4757074"/>
+          </a:xfrm>
+          <a:prstGeom prst="rect">
+            <a:avLst/>
+          </a:prstGeom>
+        </p:spPr>
+      </p:pic>
+      <p:pic>
+        <p:nvPicPr>
+          <p:cNvPr id="3" name="Afbeelding 2"/>
+          <p:cNvPicPr>
+            <a:picLocks noChangeAspect="1"/>
+          </p:cNvPicPr>
+          <p:nvPr/>
+        </p:nvPicPr>
+        <p:blipFill>
+          <a:blip r:embed="rId3"/>
+          <a:stretch>
+            <a:fillRect/>
+          </a:stretch>
+        </p:blipFill>
+        <p:spPr>
+          <a:xfrm>
+            <a:off x="953071" y="1144116"/>
+            <a:ext cx="10498671" cy="5154558"/>
+          </a:xfrm>
+          <a:prstGeom prst="rect">
+            <a:avLst/>
+          </a:prstGeom>
+        </p:spPr>
+      </p:pic>
+      <p:pic>
+        <p:nvPicPr>
+          <p:cNvPr id="7" name="Afbeelding 6"/>
+          <p:cNvPicPr>
+            <a:picLocks noChangeAspect="1"/>
+          </p:cNvPicPr>
+          <p:nvPr/>
+        </p:nvPicPr>
+        <p:blipFill>
+          <a:blip r:embed="rId4"/>
+          <a:stretch>
+            <a:fillRect/>
+          </a:stretch>
+        </p:blipFill>
+        <p:spPr>
+          <a:xfrm>
+            <a:off x="970430" y="1163777"/>
+            <a:ext cx="10481312" cy="5161619"/>
+          </a:xfrm>
+          <a:prstGeom prst="rect">
+            <a:avLst/>
+          </a:prstGeom>
+        </p:spPr>
+      </p:pic>
+      <p:pic>
+        <p:nvPicPr>
+          <p:cNvPr id="13" name="Picture 4" descr="Application, asp.net, development, programming, web icon"/>
+          <p:cNvPicPr>
+            <a:picLocks noChangeAspect="1" noChangeArrowheads="1"/>
+          </p:cNvPicPr>
+          <p:nvPr/>
+        </p:nvPicPr>
+        <p:blipFill>
+          <a:blip r:embed="rId5" cstate="print">
+            <a:extLst>
+              <a:ext uri="{28A0092B-C50C-407E-A947-70E740481C1C}">
+                <a14:useLocalDpi xmlns:a14="http://schemas.microsoft.com/office/drawing/2010/main" val="0"/>
+              </a:ext>
+            </a:extLst>
+          </a:blip>
+          <a:srcRect/>
+          <a:stretch>
+            <a:fillRect/>
+          </a:stretch>
+        </p:blipFill>
+        <p:spPr bwMode="auto">
+          <a:xfrm>
+            <a:off x="11155680" y="42525"/>
+            <a:ext cx="943967" cy="943967"/>
+          </a:xfrm>
+          <a:prstGeom prst="rect">
+            <a:avLst/>
+          </a:prstGeom>
+          <a:noFill/>
+          <a:extLst>
+            <a:ext uri="{909E8E84-426E-40DD-AFC4-6F175D3DCCD1}">
+              <a14:hiddenFill xmlns:a14="http://schemas.microsoft.com/office/drawing/2010/main">
+                <a:solidFill>
+                  <a:srgbClr val="FFFFFF"/>
+                </a:solidFill>
+              </a14:hiddenFill>
+            </a:ext>
+          </a:extLst>
+        </p:spPr>
+      </p:pic>
+      <p:pic>
+        <p:nvPicPr>
+          <p:cNvPr id="8" name="Afbeelding 7"/>
+          <p:cNvPicPr>
+            <a:picLocks noChangeAspect="1"/>
+          </p:cNvPicPr>
+          <p:nvPr/>
+        </p:nvPicPr>
+        <p:blipFill>
+          <a:blip r:embed="rId6"/>
+          <a:stretch>
+            <a:fillRect/>
+          </a:stretch>
+        </p:blipFill>
+        <p:spPr>
+          <a:xfrm>
+            <a:off x="953070" y="1153052"/>
+            <a:ext cx="10498672" cy="5192005"/>
+          </a:xfrm>
+          <a:prstGeom prst="rect">
+            <a:avLst/>
+          </a:prstGeom>
+        </p:spPr>
+      </p:pic>
+    </p:spTree>
+    <p:extLst>
+      <p:ext uri="{BB962C8B-B14F-4D97-AF65-F5344CB8AC3E}">
+        <p14:creationId xmlns:p14="http://schemas.microsoft.com/office/powerpoint/2010/main" val="3723105210"/>
+      </p:ext>
+    </p:extLst>
+  </p:cSld>
+  <p:clrMapOvr>
+    <a:masterClrMapping/>
+  </p:clrMapOvr>
+  <p:timing>
+    <p:tnLst>
+      <p:par>
+        <p:cTn id="1" dur="indefinite" restart="never" nodeType="tmRoot">
+          <p:childTnLst>
+            <p:seq concurrent="1" nextAc="seek">
+              <p:cTn id="2" dur="indefinite" nodeType="mainSeq">
+                <p:childTnLst>
+                  <p:par>
+                    <p:cTn id="3" fill="hold">
+                      <p:stCondLst>
+                        <p:cond delay="indefinite"/>
+                      </p:stCondLst>
+                      <p:childTnLst>
+                        <p:par>
+                          <p:cTn id="4" fill="hold">
+                            <p:stCondLst>
+                              <p:cond delay="0"/>
+                            </p:stCondLst>
+                            <p:childTnLst>
+                              <p:par>
+                                <p:cTn id="5" presetID="10" presetClass="entr" presetSubtype="0" fill="hold" nodeType="clickEffect">
+                                  <p:stCondLst>
+                                    <p:cond delay="0"/>
+                                  </p:stCondLst>
+                                  <p:childTnLst>
+                                    <p:set>
+                                      <p:cBhvr>
+                                        <p:cTn id="6" dur="1" fill="hold">
+                                          <p:stCondLst>
+                                            <p:cond delay="0"/>
+                                          </p:stCondLst>
+                                        </p:cTn>
+                                        <p:tgtEl>
+                                          <p:spTgt spid="3"/>
+                                        </p:tgtEl>
+                                        <p:attrNameLst>
+                                          <p:attrName>style.visibility</p:attrName>
+                                        </p:attrNameLst>
+                                      </p:cBhvr>
+                                      <p:to>
+                                        <p:strVal val="visible"/>
+                                      </p:to>
+                                    </p:set>
+                                    <p:animEffect transition="in" filter="fade">
+                                      <p:cBhvr>
+                                        <p:cTn id="7" dur="500"/>
+                                        <p:tgtEl>
+                                          <p:spTgt spid="3"/>
+                                        </p:tgtEl>
+                                      </p:cBhvr>
+                                    </p:animEffect>
+                                  </p:childTnLst>
+                                </p:cTn>
+                              </p:par>
+                            </p:childTnLst>
+                          </p:cTn>
+                        </p:par>
+                      </p:childTnLst>
+                    </p:cTn>
+                  </p:par>
+                  <p:par>
+                    <p:cTn id="8" fill="hold">
+                      <p:stCondLst>
+                        <p:cond delay="indefinite"/>
+                      </p:stCondLst>
+                      <p:childTnLst>
+                        <p:par>
+                          <p:cTn id="9" fill="hold">
+                            <p:stCondLst>
+                              <p:cond delay="0"/>
+                            </p:stCondLst>
+                            <p:childTnLst>
+                              <p:par>
+                                <p:cTn id="10" presetID="10" presetClass="entr" presetSubtype="0" fill="hold" nodeType="clickEffect">
+                                  <p:stCondLst>
+                                    <p:cond delay="0"/>
+                                  </p:stCondLst>
+                                  <p:childTnLst>
+                                    <p:set>
+                                      <p:cBhvr>
+                                        <p:cTn id="11" dur="1" fill="hold">
+                                          <p:stCondLst>
+                                            <p:cond delay="0"/>
+                                          </p:stCondLst>
+                                        </p:cTn>
+                                        <p:tgtEl>
+                                          <p:spTgt spid="7"/>
+                                        </p:tgtEl>
+                                        <p:attrNameLst>
+                                          <p:attrName>style.visibility</p:attrName>
+                                        </p:attrNameLst>
+                                      </p:cBhvr>
+                                      <p:to>
+                                        <p:strVal val="visible"/>
+                                      </p:to>
+                                    </p:set>
+                                    <p:animEffect transition="in" filter="fade">
+                                      <p:cBhvr>
+                                        <p:cTn id="12" dur="500"/>
+                                        <p:tgtEl>
+                                          <p:spTgt spid="7"/>
+                                        </p:tgtEl>
+                                      </p:cBhvr>
+                                    </p:animEffect>
+                                  </p:childTnLst>
+                                </p:cTn>
+                              </p:par>
+                            </p:childTnLst>
+                          </p:cTn>
+                        </p:par>
+                      </p:childTnLst>
+                    </p:cTn>
+                  </p:par>
+                  <p:par>
+                    <p:cTn id="13" fill="hold">
+                      <p:stCondLst>
+                        <p:cond delay="indefinite"/>
+                      </p:stCondLst>
+                      <p:childTnLst>
+                        <p:par>
+                          <p:cTn id="14" fill="hold">
+                            <p:stCondLst>
+                              <p:cond delay="0"/>
+                            </p:stCondLst>
+                            <p:childTnLst>
+                              <p:par>
+                                <p:cTn id="15" presetID="10" presetClass="entr" presetSubtype="0" fill="hold" nodeType="clickEffect">
+                                  <p:stCondLst>
+                                    <p:cond delay="0"/>
+                                  </p:stCondLst>
+                                  <p:childTnLst>
+                                    <p:set>
+                                      <p:cBhvr>
+                                        <p:cTn id="16" dur="1" fill="hold">
+                                          <p:stCondLst>
+                                            <p:cond delay="0"/>
+                                          </p:stCondLst>
+                                        </p:cTn>
+                                        <p:tgtEl>
+                                          <p:spTgt spid="8"/>
+                                        </p:tgtEl>
+                                        <p:attrNameLst>
+                                          <p:attrName>style.visibility</p:attrName>
+                                        </p:attrNameLst>
+                                      </p:cBhvr>
+                                      <p:to>
+                                        <p:strVal val="visible"/>
+                                      </p:to>
+                                    </p:set>
+                                    <p:animEffect transition="in" filter="fade">
+                                      <p:cBhvr>
+                                        <p:cTn id="17" dur="500"/>
+                                        <p:tgtEl>
+                                          <p:spTgt spid="8"/>
+                                        </p:tgtEl>
+                                      </p:cBhvr>
+                                    </p:animEffect>
+                                  </p:childTnLst>
+                                </p:cTn>
+                              </p:par>
+                            </p:childTnLst>
+                          </p:cTn>
+                        </p:par>
+                      </p:childTnLst>
+                    </p:cTn>
+                  </p:par>
+                </p:childTnLst>
+              </p:cTn>
+              <p:prevCondLst>
+                <p:cond evt="onPrev" delay="0">
+                  <p:tgtEl>
+                    <p:sldTgt/>
+                  </p:tgtEl>
+                </p:cond>
+              </p:prevCondLst>
+              <p:nextCondLst>
+                <p:cond evt="onNext" delay="0">
+                  <p:tgtEl>
+                    <p:sldTgt/>
+                  </p:tgtEl>
+                </p:cond>
+              </p:nextCondLst>
+            </p:seq>
+          </p:childTnLst>
+        </p:cTn>
+      </p:par>
+    </p:tnLst>
+  </p:timing>
+</p:sld>
+</file>
+
+<file path=ppt/slides/slide8.xml><?xml version="1.0" encoding="utf-8"?>
+<p:sld xmlns:a="http://schemas.openxmlformats.org/drawingml/2006/main" xmlns:r="http://schemas.openxmlformats.org/officeDocument/2006/relationships" xmlns:p="http://schemas.openxmlformats.org/presentationml/2006/main">
+  <p:cSld>
+    <p:spTree>
+      <p:nvGrpSpPr>
+        <p:cNvPr id="1" name=""/>
+        <p:cNvGrpSpPr/>
+        <p:nvPr/>
+      </p:nvGrpSpPr>
+      <p:grpSpPr>
+        <a:xfrm>
+          <a:off x="0" y="0"/>
+          <a:ext cx="0" cy="0"/>
+          <a:chOff x="0" y="0"/>
+          <a:chExt cx="0" cy="0"/>
+        </a:xfrm>
+      </p:grpSpPr>
+      <p:sp>
+        <p:nvSpPr>
+          <p:cNvPr id="4" name="Tijdelijke aanduiding voor datum 3"/>
+          <p:cNvSpPr>
+            <a:spLocks noGrp="1"/>
+          </p:cNvSpPr>
+          <p:nvPr>
+            <p:ph type="dt" sz="half" idx="10"/>
+          </p:nvPr>
+        </p:nvSpPr>
+        <p:spPr>
+          <a:xfrm>
+            <a:off x="313508" y="6459783"/>
+            <a:ext cx="2472271" cy="365125"/>
+          </a:xfrm>
+        </p:spPr>
+        <p:txBody>
+          <a:bodyPr/>
+          <a:lstStyle/>
+          <a:p>
+            <a:r>
+              <a:rPr lang="nl-BE" sz="1400" dirty="0" smtClean="0"/>
+              <a:t>Bryan Van Huyneghem</a:t>
+            </a:r>
+            <a:endParaRPr lang="nl-BE" sz="800" dirty="0"/>
+          </a:p>
+        </p:txBody>
+      </p:sp>
+      <p:sp>
+        <p:nvSpPr>
+          <p:cNvPr id="5" name="Tijdelijke aanduiding voor voettekst 4"/>
+          <p:cNvSpPr>
+            <a:spLocks noGrp="1"/>
+          </p:cNvSpPr>
+          <p:nvPr>
+            <p:ph type="ftr" sz="quarter" idx="11"/>
+          </p:nvPr>
+        </p:nvSpPr>
+        <p:spPr>
+          <a:xfrm>
+            <a:off x="2191294" y="6459784"/>
+            <a:ext cx="7870372" cy="365125"/>
+          </a:xfrm>
+        </p:spPr>
+        <p:txBody>
+          <a:bodyPr/>
+          <a:lstStyle/>
+          <a:p>
+            <a:r>
+              <a:rPr lang="en-GB" sz="1400" cap="none" dirty="0" smtClean="0"/>
+              <a:t>Context – </a:t>
+            </a:r>
+            <a:r>
+              <a:rPr lang="en-GB" sz="1600" b="1" cap="none" dirty="0" smtClean="0"/>
+              <a:t>MVC</a:t>
+            </a:r>
+            <a:r>
+              <a:rPr lang="en-GB" sz="1600" cap="none" dirty="0" smtClean="0"/>
+              <a:t> </a:t>
+            </a:r>
+            <a:r>
+              <a:rPr lang="en-GB" sz="1400" cap="none" dirty="0" smtClean="0"/>
+              <a:t>– </a:t>
+            </a:r>
+            <a:r>
+              <a:rPr lang="en-GB" sz="1400" cap="none" dirty="0" smtClean="0"/>
+              <a:t>Databank – Parsers – Visualisatie – Inlogsysteem – Future work</a:t>
+            </a:r>
+            <a:endParaRPr lang="nl-BE" sz="1400" cap="none" dirty="0"/>
+          </a:p>
+        </p:txBody>
+      </p:sp>
+      <p:sp>
+        <p:nvSpPr>
+          <p:cNvPr id="6" name="Tijdelijke aanduiding voor dianummer 5"/>
+          <p:cNvSpPr>
+            <a:spLocks noGrp="1"/>
+          </p:cNvSpPr>
+          <p:nvPr>
+            <p:ph type="sldNum" sz="quarter" idx="12"/>
+          </p:nvPr>
+        </p:nvSpPr>
+        <p:spPr>
+          <a:xfrm>
+            <a:off x="10613571" y="6459785"/>
+            <a:ext cx="598912" cy="365125"/>
+          </a:xfrm>
+        </p:spPr>
+        <p:txBody>
+          <a:bodyPr/>
+          <a:lstStyle/>
+          <a:p>
+            <a:fld id="{535572C1-3FAA-4346-9330-03EF25016D70}" type="slidenum">
+              <a:rPr lang="nl-BE" sz="1600" smtClean="0"/>
+              <a:t>8</a:t>
+            </a:fld>
+            <a:endParaRPr lang="nl-BE" sz="1600" dirty="0"/>
+          </a:p>
+        </p:txBody>
+      </p:sp>
+      <p:cxnSp>
+        <p:nvCxnSpPr>
+          <p:cNvPr id="10" name="Rechte verbindingslijn 9"/>
+          <p:cNvCxnSpPr/>
+          <p:nvPr/>
+        </p:nvCxnSpPr>
+        <p:spPr>
+          <a:xfrm>
+            <a:off x="1097280" y="1045030"/>
+            <a:ext cx="10210256" cy="0"/>
+          </a:xfrm>
+          <a:prstGeom prst="line">
+            <a:avLst/>
+          </a:prstGeom>
+          <a:ln>
+            <a:solidFill>
+              <a:schemeClr val="bg1">
+                <a:lumMod val="65000"/>
+              </a:schemeClr>
+            </a:solidFill>
+          </a:ln>
+        </p:spPr>
+        <p:style>
+          <a:lnRef idx="1">
+            <a:schemeClr val="accent1"/>
+          </a:lnRef>
+          <a:fillRef idx="0">
+            <a:schemeClr val="accent1"/>
+          </a:fillRef>
+          <a:effectRef idx="0">
+            <a:schemeClr val="accent1"/>
+          </a:effectRef>
+          <a:fontRef idx="minor">
+            <a:schemeClr val="tx1"/>
+          </a:fontRef>
+        </p:style>
+      </p:cxnSp>
+      <p:sp>
+        <p:nvSpPr>
+          <p:cNvPr id="11" name="Titel 1"/>
+          <p:cNvSpPr txBox="1">
+            <a:spLocks/>
+          </p:cNvSpPr>
+          <p:nvPr/>
+        </p:nvSpPr>
+        <p:spPr>
+          <a:xfrm>
+            <a:off x="1097280" y="286604"/>
+            <a:ext cx="10058400" cy="758426"/>
+          </a:xfrm>
+          <a:prstGeom prst="rect">
+            <a:avLst/>
+          </a:prstGeom>
+        </p:spPr>
+        <p:txBody>
+          <a:bodyPr anchor="ctr"/>
+          <a:lstStyle>
+            <a:lvl1pPr algn="l" defTabSz="914400" rtl="0" eaLnBrk="1" latinLnBrk="0" hangingPunct="1">
+              <a:lnSpc>
+                <a:spcPct val="85000"/>
+              </a:lnSpc>
+              <a:spcBef>
+                <a:spcPct val="0"/>
+              </a:spcBef>
+              <a:buNone/>
+              <a:defRPr sz="4800" kern="1200" spc="-50" baseline="0">
+                <a:solidFill>
+                  <a:schemeClr val="tx1">
+                    <a:lumMod val="75000"/>
+                    <a:lumOff val="25000"/>
+                  </a:schemeClr>
+                </a:solidFill>
+                <a:latin typeface="+mj-lt"/>
+                <a:ea typeface="+mj-ea"/>
+                <a:cs typeface="+mj-cs"/>
+              </a:defRPr>
+            </a:lvl1pPr>
+          </a:lstStyle>
+          <a:p>
+            <a:r>
+              <a:rPr lang="en-GB" dirty="0" smtClean="0">
+                <a:solidFill>
+                  <a:schemeClr val="tx1"/>
+                </a:solidFill>
+              </a:rPr>
+              <a:t>Webapplicatie met ASP.NET MVC 5</a:t>
+            </a:r>
+            <a:endParaRPr lang="nl-BE" dirty="0">
+              <a:solidFill>
+                <a:schemeClr val="tx1"/>
+              </a:solidFill>
+            </a:endParaRPr>
+          </a:p>
+        </p:txBody>
+      </p:sp>
+      <p:sp>
+        <p:nvSpPr>
+          <p:cNvPr id="12" name="Tijdelijke aanduiding voor inhoud 2"/>
+          <p:cNvSpPr txBox="1">
+            <a:spLocks/>
+          </p:cNvSpPr>
+          <p:nvPr/>
+        </p:nvSpPr>
+        <p:spPr>
+          <a:xfrm>
+            <a:off x="1097280" y="1420585"/>
+            <a:ext cx="10058400" cy="4448507"/>
+          </a:xfrm>
+          <a:prstGeom prst="rect">
+            <a:avLst/>
+          </a:prstGeom>
+        </p:spPr>
+        <p:txBody>
+          <a:bodyPr>
+            <a:normAutofit/>
+          </a:bodyPr>
+          <a:lstStyle>
+            <a:lvl1pPr marL="91440" indent="-91440" algn="l" defTabSz="914400" rtl="0" eaLnBrk="1" latinLnBrk="0" hangingPunct="1">
+              <a:lnSpc>
+                <a:spcPct val="90000"/>
+              </a:lnSpc>
+              <a:spcBef>
+                <a:spcPts val="1200"/>
+              </a:spcBef>
+              <a:spcAft>
+                <a:spcPts val="200"/>
+              </a:spcAft>
+              <a:buClr>
+                <a:schemeClr val="accent1"/>
+              </a:buClr>
+              <a:buSzPct val="100000"/>
+              <a:buFont typeface="Calibri" panose="020F0502020204030204" pitchFamily="34" charset="0"/>
+              <a:buChar char=" "/>
+              <a:defRPr sz="2000" kern="1200">
+                <a:solidFill>
+                  <a:schemeClr val="tx1">
+                    <a:lumMod val="75000"/>
+                    <a:lumOff val="25000"/>
+                  </a:schemeClr>
+                </a:solidFill>
+                <a:latin typeface="+mn-lt"/>
+                <a:ea typeface="+mn-ea"/>
+                <a:cs typeface="+mn-cs"/>
+              </a:defRPr>
+            </a:lvl1pPr>
+            <a:lvl2pPr marL="384048" indent="-182880" algn="l" defTabSz="914400" rtl="0" eaLnBrk="1" latinLnBrk="0" hangingPunct="1">
+              <a:lnSpc>
+                <a:spcPct val="90000"/>
+              </a:lnSpc>
+              <a:spcBef>
+                <a:spcPts val="200"/>
+              </a:spcBef>
+              <a:spcAft>
+                <a:spcPts val="400"/>
+              </a:spcAft>
+              <a:buClr>
+                <a:schemeClr val="accent1"/>
+              </a:buClr>
+              <a:buFont typeface="Calibri" pitchFamily="34" charset="0"/>
+              <a:buChar char="◦"/>
+              <a:defRPr sz="1800" kern="1200">
+                <a:solidFill>
+                  <a:schemeClr val="tx1">
+                    <a:lumMod val="75000"/>
+                    <a:lumOff val="25000"/>
+                  </a:schemeClr>
+                </a:solidFill>
+                <a:latin typeface="+mn-lt"/>
+                <a:ea typeface="+mn-ea"/>
+                <a:cs typeface="+mn-cs"/>
+              </a:defRPr>
+            </a:lvl2pPr>
+            <a:lvl3pPr marL="566928" indent="-182880" algn="l" defTabSz="914400" rtl="0" eaLnBrk="1" latinLnBrk="0" hangingPunct="1">
+              <a:lnSpc>
+                <a:spcPct val="90000"/>
+              </a:lnSpc>
+              <a:spcBef>
+                <a:spcPts val="200"/>
+              </a:spcBef>
+              <a:spcAft>
+                <a:spcPts val="400"/>
+              </a:spcAft>
+              <a:buClr>
+                <a:schemeClr val="accent1"/>
+              </a:buClr>
+              <a:buFont typeface="Calibri" pitchFamily="34" charset="0"/>
+              <a:buChar char="◦"/>
+              <a:defRPr sz="1400" kern="1200">
+                <a:solidFill>
+                  <a:schemeClr val="tx1">
+                    <a:lumMod val="75000"/>
+                    <a:lumOff val="25000"/>
+                  </a:schemeClr>
+                </a:solidFill>
+                <a:latin typeface="+mn-lt"/>
+                <a:ea typeface="+mn-ea"/>
+                <a:cs typeface="+mn-cs"/>
+              </a:defRPr>
+            </a:lvl3pPr>
+            <a:lvl4pPr marL="749808" indent="-182880" algn="l" defTabSz="914400" rtl="0" eaLnBrk="1" latinLnBrk="0" hangingPunct="1">
+              <a:lnSpc>
+                <a:spcPct val="90000"/>
+              </a:lnSpc>
+              <a:spcBef>
+                <a:spcPts val="200"/>
+              </a:spcBef>
+              <a:spcAft>
+                <a:spcPts val="400"/>
+              </a:spcAft>
+              <a:buClr>
+                <a:schemeClr val="accent1"/>
+              </a:buClr>
+              <a:buFont typeface="Calibri" pitchFamily="34" charset="0"/>
+              <a:buChar char="◦"/>
+              <a:defRPr sz="1400" kern="1200">
+                <a:solidFill>
+                  <a:schemeClr val="tx1">
+                    <a:lumMod val="75000"/>
+                    <a:lumOff val="25000"/>
+                  </a:schemeClr>
+                </a:solidFill>
+                <a:latin typeface="+mn-lt"/>
+                <a:ea typeface="+mn-ea"/>
+                <a:cs typeface="+mn-cs"/>
+              </a:defRPr>
+            </a:lvl4pPr>
+            <a:lvl5pPr marL="932688" indent="-182880" algn="l" defTabSz="914400" rtl="0" eaLnBrk="1" latinLnBrk="0" hangingPunct="1">
+              <a:lnSpc>
+                <a:spcPct val="90000"/>
+              </a:lnSpc>
+              <a:spcBef>
+                <a:spcPts val="200"/>
+              </a:spcBef>
+              <a:spcAft>
+                <a:spcPts val="400"/>
+              </a:spcAft>
+              <a:buClr>
+                <a:schemeClr val="accent1"/>
+              </a:buClr>
+              <a:buFont typeface="Calibri" pitchFamily="34" charset="0"/>
+              <a:buChar char="◦"/>
+              <a:defRPr sz="1400" kern="1200">
+                <a:solidFill>
+                  <a:schemeClr val="tx1">
+                    <a:lumMod val="75000"/>
+                    <a:lumOff val="25000"/>
+                  </a:schemeClr>
+                </a:solidFill>
+                <a:latin typeface="+mn-lt"/>
+                <a:ea typeface="+mn-ea"/>
+                <a:cs typeface="+mn-cs"/>
+              </a:defRPr>
+            </a:lvl5pPr>
+            <a:lvl6pPr marL="1100000" indent="-228600" algn="l" defTabSz="914400" rtl="0" eaLnBrk="1" latinLnBrk="0" hangingPunct="1">
+              <a:lnSpc>
+                <a:spcPct val="90000"/>
+              </a:lnSpc>
+              <a:spcBef>
+                <a:spcPts val="200"/>
+              </a:spcBef>
+              <a:spcAft>
+                <a:spcPts val="400"/>
+              </a:spcAft>
+              <a:buClr>
+                <a:schemeClr val="accent1"/>
+              </a:buClr>
+              <a:buFont typeface="Calibri" pitchFamily="34" charset="0"/>
+              <a:buChar char="◦"/>
+              <a:defRPr sz="1400" kern="1200">
+                <a:solidFill>
+                  <a:schemeClr val="tx1">
+                    <a:lumMod val="75000"/>
+                    <a:lumOff val="25000"/>
+                  </a:schemeClr>
+                </a:solidFill>
+                <a:latin typeface="+mn-lt"/>
+                <a:ea typeface="+mn-ea"/>
+                <a:cs typeface="+mn-cs"/>
+              </a:defRPr>
+            </a:lvl6pPr>
+            <a:lvl7pPr marL="1300000" indent="-228600" algn="l" defTabSz="914400" rtl="0" eaLnBrk="1" latinLnBrk="0" hangingPunct="1">
+              <a:lnSpc>
+                <a:spcPct val="90000"/>
+              </a:lnSpc>
+              <a:spcBef>
+                <a:spcPts val="200"/>
+              </a:spcBef>
+              <a:spcAft>
+                <a:spcPts val="400"/>
+              </a:spcAft>
+              <a:buClr>
+                <a:schemeClr val="accent1"/>
+              </a:buClr>
+              <a:buFont typeface="Calibri" pitchFamily="34" charset="0"/>
+              <a:buChar char="◦"/>
+              <a:defRPr sz="1400" kern="1200">
+                <a:solidFill>
+                  <a:schemeClr val="tx1">
+                    <a:lumMod val="75000"/>
+                    <a:lumOff val="25000"/>
+                  </a:schemeClr>
+                </a:solidFill>
+                <a:latin typeface="+mn-lt"/>
+                <a:ea typeface="+mn-ea"/>
+                <a:cs typeface="+mn-cs"/>
+              </a:defRPr>
+            </a:lvl7pPr>
+            <a:lvl8pPr marL="1500000" indent="-228600" algn="l" defTabSz="914400" rtl="0" eaLnBrk="1" latinLnBrk="0" hangingPunct="1">
+              <a:lnSpc>
+                <a:spcPct val="90000"/>
+              </a:lnSpc>
+              <a:spcBef>
+                <a:spcPts val="200"/>
+              </a:spcBef>
+              <a:spcAft>
+                <a:spcPts val="400"/>
+              </a:spcAft>
+              <a:buClr>
+                <a:schemeClr val="accent1"/>
+              </a:buClr>
+              <a:buFont typeface="Calibri" pitchFamily="34" charset="0"/>
+              <a:buChar char="◦"/>
+              <a:defRPr sz="1400" kern="1200">
+                <a:solidFill>
+                  <a:schemeClr val="tx1">
+                    <a:lumMod val="75000"/>
+                    <a:lumOff val="25000"/>
+                  </a:schemeClr>
+                </a:solidFill>
+                <a:latin typeface="+mn-lt"/>
+                <a:ea typeface="+mn-ea"/>
+                <a:cs typeface="+mn-cs"/>
+              </a:defRPr>
+            </a:lvl8pPr>
+            <a:lvl9pPr marL="1700000" indent="-228600" algn="l" defTabSz="914400" rtl="0" eaLnBrk="1" latinLnBrk="0" hangingPunct="1">
+              <a:lnSpc>
+                <a:spcPct val="90000"/>
+              </a:lnSpc>
+              <a:spcBef>
+                <a:spcPts val="200"/>
+              </a:spcBef>
+              <a:spcAft>
+                <a:spcPts val="400"/>
+              </a:spcAft>
+              <a:buClr>
+                <a:schemeClr val="accent1"/>
+              </a:buClr>
+              <a:buFont typeface="Calibri" pitchFamily="34" charset="0"/>
+              <a:buChar char="◦"/>
+              <a:defRPr sz="1400" kern="1200">
+                <a:solidFill>
+                  <a:schemeClr val="tx1">
+                    <a:lumMod val="75000"/>
+                    <a:lumOff val="25000"/>
+                  </a:schemeClr>
+                </a:solidFill>
+                <a:latin typeface="+mn-lt"/>
+                <a:ea typeface="+mn-ea"/>
+                <a:cs typeface="+mn-cs"/>
+              </a:defRPr>
+            </a:lvl9pPr>
+          </a:lstStyle>
+          <a:p>
+            <a:pPr marL="0" indent="0">
+              <a:buFont typeface="Calibri" panose="020F0502020204030204" pitchFamily="34" charset="0"/>
+              <a:buNone/>
+            </a:pPr>
+            <a:r>
+              <a:rPr lang="nl-BE" sz="2400" dirty="0" smtClean="0">
+                <a:solidFill>
+                  <a:schemeClr val="tx1"/>
+                </a:solidFill>
+                <a:latin typeface="+mj-lt"/>
+              </a:rPr>
+              <a:t>Tekst</a:t>
+            </a:r>
+          </a:p>
+          <a:p>
+            <a:pPr marL="0" indent="0">
+              <a:buFont typeface="Calibri" panose="020F0502020204030204" pitchFamily="34" charset="0"/>
+              <a:buNone/>
+            </a:pPr>
+            <a:endParaRPr lang="nl-BE" sz="2400" dirty="0" smtClean="0">
+              <a:solidFill>
+                <a:schemeClr val="tx1"/>
+              </a:solidFill>
+            </a:endParaRPr>
+          </a:p>
+          <a:p>
+            <a:pPr marL="514350" indent="-514350">
+              <a:buFont typeface="+mj-lt"/>
+              <a:buAutoNum type="arabicParenR"/>
+            </a:pPr>
+            <a:endParaRPr lang="nl-BE" sz="2400" dirty="0"/>
+          </a:p>
+        </p:txBody>
+      </p:sp>
+    </p:spTree>
+    <p:extLst>
+      <p:ext uri="{BB962C8B-B14F-4D97-AF65-F5344CB8AC3E}">
+        <p14:creationId xmlns:p14="http://schemas.microsoft.com/office/powerpoint/2010/main" val="1352699787"/>
       </p:ext>
     </p:extLst>
   </p:cSld>

--- a/documenten/eindpresentatie/drone1.pptx
+++ b/documenten/eindpresentatie/drone1.pptx
@@ -5338,9 +5338,6 @@
                     <p:cTn id="3" fill="hold">
                       <p:stCondLst>
                         <p:cond delay="indefinite"/>
-                        <p:cond evt="onBegin" delay="0">
-                          <p:tn val="2"/>
-                        </p:cond>
                       </p:stCondLst>
                       <p:childTnLst>
                         <p:par>
@@ -5350,7 +5347,7 @@
                             </p:stCondLst>
                             <p:childTnLst>
                               <p:par>
-                                <p:cTn id="5" presetID="10" presetClass="entr" presetSubtype="0" fill="hold" nodeType="withEffect">
+                                <p:cTn id="5" presetID="10" presetClass="entr" presetSubtype="0" fill="hold" nodeType="clickEffect">
                                   <p:stCondLst>
                                     <p:cond delay="0"/>
                                   </p:stCondLst>
@@ -5365,7 +5362,7 @@
                                         <p:tgtEl>
                                           <p:spTgt spid="8">
                                             <p:txEl>
-                                              <p:pRg st="6" end="6"/>
+                                              <p:pRg st="0" end="0"/>
                                             </p:txEl>
                                           </p:spTgt>
                                         </p:tgtEl>
@@ -5383,7 +5380,7 @@
                                         <p:tgtEl>
                                           <p:spTgt spid="8">
                                             <p:txEl>
-                                              <p:pRg st="6" end="6"/>
+                                              <p:pRg st="0" end="0"/>
                                             </p:txEl>
                                           </p:spTgt>
                                         </p:tgtEl>
@@ -5408,7 +5405,7 @@
                                         <p:tgtEl>
                                           <p:spTgt spid="8">
                                             <p:txEl>
-                                              <p:pRg st="8" end="8"/>
+                                              <p:pRg st="1" end="1"/>
                                             </p:txEl>
                                           </p:spTgt>
                                         </p:tgtEl>
@@ -5426,7 +5423,7 @@
                                         <p:tgtEl>
                                           <p:spTgt spid="8">
                                             <p:txEl>
-                                              <p:pRg st="8" end="8"/>
+                                              <p:pRg st="1" end="1"/>
                                             </p:txEl>
                                           </p:spTgt>
                                         </p:tgtEl>
@@ -5451,7 +5448,7 @@
                                         <p:tgtEl>
                                           <p:spTgt spid="8">
                                             <p:txEl>
-                                              <p:pRg st="0" end="0"/>
+                                              <p:pRg st="2" end="2"/>
                                             </p:txEl>
                                           </p:spTgt>
                                         </p:tgtEl>
@@ -5469,7 +5466,7 @@
                                         <p:tgtEl>
                                           <p:spTgt spid="8">
                                             <p:txEl>
-                                              <p:pRg st="0" end="0"/>
+                                              <p:pRg st="2" end="2"/>
                                             </p:txEl>
                                           </p:spTgt>
                                         </p:tgtEl>
@@ -5494,7 +5491,7 @@
                                         <p:tgtEl>
                                           <p:spTgt spid="8">
                                             <p:txEl>
-                                              <p:pRg st="1" end="1"/>
+                                              <p:pRg st="3" end="3"/>
                                             </p:txEl>
                                           </p:spTgt>
                                         </p:tgtEl>
@@ -5512,7 +5509,7 @@
                                         <p:tgtEl>
                                           <p:spTgt spid="8">
                                             <p:txEl>
-                                              <p:pRg st="1" end="1"/>
+                                              <p:pRg st="3" end="3"/>
                                             </p:txEl>
                                           </p:spTgt>
                                         </p:tgtEl>
@@ -5537,7 +5534,7 @@
                                         <p:tgtEl>
                                           <p:spTgt spid="8">
                                             <p:txEl>
-                                              <p:pRg st="2" end="2"/>
+                                              <p:pRg st="4" end="4"/>
                                             </p:txEl>
                                           </p:spTgt>
                                         </p:tgtEl>
@@ -5555,7 +5552,7 @@
                                         <p:tgtEl>
                                           <p:spTgt spid="8">
                                             <p:txEl>
-                                              <p:pRg st="2" end="2"/>
+                                              <p:pRg st="4" end="4"/>
                                             </p:txEl>
                                           </p:spTgt>
                                         </p:tgtEl>
@@ -5564,15 +5561,33 @@
                                   </p:childTnLst>
                                 </p:cTn>
                               </p:par>
+                            </p:childTnLst>
+                          </p:cTn>
+                        </p:par>
+                      </p:childTnLst>
+                    </p:cTn>
+                  </p:par>
+                  <p:par>
+                    <p:cTn id="20" fill="hold">
+                      <p:stCondLst>
+                        <p:cond delay="indefinite"/>
+                      </p:stCondLst>
+                      <p:childTnLst>
+                        <p:par>
+                          <p:cTn id="21" fill="hold">
+                            <p:stCondLst>
+                              <p:cond delay="0"/>
+                            </p:stCondLst>
+                            <p:childTnLst>
                               <p:par>
-                                <p:cTn id="20" presetID="10" presetClass="entr" presetSubtype="0" fill="hold" nodeType="withEffect">
+                                <p:cTn id="22" presetID="10" presetClass="entr" presetSubtype="0" fill="hold" nodeType="clickEffect">
                                   <p:stCondLst>
                                     <p:cond delay="0"/>
                                   </p:stCondLst>
                                   <p:childTnLst>
                                     <p:set>
                                       <p:cBhvr>
-                                        <p:cTn id="21" dur="1" fill="hold">
+                                        <p:cTn id="23" dur="1" fill="hold">
                                           <p:stCondLst>
                                             <p:cond delay="0"/>
                                           </p:stCondLst>
@@ -5580,7 +5595,7 @@
                                         <p:tgtEl>
                                           <p:spTgt spid="8">
                                             <p:txEl>
-                                              <p:pRg st="3" end="3"/>
+                                              <p:pRg st="6" end="6"/>
                                             </p:txEl>
                                           </p:spTgt>
                                         </p:tgtEl>
@@ -5594,11 +5609,11 @@
                                     </p:set>
                                     <p:animEffect transition="in" filter="fade">
                                       <p:cBhvr>
-                                        <p:cTn id="22" dur="500"/>
+                                        <p:cTn id="24" dur="500"/>
                                         <p:tgtEl>
                                           <p:spTgt spid="8">
                                             <p:txEl>
-                                              <p:pRg st="3" end="3"/>
+                                              <p:pRg st="6" end="6"/>
                                             </p:txEl>
                                           </p:spTgt>
                                         </p:tgtEl>
@@ -5608,14 +5623,14 @@
                                 </p:cTn>
                               </p:par>
                               <p:par>
-                                <p:cTn id="23" presetID="10" presetClass="entr" presetSubtype="0" fill="hold" nodeType="withEffect">
+                                <p:cTn id="25" presetID="10" presetClass="entr" presetSubtype="0" fill="hold" nodeType="withEffect">
                                   <p:stCondLst>
                                     <p:cond delay="0"/>
                                   </p:stCondLst>
                                   <p:childTnLst>
                                     <p:set>
                                       <p:cBhvr>
-                                        <p:cTn id="24" dur="1" fill="hold">
+                                        <p:cTn id="26" dur="1" fill="hold">
                                           <p:stCondLst>
                                             <p:cond delay="0"/>
                                           </p:stCondLst>
@@ -5623,7 +5638,7 @@
                                         <p:tgtEl>
                                           <p:spTgt spid="8">
                                             <p:txEl>
-                                              <p:pRg st="4" end="4"/>
+                                              <p:pRg st="8" end="8"/>
                                             </p:txEl>
                                           </p:spTgt>
                                         </p:tgtEl>
@@ -5637,101 +5652,13 @@
                                     </p:set>
                                     <p:animEffect transition="in" filter="fade">
                                       <p:cBhvr>
-                                        <p:cTn id="25" dur="500"/>
+                                        <p:cTn id="27" dur="500"/>
                                         <p:tgtEl>
                                           <p:spTgt spid="8">
                                             <p:txEl>
-                                              <p:pRg st="4" end="4"/>
+                                              <p:pRg st="8" end="8"/>
                                             </p:txEl>
                                           </p:spTgt>
-                                        </p:tgtEl>
-                                      </p:cBhvr>
-                                    </p:animEffect>
-                                  </p:childTnLst>
-                                </p:cTn>
-                              </p:par>
-                              <p:par>
-                                <p:cTn id="26" presetID="10" presetClass="entr" presetSubtype="0" fill="hold" nodeType="withEffect">
-                                  <p:stCondLst>
-                                    <p:cond delay="0"/>
-                                  </p:stCondLst>
-                                  <p:childTnLst>
-                                    <p:set>
-                                      <p:cBhvr>
-                                        <p:cTn id="27" dur="1" fill="hold">
-                                          <p:stCondLst>
-                                            <p:cond delay="0"/>
-                                          </p:stCondLst>
-                                        </p:cTn>
-                                        <p:tgtEl>
-                                          <p:spTgt spid="9"/>
-                                        </p:tgtEl>
-                                        <p:attrNameLst>
-                                          <p:attrName>style.visibility</p:attrName>
-                                        </p:attrNameLst>
-                                      </p:cBhvr>
-                                      <p:to>
-                                        <p:strVal val="visible"/>
-                                      </p:to>
-                                    </p:set>
-                                    <p:animEffect transition="in" filter="fade">
-                                      <p:cBhvr>
-                                        <p:cTn id="28" dur="500"/>
-                                        <p:tgtEl>
-                                          <p:spTgt spid="9"/>
-                                        </p:tgtEl>
-                                      </p:cBhvr>
-                                    </p:animEffect>
-                                  </p:childTnLst>
-                                </p:cTn>
-                              </p:par>
-                            </p:childTnLst>
-                          </p:cTn>
-                        </p:par>
-                      </p:childTnLst>
-                    </p:cTn>
-                  </p:par>
-                  <p:par>
-                    <p:cTn id="29" fill="hold">
-                      <p:stCondLst>
-                        <p:cond delay="indefinite"/>
-                      </p:stCondLst>
-                      <p:childTnLst>
-                        <p:par>
-                          <p:cTn id="30" fill="hold">
-                            <p:stCondLst>
-                              <p:cond delay="0"/>
-                            </p:stCondLst>
-                            <p:childTnLst>
-                              <p:par>
-                                <p:cTn id="31" presetID="10" presetClass="entr" presetSubtype="0" fill="hold" nodeType="clickEffect">
-                                  <p:stCondLst>
-                                    <p:cond delay="0"/>
-                                  </p:stCondLst>
-                                  <p:childTnLst>
-                                    <p:set>
-                                      <p:cBhvr>
-                                        <p:cTn id="32" dur="1" fill="hold">
-                                          <p:stCondLst>
-                                            <p:cond delay="0"/>
-                                          </p:stCondLst>
-                                        </p:cTn>
-                                        <p:tgtEl>
-                                          <p:spTgt spid="12"/>
-                                        </p:tgtEl>
-                                        <p:attrNameLst>
-                                          <p:attrName>style.visibility</p:attrName>
-                                        </p:attrNameLst>
-                                      </p:cBhvr>
-                                      <p:to>
-                                        <p:strVal val="visible"/>
-                                      </p:to>
-                                    </p:set>
-                                    <p:animEffect transition="in" filter="fade">
-                                      <p:cBhvr>
-                                        <p:cTn id="33" dur="500"/>
-                                        <p:tgtEl>
-                                          <p:spTgt spid="12"/>
                                         </p:tgtEl>
                                       </p:cBhvr>
                                     </p:animEffect>
@@ -6546,9 +6473,6 @@
                     <p:cTn id="3" fill="hold">
                       <p:stCondLst>
                         <p:cond delay="indefinite"/>
-                        <p:cond evt="onBegin" delay="0">
-                          <p:tn val="2"/>
-                        </p:cond>
                       </p:stCondLst>
                       <p:childTnLst>
                         <p:par>
@@ -6558,7 +6482,7 @@
                             </p:stCondLst>
                             <p:childTnLst>
                               <p:par>
-                                <p:cTn id="5" presetID="10" presetClass="entr" presetSubtype="0" fill="hold" nodeType="withEffect">
+                                <p:cTn id="5" presetID="10" presetClass="entr" presetSubtype="0" fill="hold" nodeType="clickEffect">
                                   <p:stCondLst>
                                     <p:cond delay="0"/>
                                   </p:stCondLst>
@@ -6566,6 +6490,59 @@
                                     <p:set>
                                       <p:cBhvr>
                                         <p:cTn id="6" dur="1" fill="hold">
+                                          <p:stCondLst>
+                                            <p:cond delay="0"/>
+                                          </p:stCondLst>
+                                        </p:cTn>
+                                        <p:tgtEl>
+                                          <p:spTgt spid="3"/>
+                                        </p:tgtEl>
+                                        <p:attrNameLst>
+                                          <p:attrName>style.visibility</p:attrName>
+                                        </p:attrNameLst>
+                                      </p:cBhvr>
+                                      <p:to>
+                                        <p:strVal val="visible"/>
+                                      </p:to>
+                                    </p:set>
+                                    <p:animEffect transition="in" filter="fade">
+                                      <p:cBhvr>
+                                        <p:cTn id="7" dur="500"/>
+                                        <p:tgtEl>
+                                          <p:spTgt spid="3"/>
+                                        </p:tgtEl>
+                                      </p:cBhvr>
+                                    </p:animEffect>
+                                  </p:childTnLst>
+                                </p:cTn>
+                              </p:par>
+                            </p:childTnLst>
+                          </p:cTn>
+                        </p:par>
+                      </p:childTnLst>
+                    </p:cTn>
+                  </p:par>
+                  <p:par>
+                    <p:cTn id="8" fill="hold">
+                      <p:stCondLst>
+                        <p:cond delay="indefinite"/>
+                      </p:stCondLst>
+                      <p:childTnLst>
+                        <p:par>
+                          <p:cTn id="9" fill="hold">
+                            <p:stCondLst>
+                              <p:cond delay="0"/>
+                            </p:stCondLst>
+                            <p:childTnLst>
+                              <p:par>
+                                <p:cTn id="10" presetID="10" presetClass="entr" presetSubtype="0" fill="hold" nodeType="clickEffect">
+                                  <p:stCondLst>
+                                    <p:cond delay="0"/>
+                                  </p:stCondLst>
+                                  <p:childTnLst>
+                                    <p:set>
+                                      <p:cBhvr>
+                                        <p:cTn id="11" dur="1" fill="hold">
                                           <p:stCondLst>
                                             <p:cond delay="0"/>
                                           </p:stCondLst>
@@ -6587,7 +6564,7 @@
                                     </p:set>
                                     <p:animEffect transition="in" filter="fade">
                                       <p:cBhvr>
-                                        <p:cTn id="7" dur="500"/>
+                                        <p:cTn id="12" dur="500"/>
                                         <p:tgtEl>
                                           <p:spTgt spid="8">
                                             <p:txEl>
@@ -6600,15 +6577,33 @@
                                   </p:childTnLst>
                                 </p:cTn>
                               </p:par>
+                            </p:childTnLst>
+                          </p:cTn>
+                        </p:par>
+                      </p:childTnLst>
+                    </p:cTn>
+                  </p:par>
+                  <p:par>
+                    <p:cTn id="13" fill="hold">
+                      <p:stCondLst>
+                        <p:cond delay="indefinite"/>
+                      </p:stCondLst>
+                      <p:childTnLst>
+                        <p:par>
+                          <p:cTn id="14" fill="hold">
+                            <p:stCondLst>
+                              <p:cond delay="0"/>
+                            </p:stCondLst>
+                            <p:childTnLst>
                               <p:par>
-                                <p:cTn id="8" presetID="10" presetClass="entr" presetSubtype="0" fill="hold" nodeType="withEffect">
+                                <p:cTn id="15" presetID="10" presetClass="entr" presetSubtype="0" fill="hold" nodeType="clickEffect">
                                   <p:stCondLst>
                                     <p:cond delay="0"/>
                                   </p:stCondLst>
                                   <p:childTnLst>
                                     <p:set>
                                       <p:cBhvr>
-                                        <p:cTn id="9" dur="1" fill="hold">
+                                        <p:cTn id="16" dur="1" fill="hold">
                                           <p:stCondLst>
                                             <p:cond delay="0"/>
                                           </p:stCondLst>
@@ -6630,7 +6625,7 @@
                                     </p:set>
                                     <p:animEffect transition="in" filter="fade">
                                       <p:cBhvr>
-                                        <p:cTn id="10" dur="500"/>
+                                        <p:cTn id="17" dur="500"/>
                                         <p:tgtEl>
                                           <p:spTgt spid="8">
                                             <p:txEl>
@@ -6643,15 +6638,33 @@
                                   </p:childTnLst>
                                 </p:cTn>
                               </p:par>
+                            </p:childTnLst>
+                          </p:cTn>
+                        </p:par>
+                      </p:childTnLst>
+                    </p:cTn>
+                  </p:par>
+                  <p:par>
+                    <p:cTn id="18" fill="hold">
+                      <p:stCondLst>
+                        <p:cond delay="indefinite"/>
+                      </p:stCondLst>
+                      <p:childTnLst>
+                        <p:par>
+                          <p:cTn id="19" fill="hold">
+                            <p:stCondLst>
+                              <p:cond delay="0"/>
+                            </p:stCondLst>
+                            <p:childTnLst>
                               <p:par>
-                                <p:cTn id="11" presetID="10" presetClass="entr" presetSubtype="0" fill="hold" nodeType="withEffect">
+                                <p:cTn id="20" presetID="10" presetClass="entr" presetSubtype="0" fill="hold" nodeType="clickEffect">
                                   <p:stCondLst>
                                     <p:cond delay="0"/>
                                   </p:stCondLst>
                                   <p:childTnLst>
                                     <p:set>
                                       <p:cBhvr>
-                                        <p:cTn id="12" dur="1" fill="hold">
+                                        <p:cTn id="21" dur="1" fill="hold">
                                           <p:stCondLst>
                                             <p:cond delay="0"/>
                                           </p:stCondLst>
@@ -6673,101 +6686,13 @@
                                     </p:set>
                                     <p:animEffect transition="in" filter="fade">
                                       <p:cBhvr>
-                                        <p:cTn id="13" dur="500"/>
+                                        <p:cTn id="22" dur="500"/>
                                         <p:tgtEl>
                                           <p:spTgt spid="8">
                                             <p:txEl>
                                               <p:pRg st="4" end="4"/>
                                             </p:txEl>
                                           </p:spTgt>
-                                        </p:tgtEl>
-                                      </p:cBhvr>
-                                    </p:animEffect>
-                                  </p:childTnLst>
-                                </p:cTn>
-                              </p:par>
-                              <p:par>
-                                <p:cTn id="14" presetID="10" presetClass="entr" presetSubtype="0" fill="hold" nodeType="withEffect">
-                                  <p:stCondLst>
-                                    <p:cond delay="0"/>
-                                  </p:stCondLst>
-                                  <p:childTnLst>
-                                    <p:set>
-                                      <p:cBhvr>
-                                        <p:cTn id="15" dur="1" fill="hold">
-                                          <p:stCondLst>
-                                            <p:cond delay="0"/>
-                                          </p:stCondLst>
-                                        </p:cTn>
-                                        <p:tgtEl>
-                                          <p:spTgt spid="9"/>
-                                        </p:tgtEl>
-                                        <p:attrNameLst>
-                                          <p:attrName>style.visibility</p:attrName>
-                                        </p:attrNameLst>
-                                      </p:cBhvr>
-                                      <p:to>
-                                        <p:strVal val="visible"/>
-                                      </p:to>
-                                    </p:set>
-                                    <p:animEffect transition="in" filter="fade">
-                                      <p:cBhvr>
-                                        <p:cTn id="16" dur="500"/>
-                                        <p:tgtEl>
-                                          <p:spTgt spid="9"/>
-                                        </p:tgtEl>
-                                      </p:cBhvr>
-                                    </p:animEffect>
-                                  </p:childTnLst>
-                                </p:cTn>
-                              </p:par>
-                            </p:childTnLst>
-                          </p:cTn>
-                        </p:par>
-                      </p:childTnLst>
-                    </p:cTn>
-                  </p:par>
-                  <p:par>
-                    <p:cTn id="17" fill="hold">
-                      <p:stCondLst>
-                        <p:cond delay="indefinite"/>
-                      </p:stCondLst>
-                      <p:childTnLst>
-                        <p:par>
-                          <p:cTn id="18" fill="hold">
-                            <p:stCondLst>
-                              <p:cond delay="0"/>
-                            </p:stCondLst>
-                            <p:childTnLst>
-                              <p:par>
-                                <p:cTn id="19" presetID="10" presetClass="entr" presetSubtype="0" fill="hold" nodeType="clickEffect">
-                                  <p:stCondLst>
-                                    <p:cond delay="0"/>
-                                  </p:stCondLst>
-                                  <p:childTnLst>
-                                    <p:set>
-                                      <p:cBhvr>
-                                        <p:cTn id="20" dur="1" fill="hold">
-                                          <p:stCondLst>
-                                            <p:cond delay="0"/>
-                                          </p:stCondLst>
-                                        </p:cTn>
-                                        <p:tgtEl>
-                                          <p:spTgt spid="12"/>
-                                        </p:tgtEl>
-                                        <p:attrNameLst>
-                                          <p:attrName>style.visibility</p:attrName>
-                                        </p:attrNameLst>
-                                      </p:cBhvr>
-                                      <p:to>
-                                        <p:strVal val="visible"/>
-                                      </p:to>
-                                    </p:set>
-                                    <p:animEffect transition="in" filter="fade">
-                                      <p:cBhvr>
-                                        <p:cTn id="21" dur="500"/>
-                                        <p:tgtEl>
-                                          <p:spTgt spid="12"/>
                                         </p:tgtEl>
                                       </p:cBhvr>
                                     </p:animEffect>
@@ -7446,6 +7371,42 @@
           </a:prstGeom>
         </p:spPr>
       </p:pic>
+      <p:pic>
+        <p:nvPicPr>
+          <p:cNvPr id="3" name="Afbeelding 2">
+            <a:extLst>
+              <a:ext uri="{FF2B5EF4-FFF2-40B4-BE49-F238E27FC236}">
+                <a16:creationId xmlns:a16="http://schemas.microsoft.com/office/drawing/2014/main" id="{5992E346-CF22-4F00-9A37-CA0E5B7B3D06}"/>
+              </a:ext>
+            </a:extLst>
+          </p:cNvPr>
+          <p:cNvPicPr>
+            <a:picLocks noChangeAspect="1"/>
+          </p:cNvPicPr>
+          <p:nvPr/>
+        </p:nvPicPr>
+        <p:blipFill>
+          <a:blip r:embed="rId3">
+            <a:extLst>
+              <a:ext uri="{28A0092B-C50C-407E-A947-70E740481C1C}">
+                <a14:useLocalDpi xmlns:a14="http://schemas.microsoft.com/office/drawing/2010/main" val="0"/>
+              </a:ext>
+            </a:extLst>
+          </a:blip>
+          <a:stretch>
+            <a:fillRect/>
+          </a:stretch>
+        </p:blipFill>
+        <p:spPr>
+          <a:xfrm>
+            <a:off x="3920759" y="2066013"/>
+            <a:ext cx="7386777" cy="3910647"/>
+          </a:xfrm>
+          <a:prstGeom prst="rect">
+            <a:avLst/>
+          </a:prstGeom>
+        </p:spPr>
+      </p:pic>
     </p:spTree>
     <p:extLst>
       <p:ext uri="{BB962C8B-B14F-4D97-AF65-F5344CB8AC3E}">
@@ -7468,9 +7429,6 @@
                     <p:cTn id="3" fill="hold">
                       <p:stCondLst>
                         <p:cond delay="indefinite"/>
-                        <p:cond evt="onBegin" delay="0">
-                          <p:tn val="2"/>
-                        </p:cond>
                       </p:stCondLst>
                       <p:childTnLst>
                         <p:par>
@@ -7480,7 +7438,7 @@
                             </p:stCondLst>
                             <p:childTnLst>
                               <p:par>
-                                <p:cTn id="5" presetID="10" presetClass="entr" presetSubtype="0" fill="hold" nodeType="withEffect">
+                                <p:cTn id="5" presetID="10" presetClass="entr" presetSubtype="0" fill="hold" nodeType="clickEffect">
                                   <p:stCondLst>
                                     <p:cond delay="0"/>
                                   </p:stCondLst>
@@ -7488,6 +7446,67 @@
                                     <p:set>
                                       <p:cBhvr>
                                         <p:cTn id="6" dur="1" fill="hold">
+                                          <p:stCondLst>
+                                            <p:cond delay="0"/>
+                                          </p:stCondLst>
+                                        </p:cTn>
+                                        <p:tgtEl>
+                                          <p:spTgt spid="8">
+                                            <p:txEl>
+                                              <p:pRg st="0" end="0"/>
+                                            </p:txEl>
+                                          </p:spTgt>
+                                        </p:tgtEl>
+                                        <p:attrNameLst>
+                                          <p:attrName>style.visibility</p:attrName>
+                                        </p:attrNameLst>
+                                      </p:cBhvr>
+                                      <p:to>
+                                        <p:strVal val="visible"/>
+                                      </p:to>
+                                    </p:set>
+                                    <p:animEffect transition="in" filter="fade">
+                                      <p:cBhvr>
+                                        <p:cTn id="7" dur="500"/>
+                                        <p:tgtEl>
+                                          <p:spTgt spid="8">
+                                            <p:txEl>
+                                              <p:pRg st="0" end="0"/>
+                                            </p:txEl>
+                                          </p:spTgt>
+                                        </p:tgtEl>
+                                      </p:cBhvr>
+                                    </p:animEffect>
+                                  </p:childTnLst>
+                                </p:cTn>
+                              </p:par>
+                            </p:childTnLst>
+                          </p:cTn>
+                        </p:par>
+                      </p:childTnLst>
+                    </p:cTn>
+                  </p:par>
+                  <p:par>
+                    <p:cTn id="8" fill="hold">
+                      <p:stCondLst>
+                        <p:cond delay="indefinite"/>
+                      </p:stCondLst>
+                      <p:childTnLst>
+                        <p:par>
+                          <p:cTn id="9" fill="hold">
+                            <p:stCondLst>
+                              <p:cond delay="0"/>
+                            </p:stCondLst>
+                            <p:childTnLst>
+                              <p:par>
+                                <p:cTn id="10" presetID="10" presetClass="entr" presetSubtype="0" fill="hold" nodeType="clickEffect">
+                                  <p:stCondLst>
+                                    <p:cond delay="0"/>
+                                  </p:stCondLst>
+                                  <p:childTnLst>
+                                    <p:set>
+                                      <p:cBhvr>
+                                        <p:cTn id="11" dur="1" fill="hold">
                                           <p:stCondLst>
                                             <p:cond delay="0"/>
                                           </p:stCondLst>
@@ -7509,7 +7528,7 @@
                                     </p:set>
                                     <p:animEffect transition="in" filter="fade">
                                       <p:cBhvr>
-                                        <p:cTn id="7" dur="500"/>
+                                        <p:cTn id="12" dur="500"/>
                                         <p:tgtEl>
                                           <p:spTgt spid="8">
                                             <p:txEl>
@@ -7522,25 +7541,39 @@
                                   </p:childTnLst>
                                 </p:cTn>
                               </p:par>
+                            </p:childTnLst>
+                          </p:cTn>
+                        </p:par>
+                      </p:childTnLst>
+                    </p:cTn>
+                  </p:par>
+                  <p:par>
+                    <p:cTn id="13" fill="hold">
+                      <p:stCondLst>
+                        <p:cond delay="indefinite"/>
+                      </p:stCondLst>
+                      <p:childTnLst>
+                        <p:par>
+                          <p:cTn id="14" fill="hold">
+                            <p:stCondLst>
+                              <p:cond delay="0"/>
+                            </p:stCondLst>
+                            <p:childTnLst>
                               <p:par>
-                                <p:cTn id="8" presetID="10" presetClass="entr" presetSubtype="0" fill="hold" nodeType="withEffect">
+                                <p:cTn id="15" presetID="10" presetClass="entr" presetSubtype="0" fill="hold" nodeType="clickEffect">
                                   <p:stCondLst>
                                     <p:cond delay="0"/>
                                   </p:stCondLst>
                                   <p:childTnLst>
                                     <p:set>
                                       <p:cBhvr>
-                                        <p:cTn id="9" dur="1" fill="hold">
+                                        <p:cTn id="16" dur="1" fill="hold">
                                           <p:stCondLst>
                                             <p:cond delay="0"/>
                                           </p:stCondLst>
                                         </p:cTn>
                                         <p:tgtEl>
-                                          <p:spTgt spid="8">
-                                            <p:txEl>
-                                              <p:pRg st="0" end="0"/>
-                                            </p:txEl>
-                                          </p:spTgt>
+                                          <p:spTgt spid="3"/>
                                         </p:tgtEl>
                                         <p:attrNameLst>
                                           <p:attrName>style.visibility</p:attrName>
@@ -7552,48 +7585,9 @@
                                     </p:set>
                                     <p:animEffect transition="in" filter="fade">
                                       <p:cBhvr>
-                                        <p:cTn id="10" dur="500"/>
+                                        <p:cTn id="17" dur="500"/>
                                         <p:tgtEl>
-                                          <p:spTgt spid="8">
-                                            <p:txEl>
-                                              <p:pRg st="0" end="0"/>
-                                            </p:txEl>
-                                          </p:spTgt>
-                                        </p:tgtEl>
-                                      </p:cBhvr>
-                                    </p:animEffect>
-                                  </p:childTnLst>
-                                </p:cTn>
-                              </p:par>
-                              <p:par>
-                                <p:cTn id="11" presetID="10" presetClass="entr" presetSubtype="0" fill="hold" nodeType="withEffect">
-                                  <p:stCondLst>
-                                    <p:cond delay="0"/>
-                                  </p:stCondLst>
-                                  <p:childTnLst>
-                                    <p:set>
-                                      <p:cBhvr>
-                                        <p:cTn id="12" dur="1" fill="hold">
-                                          <p:stCondLst>
-                                            <p:cond delay="0"/>
-                                          </p:stCondLst>
-                                        </p:cTn>
-                                        <p:tgtEl>
-                                          <p:spTgt spid="9"/>
-                                        </p:tgtEl>
-                                        <p:attrNameLst>
-                                          <p:attrName>style.visibility</p:attrName>
-                                        </p:attrNameLst>
-                                      </p:cBhvr>
-                                      <p:to>
-                                        <p:strVal val="visible"/>
-                                      </p:to>
-                                    </p:set>
-                                    <p:animEffect transition="in" filter="fade">
-                                      <p:cBhvr>
-                                        <p:cTn id="13" dur="500"/>
-                                        <p:tgtEl>
-                                          <p:spTgt spid="9"/>
+                                          <p:spTgt spid="3"/>
                                         </p:tgtEl>
                                       </p:cBhvr>
                                     </p:animEffect>
@@ -8370,9 +8364,6 @@
                     <p:cTn id="3" fill="hold">
                       <p:stCondLst>
                         <p:cond delay="indefinite"/>
-                        <p:cond evt="onBegin" delay="0">
-                          <p:tn val="2"/>
-                        </p:cond>
                       </p:stCondLst>
                       <p:childTnLst>
                         <p:par>
@@ -8382,7 +8373,7 @@
                             </p:stCondLst>
                             <p:childTnLst>
                               <p:par>
-                                <p:cTn id="5" presetID="10" presetClass="entr" presetSubtype="0" fill="hold" nodeType="withEffect">
+                                <p:cTn id="5" presetID="10" presetClass="entr" presetSubtype="0" fill="hold" nodeType="clickEffect">
                                   <p:stCondLst>
                                     <p:cond delay="0"/>
                                   </p:stCondLst>
@@ -8390,6 +8381,59 @@
                                     <p:set>
                                       <p:cBhvr>
                                         <p:cTn id="6" dur="1" fill="hold">
+                                          <p:stCondLst>
+                                            <p:cond delay="0"/>
+                                          </p:stCondLst>
+                                        </p:cTn>
+                                        <p:tgtEl>
+                                          <p:spTgt spid="3"/>
+                                        </p:tgtEl>
+                                        <p:attrNameLst>
+                                          <p:attrName>style.visibility</p:attrName>
+                                        </p:attrNameLst>
+                                      </p:cBhvr>
+                                      <p:to>
+                                        <p:strVal val="visible"/>
+                                      </p:to>
+                                    </p:set>
+                                    <p:animEffect transition="in" filter="fade">
+                                      <p:cBhvr>
+                                        <p:cTn id="7" dur="500"/>
+                                        <p:tgtEl>
+                                          <p:spTgt spid="3"/>
+                                        </p:tgtEl>
+                                      </p:cBhvr>
+                                    </p:animEffect>
+                                  </p:childTnLst>
+                                </p:cTn>
+                              </p:par>
+                            </p:childTnLst>
+                          </p:cTn>
+                        </p:par>
+                      </p:childTnLst>
+                    </p:cTn>
+                  </p:par>
+                  <p:par>
+                    <p:cTn id="8" fill="hold">
+                      <p:stCondLst>
+                        <p:cond delay="indefinite"/>
+                      </p:stCondLst>
+                      <p:childTnLst>
+                        <p:par>
+                          <p:cTn id="9" fill="hold">
+                            <p:stCondLst>
+                              <p:cond delay="0"/>
+                            </p:stCondLst>
+                            <p:childTnLst>
+                              <p:par>
+                                <p:cTn id="10" presetID="10" presetClass="entr" presetSubtype="0" fill="hold" nodeType="clickEffect">
+                                  <p:stCondLst>
+                                    <p:cond delay="0"/>
+                                  </p:stCondLst>
+                                  <p:childTnLst>
+                                    <p:set>
+                                      <p:cBhvr>
+                                        <p:cTn id="11" dur="1" fill="hold">
                                           <p:stCondLst>
                                             <p:cond delay="0"/>
                                           </p:stCondLst>
@@ -8411,7 +8455,7 @@
                                     </p:set>
                                     <p:animEffect transition="in" filter="fade">
                                       <p:cBhvr>
-                                        <p:cTn id="7" dur="500"/>
+                                        <p:cTn id="12" dur="500"/>
                                         <p:tgtEl>
                                           <p:spTgt spid="8">
                                             <p:txEl>
@@ -8424,15 +8468,33 @@
                                   </p:childTnLst>
                                 </p:cTn>
                               </p:par>
+                            </p:childTnLst>
+                          </p:cTn>
+                        </p:par>
+                      </p:childTnLst>
+                    </p:cTn>
+                  </p:par>
+                  <p:par>
+                    <p:cTn id="13" fill="hold">
+                      <p:stCondLst>
+                        <p:cond delay="indefinite"/>
+                      </p:stCondLst>
+                      <p:childTnLst>
+                        <p:par>
+                          <p:cTn id="14" fill="hold">
+                            <p:stCondLst>
+                              <p:cond delay="0"/>
+                            </p:stCondLst>
+                            <p:childTnLst>
                               <p:par>
-                                <p:cTn id="8" presetID="10" presetClass="entr" presetSubtype="0" fill="hold" nodeType="withEffect">
+                                <p:cTn id="15" presetID="10" presetClass="entr" presetSubtype="0" fill="hold" nodeType="clickEffect">
                                   <p:stCondLst>
                                     <p:cond delay="0"/>
                                   </p:stCondLst>
                                   <p:childTnLst>
                                     <p:set>
                                       <p:cBhvr>
-                                        <p:cTn id="9" dur="1" fill="hold">
+                                        <p:cTn id="16" dur="1" fill="hold">
                                           <p:stCondLst>
                                             <p:cond delay="0"/>
                                           </p:stCondLst>
@@ -8454,101 +8516,13 @@
                                     </p:set>
                                     <p:animEffect transition="in" filter="fade">
                                       <p:cBhvr>
-                                        <p:cTn id="10" dur="500"/>
+                                        <p:cTn id="17" dur="500"/>
                                         <p:tgtEl>
                                           <p:spTgt spid="8">
                                             <p:txEl>
                                               <p:pRg st="2" end="2"/>
                                             </p:txEl>
                                           </p:spTgt>
-                                        </p:tgtEl>
-                                      </p:cBhvr>
-                                    </p:animEffect>
-                                  </p:childTnLst>
-                                </p:cTn>
-                              </p:par>
-                              <p:par>
-                                <p:cTn id="11" presetID="10" presetClass="entr" presetSubtype="0" fill="hold" nodeType="withEffect">
-                                  <p:stCondLst>
-                                    <p:cond delay="0"/>
-                                  </p:stCondLst>
-                                  <p:childTnLst>
-                                    <p:set>
-                                      <p:cBhvr>
-                                        <p:cTn id="12" dur="1" fill="hold">
-                                          <p:stCondLst>
-                                            <p:cond delay="0"/>
-                                          </p:stCondLst>
-                                        </p:cTn>
-                                        <p:tgtEl>
-                                          <p:spTgt spid="9"/>
-                                        </p:tgtEl>
-                                        <p:attrNameLst>
-                                          <p:attrName>style.visibility</p:attrName>
-                                        </p:attrNameLst>
-                                      </p:cBhvr>
-                                      <p:to>
-                                        <p:strVal val="visible"/>
-                                      </p:to>
-                                    </p:set>
-                                    <p:animEffect transition="in" filter="fade">
-                                      <p:cBhvr>
-                                        <p:cTn id="13" dur="500"/>
-                                        <p:tgtEl>
-                                          <p:spTgt spid="9"/>
-                                        </p:tgtEl>
-                                      </p:cBhvr>
-                                    </p:animEffect>
-                                  </p:childTnLst>
-                                </p:cTn>
-                              </p:par>
-                            </p:childTnLst>
-                          </p:cTn>
-                        </p:par>
-                      </p:childTnLst>
-                    </p:cTn>
-                  </p:par>
-                  <p:par>
-                    <p:cTn id="14" fill="hold">
-                      <p:stCondLst>
-                        <p:cond delay="indefinite"/>
-                      </p:stCondLst>
-                      <p:childTnLst>
-                        <p:par>
-                          <p:cTn id="15" fill="hold">
-                            <p:stCondLst>
-                              <p:cond delay="0"/>
-                            </p:stCondLst>
-                            <p:childTnLst>
-                              <p:par>
-                                <p:cTn id="16" presetID="10" presetClass="entr" presetSubtype="0" fill="hold" nodeType="clickEffect">
-                                  <p:stCondLst>
-                                    <p:cond delay="0"/>
-                                  </p:stCondLst>
-                                  <p:childTnLst>
-                                    <p:set>
-                                      <p:cBhvr>
-                                        <p:cTn id="17" dur="1" fill="hold">
-                                          <p:stCondLst>
-                                            <p:cond delay="0"/>
-                                          </p:stCondLst>
-                                        </p:cTn>
-                                        <p:tgtEl>
-                                          <p:spTgt spid="12"/>
-                                        </p:tgtEl>
-                                        <p:attrNameLst>
-                                          <p:attrName>style.visibility</p:attrName>
-                                        </p:attrNameLst>
-                                      </p:cBhvr>
-                                      <p:to>
-                                        <p:strVal val="visible"/>
-                                      </p:to>
-                                    </p:set>
-                                    <p:animEffect transition="in" filter="fade">
-                                      <p:cBhvr>
-                                        <p:cTn id="18" dur="500"/>
-                                        <p:tgtEl>
-                                          <p:spTgt spid="12"/>
                                         </p:tgtEl>
                                       </p:cBhvr>
                                     </p:animEffect>
@@ -9263,9 +9237,6 @@
                     <p:cTn id="3" fill="hold">
                       <p:stCondLst>
                         <p:cond delay="indefinite"/>
-                        <p:cond evt="onBegin" delay="0">
-                          <p:tn val="2"/>
-                        </p:cond>
                       </p:stCondLst>
                       <p:childTnLst>
                         <p:par>
@@ -9275,7 +9246,7 @@
                             </p:stCondLst>
                             <p:childTnLst>
                               <p:par>
-                                <p:cTn id="5" presetID="10" presetClass="entr" presetSubtype="0" fill="hold" nodeType="withEffect">
+                                <p:cTn id="5" presetID="10" presetClass="entr" presetSubtype="0" fill="hold" nodeType="clickEffect">
                                   <p:stCondLst>
                                     <p:cond delay="0"/>
                                   </p:stCondLst>
@@ -9331,7 +9302,7 @@
                                           </p:stCondLst>
                                         </p:cTn>
                                         <p:tgtEl>
-                                          <p:spTgt spid="9"/>
+                                          <p:spTgt spid="3"/>
                                         </p:tgtEl>
                                         <p:attrNameLst>
                                           <p:attrName>style.visibility</p:attrName>
@@ -9345,60 +9316,7 @@
                                       <p:cBhvr>
                                         <p:cTn id="10" dur="500"/>
                                         <p:tgtEl>
-                                          <p:spTgt spid="9"/>
-                                        </p:tgtEl>
-                                      </p:cBhvr>
-                                    </p:animEffect>
-                                  </p:childTnLst>
-                                </p:cTn>
-                              </p:par>
-                            </p:childTnLst>
-                          </p:cTn>
-                        </p:par>
-                      </p:childTnLst>
-                    </p:cTn>
-                  </p:par>
-                  <p:par>
-                    <p:cTn id="11" fill="hold">
-                      <p:stCondLst>
-                        <p:cond delay="indefinite"/>
-                      </p:stCondLst>
-                      <p:childTnLst>
-                        <p:par>
-                          <p:cTn id="12" fill="hold">
-                            <p:stCondLst>
-                              <p:cond delay="0"/>
-                            </p:stCondLst>
-                            <p:childTnLst>
-                              <p:par>
-                                <p:cTn id="13" presetID="10" presetClass="entr" presetSubtype="0" fill="hold" nodeType="clickEffect">
-                                  <p:stCondLst>
-                                    <p:cond delay="0"/>
-                                  </p:stCondLst>
-                                  <p:childTnLst>
-                                    <p:set>
-                                      <p:cBhvr>
-                                        <p:cTn id="14" dur="1" fill="hold">
-                                          <p:stCondLst>
-                                            <p:cond delay="0"/>
-                                          </p:stCondLst>
-                                        </p:cTn>
-                                        <p:tgtEl>
-                                          <p:spTgt spid="12"/>
-                                        </p:tgtEl>
-                                        <p:attrNameLst>
-                                          <p:attrName>style.visibility</p:attrName>
-                                        </p:attrNameLst>
-                                      </p:cBhvr>
-                                      <p:to>
-                                        <p:strVal val="visible"/>
-                                      </p:to>
-                                    </p:set>
-                                    <p:animEffect transition="in" filter="fade">
-                                      <p:cBhvr>
-                                        <p:cTn id="15" dur="500"/>
-                                        <p:tgtEl>
-                                          <p:spTgt spid="12"/>
+                                          <p:spTgt spid="3"/>
                                         </p:tgtEl>
                                       </p:cBhvr>
                                     </p:animEffect>
@@ -10296,9 +10214,6 @@
                     <p:cTn id="3" fill="hold">
                       <p:stCondLst>
                         <p:cond delay="indefinite"/>
-                        <p:cond evt="onBegin" delay="0">
-                          <p:tn val="2"/>
-                        </p:cond>
                       </p:stCondLst>
                       <p:childTnLst>
                         <p:par>
@@ -10308,7 +10223,7 @@
                             </p:stCondLst>
                             <p:childTnLst>
                               <p:par>
-                                <p:cTn id="5" presetID="10" presetClass="entr" presetSubtype="0" fill="hold" nodeType="withEffect">
+                                <p:cTn id="5" presetID="10" presetClass="entr" presetSubtype="0" fill="hold" nodeType="clickEffect">
                                   <p:stCondLst>
                                     <p:cond delay="0"/>
                                   </p:stCondLst>
@@ -10316,6 +10231,59 @@
                                     <p:set>
                                       <p:cBhvr>
                                         <p:cTn id="6" dur="1" fill="hold">
+                                          <p:stCondLst>
+                                            <p:cond delay="0"/>
+                                          </p:stCondLst>
+                                        </p:cTn>
+                                        <p:tgtEl>
+                                          <p:spTgt spid="3"/>
+                                        </p:tgtEl>
+                                        <p:attrNameLst>
+                                          <p:attrName>style.visibility</p:attrName>
+                                        </p:attrNameLst>
+                                      </p:cBhvr>
+                                      <p:to>
+                                        <p:strVal val="visible"/>
+                                      </p:to>
+                                    </p:set>
+                                    <p:animEffect transition="in" filter="fade">
+                                      <p:cBhvr>
+                                        <p:cTn id="7" dur="500"/>
+                                        <p:tgtEl>
+                                          <p:spTgt spid="3"/>
+                                        </p:tgtEl>
+                                      </p:cBhvr>
+                                    </p:animEffect>
+                                  </p:childTnLst>
+                                </p:cTn>
+                              </p:par>
+                            </p:childTnLst>
+                          </p:cTn>
+                        </p:par>
+                      </p:childTnLst>
+                    </p:cTn>
+                  </p:par>
+                  <p:par>
+                    <p:cTn id="8" fill="hold">
+                      <p:stCondLst>
+                        <p:cond delay="indefinite"/>
+                      </p:stCondLst>
+                      <p:childTnLst>
+                        <p:par>
+                          <p:cTn id="9" fill="hold">
+                            <p:stCondLst>
+                              <p:cond delay="0"/>
+                            </p:stCondLst>
+                            <p:childTnLst>
+                              <p:par>
+                                <p:cTn id="10" presetID="10" presetClass="entr" presetSubtype="0" fill="hold" nodeType="clickEffect">
+                                  <p:stCondLst>
+                                    <p:cond delay="0"/>
+                                  </p:stCondLst>
+                                  <p:childTnLst>
+                                    <p:set>
+                                      <p:cBhvr>
+                                        <p:cTn id="11" dur="1" fill="hold">
                                           <p:stCondLst>
                                             <p:cond delay="0"/>
                                           </p:stCondLst>
@@ -10337,7 +10305,7 @@
                                     </p:set>
                                     <p:animEffect transition="in" filter="fade">
                                       <p:cBhvr>
-                                        <p:cTn id="7" dur="500"/>
+                                        <p:cTn id="12" dur="500"/>
                                         <p:tgtEl>
                                           <p:spTgt spid="8">
                                             <p:txEl>
@@ -10351,14 +10319,14 @@
                                 </p:cTn>
                               </p:par>
                               <p:par>
-                                <p:cTn id="8" presetID="10" presetClass="entr" presetSubtype="0" fill="hold" nodeType="withEffect">
+                                <p:cTn id="13" presetID="10" presetClass="entr" presetSubtype="0" fill="hold" nodeType="withEffect">
                                   <p:stCondLst>
                                     <p:cond delay="0"/>
                                   </p:stCondLst>
                                   <p:childTnLst>
                                     <p:set>
                                       <p:cBhvr>
-                                        <p:cTn id="9" dur="1" fill="hold">
+                                        <p:cTn id="14" dur="1" fill="hold">
                                           <p:stCondLst>
                                             <p:cond delay="0"/>
                                           </p:stCondLst>
@@ -10380,7 +10348,7 @@
                                     </p:set>
                                     <p:animEffect transition="in" filter="fade">
                                       <p:cBhvr>
-                                        <p:cTn id="10" dur="500"/>
+                                        <p:cTn id="15" dur="500"/>
                                         <p:tgtEl>
                                           <p:spTgt spid="8">
                                             <p:txEl>
@@ -10393,15 +10361,33 @@
                                   </p:childTnLst>
                                 </p:cTn>
                               </p:par>
+                            </p:childTnLst>
+                          </p:cTn>
+                        </p:par>
+                      </p:childTnLst>
+                    </p:cTn>
+                  </p:par>
+                  <p:par>
+                    <p:cTn id="16" fill="hold">
+                      <p:stCondLst>
+                        <p:cond delay="indefinite"/>
+                      </p:stCondLst>
+                      <p:childTnLst>
+                        <p:par>
+                          <p:cTn id="17" fill="hold">
+                            <p:stCondLst>
+                              <p:cond delay="0"/>
+                            </p:stCondLst>
+                            <p:childTnLst>
                               <p:par>
-                                <p:cTn id="11" presetID="10" presetClass="entr" presetSubtype="0" fill="hold" nodeType="withEffect">
+                                <p:cTn id="18" presetID="10" presetClass="entr" presetSubtype="0" fill="hold" nodeType="clickEffect">
                                   <p:stCondLst>
                                     <p:cond delay="0"/>
                                   </p:stCondLst>
                                   <p:childTnLst>
                                     <p:set>
                                       <p:cBhvr>
-                                        <p:cTn id="12" dur="1" fill="hold">
+                                        <p:cTn id="19" dur="1" fill="hold">
                                           <p:stCondLst>
                                             <p:cond delay="0"/>
                                           </p:stCondLst>
@@ -10423,101 +10409,13 @@
                                     </p:set>
                                     <p:animEffect transition="in" filter="fade">
                                       <p:cBhvr>
-                                        <p:cTn id="13" dur="500"/>
+                                        <p:cTn id="20" dur="500"/>
                                         <p:tgtEl>
                                           <p:spTgt spid="8">
                                             <p:txEl>
                                               <p:pRg st="4" end="4"/>
                                             </p:txEl>
                                           </p:spTgt>
-                                        </p:tgtEl>
-                                      </p:cBhvr>
-                                    </p:animEffect>
-                                  </p:childTnLst>
-                                </p:cTn>
-                              </p:par>
-                              <p:par>
-                                <p:cTn id="14" presetID="10" presetClass="entr" presetSubtype="0" fill="hold" nodeType="withEffect">
-                                  <p:stCondLst>
-                                    <p:cond delay="0"/>
-                                  </p:stCondLst>
-                                  <p:childTnLst>
-                                    <p:set>
-                                      <p:cBhvr>
-                                        <p:cTn id="15" dur="1" fill="hold">
-                                          <p:stCondLst>
-                                            <p:cond delay="0"/>
-                                          </p:stCondLst>
-                                        </p:cTn>
-                                        <p:tgtEl>
-                                          <p:spTgt spid="9"/>
-                                        </p:tgtEl>
-                                        <p:attrNameLst>
-                                          <p:attrName>style.visibility</p:attrName>
-                                        </p:attrNameLst>
-                                      </p:cBhvr>
-                                      <p:to>
-                                        <p:strVal val="visible"/>
-                                      </p:to>
-                                    </p:set>
-                                    <p:animEffect transition="in" filter="fade">
-                                      <p:cBhvr>
-                                        <p:cTn id="16" dur="500"/>
-                                        <p:tgtEl>
-                                          <p:spTgt spid="9"/>
-                                        </p:tgtEl>
-                                      </p:cBhvr>
-                                    </p:animEffect>
-                                  </p:childTnLst>
-                                </p:cTn>
-                              </p:par>
-                            </p:childTnLst>
-                          </p:cTn>
-                        </p:par>
-                      </p:childTnLst>
-                    </p:cTn>
-                  </p:par>
-                  <p:par>
-                    <p:cTn id="17" fill="hold">
-                      <p:stCondLst>
-                        <p:cond delay="indefinite"/>
-                      </p:stCondLst>
-                      <p:childTnLst>
-                        <p:par>
-                          <p:cTn id="18" fill="hold">
-                            <p:stCondLst>
-                              <p:cond delay="0"/>
-                            </p:stCondLst>
-                            <p:childTnLst>
-                              <p:par>
-                                <p:cTn id="19" presetID="10" presetClass="entr" presetSubtype="0" fill="hold" nodeType="clickEffect">
-                                  <p:stCondLst>
-                                    <p:cond delay="0"/>
-                                  </p:stCondLst>
-                                  <p:childTnLst>
-                                    <p:set>
-                                      <p:cBhvr>
-                                        <p:cTn id="20" dur="1" fill="hold">
-                                          <p:stCondLst>
-                                            <p:cond delay="0"/>
-                                          </p:stCondLst>
-                                        </p:cTn>
-                                        <p:tgtEl>
-                                          <p:spTgt spid="12"/>
-                                        </p:tgtEl>
-                                        <p:attrNameLst>
-                                          <p:attrName>style.visibility</p:attrName>
-                                        </p:attrNameLst>
-                                      </p:cBhvr>
-                                      <p:to>
-                                        <p:strVal val="visible"/>
-                                      </p:to>
-                                    </p:set>
-                                    <p:animEffect transition="in" filter="fade">
-                                      <p:cBhvr>
-                                        <p:cTn id="21" dur="500"/>
-                                        <p:tgtEl>
-                                          <p:spTgt spid="12"/>
                                         </p:tgtEl>
                                       </p:cBhvr>
                                     </p:animEffect>
@@ -11436,6 +11334,78 @@
           </a:extLst>
         </p:spPr>
       </p:pic>
+      <p:pic>
+        <p:nvPicPr>
+          <p:cNvPr id="15" name="Afbeelding 14">
+            <a:extLst>
+              <a:ext uri="{FF2B5EF4-FFF2-40B4-BE49-F238E27FC236}">
+                <a16:creationId xmlns:a16="http://schemas.microsoft.com/office/drawing/2014/main" id="{8D2C55ED-1A8A-41E0-B589-0B836853BBD3}"/>
+              </a:ext>
+            </a:extLst>
+          </p:cNvPr>
+          <p:cNvPicPr>
+            <a:picLocks noChangeAspect="1"/>
+          </p:cNvPicPr>
+          <p:nvPr/>
+        </p:nvPicPr>
+        <p:blipFill>
+          <a:blip r:embed="rId4">
+            <a:extLst>
+              <a:ext uri="{28A0092B-C50C-407E-A947-70E740481C1C}">
+                <a14:useLocalDpi xmlns:a14="http://schemas.microsoft.com/office/drawing/2010/main" val="0"/>
+              </a:ext>
+            </a:extLst>
+          </a:blip>
+          <a:stretch>
+            <a:fillRect/>
+          </a:stretch>
+        </p:blipFill>
+        <p:spPr>
+          <a:xfrm>
+            <a:off x="5212636" y="1528153"/>
+            <a:ext cx="6542042" cy="3566970"/>
+          </a:xfrm>
+          <a:prstGeom prst="rect">
+            <a:avLst/>
+          </a:prstGeom>
+        </p:spPr>
+      </p:pic>
+      <p:pic>
+        <p:nvPicPr>
+          <p:cNvPr id="17" name="Afbeelding 16">
+            <a:extLst>
+              <a:ext uri="{FF2B5EF4-FFF2-40B4-BE49-F238E27FC236}">
+                <a16:creationId xmlns:a16="http://schemas.microsoft.com/office/drawing/2014/main" id="{91A2594F-5052-4919-A59A-7D0CED28C41C}"/>
+              </a:ext>
+            </a:extLst>
+          </p:cNvPr>
+          <p:cNvPicPr>
+            <a:picLocks noChangeAspect="1"/>
+          </p:cNvPicPr>
+          <p:nvPr/>
+        </p:nvPicPr>
+        <p:blipFill>
+          <a:blip r:embed="rId5">
+            <a:extLst>
+              <a:ext uri="{28A0092B-C50C-407E-A947-70E740481C1C}">
+                <a14:useLocalDpi xmlns:a14="http://schemas.microsoft.com/office/drawing/2010/main" val="0"/>
+              </a:ext>
+            </a:extLst>
+          </a:blip>
+          <a:stretch>
+            <a:fillRect/>
+          </a:stretch>
+        </p:blipFill>
+        <p:spPr>
+          <a:xfrm>
+            <a:off x="6202408" y="1719604"/>
+            <a:ext cx="4780181" cy="3131461"/>
+          </a:xfrm>
+          <a:prstGeom prst="rect">
+            <a:avLst/>
+          </a:prstGeom>
+        </p:spPr>
+      </p:pic>
     </p:spTree>
     <p:extLst>
       <p:ext uri="{BB962C8B-B14F-4D97-AF65-F5344CB8AC3E}">
@@ -11458,9 +11428,6 @@
                     <p:cTn id="3" fill="hold">
                       <p:stCondLst>
                         <p:cond delay="indefinite"/>
-                        <p:cond evt="onBegin" delay="0">
-                          <p:tn val="2"/>
-                        </p:cond>
                       </p:stCondLst>
                       <p:childTnLst>
                         <p:par>
@@ -11470,7 +11437,7 @@
                             </p:stCondLst>
                             <p:childTnLst>
                               <p:par>
-                                <p:cTn id="5" presetID="10" presetClass="entr" presetSubtype="0" fill="hold" nodeType="withEffect">
+                                <p:cTn id="5" presetID="10" presetClass="entr" presetSubtype="0" fill="hold" nodeType="clickEffect">
                                   <p:stCondLst>
                                     <p:cond delay="0"/>
                                   </p:stCondLst>
@@ -11512,15 +11479,33 @@
                                   </p:childTnLst>
                                 </p:cTn>
                               </p:par>
+                            </p:childTnLst>
+                          </p:cTn>
+                        </p:par>
+                      </p:childTnLst>
+                    </p:cTn>
+                  </p:par>
+                  <p:par>
+                    <p:cTn id="8" fill="hold">
+                      <p:stCondLst>
+                        <p:cond delay="indefinite"/>
+                      </p:stCondLst>
+                      <p:childTnLst>
+                        <p:par>
+                          <p:cTn id="9" fill="hold">
+                            <p:stCondLst>
+                              <p:cond delay="0"/>
+                            </p:stCondLst>
+                            <p:childTnLst>
                               <p:par>
-                                <p:cTn id="8" presetID="10" presetClass="entr" presetSubtype="0" fill="hold" nodeType="withEffect">
+                                <p:cTn id="10" presetID="10" presetClass="entr" presetSubtype="0" fill="hold" nodeType="clickEffect">
                                   <p:stCondLst>
                                     <p:cond delay="0"/>
                                   </p:stCondLst>
                                   <p:childTnLst>
                                     <p:set>
                                       <p:cBhvr>
-                                        <p:cTn id="9" dur="1" fill="hold">
+                                        <p:cTn id="11" dur="1" fill="hold">
                                           <p:stCondLst>
                                             <p:cond delay="0"/>
                                           </p:stCondLst>
@@ -11542,7 +11527,7 @@
                                     </p:set>
                                     <p:animEffect transition="in" filter="fade">
                                       <p:cBhvr>
-                                        <p:cTn id="10" dur="500"/>
+                                        <p:cTn id="12" dur="500"/>
                                         <p:tgtEl>
                                           <p:spTgt spid="8">
                                             <p:txEl>
@@ -11555,15 +11540,33 @@
                                   </p:childTnLst>
                                 </p:cTn>
                               </p:par>
+                            </p:childTnLst>
+                          </p:cTn>
+                        </p:par>
+                      </p:childTnLst>
+                    </p:cTn>
+                  </p:par>
+                  <p:par>
+                    <p:cTn id="13" fill="hold">
+                      <p:stCondLst>
+                        <p:cond delay="indefinite"/>
+                      </p:stCondLst>
+                      <p:childTnLst>
+                        <p:par>
+                          <p:cTn id="14" fill="hold">
+                            <p:stCondLst>
+                              <p:cond delay="0"/>
+                            </p:stCondLst>
+                            <p:childTnLst>
                               <p:par>
-                                <p:cTn id="11" presetID="10" presetClass="entr" presetSubtype="0" fill="hold" nodeType="withEffect">
+                                <p:cTn id="15" presetID="10" presetClass="entr" presetSubtype="0" fill="hold" nodeType="clickEffect">
                                   <p:stCondLst>
                                     <p:cond delay="0"/>
                                   </p:stCondLst>
                                   <p:childTnLst>
                                     <p:set>
                                       <p:cBhvr>
-                                        <p:cTn id="12" dur="1" fill="hold">
+                                        <p:cTn id="16" dur="1" fill="hold">
                                           <p:stCondLst>
                                             <p:cond delay="0"/>
                                           </p:stCondLst>
@@ -11585,7 +11588,7 @@
                                     </p:set>
                                     <p:animEffect transition="in" filter="fade">
                                       <p:cBhvr>
-                                        <p:cTn id="13" dur="500"/>
+                                        <p:cTn id="17" dur="500"/>
                                         <p:tgtEl>
                                           <p:spTgt spid="8">
                                             <p:txEl>
@@ -11598,15 +11601,33 @@
                                   </p:childTnLst>
                                 </p:cTn>
                               </p:par>
+                            </p:childTnLst>
+                          </p:cTn>
+                        </p:par>
+                      </p:childTnLst>
+                    </p:cTn>
+                  </p:par>
+                  <p:par>
+                    <p:cTn id="18" fill="hold">
+                      <p:stCondLst>
+                        <p:cond delay="indefinite"/>
+                      </p:stCondLst>
+                      <p:childTnLst>
+                        <p:par>
+                          <p:cTn id="19" fill="hold">
+                            <p:stCondLst>
+                              <p:cond delay="0"/>
+                            </p:stCondLst>
+                            <p:childTnLst>
                               <p:par>
-                                <p:cTn id="14" presetID="10" presetClass="entr" presetSubtype="0" fill="hold" nodeType="withEffect">
+                                <p:cTn id="20" presetID="10" presetClass="entr" presetSubtype="0" fill="hold" nodeType="clickEffect">
                                   <p:stCondLst>
                                     <p:cond delay="0"/>
                                   </p:stCondLst>
                                   <p:childTnLst>
                                     <p:set>
                                       <p:cBhvr>
-                                        <p:cTn id="15" dur="1" fill="hold">
+                                        <p:cTn id="21" dur="1" fill="hold">
                                           <p:stCondLst>
                                             <p:cond delay="0"/>
                                           </p:stCondLst>
@@ -11628,91 +11649,13 @@
                                     </p:set>
                                     <p:animEffect transition="in" filter="fade">
                                       <p:cBhvr>
-                                        <p:cTn id="16" dur="500"/>
+                                        <p:cTn id="22" dur="500"/>
                                         <p:tgtEl>
                                           <p:spTgt spid="8">
                                             <p:txEl>
                                               <p:pRg st="6" end="6"/>
                                             </p:txEl>
                                           </p:spTgt>
-                                        </p:tgtEl>
-                                      </p:cBhvr>
-                                    </p:animEffect>
-                                  </p:childTnLst>
-                                </p:cTn>
-                              </p:par>
-                              <p:par>
-                                <p:cTn id="17" presetID="10" presetClass="entr" presetSubtype="0" fill="hold" nodeType="withEffect">
-                                  <p:stCondLst>
-                                    <p:cond delay="0"/>
-                                  </p:stCondLst>
-                                  <p:childTnLst>
-                                    <p:set>
-                                      <p:cBhvr>
-                                        <p:cTn id="18" dur="1" fill="hold">
-                                          <p:stCondLst>
-                                            <p:cond delay="0"/>
-                                          </p:stCondLst>
-                                        </p:cTn>
-                                        <p:tgtEl>
-                                          <p:spTgt spid="8">
-                                            <p:txEl>
-                                              <p:pRg st="8" end="8"/>
-                                            </p:txEl>
-                                          </p:spTgt>
-                                        </p:tgtEl>
-                                        <p:attrNameLst>
-                                          <p:attrName>style.visibility</p:attrName>
-                                        </p:attrNameLst>
-                                      </p:cBhvr>
-                                      <p:to>
-                                        <p:strVal val="visible"/>
-                                      </p:to>
-                                    </p:set>
-                                    <p:animEffect transition="in" filter="fade">
-                                      <p:cBhvr>
-                                        <p:cTn id="19" dur="500"/>
-                                        <p:tgtEl>
-                                          <p:spTgt spid="8">
-                                            <p:txEl>
-                                              <p:pRg st="8" end="8"/>
-                                            </p:txEl>
-                                          </p:spTgt>
-                                        </p:tgtEl>
-                                      </p:cBhvr>
-                                    </p:animEffect>
-                                  </p:childTnLst>
-                                </p:cTn>
-                              </p:par>
-                              <p:par>
-                                <p:cTn id="20" presetID="10" presetClass="entr" presetSubtype="0" fill="hold" nodeType="withEffect">
-                                  <p:stCondLst>
-                                    <p:cond delay="0"/>
-                                  </p:stCondLst>
-                                  <p:childTnLst>
-                                    <p:set>
-                                      <p:cBhvr>
-                                        <p:cTn id="21" dur="1" fill="hold">
-                                          <p:stCondLst>
-                                            <p:cond delay="0"/>
-                                          </p:stCondLst>
-                                        </p:cTn>
-                                        <p:tgtEl>
-                                          <p:spTgt spid="9"/>
-                                        </p:tgtEl>
-                                        <p:attrNameLst>
-                                          <p:attrName>style.visibility</p:attrName>
-                                        </p:attrNameLst>
-                                      </p:cBhvr>
-                                      <p:to>
-                                        <p:strVal val="visible"/>
-                                      </p:to>
-                                    </p:set>
-                                    <p:animEffect transition="in" filter="fade">
-                                      <p:cBhvr>
-                                        <p:cTn id="22" dur="500"/>
-                                        <p:tgtEl>
-                                          <p:spTgt spid="9"/>
                                         </p:tgtEl>
                                       </p:cBhvr>
                                     </p:animEffect>
@@ -11751,7 +11694,11 @@
                                           </p:stCondLst>
                                         </p:cTn>
                                         <p:tgtEl>
-                                          <p:spTgt spid="12"/>
+                                          <p:spTgt spid="8">
+                                            <p:txEl>
+                                              <p:pRg st="8" end="8"/>
+                                            </p:txEl>
+                                          </p:spTgt>
                                         </p:tgtEl>
                                         <p:attrNameLst>
                                           <p:attrName>style.visibility</p:attrName>
@@ -11765,7 +11712,134 @@
                                       <p:cBhvr>
                                         <p:cTn id="27" dur="500"/>
                                         <p:tgtEl>
-                                          <p:spTgt spid="12"/>
+                                          <p:spTgt spid="8">
+                                            <p:txEl>
+                                              <p:pRg st="8" end="8"/>
+                                            </p:txEl>
+                                          </p:spTgt>
+                                        </p:tgtEl>
+                                      </p:cBhvr>
+                                    </p:animEffect>
+                                  </p:childTnLst>
+                                </p:cTn>
+                              </p:par>
+                              <p:par>
+                                <p:cTn id="28" presetID="10" presetClass="entr" presetSubtype="0" fill="hold" nodeType="withEffect">
+                                  <p:stCondLst>
+                                    <p:cond delay="0"/>
+                                  </p:stCondLst>
+                                  <p:childTnLst>
+                                    <p:set>
+                                      <p:cBhvr>
+                                        <p:cTn id="29" dur="1" fill="hold">
+                                          <p:stCondLst>
+                                            <p:cond delay="0"/>
+                                          </p:stCondLst>
+                                        </p:cTn>
+                                        <p:tgtEl>
+                                          <p:spTgt spid="15"/>
+                                        </p:tgtEl>
+                                        <p:attrNameLst>
+                                          <p:attrName>style.visibility</p:attrName>
+                                        </p:attrNameLst>
+                                      </p:cBhvr>
+                                      <p:to>
+                                        <p:strVal val="visible"/>
+                                      </p:to>
+                                    </p:set>
+                                    <p:animEffect transition="in" filter="fade">
+                                      <p:cBhvr>
+                                        <p:cTn id="30" dur="500"/>
+                                        <p:tgtEl>
+                                          <p:spTgt spid="15"/>
+                                        </p:tgtEl>
+                                      </p:cBhvr>
+                                    </p:animEffect>
+                                  </p:childTnLst>
+                                </p:cTn>
+                              </p:par>
+                            </p:childTnLst>
+                          </p:cTn>
+                        </p:par>
+                      </p:childTnLst>
+                    </p:cTn>
+                  </p:par>
+                  <p:par>
+                    <p:cTn id="31" fill="hold">
+                      <p:stCondLst>
+                        <p:cond delay="indefinite"/>
+                      </p:stCondLst>
+                      <p:childTnLst>
+                        <p:par>
+                          <p:cTn id="32" fill="hold">
+                            <p:stCondLst>
+                              <p:cond delay="0"/>
+                            </p:stCondLst>
+                            <p:childTnLst>
+                              <p:par>
+                                <p:cTn id="33" presetID="10" presetClass="exit" presetSubtype="0" fill="hold" nodeType="clickEffect">
+                                  <p:stCondLst>
+                                    <p:cond delay="0"/>
+                                  </p:stCondLst>
+                                  <p:childTnLst>
+                                    <p:animEffect transition="out" filter="fade">
+                                      <p:cBhvr>
+                                        <p:cTn id="34" dur="500"/>
+                                        <p:tgtEl>
+                                          <p:spTgt spid="15"/>
+                                        </p:tgtEl>
+                                      </p:cBhvr>
+                                    </p:animEffect>
+                                    <p:set>
+                                      <p:cBhvr>
+                                        <p:cTn id="35" dur="1" fill="hold">
+                                          <p:stCondLst>
+                                            <p:cond delay="499"/>
+                                          </p:stCondLst>
+                                        </p:cTn>
+                                        <p:tgtEl>
+                                          <p:spTgt spid="15"/>
+                                        </p:tgtEl>
+                                        <p:attrNameLst>
+                                          <p:attrName>style.visibility</p:attrName>
+                                        </p:attrNameLst>
+                                      </p:cBhvr>
+                                      <p:to>
+                                        <p:strVal val="hidden"/>
+                                      </p:to>
+                                    </p:set>
+                                  </p:childTnLst>
+                                </p:cTn>
+                              </p:par>
+                              <p:par>
+                                <p:cTn id="36" presetID="10" presetClass="entr" presetSubtype="0" fill="hold" nodeType="withEffect">
+                                  <p:stCondLst>
+                                    <p:cond delay="0"/>
+                                  </p:stCondLst>
+                                  <p:childTnLst>
+                                    <p:set>
+                                      <p:cBhvr>
+                                        <p:cTn id="37" dur="1" fill="hold">
+                                          <p:stCondLst>
+                                            <p:cond delay="0"/>
+                                          </p:stCondLst>
+                                        </p:cTn>
+                                        <p:tgtEl>
+                                          <p:spTgt spid="17"/>
+                                        </p:tgtEl>
+                                        <p:attrNameLst>
+                                          <p:attrName>style.visibility</p:attrName>
+                                        </p:attrNameLst>
+                                      </p:cBhvr>
+                                      <p:to>
+                                        <p:strVal val="visible"/>
+                                      </p:to>
+                                    </p:set>
+                                    <p:animEffect transition="in" filter="fade">
+                                      <p:cBhvr>
+                                        <p:cTn id="38" dur="500"/>
+                                        <p:tgtEl>
+                                          <p:spTgt spid="17"/>
                                         </p:tgtEl>
                                       </p:cBhvr>
                                     </p:animEffect>
@@ -20047,9 +20121,6 @@
                     <p:cTn id="3" fill="hold">
                       <p:stCondLst>
                         <p:cond delay="indefinite"/>
-                        <p:cond evt="onBegin" delay="0">
-                          <p:tn val="2"/>
-                        </p:cond>
                       </p:stCondLst>
                       <p:childTnLst>
                         <p:par>
@@ -20059,7 +20130,7 @@
                             </p:stCondLst>
                             <p:childTnLst>
                               <p:par>
-                                <p:cTn id="5" presetID="10" presetClass="entr" presetSubtype="0" fill="hold" nodeType="withEffect">
+                                <p:cTn id="5" presetID="10" presetClass="entr" presetSubtype="0" fill="hold" nodeType="clickEffect">
                                   <p:stCondLst>
                                     <p:cond delay="0"/>
                                   </p:stCondLst>
@@ -20101,15 +20172,33 @@
                                   </p:childTnLst>
                                 </p:cTn>
                               </p:par>
+                            </p:childTnLst>
+                          </p:cTn>
+                        </p:par>
+                      </p:childTnLst>
+                    </p:cTn>
+                  </p:par>
+                  <p:par>
+                    <p:cTn id="8" fill="hold">
+                      <p:stCondLst>
+                        <p:cond delay="indefinite"/>
+                      </p:stCondLst>
+                      <p:childTnLst>
+                        <p:par>
+                          <p:cTn id="9" fill="hold">
+                            <p:stCondLst>
+                              <p:cond delay="0"/>
+                            </p:stCondLst>
+                            <p:childTnLst>
                               <p:par>
-                                <p:cTn id="8" presetID="10" presetClass="entr" presetSubtype="0" fill="hold" nodeType="withEffect">
+                                <p:cTn id="10" presetID="10" presetClass="entr" presetSubtype="0" fill="hold" nodeType="clickEffect">
                                   <p:stCondLst>
                                     <p:cond delay="0"/>
                                   </p:stCondLst>
                                   <p:childTnLst>
                                     <p:set>
                                       <p:cBhvr>
-                                        <p:cTn id="9" dur="1" fill="hold">
+                                        <p:cTn id="11" dur="1" fill="hold">
                                           <p:stCondLst>
                                             <p:cond delay="0"/>
                                           </p:stCondLst>
@@ -20131,48 +20220,13 @@
                                     </p:set>
                                     <p:animEffect transition="in" filter="fade">
                                       <p:cBhvr>
-                                        <p:cTn id="10" dur="500"/>
+                                        <p:cTn id="12" dur="500"/>
                                         <p:tgtEl>
                                           <p:spTgt spid="8">
                                             <p:txEl>
                                               <p:pRg st="2" end="2"/>
                                             </p:txEl>
                                           </p:spTgt>
-                                        </p:tgtEl>
-                                      </p:cBhvr>
-                                    </p:animEffect>
-                                  </p:childTnLst>
-                                </p:cTn>
-                              </p:par>
-                              <p:par>
-                                <p:cTn id="11" presetID="10" presetClass="entr" presetSubtype="0" fill="hold" nodeType="withEffect">
-                                  <p:stCondLst>
-                                    <p:cond delay="0"/>
-                                  </p:stCondLst>
-                                  <p:childTnLst>
-                                    <p:set>
-                                      <p:cBhvr>
-                                        <p:cTn id="12" dur="1" fill="hold">
-                                          <p:stCondLst>
-                                            <p:cond delay="0"/>
-                                          </p:stCondLst>
-                                        </p:cTn>
-                                        <p:tgtEl>
-                                          <p:spTgt spid="13"/>
-                                        </p:tgtEl>
-                                        <p:attrNameLst>
-                                          <p:attrName>style.visibility</p:attrName>
-                                        </p:attrNameLst>
-                                      </p:cBhvr>
-                                      <p:to>
-                                        <p:strVal val="visible"/>
-                                      </p:to>
-                                    </p:set>
-                                    <p:animEffect transition="in" filter="fade">
-                                      <p:cBhvr>
-                                        <p:cTn id="13" dur="500"/>
-                                        <p:tgtEl>
-                                          <p:spTgt spid="13"/>
                                         </p:tgtEl>
                                       </p:cBhvr>
                                     </p:animEffect>
@@ -20186,32 +20240,32 @@
                     </p:cTn>
                   </p:par>
                   <p:par>
-                    <p:cTn id="14" fill="hold">
+                    <p:cTn id="13" fill="hold">
                       <p:stCondLst>
                         <p:cond delay="indefinite"/>
                       </p:stCondLst>
                       <p:childTnLst>
                         <p:par>
-                          <p:cTn id="15" fill="hold">
+                          <p:cTn id="14" fill="hold">
                             <p:stCondLst>
                               <p:cond delay="0"/>
                             </p:stCondLst>
                             <p:childTnLst>
                               <p:par>
-                                <p:cTn id="16" presetID="10" presetClass="entr" presetSubtype="0" fill="hold" nodeType="clickEffect">
+                                <p:cTn id="15" presetID="10" presetClass="entr" presetSubtype="0" fill="hold" nodeType="clickEffect">
                                   <p:stCondLst>
                                     <p:cond delay="0"/>
                                   </p:stCondLst>
                                   <p:childTnLst>
                                     <p:set>
                                       <p:cBhvr>
-                                        <p:cTn id="17" dur="1" fill="hold">
+                                        <p:cTn id="16" dur="1" fill="hold">
                                           <p:stCondLst>
                                             <p:cond delay="0"/>
                                           </p:stCondLst>
                                         </p:cTn>
                                         <p:tgtEl>
-                                          <p:spTgt spid="14"/>
+                                          <p:spTgt spid="3"/>
                                         </p:tgtEl>
                                         <p:attrNameLst>
                                           <p:attrName>style.visibility</p:attrName>
@@ -20223,9 +20277,9 @@
                                     </p:set>
                                     <p:animEffect transition="in" filter="fade">
                                       <p:cBhvr>
-                                        <p:cTn id="18" dur="500"/>
+                                        <p:cTn id="17" dur="500"/>
                                         <p:tgtEl>
-                                          <p:spTgt spid="14"/>
+                                          <p:spTgt spid="3"/>
                                         </p:tgtEl>
                                       </p:cBhvr>
                                     </p:animEffect>
@@ -21022,6 +21076,42 @@
           </a:extLst>
         </p:spPr>
       </p:pic>
+      <p:pic>
+        <p:nvPicPr>
+          <p:cNvPr id="3" name="Afbeelding 2">
+            <a:extLst>
+              <a:ext uri="{FF2B5EF4-FFF2-40B4-BE49-F238E27FC236}">
+                <a16:creationId xmlns:a16="http://schemas.microsoft.com/office/drawing/2014/main" id="{F11B46D1-0961-45DA-A524-5F5F90DCEB57}"/>
+              </a:ext>
+            </a:extLst>
+          </p:cNvPr>
+          <p:cNvPicPr>
+            <a:picLocks noChangeAspect="1"/>
+          </p:cNvPicPr>
+          <p:nvPr/>
+        </p:nvPicPr>
+        <p:blipFill>
+          <a:blip r:embed="rId5">
+            <a:extLst>
+              <a:ext uri="{28A0092B-C50C-407E-A947-70E740481C1C}">
+                <a14:useLocalDpi xmlns:a14="http://schemas.microsoft.com/office/drawing/2010/main" val="0"/>
+              </a:ext>
+            </a:extLst>
+          </a:blip>
+          <a:stretch>
+            <a:fillRect/>
+          </a:stretch>
+        </p:blipFill>
+        <p:spPr>
+          <a:xfrm>
+            <a:off x="4744278" y="2006208"/>
+            <a:ext cx="7254964" cy="3267531"/>
+          </a:xfrm>
+          <a:prstGeom prst="rect">
+            <a:avLst/>
+          </a:prstGeom>
+        </p:spPr>
+      </p:pic>
     </p:spTree>
     <p:extLst>
       <p:ext uri="{BB962C8B-B14F-4D97-AF65-F5344CB8AC3E}">
@@ -21044,9 +21134,6 @@
                     <p:cTn id="3" fill="hold">
                       <p:stCondLst>
                         <p:cond delay="indefinite"/>
-                        <p:cond evt="onBegin" delay="0">
-                          <p:tn val="2"/>
-                        </p:cond>
                       </p:stCondLst>
                       <p:childTnLst>
                         <p:par>
@@ -21056,7 +21143,7 @@
                             </p:stCondLst>
                             <p:childTnLst>
                               <p:par>
-                                <p:cTn id="5" presetID="10" presetClass="entr" presetSubtype="0" fill="hold" nodeType="withEffect">
+                                <p:cTn id="5" presetID="10" presetClass="entr" presetSubtype="0" fill="hold" nodeType="clickEffect">
                                   <p:stCondLst>
                                     <p:cond delay="0"/>
                                   </p:stCondLst>
@@ -21064,6 +21151,67 @@
                                     <p:set>
                                       <p:cBhvr>
                                         <p:cTn id="6" dur="1" fill="hold">
+                                          <p:stCondLst>
+                                            <p:cond delay="0"/>
+                                          </p:stCondLst>
+                                        </p:cTn>
+                                        <p:tgtEl>
+                                          <p:spTgt spid="8">
+                                            <p:txEl>
+                                              <p:pRg st="0" end="0"/>
+                                            </p:txEl>
+                                          </p:spTgt>
+                                        </p:tgtEl>
+                                        <p:attrNameLst>
+                                          <p:attrName>style.visibility</p:attrName>
+                                        </p:attrNameLst>
+                                      </p:cBhvr>
+                                      <p:to>
+                                        <p:strVal val="visible"/>
+                                      </p:to>
+                                    </p:set>
+                                    <p:animEffect transition="in" filter="fade">
+                                      <p:cBhvr>
+                                        <p:cTn id="7" dur="500"/>
+                                        <p:tgtEl>
+                                          <p:spTgt spid="8">
+                                            <p:txEl>
+                                              <p:pRg st="0" end="0"/>
+                                            </p:txEl>
+                                          </p:spTgt>
+                                        </p:tgtEl>
+                                      </p:cBhvr>
+                                    </p:animEffect>
+                                  </p:childTnLst>
+                                </p:cTn>
+                              </p:par>
+                            </p:childTnLst>
+                          </p:cTn>
+                        </p:par>
+                      </p:childTnLst>
+                    </p:cTn>
+                  </p:par>
+                  <p:par>
+                    <p:cTn id="8" fill="hold">
+                      <p:stCondLst>
+                        <p:cond delay="indefinite"/>
+                      </p:stCondLst>
+                      <p:childTnLst>
+                        <p:par>
+                          <p:cTn id="9" fill="hold">
+                            <p:stCondLst>
+                              <p:cond delay="0"/>
+                            </p:stCondLst>
+                            <p:childTnLst>
+                              <p:par>
+                                <p:cTn id="10" presetID="10" presetClass="entr" presetSubtype="0" fill="hold" nodeType="clickEffect">
+                                  <p:stCondLst>
+                                    <p:cond delay="0"/>
+                                  </p:stCondLst>
+                                  <p:childTnLst>
+                                    <p:set>
+                                      <p:cBhvr>
+                                        <p:cTn id="11" dur="1" fill="hold">
                                           <p:stCondLst>
                                             <p:cond delay="0"/>
                                           </p:stCondLst>
@@ -21085,7 +21233,7 @@
                                     </p:set>
                                     <p:animEffect transition="in" filter="fade">
                                       <p:cBhvr>
-                                        <p:cTn id="7" dur="500"/>
+                                        <p:cTn id="12" dur="500"/>
                                         <p:tgtEl>
                                           <p:spTgt spid="8">
                                             <p:txEl>
@@ -21099,14 +21247,67 @@
                                 </p:cTn>
                               </p:par>
                               <p:par>
-                                <p:cTn id="8" presetID="10" presetClass="entr" presetSubtype="0" fill="hold" nodeType="withEffect">
+                                <p:cTn id="13" presetID="10" presetClass="entr" presetSubtype="0" fill="hold" nodeType="withEffect">
                                   <p:stCondLst>
                                     <p:cond delay="0"/>
                                   </p:stCondLst>
                                   <p:childTnLst>
                                     <p:set>
                                       <p:cBhvr>
-                                        <p:cTn id="9" dur="1" fill="hold">
+                                        <p:cTn id="14" dur="1" fill="hold">
+                                          <p:stCondLst>
+                                            <p:cond delay="0"/>
+                                          </p:stCondLst>
+                                        </p:cTn>
+                                        <p:tgtEl>
+                                          <p:spTgt spid="3"/>
+                                        </p:tgtEl>
+                                        <p:attrNameLst>
+                                          <p:attrName>style.visibility</p:attrName>
+                                        </p:attrNameLst>
+                                      </p:cBhvr>
+                                      <p:to>
+                                        <p:strVal val="visible"/>
+                                      </p:to>
+                                    </p:set>
+                                    <p:animEffect transition="in" filter="fade">
+                                      <p:cBhvr>
+                                        <p:cTn id="15" dur="500"/>
+                                        <p:tgtEl>
+                                          <p:spTgt spid="3"/>
+                                        </p:tgtEl>
+                                      </p:cBhvr>
+                                    </p:animEffect>
+                                  </p:childTnLst>
+                                </p:cTn>
+                              </p:par>
+                            </p:childTnLst>
+                          </p:cTn>
+                        </p:par>
+                      </p:childTnLst>
+                    </p:cTn>
+                  </p:par>
+                  <p:par>
+                    <p:cTn id="16" fill="hold">
+                      <p:stCondLst>
+                        <p:cond delay="indefinite"/>
+                      </p:stCondLst>
+                      <p:childTnLst>
+                        <p:par>
+                          <p:cTn id="17" fill="hold">
+                            <p:stCondLst>
+                              <p:cond delay="0"/>
+                            </p:stCondLst>
+                            <p:childTnLst>
+                              <p:par>
+                                <p:cTn id="18" presetID="10" presetClass="entr" presetSubtype="0" fill="hold" nodeType="clickEffect">
+                                  <p:stCondLst>
+                                    <p:cond delay="0"/>
+                                  </p:stCondLst>
+                                  <p:childTnLst>
+                                    <p:set>
+                                      <p:cBhvr>
+                                        <p:cTn id="19" dur="1" fill="hold">
                                           <p:stCondLst>
                                             <p:cond delay="0"/>
                                           </p:stCondLst>
@@ -21128,144 +21329,13 @@
                                     </p:set>
                                     <p:animEffect transition="in" filter="fade">
                                       <p:cBhvr>
-                                        <p:cTn id="10" dur="500"/>
+                                        <p:cTn id="20" dur="500"/>
                                         <p:tgtEl>
                                           <p:spTgt spid="8">
                                             <p:txEl>
                                               <p:pRg st="4" end="4"/>
                                             </p:txEl>
                                           </p:spTgt>
-                                        </p:tgtEl>
-                                      </p:cBhvr>
-                                    </p:animEffect>
-                                  </p:childTnLst>
-                                </p:cTn>
-                              </p:par>
-                              <p:par>
-                                <p:cTn id="11" presetID="10" presetClass="entr" presetSubtype="0" fill="hold" nodeType="withEffect">
-                                  <p:stCondLst>
-                                    <p:cond delay="0"/>
-                                  </p:stCondLst>
-                                  <p:childTnLst>
-                                    <p:set>
-                                      <p:cBhvr>
-                                        <p:cTn id="12" dur="1" fill="hold">
-                                          <p:stCondLst>
-                                            <p:cond delay="0"/>
-                                          </p:stCondLst>
-                                        </p:cTn>
-                                        <p:tgtEl>
-                                          <p:spTgt spid="8">
-                                            <p:txEl>
-                                              <p:pRg st="0" end="0"/>
-                                            </p:txEl>
-                                          </p:spTgt>
-                                        </p:tgtEl>
-                                        <p:attrNameLst>
-                                          <p:attrName>style.visibility</p:attrName>
-                                        </p:attrNameLst>
-                                      </p:cBhvr>
-                                      <p:to>
-                                        <p:strVal val="visible"/>
-                                      </p:to>
-                                    </p:set>
-                                    <p:animEffect transition="in" filter="fade">
-                                      <p:cBhvr>
-                                        <p:cTn id="13" dur="500"/>
-                                        <p:tgtEl>
-                                          <p:spTgt spid="8">
-                                            <p:txEl>
-                                              <p:pRg st="0" end="0"/>
-                                            </p:txEl>
-                                          </p:spTgt>
-                                        </p:tgtEl>
-                                      </p:cBhvr>
-                                    </p:animEffect>
-                                  </p:childTnLst>
-                                </p:cTn>
-                              </p:par>
-                              <p:par>
-                                <p:cTn id="14" presetID="10" presetClass="entr" presetSubtype="0" fill="hold" nodeType="withEffect">
-                                  <p:stCondLst>
-                                    <p:cond delay="0"/>
-                                  </p:stCondLst>
-                                  <p:childTnLst>
-                                    <p:set>
-                                      <p:cBhvr>
-                                        <p:cTn id="15" dur="1" fill="hold">
-                                          <p:stCondLst>
-                                            <p:cond delay="0"/>
-                                          </p:stCondLst>
-                                        </p:cTn>
-                                        <p:tgtEl>
-                                          <p:spTgt spid="9"/>
-                                        </p:tgtEl>
-                                        <p:attrNameLst>
-                                          <p:attrName>style.visibility</p:attrName>
-                                        </p:attrNameLst>
-                                      </p:cBhvr>
-                                      <p:to>
-                                        <p:strVal val="visible"/>
-                                      </p:to>
-                                    </p:set>
-                                    <p:animEffect transition="in" filter="fade">
-                                      <p:cBhvr>
-                                        <p:cTn id="16" dur="500"/>
-                                        <p:tgtEl>
-                                          <p:spTgt spid="9"/>
-                                        </p:tgtEl>
-                                      </p:cBhvr>
-                                    </p:animEffect>
-                                  </p:childTnLst>
-                                </p:cTn>
-                              </p:par>
-                            </p:childTnLst>
-                          </p:cTn>
-                        </p:par>
-                      </p:childTnLst>
-                    </p:cTn>
-                  </p:par>
-                  <p:par>
-                    <p:cTn id="17" fill="hold">
-                      <p:stCondLst>
-                        <p:cond delay="indefinite"/>
-                      </p:stCondLst>
-                      <p:childTnLst>
-                        <p:par>
-                          <p:cTn id="18" fill="hold">
-                            <p:stCondLst>
-                              <p:cond delay="0"/>
-                            </p:stCondLst>
-                            <p:childTnLst>
-                              <p:par>
-                                <p:cTn id="19" presetID="10" presetClass="entr" presetSubtype="0" fill="hold" nodeType="clickEffect">
-                                  <p:stCondLst>
-                                    <p:cond delay="0"/>
-                                  </p:stCondLst>
-                                  <p:childTnLst>
-                                    <p:set>
-                                      <p:cBhvr>
-                                        <p:cTn id="20" dur="1" fill="hold">
-                                          <p:stCondLst>
-                                            <p:cond delay="0"/>
-                                          </p:stCondLst>
-                                        </p:cTn>
-                                        <p:tgtEl>
-                                          <p:spTgt spid="13"/>
-                                        </p:tgtEl>
-                                        <p:attrNameLst>
-                                          <p:attrName>style.visibility</p:attrName>
-                                        </p:attrNameLst>
-                                      </p:cBhvr>
-                                      <p:to>
-                                        <p:strVal val="visible"/>
-                                      </p:to>
-                                    </p:set>
-                                    <p:animEffect transition="in" filter="fade">
-                                      <p:cBhvr>
-                                        <p:cTn id="21" dur="500"/>
-                                        <p:tgtEl>
-                                          <p:spTgt spid="13"/>
                                         </p:tgtEl>
                                       </p:cBhvr>
                                     </p:animEffect>

--- a/documenten/eindpresentatie/drone1.pptx
+++ b/documenten/eindpresentatie/drone1.pptx
@@ -4642,7 +4642,7 @@
           <p:cNvPr id="8" name="Tijdelijke aanduiding voor inhoud 2">
             <a:extLst>
               <a:ext uri="{FF2B5EF4-FFF2-40B4-BE49-F238E27FC236}">
-                <a16:creationId xmlns:a16="http://schemas.microsoft.com/office/drawing/2014/main" id="{6F369E50-FD53-4A8F-BEB4-927F2DB729E9}"/>
+                <a16:creationId xmlns:a16="http://schemas.microsoft.com/office/drawing/2014/main" xmlns="" id="{6F369E50-FD53-4A8F-BEB4-927F2DB729E9}"/>
               </a:ext>
             </a:extLst>
           </p:cNvPr>
@@ -4916,7 +4916,7 @@
               <a:buChar char="§"/>
             </a:pPr>
             <a:r>
-              <a:rPr lang="en-GB" sz="2000" b="1" i="1" dirty="0">
+              <a:rPr lang="en-GB" sz="2000" b="1" dirty="0">
                 <a:solidFill>
                   <a:schemeClr val="tx1"/>
                 </a:solidFill>
@@ -4924,7 +4924,7 @@
               <a:t>4 </a:t>
             </a:r>
             <a:r>
-              <a:rPr lang="en-GB" sz="2000" b="1" i="1" dirty="0" err="1">
+              <a:rPr lang="en-GB" sz="2000" b="1" dirty="0" err="1">
                 <a:solidFill>
                   <a:schemeClr val="tx1"/>
                 </a:solidFill>
@@ -4932,7 +4932,7 @@
               <a:t>grote</a:t>
             </a:r>
             <a:r>
-              <a:rPr lang="en-GB" sz="2000" b="1" i="1" dirty="0">
+              <a:rPr lang="en-GB" sz="2000" b="1" dirty="0">
                 <a:solidFill>
                   <a:schemeClr val="tx1"/>
                 </a:solidFill>
@@ -4940,7 +4940,7 @@
               <a:t> </a:t>
             </a:r>
             <a:r>
-              <a:rPr lang="en-GB" sz="2000" b="1" i="1" dirty="0" err="1">
+              <a:rPr lang="en-GB" sz="2000" b="1" dirty="0" err="1">
                 <a:solidFill>
                   <a:schemeClr val="tx1"/>
                 </a:solidFill>
@@ -5244,7 +5244,7 @@
           <p:cNvPr id="9" name="Afbeelding 8">
             <a:extLst>
               <a:ext uri="{FF2B5EF4-FFF2-40B4-BE49-F238E27FC236}">
-                <a16:creationId xmlns:a16="http://schemas.microsoft.com/office/drawing/2014/main" id="{78163BF0-3543-4E5E-B8E9-31A9E7B8059C}"/>
+                <a16:creationId xmlns:a16="http://schemas.microsoft.com/office/drawing/2014/main" xmlns="" id="{78163BF0-3543-4E5E-B8E9-31A9E7B8059C}"/>
               </a:ext>
             </a:extLst>
           </p:cNvPr>
@@ -5274,7 +5274,7 @@
           <p:cNvPr id="12" name="Picture 2" descr="Database Diagram Icon - Wiring Diagrams Show">
             <a:extLst>
               <a:ext uri="{FF2B5EF4-FFF2-40B4-BE49-F238E27FC236}">
-                <a16:creationId xmlns:a16="http://schemas.microsoft.com/office/drawing/2014/main" id="{933A2A07-78D4-4FCA-A625-D9A0F13B10C5}"/>
+                <a16:creationId xmlns:a16="http://schemas.microsoft.com/office/drawing/2014/main" xmlns="" id="{933A2A07-78D4-4FCA-A625-D9A0F13B10C5}"/>
               </a:ext>
             </a:extLst>
           </p:cNvPr>
@@ -5929,7 +5929,7 @@
           <p:cNvPr id="8" name="Tijdelijke aanduiding voor inhoud 2">
             <a:extLst>
               <a:ext uri="{FF2B5EF4-FFF2-40B4-BE49-F238E27FC236}">
-                <a16:creationId xmlns:a16="http://schemas.microsoft.com/office/drawing/2014/main" id="{6F369E50-FD53-4A8F-BEB4-927F2DB729E9}"/>
+                <a16:creationId xmlns:a16="http://schemas.microsoft.com/office/drawing/2014/main" xmlns="" id="{6F369E50-FD53-4A8F-BEB4-927F2DB729E9}"/>
               </a:ext>
             </a:extLst>
           </p:cNvPr>
@@ -5940,8 +5940,8 @@
         </p:nvSpPr>
         <p:spPr>
           <a:xfrm>
-            <a:off x="965944" y="1528153"/>
-            <a:ext cx="3659066" cy="4448507"/>
+            <a:off x="965943" y="1528153"/>
+            <a:ext cx="3916299" cy="4448507"/>
           </a:xfrm>
           <a:prstGeom prst="rect">
             <a:avLst/>
@@ -6227,14 +6227,14 @@
               <a:t>over </a:t>
             </a:r>
             <a:r>
-              <a:rPr lang="en-GB" sz="2000" b="1" i="1" dirty="0" err="1">
+              <a:rPr lang="en-GB" sz="2000" b="1" dirty="0" err="1">
                 <a:solidFill>
                   <a:schemeClr val="tx1"/>
                 </a:solidFill>
               </a:rPr>
               <a:t>dronevluchten</a:t>
             </a:r>
-            <a:endParaRPr lang="en-GB" sz="2000" b="1" i="1" dirty="0">
+            <a:endParaRPr lang="en-GB" sz="2000" b="1" dirty="0">
               <a:solidFill>
                 <a:schemeClr val="tx1"/>
               </a:solidFill>
@@ -6343,7 +6343,7 @@
           <p:cNvPr id="9" name="Afbeelding 8">
             <a:extLst>
               <a:ext uri="{FF2B5EF4-FFF2-40B4-BE49-F238E27FC236}">
-                <a16:creationId xmlns:a16="http://schemas.microsoft.com/office/drawing/2014/main" id="{78163BF0-3543-4E5E-B8E9-31A9E7B8059C}"/>
+                <a16:creationId xmlns:a16="http://schemas.microsoft.com/office/drawing/2014/main" xmlns="" id="{78163BF0-3543-4E5E-B8E9-31A9E7B8059C}"/>
               </a:ext>
             </a:extLst>
           </p:cNvPr>
@@ -6373,7 +6373,7 @@
           <p:cNvPr id="12" name="Picture 2" descr="Database Diagram Icon - Wiring Diagrams Show">
             <a:extLst>
               <a:ext uri="{FF2B5EF4-FFF2-40B4-BE49-F238E27FC236}">
-                <a16:creationId xmlns:a16="http://schemas.microsoft.com/office/drawing/2014/main" id="{933A2A07-78D4-4FCA-A625-D9A0F13B10C5}"/>
+                <a16:creationId xmlns:a16="http://schemas.microsoft.com/office/drawing/2014/main" xmlns="" id="{933A2A07-78D4-4FCA-A625-D9A0F13B10C5}"/>
               </a:ext>
             </a:extLst>
           </p:cNvPr>
@@ -6420,7 +6420,7 @@
           <p:cNvPr id="3" name="Afbeelding 2">
             <a:extLst>
               <a:ext uri="{FF2B5EF4-FFF2-40B4-BE49-F238E27FC236}">
-                <a16:creationId xmlns:a16="http://schemas.microsoft.com/office/drawing/2014/main" id="{9CB15827-3A33-44CC-B5F4-DE87491D0A03}"/>
+                <a16:creationId xmlns:a16="http://schemas.microsoft.com/office/drawing/2014/main" xmlns="" id="{9CB15827-3A33-44CC-B5F4-DE87491D0A03}"/>
               </a:ext>
             </a:extLst>
           </p:cNvPr>
@@ -6947,7 +6947,7 @@
           <p:cNvPr id="8" name="Tijdelijke aanduiding voor inhoud 2">
             <a:extLst>
               <a:ext uri="{FF2B5EF4-FFF2-40B4-BE49-F238E27FC236}">
-                <a16:creationId xmlns:a16="http://schemas.microsoft.com/office/drawing/2014/main" id="{6F369E50-FD53-4A8F-BEB4-927F2DB729E9}"/>
+                <a16:creationId xmlns:a16="http://schemas.microsoft.com/office/drawing/2014/main" xmlns="" id="{6F369E50-FD53-4A8F-BEB4-927F2DB729E9}"/>
               </a:ext>
             </a:extLst>
           </p:cNvPr>
@@ -7253,7 +7253,7 @@
               <a:t> van de </a:t>
             </a:r>
             <a:r>
-              <a:rPr lang="en-GB" sz="2000" b="1" i="1" dirty="0" err="1">
+              <a:rPr lang="en-GB" sz="2000" b="1" dirty="0" err="1">
                 <a:solidFill>
                   <a:schemeClr val="tx1"/>
                 </a:solidFill>
@@ -7306,15 +7306,15 @@
               <a:buChar char="§"/>
             </a:pPr>
             <a:r>
-              <a:rPr lang="nl-BE" sz="2000" b="1" i="1" dirty="0" err="1">
+              <a:rPr lang="nl-BE" sz="2000" b="1" dirty="0" smtClean="0">
                 <a:solidFill>
                   <a:schemeClr val="tx1"/>
                 </a:solidFill>
               </a:rPr>
-              <a:t>Arcgis</a:t>
-            </a:r>
-            <a:r>
-              <a:rPr lang="nl-BE" sz="2000" b="1" i="1" dirty="0">
+              <a:t>ArcGIS</a:t>
+            </a:r>
+            <a:r>
+              <a:rPr lang="nl-BE" sz="2000" b="1" i="1" dirty="0" smtClean="0">
                 <a:solidFill>
                   <a:schemeClr val="tx1"/>
                 </a:solidFill>
@@ -7322,20 +7322,12 @@
               <a:t> </a:t>
             </a:r>
             <a:r>
-              <a:rPr lang="nl-BE" sz="2000" dirty="0">
+              <a:rPr lang="nl-BE" sz="2000" dirty="0" smtClean="0">
                 <a:solidFill>
                   <a:schemeClr val="tx1"/>
                 </a:solidFill>
               </a:rPr>
-              <a:t>rest </a:t>
-            </a:r>
-            <a:r>
-              <a:rPr lang="nl-BE" sz="2000" dirty="0" err="1">
-                <a:solidFill>
-                  <a:schemeClr val="tx1"/>
-                </a:solidFill>
-              </a:rPr>
-              <a:t>api</a:t>
+              <a:t>REST API</a:t>
             </a:r>
             <a:endParaRPr lang="nl-BE" sz="2400" dirty="0"/>
           </a:p>
@@ -7346,7 +7338,7 @@
           <p:cNvPr id="9" name="Afbeelding 8">
             <a:extLst>
               <a:ext uri="{FF2B5EF4-FFF2-40B4-BE49-F238E27FC236}">
-                <a16:creationId xmlns:a16="http://schemas.microsoft.com/office/drawing/2014/main" id="{78163BF0-3543-4E5E-B8E9-31A9E7B8059C}"/>
+                <a16:creationId xmlns:a16="http://schemas.microsoft.com/office/drawing/2014/main" xmlns="" id="{78163BF0-3543-4E5E-B8E9-31A9E7B8059C}"/>
               </a:ext>
             </a:extLst>
           </p:cNvPr>
@@ -7376,7 +7368,7 @@
           <p:cNvPr id="3" name="Afbeelding 2">
             <a:extLst>
               <a:ext uri="{FF2B5EF4-FFF2-40B4-BE49-F238E27FC236}">
-                <a16:creationId xmlns:a16="http://schemas.microsoft.com/office/drawing/2014/main" id="{5992E346-CF22-4F00-9A37-CA0E5B7B3D06}"/>
+                <a16:creationId xmlns:a16="http://schemas.microsoft.com/office/drawing/2014/main" xmlns="" id="{5992E346-CF22-4F00-9A37-CA0E5B7B3D06}"/>
               </a:ext>
             </a:extLst>
           </p:cNvPr>
@@ -7858,7 +7850,7 @@
           <p:cNvPr id="8" name="Tijdelijke aanduiding voor inhoud 2">
             <a:extLst>
               <a:ext uri="{FF2B5EF4-FFF2-40B4-BE49-F238E27FC236}">
-                <a16:creationId xmlns:a16="http://schemas.microsoft.com/office/drawing/2014/main" id="{6F369E50-FD53-4A8F-BEB4-927F2DB729E9}"/>
+                <a16:creationId xmlns:a16="http://schemas.microsoft.com/office/drawing/2014/main" xmlns="" id="{6F369E50-FD53-4A8F-BEB4-927F2DB729E9}"/>
               </a:ext>
             </a:extLst>
           </p:cNvPr>
@@ -8164,14 +8156,14 @@
               <a:t> </a:t>
             </a:r>
             <a:r>
-              <a:rPr lang="en-GB" sz="2000" b="1" i="1" dirty="0" err="1">
+              <a:rPr lang="en-GB" sz="2000" b="1" dirty="0" err="1">
                 <a:solidFill>
                   <a:schemeClr val="tx1"/>
                 </a:solidFill>
               </a:rPr>
               <a:t>kwaliteitsrapport</a:t>
             </a:r>
-            <a:endParaRPr lang="en-GB" sz="2000" b="1" i="1" dirty="0">
+            <a:endParaRPr lang="en-GB" sz="2000" b="1" dirty="0">
               <a:solidFill>
                 <a:schemeClr val="tx1"/>
               </a:solidFill>
@@ -8194,15 +8186,15 @@
               <a:buChar char="§"/>
             </a:pPr>
             <a:r>
-              <a:rPr lang="en-GB" sz="2000" dirty="0">
+              <a:rPr lang="en-GB" sz="2000" dirty="0" smtClean="0">
                 <a:solidFill>
                   <a:schemeClr val="tx1"/>
                 </a:solidFill>
               </a:rPr>
-              <a:t>PDF </a:t>
-            </a:r>
-            <a:r>
-              <a:rPr lang="en-GB" sz="2000" dirty="0" err="1">
+              <a:t>PDF-bestand </a:t>
+            </a:r>
+            <a:r>
+              <a:rPr lang="en-GB" sz="2000" i="1" dirty="0" err="1">
                 <a:solidFill>
                   <a:schemeClr val="tx1"/>
                 </a:solidFill>
@@ -8215,10 +8207,18 @@
                   <a:schemeClr val="tx1"/>
                 </a:solidFill>
               </a:rPr>
-              <a:t> door middle van </a:t>
-            </a:r>
-            <a:r>
-              <a:rPr lang="en-GB" sz="2000" b="1" i="1" dirty="0" err="1">
+              <a:t> door </a:t>
+            </a:r>
+            <a:r>
+              <a:rPr lang="en-GB" sz="2000" dirty="0" smtClean="0">
+                <a:solidFill>
+                  <a:schemeClr val="tx1"/>
+                </a:solidFill>
+              </a:rPr>
+              <a:t>middle van </a:t>
+            </a:r>
+            <a:r>
+              <a:rPr lang="en-GB" sz="2000" b="1" dirty="0" err="1">
                 <a:solidFill>
                   <a:schemeClr val="tx1"/>
                 </a:solidFill>
@@ -8234,7 +8234,7 @@
           <p:cNvPr id="9" name="Afbeelding 8">
             <a:extLst>
               <a:ext uri="{FF2B5EF4-FFF2-40B4-BE49-F238E27FC236}">
-                <a16:creationId xmlns:a16="http://schemas.microsoft.com/office/drawing/2014/main" id="{78163BF0-3543-4E5E-B8E9-31A9E7B8059C}"/>
+                <a16:creationId xmlns:a16="http://schemas.microsoft.com/office/drawing/2014/main" xmlns="" id="{78163BF0-3543-4E5E-B8E9-31A9E7B8059C}"/>
               </a:ext>
             </a:extLst>
           </p:cNvPr>
@@ -8264,7 +8264,7 @@
           <p:cNvPr id="12" name="Picture 2" descr="Database Diagram Icon - Wiring Diagrams Show">
             <a:extLst>
               <a:ext uri="{FF2B5EF4-FFF2-40B4-BE49-F238E27FC236}">
-                <a16:creationId xmlns:a16="http://schemas.microsoft.com/office/drawing/2014/main" id="{933A2A07-78D4-4FCA-A625-D9A0F13B10C5}"/>
+                <a16:creationId xmlns:a16="http://schemas.microsoft.com/office/drawing/2014/main" xmlns="" id="{933A2A07-78D4-4FCA-A625-D9A0F13B10C5}"/>
               </a:ext>
             </a:extLst>
           </p:cNvPr>
@@ -8311,7 +8311,7 @@
           <p:cNvPr id="3" name="Afbeelding 2">
             <a:extLst>
               <a:ext uri="{FF2B5EF4-FFF2-40B4-BE49-F238E27FC236}">
-                <a16:creationId xmlns:a16="http://schemas.microsoft.com/office/drawing/2014/main" id="{60B1A678-79C0-42C6-A194-EEA70EB45E9F}"/>
+                <a16:creationId xmlns:a16="http://schemas.microsoft.com/office/drawing/2014/main" xmlns="" id="{60B1A678-79C0-42C6-A194-EEA70EB45E9F}"/>
               </a:ext>
             </a:extLst>
           </p:cNvPr>
@@ -8785,7 +8785,7 @@
           <p:cNvPr id="8" name="Tijdelijke aanduiding voor inhoud 2">
             <a:extLst>
               <a:ext uri="{FF2B5EF4-FFF2-40B4-BE49-F238E27FC236}">
-                <a16:creationId xmlns:a16="http://schemas.microsoft.com/office/drawing/2014/main" id="{6F369E50-FD53-4A8F-BEB4-927F2DB729E9}"/>
+                <a16:creationId xmlns:a16="http://schemas.microsoft.com/office/drawing/2014/main" xmlns="" id="{6F369E50-FD53-4A8F-BEB4-927F2DB729E9}"/>
               </a:ext>
             </a:extLst>
           </p:cNvPr>
@@ -9091,14 +9091,14 @@
               <a:t> </a:t>
             </a:r>
             <a:r>
-              <a:rPr lang="en-GB" sz="2000" b="1" i="1" dirty="0" err="1">
+              <a:rPr lang="en-GB" sz="2000" b="1" dirty="0" err="1">
                 <a:solidFill>
                   <a:schemeClr val="tx1"/>
                 </a:solidFill>
               </a:rPr>
               <a:t>loginfunctionaliteit</a:t>
             </a:r>
-            <a:endParaRPr lang="nl-BE" sz="2400" b="1" i="1" dirty="0"/>
+            <a:endParaRPr lang="nl-BE" sz="2400" b="1" dirty="0"/>
           </a:p>
         </p:txBody>
       </p:sp>
@@ -9107,7 +9107,7 @@
           <p:cNvPr id="9" name="Afbeelding 8">
             <a:extLst>
               <a:ext uri="{FF2B5EF4-FFF2-40B4-BE49-F238E27FC236}">
-                <a16:creationId xmlns:a16="http://schemas.microsoft.com/office/drawing/2014/main" id="{78163BF0-3543-4E5E-B8E9-31A9E7B8059C}"/>
+                <a16:creationId xmlns:a16="http://schemas.microsoft.com/office/drawing/2014/main" xmlns="" id="{78163BF0-3543-4E5E-B8E9-31A9E7B8059C}"/>
               </a:ext>
             </a:extLst>
           </p:cNvPr>
@@ -9137,7 +9137,7 @@
           <p:cNvPr id="12" name="Picture 2" descr="Database Diagram Icon - Wiring Diagrams Show">
             <a:extLst>
               <a:ext uri="{FF2B5EF4-FFF2-40B4-BE49-F238E27FC236}">
-                <a16:creationId xmlns:a16="http://schemas.microsoft.com/office/drawing/2014/main" id="{933A2A07-78D4-4FCA-A625-D9A0F13B10C5}"/>
+                <a16:creationId xmlns:a16="http://schemas.microsoft.com/office/drawing/2014/main" xmlns="" id="{933A2A07-78D4-4FCA-A625-D9A0F13B10C5}"/>
               </a:ext>
             </a:extLst>
           </p:cNvPr>
@@ -9184,7 +9184,7 @@
           <p:cNvPr id="3" name="Afbeelding 2">
             <a:extLst>
               <a:ext uri="{FF2B5EF4-FFF2-40B4-BE49-F238E27FC236}">
-                <a16:creationId xmlns:a16="http://schemas.microsoft.com/office/drawing/2014/main" id="{415B2642-349A-46CA-877A-DF1A0A32E00C}"/>
+                <a16:creationId xmlns:a16="http://schemas.microsoft.com/office/drawing/2014/main" xmlns="" id="{415B2642-349A-46CA-877A-DF1A0A32E00C}"/>
               </a:ext>
             </a:extLst>
           </p:cNvPr>
@@ -9587,7 +9587,7 @@
           <p:cNvPr id="8" name="Tijdelijke aanduiding voor inhoud 2">
             <a:extLst>
               <a:ext uri="{FF2B5EF4-FFF2-40B4-BE49-F238E27FC236}">
-                <a16:creationId xmlns:a16="http://schemas.microsoft.com/office/drawing/2014/main" id="{6F369E50-FD53-4A8F-BEB4-927F2DB729E9}"/>
+                <a16:creationId xmlns:a16="http://schemas.microsoft.com/office/drawing/2014/main" xmlns="" id="{6F369E50-FD53-4A8F-BEB4-927F2DB729E9}"/>
               </a:ext>
             </a:extLst>
           </p:cNvPr>
@@ -9877,7 +9877,7 @@
               <a:t> op </a:t>
             </a:r>
             <a:r>
-              <a:rPr lang="en-GB" sz="2000" b="1" i="1" dirty="0" err="1">
+              <a:rPr lang="en-GB" sz="2000" b="1" dirty="0" err="1">
                 <a:solidFill>
                   <a:schemeClr val="tx1"/>
                 </a:solidFill>
@@ -9885,7 +9885,7 @@
               <a:t>verschillende</a:t>
             </a:r>
             <a:r>
-              <a:rPr lang="en-GB" sz="2000" b="1" i="1" dirty="0">
+              <a:rPr lang="en-GB" sz="2000" b="1" dirty="0">
                 <a:solidFill>
                   <a:schemeClr val="tx1"/>
                 </a:solidFill>
@@ -9893,7 +9893,7 @@
               <a:t> </a:t>
             </a:r>
             <a:r>
-              <a:rPr lang="en-GB" sz="2000" b="1" i="1" dirty="0" err="1">
+              <a:rPr lang="en-GB" sz="2000" b="1" dirty="0" err="1">
                 <a:solidFill>
                   <a:schemeClr val="tx1"/>
                 </a:solidFill>
@@ -9968,8 +9968,21 @@
                   <a:schemeClr val="tx1"/>
                 </a:solidFill>
               </a:rPr>
-              <a:t>Tick</a:t>
-            </a:r>
+              <a:t>t</a:t>
+            </a:r>
+            <a:r>
+              <a:rPr lang="en-GB" sz="2000" b="1" i="1" dirty="0" smtClean="0">
+                <a:solidFill>
+                  <a:schemeClr val="tx1"/>
+                </a:solidFill>
+              </a:rPr>
+              <a:t>ick</a:t>
+            </a:r>
+            <a:endParaRPr lang="en-GB" sz="2000" b="1" i="1" dirty="0">
+              <a:solidFill>
+                <a:schemeClr val="tx1"/>
+              </a:solidFill>
+            </a:endParaRPr>
           </a:p>
           <a:p>
             <a:pPr lvl="1">
@@ -10020,7 +10033,7 @@
               <a:t> </a:t>
             </a:r>
             <a:r>
-              <a:rPr lang="en-GB" sz="2000" b="1" i="1" dirty="0" err="1">
+              <a:rPr lang="en-GB" sz="2000" b="1" dirty="0" err="1">
                 <a:solidFill>
                   <a:schemeClr val="tx1"/>
                 </a:solidFill>
@@ -10028,7 +10041,7 @@
               <a:t>hoogte</a:t>
             </a:r>
             <a:r>
-              <a:rPr lang="en-GB" sz="2000" b="1" i="1" dirty="0">
+              <a:rPr lang="en-GB" sz="2000" b="1" dirty="0">
                 <a:solidFill>
                   <a:schemeClr val="tx1"/>
                 </a:solidFill>
@@ -10036,7 +10049,7 @@
               <a:t>, </a:t>
             </a:r>
             <a:r>
-              <a:rPr lang="en-GB" sz="2000" b="1" i="1" dirty="0" err="1">
+              <a:rPr lang="en-GB" sz="2000" b="1" dirty="0" err="1">
                 <a:solidFill>
                   <a:schemeClr val="tx1"/>
                 </a:solidFill>
@@ -10044,7 +10057,7 @@
               <a:t>tijdstip</a:t>
             </a:r>
             <a:r>
-              <a:rPr lang="en-GB" sz="2000" b="1" i="1" dirty="0">
+              <a:rPr lang="en-GB" sz="2000" b="1" dirty="0">
                 <a:solidFill>
                   <a:schemeClr val="tx1"/>
                 </a:solidFill>
@@ -10052,7 +10065,7 @@
               <a:t> </a:t>
             </a:r>
             <a:r>
-              <a:rPr lang="en-GB" sz="2000" b="1" i="1" dirty="0" err="1">
+              <a:rPr lang="en-GB" sz="2000" b="1" dirty="0" err="1">
                 <a:solidFill>
                   <a:schemeClr val="tx1"/>
                 </a:solidFill>
@@ -10060,7 +10073,7 @@
               <a:t>en</a:t>
             </a:r>
             <a:r>
-              <a:rPr lang="en-GB" sz="2000" b="1" i="1" dirty="0">
+              <a:rPr lang="en-GB" sz="2000" b="1" dirty="0">
                 <a:solidFill>
                   <a:schemeClr val="tx1"/>
                 </a:solidFill>
@@ -10068,14 +10081,14 @@
               <a:t> </a:t>
             </a:r>
             <a:r>
-              <a:rPr lang="en-GB" sz="2000" b="1" i="1" dirty="0" err="1">
+              <a:rPr lang="en-GB" sz="2000" b="1" dirty="0" err="1">
                 <a:solidFill>
                   <a:schemeClr val="tx1"/>
                 </a:solidFill>
               </a:rPr>
               <a:t>coördinaten</a:t>
             </a:r>
-            <a:endParaRPr lang="nl-BE" sz="2400" b="1" i="1" dirty="0"/>
+            <a:endParaRPr lang="nl-BE" sz="2400" b="1" dirty="0"/>
           </a:p>
         </p:txBody>
       </p:sp>
@@ -10084,7 +10097,7 @@
           <p:cNvPr id="9" name="Afbeelding 8">
             <a:extLst>
               <a:ext uri="{FF2B5EF4-FFF2-40B4-BE49-F238E27FC236}">
-                <a16:creationId xmlns:a16="http://schemas.microsoft.com/office/drawing/2014/main" id="{78163BF0-3543-4E5E-B8E9-31A9E7B8059C}"/>
+                <a16:creationId xmlns:a16="http://schemas.microsoft.com/office/drawing/2014/main" xmlns="" id="{78163BF0-3543-4E5E-B8E9-31A9E7B8059C}"/>
               </a:ext>
             </a:extLst>
           </p:cNvPr>
@@ -10114,7 +10127,7 @@
           <p:cNvPr id="12" name="Picture 2" descr="Database Diagram Icon - Wiring Diagrams Show">
             <a:extLst>
               <a:ext uri="{FF2B5EF4-FFF2-40B4-BE49-F238E27FC236}">
-                <a16:creationId xmlns:a16="http://schemas.microsoft.com/office/drawing/2014/main" id="{933A2A07-78D4-4FCA-A625-D9A0F13B10C5}"/>
+                <a16:creationId xmlns:a16="http://schemas.microsoft.com/office/drawing/2014/main" xmlns="" id="{933A2A07-78D4-4FCA-A625-D9A0F13B10C5}"/>
               </a:ext>
             </a:extLst>
           </p:cNvPr>
@@ -10161,7 +10174,7 @@
           <p:cNvPr id="3" name="Afbeelding 2">
             <a:extLst>
               <a:ext uri="{FF2B5EF4-FFF2-40B4-BE49-F238E27FC236}">
-                <a16:creationId xmlns:a16="http://schemas.microsoft.com/office/drawing/2014/main" id="{8EE97774-63EA-414B-808C-DC91150E46DF}"/>
+                <a16:creationId xmlns:a16="http://schemas.microsoft.com/office/drawing/2014/main" xmlns="" id="{8EE97774-63EA-414B-808C-DC91150E46DF}"/>
               </a:ext>
             </a:extLst>
           </p:cNvPr>
@@ -10694,7 +10707,7 @@
           <p:cNvPr id="8" name="Tijdelijke aanduiding voor inhoud 2">
             <a:extLst>
               <a:ext uri="{FF2B5EF4-FFF2-40B4-BE49-F238E27FC236}">
-                <a16:creationId xmlns:a16="http://schemas.microsoft.com/office/drawing/2014/main" id="{6F369E50-FD53-4A8F-BEB4-927F2DB729E9}"/>
+                <a16:creationId xmlns:a16="http://schemas.microsoft.com/office/drawing/2014/main" xmlns="" id="{6F369E50-FD53-4A8F-BEB4-927F2DB729E9}"/>
               </a:ext>
             </a:extLst>
           </p:cNvPr>
@@ -10968,7 +10981,7 @@
               <a:buChar char="§"/>
             </a:pPr>
             <a:r>
-              <a:rPr lang="en-GB" sz="2000" b="1" i="1" dirty="0" err="1">
+              <a:rPr lang="en-GB" sz="2000" b="1" dirty="0" err="1">
                 <a:solidFill>
                   <a:schemeClr val="tx1"/>
                 </a:solidFill>
@@ -11165,7 +11178,7 @@
               <a:t> </a:t>
             </a:r>
             <a:r>
-              <a:rPr lang="en-GB" sz="2000" b="1" i="1" dirty="0">
+              <a:rPr lang="en-GB" sz="2000" b="1" dirty="0">
                 <a:solidFill>
                   <a:schemeClr val="tx1"/>
                 </a:solidFill>
@@ -11190,7 +11203,7 @@
               <a:buChar char="§"/>
             </a:pPr>
             <a:r>
-              <a:rPr lang="en-GB" sz="2000" dirty="0">
+              <a:rPr lang="en-GB" sz="2000" i="1" dirty="0">
                 <a:solidFill>
                   <a:schemeClr val="tx1"/>
                 </a:solidFill>
@@ -11246,7 +11259,7 @@
               <a:t> </a:t>
             </a:r>
             <a:r>
-              <a:rPr lang="en-GB" sz="2000" b="1" i="1" dirty="0" err="1">
+              <a:rPr lang="en-GB" sz="2000" b="1" dirty="0" err="1">
                 <a:solidFill>
                   <a:schemeClr val="tx1"/>
                 </a:solidFill>
@@ -11262,7 +11275,7 @@
           <p:cNvPr id="9" name="Afbeelding 8">
             <a:extLst>
               <a:ext uri="{FF2B5EF4-FFF2-40B4-BE49-F238E27FC236}">
-                <a16:creationId xmlns:a16="http://schemas.microsoft.com/office/drawing/2014/main" id="{78163BF0-3543-4E5E-B8E9-31A9E7B8059C}"/>
+                <a16:creationId xmlns:a16="http://schemas.microsoft.com/office/drawing/2014/main" xmlns="" id="{78163BF0-3543-4E5E-B8E9-31A9E7B8059C}"/>
               </a:ext>
             </a:extLst>
           </p:cNvPr>
@@ -11292,7 +11305,7 @@
           <p:cNvPr id="12" name="Picture 2" descr="Database Diagram Icon - Wiring Diagrams Show">
             <a:extLst>
               <a:ext uri="{FF2B5EF4-FFF2-40B4-BE49-F238E27FC236}">
-                <a16:creationId xmlns:a16="http://schemas.microsoft.com/office/drawing/2014/main" id="{933A2A07-78D4-4FCA-A625-D9A0F13B10C5}"/>
+                <a16:creationId xmlns:a16="http://schemas.microsoft.com/office/drawing/2014/main" xmlns="" id="{933A2A07-78D4-4FCA-A625-D9A0F13B10C5}"/>
               </a:ext>
             </a:extLst>
           </p:cNvPr>
@@ -11339,7 +11352,7 @@
           <p:cNvPr id="15" name="Afbeelding 14">
             <a:extLst>
               <a:ext uri="{FF2B5EF4-FFF2-40B4-BE49-F238E27FC236}">
-                <a16:creationId xmlns:a16="http://schemas.microsoft.com/office/drawing/2014/main" id="{8D2C55ED-1A8A-41E0-B589-0B836853BBD3}"/>
+                <a16:creationId xmlns:a16="http://schemas.microsoft.com/office/drawing/2014/main" xmlns="" id="{8D2C55ED-1A8A-41E0-B589-0B836853BBD3}"/>
               </a:ext>
             </a:extLst>
           </p:cNvPr>
@@ -11375,7 +11388,7 @@
           <p:cNvPr id="17" name="Afbeelding 16">
             <a:extLst>
               <a:ext uri="{FF2B5EF4-FFF2-40B4-BE49-F238E27FC236}">
-                <a16:creationId xmlns:a16="http://schemas.microsoft.com/office/drawing/2014/main" id="{91A2594F-5052-4919-A59A-7D0CED28C41C}"/>
+                <a16:creationId xmlns:a16="http://schemas.microsoft.com/office/drawing/2014/main" xmlns="" id="{91A2594F-5052-4919-A59A-7D0CED28C41C}"/>
               </a:ext>
             </a:extLst>
           </p:cNvPr>
@@ -19599,7 +19612,7 @@
           <p:cNvPr id="8" name="Tijdelijke aanduiding voor inhoud 2">
             <a:extLst>
               <a:ext uri="{FF2B5EF4-FFF2-40B4-BE49-F238E27FC236}">
-                <a16:creationId xmlns:a16="http://schemas.microsoft.com/office/drawing/2014/main" id="{CD5377B0-390F-44E8-8D88-0B2E3A7DB0FA}"/>
+                <a16:creationId xmlns:a16="http://schemas.microsoft.com/office/drawing/2014/main" xmlns="" id="{CD5377B0-390F-44E8-8D88-0B2E3A7DB0FA}"/>
               </a:ext>
             </a:extLst>
           </p:cNvPr>
@@ -19873,12 +19886,20 @@
               <a:buChar char="§"/>
             </a:pPr>
             <a:r>
+              <a:rPr lang="nl-BE" sz="2000" b="1" dirty="0">
+                <a:solidFill>
+                  <a:schemeClr val="tx1"/>
+                </a:solidFill>
+              </a:rPr>
+              <a:t>Ontworpen</a:t>
+            </a:r>
+            <a:r>
               <a:rPr lang="nl-BE" sz="2000" b="1" i="1" dirty="0">
                 <a:solidFill>
                   <a:schemeClr val="tx1"/>
                 </a:solidFill>
               </a:rPr>
-              <a:t>Ontworpen </a:t>
+              <a:t> </a:t>
             </a:r>
             <a:r>
               <a:rPr lang="nl-BE" sz="2000" dirty="0">
@@ -19944,7 +19965,7 @@
           <p:cNvPr id="3" name="Afbeelding 2">
             <a:extLst>
               <a:ext uri="{FF2B5EF4-FFF2-40B4-BE49-F238E27FC236}">
-                <a16:creationId xmlns:a16="http://schemas.microsoft.com/office/drawing/2014/main" id="{3FE28DE5-FE1D-466B-9EE7-53DAF25E8A1F}"/>
+                <a16:creationId xmlns:a16="http://schemas.microsoft.com/office/drawing/2014/main" xmlns="" id="{3FE28DE5-FE1D-466B-9EE7-53DAF25E8A1F}"/>
               </a:ext>
             </a:extLst>
           </p:cNvPr>
@@ -19980,7 +20001,7 @@
           <p:cNvPr id="13" name="Afbeelding 12">
             <a:extLst>
               <a:ext uri="{FF2B5EF4-FFF2-40B4-BE49-F238E27FC236}">
-                <a16:creationId xmlns:a16="http://schemas.microsoft.com/office/drawing/2014/main" id="{DB9FE702-B333-4089-9DC3-2607F3B69E02}"/>
+                <a16:creationId xmlns:a16="http://schemas.microsoft.com/office/drawing/2014/main" xmlns="" id="{DB9FE702-B333-4089-9DC3-2607F3B69E02}"/>
               </a:ext>
             </a:extLst>
           </p:cNvPr>
@@ -20010,7 +20031,7 @@
           <p:cNvPr id="14" name="Picture 2" descr="Database Diagram Icon - Wiring Diagrams Show">
             <a:extLst>
               <a:ext uri="{FF2B5EF4-FFF2-40B4-BE49-F238E27FC236}">
-                <a16:creationId xmlns:a16="http://schemas.microsoft.com/office/drawing/2014/main" id="{94D99D60-36FD-4703-B0B3-39EBFA97B61B}"/>
+                <a16:creationId xmlns:a16="http://schemas.microsoft.com/office/drawing/2014/main" xmlns="" id="{94D99D60-36FD-4703-B0B3-39EBFA97B61B}"/>
               </a:ext>
             </a:extLst>
           </p:cNvPr>
@@ -20057,7 +20078,7 @@
           <p:cNvPr id="15" name="Picture 8" descr="Office, database Free Icon of Super Flat Remix V1.08 Apps">
             <a:extLst>
               <a:ext uri="{FF2B5EF4-FFF2-40B4-BE49-F238E27FC236}">
-                <a16:creationId xmlns:a16="http://schemas.microsoft.com/office/drawing/2014/main" id="{609CA9DF-E4A3-46C2-9D48-FECD26A8605A}"/>
+                <a16:creationId xmlns:a16="http://schemas.microsoft.com/office/drawing/2014/main" xmlns="" id="{609CA9DF-E4A3-46C2-9D48-FECD26A8605A}"/>
               </a:ext>
             </a:extLst>
           </p:cNvPr>
@@ -20534,7 +20555,7 @@
           <p:cNvPr id="8" name="Tijdelijke aanduiding voor inhoud 2">
             <a:extLst>
               <a:ext uri="{FF2B5EF4-FFF2-40B4-BE49-F238E27FC236}">
-                <a16:creationId xmlns:a16="http://schemas.microsoft.com/office/drawing/2014/main" id="{6F369E50-FD53-4A8F-BEB4-927F2DB729E9}"/>
+                <a16:creationId xmlns:a16="http://schemas.microsoft.com/office/drawing/2014/main" xmlns="" id="{6F369E50-FD53-4A8F-BEB4-927F2DB729E9}"/>
               </a:ext>
             </a:extLst>
           </p:cNvPr>
@@ -20545,8 +20566,8 @@
         </p:nvSpPr>
         <p:spPr>
           <a:xfrm>
-            <a:off x="965944" y="1528153"/>
-            <a:ext cx="3778334" cy="4448507"/>
+            <a:off x="965943" y="1528153"/>
+            <a:ext cx="3867313" cy="4448507"/>
           </a:xfrm>
           <a:prstGeom prst="rect">
             <a:avLst/>
@@ -20845,7 +20866,15 @@
                   <a:schemeClr val="tx1"/>
                 </a:solidFill>
               </a:rPr>
-              <a:t> (ORM)</a:t>
+              <a:t> </a:t>
+            </a:r>
+            <a:r>
+              <a:rPr lang="nl-BE" sz="2000" b="1" dirty="0">
+                <a:solidFill>
+                  <a:schemeClr val="tx1"/>
+                </a:solidFill>
+              </a:rPr>
+              <a:t>(ORM)</a:t>
             </a:r>
             <a:endParaRPr lang="nl-BE" sz="2000" dirty="0">
               <a:solidFill>
@@ -20870,7 +20899,7 @@
               <a:buChar char="§"/>
             </a:pPr>
             <a:r>
-              <a:rPr lang="nl-BE" sz="2000" b="1" i="1" dirty="0">
+              <a:rPr lang="nl-BE" sz="2000" b="1" dirty="0">
                 <a:solidFill>
                   <a:schemeClr val="tx1"/>
                 </a:solidFill>
@@ -20911,12 +20940,20 @@
               <a:t>Eenvoudige </a:t>
             </a:r>
             <a:r>
+              <a:rPr lang="nl-BE" sz="2000" b="1" dirty="0">
+                <a:solidFill>
+                  <a:schemeClr val="tx1"/>
+                </a:solidFill>
+              </a:rPr>
+              <a:t>communicatie</a:t>
+            </a:r>
+            <a:r>
               <a:rPr lang="nl-BE" sz="2000" b="1" i="1" dirty="0">
                 <a:solidFill>
                   <a:schemeClr val="tx1"/>
                 </a:solidFill>
               </a:rPr>
-              <a:t>communicatie </a:t>
+              <a:t> </a:t>
             </a:r>
             <a:r>
               <a:rPr lang="nl-BE" sz="2000" dirty="0">
@@ -20957,7 +20994,7 @@
           <p:cNvPr id="9" name="Afbeelding 8">
             <a:extLst>
               <a:ext uri="{FF2B5EF4-FFF2-40B4-BE49-F238E27FC236}">
-                <a16:creationId xmlns:a16="http://schemas.microsoft.com/office/drawing/2014/main" id="{E88CCEAF-6E39-401F-B547-278BC1C8ABC8}"/>
+                <a16:creationId xmlns:a16="http://schemas.microsoft.com/office/drawing/2014/main" xmlns="" id="{E88CCEAF-6E39-401F-B547-278BC1C8ABC8}"/>
               </a:ext>
             </a:extLst>
           </p:cNvPr>
@@ -20987,7 +21024,7 @@
           <p:cNvPr id="13" name="Picture 2" descr="Database Diagram Icon - Wiring Diagrams Show">
             <a:extLst>
               <a:ext uri="{FF2B5EF4-FFF2-40B4-BE49-F238E27FC236}">
-                <a16:creationId xmlns:a16="http://schemas.microsoft.com/office/drawing/2014/main" id="{19C24C76-C278-43CC-AEE2-E33B58C1664A}"/>
+                <a16:creationId xmlns:a16="http://schemas.microsoft.com/office/drawing/2014/main" xmlns="" id="{19C24C76-C278-43CC-AEE2-E33B58C1664A}"/>
               </a:ext>
             </a:extLst>
           </p:cNvPr>
@@ -21034,7 +21071,7 @@
           <p:cNvPr id="14" name="Picture 8" descr="Office, database Free Icon of Super Flat Remix V1.08 Apps">
             <a:extLst>
               <a:ext uri="{FF2B5EF4-FFF2-40B4-BE49-F238E27FC236}">
-                <a16:creationId xmlns:a16="http://schemas.microsoft.com/office/drawing/2014/main" id="{8C94D101-142A-4391-94D9-25EE58C06DAC}"/>
+                <a16:creationId xmlns:a16="http://schemas.microsoft.com/office/drawing/2014/main" xmlns="" id="{8C94D101-142A-4391-94D9-25EE58C06DAC}"/>
               </a:ext>
             </a:extLst>
           </p:cNvPr>
@@ -21081,7 +21118,7 @@
           <p:cNvPr id="3" name="Afbeelding 2">
             <a:extLst>
               <a:ext uri="{FF2B5EF4-FFF2-40B4-BE49-F238E27FC236}">
-                <a16:creationId xmlns:a16="http://schemas.microsoft.com/office/drawing/2014/main" id="{F11B46D1-0961-45DA-A524-5F5F90DCEB57}"/>
+                <a16:creationId xmlns:a16="http://schemas.microsoft.com/office/drawing/2014/main" xmlns="" id="{F11B46D1-0961-45DA-A524-5F5F90DCEB57}"/>
               </a:ext>
             </a:extLst>
           </p:cNvPr>

--- a/documenten/eindpresentatie/drone1.pptx
+++ b/documenten/eindpresentatie/drone1.pptx
@@ -4642,7 +4642,7 @@
           <p:cNvPr id="8" name="Tijdelijke aanduiding voor inhoud 2">
             <a:extLst>
               <a:ext uri="{FF2B5EF4-FFF2-40B4-BE49-F238E27FC236}">
-                <a16:creationId xmlns:a16="http://schemas.microsoft.com/office/drawing/2014/main" xmlns="" id="{6F369E50-FD53-4A8F-BEB4-927F2DB729E9}"/>
+                <a16:creationId xmlns="" xmlns:a16="http://schemas.microsoft.com/office/drawing/2014/main" id="{6F369E50-FD53-4A8F-BEB4-927F2DB729E9}"/>
               </a:ext>
             </a:extLst>
           </p:cNvPr>
@@ -5244,7 +5244,7 @@
           <p:cNvPr id="9" name="Afbeelding 8">
             <a:extLst>
               <a:ext uri="{FF2B5EF4-FFF2-40B4-BE49-F238E27FC236}">
-                <a16:creationId xmlns:a16="http://schemas.microsoft.com/office/drawing/2014/main" xmlns="" id="{78163BF0-3543-4E5E-B8E9-31A9E7B8059C}"/>
+                <a16:creationId xmlns="" xmlns:a16="http://schemas.microsoft.com/office/drawing/2014/main" id="{78163BF0-3543-4E5E-B8E9-31A9E7B8059C}"/>
               </a:ext>
             </a:extLst>
           </p:cNvPr>
@@ -5274,7 +5274,7 @@
           <p:cNvPr id="12" name="Picture 2" descr="Database Diagram Icon - Wiring Diagrams Show">
             <a:extLst>
               <a:ext uri="{FF2B5EF4-FFF2-40B4-BE49-F238E27FC236}">
-                <a16:creationId xmlns:a16="http://schemas.microsoft.com/office/drawing/2014/main" xmlns="" id="{933A2A07-78D4-4FCA-A625-D9A0F13B10C5}"/>
+                <a16:creationId xmlns="" xmlns:a16="http://schemas.microsoft.com/office/drawing/2014/main" id="{933A2A07-78D4-4FCA-A625-D9A0F13B10C5}"/>
               </a:ext>
             </a:extLst>
           </p:cNvPr>
@@ -5929,7 +5929,7 @@
           <p:cNvPr id="8" name="Tijdelijke aanduiding voor inhoud 2">
             <a:extLst>
               <a:ext uri="{FF2B5EF4-FFF2-40B4-BE49-F238E27FC236}">
-                <a16:creationId xmlns:a16="http://schemas.microsoft.com/office/drawing/2014/main" xmlns="" id="{6F369E50-FD53-4A8F-BEB4-927F2DB729E9}"/>
+                <a16:creationId xmlns="" xmlns:a16="http://schemas.microsoft.com/office/drawing/2014/main" id="{6F369E50-FD53-4A8F-BEB4-927F2DB729E9}"/>
               </a:ext>
             </a:extLst>
           </p:cNvPr>
@@ -6343,7 +6343,7 @@
           <p:cNvPr id="9" name="Afbeelding 8">
             <a:extLst>
               <a:ext uri="{FF2B5EF4-FFF2-40B4-BE49-F238E27FC236}">
-                <a16:creationId xmlns:a16="http://schemas.microsoft.com/office/drawing/2014/main" xmlns="" id="{78163BF0-3543-4E5E-B8E9-31A9E7B8059C}"/>
+                <a16:creationId xmlns="" xmlns:a16="http://schemas.microsoft.com/office/drawing/2014/main" id="{78163BF0-3543-4E5E-B8E9-31A9E7B8059C}"/>
               </a:ext>
             </a:extLst>
           </p:cNvPr>
@@ -6373,7 +6373,7 @@
           <p:cNvPr id="12" name="Picture 2" descr="Database Diagram Icon - Wiring Diagrams Show">
             <a:extLst>
               <a:ext uri="{FF2B5EF4-FFF2-40B4-BE49-F238E27FC236}">
-                <a16:creationId xmlns:a16="http://schemas.microsoft.com/office/drawing/2014/main" xmlns="" id="{933A2A07-78D4-4FCA-A625-D9A0F13B10C5}"/>
+                <a16:creationId xmlns="" xmlns:a16="http://schemas.microsoft.com/office/drawing/2014/main" id="{933A2A07-78D4-4FCA-A625-D9A0F13B10C5}"/>
               </a:ext>
             </a:extLst>
           </p:cNvPr>
@@ -6420,7 +6420,7 @@
           <p:cNvPr id="3" name="Afbeelding 2">
             <a:extLst>
               <a:ext uri="{FF2B5EF4-FFF2-40B4-BE49-F238E27FC236}">
-                <a16:creationId xmlns:a16="http://schemas.microsoft.com/office/drawing/2014/main" xmlns="" id="{9CB15827-3A33-44CC-B5F4-DE87491D0A03}"/>
+                <a16:creationId xmlns="" xmlns:a16="http://schemas.microsoft.com/office/drawing/2014/main" id="{9CB15827-3A33-44CC-B5F4-DE87491D0A03}"/>
               </a:ext>
             </a:extLst>
           </p:cNvPr>
@@ -6947,7 +6947,7 @@
           <p:cNvPr id="8" name="Tijdelijke aanduiding voor inhoud 2">
             <a:extLst>
               <a:ext uri="{FF2B5EF4-FFF2-40B4-BE49-F238E27FC236}">
-                <a16:creationId xmlns:a16="http://schemas.microsoft.com/office/drawing/2014/main" xmlns="" id="{6F369E50-FD53-4A8F-BEB4-927F2DB729E9}"/>
+                <a16:creationId xmlns="" xmlns:a16="http://schemas.microsoft.com/office/drawing/2014/main" id="{6F369E50-FD53-4A8F-BEB4-927F2DB729E9}"/>
               </a:ext>
             </a:extLst>
           </p:cNvPr>
@@ -7338,7 +7338,7 @@
           <p:cNvPr id="9" name="Afbeelding 8">
             <a:extLst>
               <a:ext uri="{FF2B5EF4-FFF2-40B4-BE49-F238E27FC236}">
-                <a16:creationId xmlns:a16="http://schemas.microsoft.com/office/drawing/2014/main" xmlns="" id="{78163BF0-3543-4E5E-B8E9-31A9E7B8059C}"/>
+                <a16:creationId xmlns="" xmlns:a16="http://schemas.microsoft.com/office/drawing/2014/main" id="{78163BF0-3543-4E5E-B8E9-31A9E7B8059C}"/>
               </a:ext>
             </a:extLst>
           </p:cNvPr>
@@ -7368,7 +7368,7 @@
           <p:cNvPr id="3" name="Afbeelding 2">
             <a:extLst>
               <a:ext uri="{FF2B5EF4-FFF2-40B4-BE49-F238E27FC236}">
-                <a16:creationId xmlns:a16="http://schemas.microsoft.com/office/drawing/2014/main" xmlns="" id="{5992E346-CF22-4F00-9A37-CA0E5B7B3D06}"/>
+                <a16:creationId xmlns="" xmlns:a16="http://schemas.microsoft.com/office/drawing/2014/main" id="{5992E346-CF22-4F00-9A37-CA0E5B7B3D06}"/>
               </a:ext>
             </a:extLst>
           </p:cNvPr>
@@ -7850,7 +7850,7 @@
           <p:cNvPr id="8" name="Tijdelijke aanduiding voor inhoud 2">
             <a:extLst>
               <a:ext uri="{FF2B5EF4-FFF2-40B4-BE49-F238E27FC236}">
-                <a16:creationId xmlns:a16="http://schemas.microsoft.com/office/drawing/2014/main" xmlns="" id="{6F369E50-FD53-4A8F-BEB4-927F2DB729E9}"/>
+                <a16:creationId xmlns="" xmlns:a16="http://schemas.microsoft.com/office/drawing/2014/main" id="{6F369E50-FD53-4A8F-BEB4-927F2DB729E9}"/>
               </a:ext>
             </a:extLst>
           </p:cNvPr>
@@ -8234,7 +8234,7 @@
           <p:cNvPr id="9" name="Afbeelding 8">
             <a:extLst>
               <a:ext uri="{FF2B5EF4-FFF2-40B4-BE49-F238E27FC236}">
-                <a16:creationId xmlns:a16="http://schemas.microsoft.com/office/drawing/2014/main" xmlns="" id="{78163BF0-3543-4E5E-B8E9-31A9E7B8059C}"/>
+                <a16:creationId xmlns="" xmlns:a16="http://schemas.microsoft.com/office/drawing/2014/main" id="{78163BF0-3543-4E5E-B8E9-31A9E7B8059C}"/>
               </a:ext>
             </a:extLst>
           </p:cNvPr>
@@ -8264,7 +8264,7 @@
           <p:cNvPr id="12" name="Picture 2" descr="Database Diagram Icon - Wiring Diagrams Show">
             <a:extLst>
               <a:ext uri="{FF2B5EF4-FFF2-40B4-BE49-F238E27FC236}">
-                <a16:creationId xmlns:a16="http://schemas.microsoft.com/office/drawing/2014/main" xmlns="" id="{933A2A07-78D4-4FCA-A625-D9A0F13B10C5}"/>
+                <a16:creationId xmlns="" xmlns:a16="http://schemas.microsoft.com/office/drawing/2014/main" id="{933A2A07-78D4-4FCA-A625-D9A0F13B10C5}"/>
               </a:ext>
             </a:extLst>
           </p:cNvPr>
@@ -8311,7 +8311,7 @@
           <p:cNvPr id="3" name="Afbeelding 2">
             <a:extLst>
               <a:ext uri="{FF2B5EF4-FFF2-40B4-BE49-F238E27FC236}">
-                <a16:creationId xmlns:a16="http://schemas.microsoft.com/office/drawing/2014/main" xmlns="" id="{60B1A678-79C0-42C6-A194-EEA70EB45E9F}"/>
+                <a16:creationId xmlns="" xmlns:a16="http://schemas.microsoft.com/office/drawing/2014/main" id="{60B1A678-79C0-42C6-A194-EEA70EB45E9F}"/>
               </a:ext>
             </a:extLst>
           </p:cNvPr>
@@ -8785,7 +8785,7 @@
           <p:cNvPr id="8" name="Tijdelijke aanduiding voor inhoud 2">
             <a:extLst>
               <a:ext uri="{FF2B5EF4-FFF2-40B4-BE49-F238E27FC236}">
-                <a16:creationId xmlns:a16="http://schemas.microsoft.com/office/drawing/2014/main" xmlns="" id="{6F369E50-FD53-4A8F-BEB4-927F2DB729E9}"/>
+                <a16:creationId xmlns="" xmlns:a16="http://schemas.microsoft.com/office/drawing/2014/main" id="{6F369E50-FD53-4A8F-BEB4-927F2DB729E9}"/>
               </a:ext>
             </a:extLst>
           </p:cNvPr>
@@ -9107,7 +9107,7 @@
           <p:cNvPr id="9" name="Afbeelding 8">
             <a:extLst>
               <a:ext uri="{FF2B5EF4-FFF2-40B4-BE49-F238E27FC236}">
-                <a16:creationId xmlns:a16="http://schemas.microsoft.com/office/drawing/2014/main" xmlns="" id="{78163BF0-3543-4E5E-B8E9-31A9E7B8059C}"/>
+                <a16:creationId xmlns="" xmlns:a16="http://schemas.microsoft.com/office/drawing/2014/main" id="{78163BF0-3543-4E5E-B8E9-31A9E7B8059C}"/>
               </a:ext>
             </a:extLst>
           </p:cNvPr>
@@ -9137,7 +9137,7 @@
           <p:cNvPr id="12" name="Picture 2" descr="Database Diagram Icon - Wiring Diagrams Show">
             <a:extLst>
               <a:ext uri="{FF2B5EF4-FFF2-40B4-BE49-F238E27FC236}">
-                <a16:creationId xmlns:a16="http://schemas.microsoft.com/office/drawing/2014/main" xmlns="" id="{933A2A07-78D4-4FCA-A625-D9A0F13B10C5}"/>
+                <a16:creationId xmlns="" xmlns:a16="http://schemas.microsoft.com/office/drawing/2014/main" id="{933A2A07-78D4-4FCA-A625-D9A0F13B10C5}"/>
               </a:ext>
             </a:extLst>
           </p:cNvPr>
@@ -9184,7 +9184,7 @@
           <p:cNvPr id="3" name="Afbeelding 2">
             <a:extLst>
               <a:ext uri="{FF2B5EF4-FFF2-40B4-BE49-F238E27FC236}">
-                <a16:creationId xmlns:a16="http://schemas.microsoft.com/office/drawing/2014/main" xmlns="" id="{415B2642-349A-46CA-877A-DF1A0A32E00C}"/>
+                <a16:creationId xmlns="" xmlns:a16="http://schemas.microsoft.com/office/drawing/2014/main" id="{415B2642-349A-46CA-877A-DF1A0A32E00C}"/>
               </a:ext>
             </a:extLst>
           </p:cNvPr>
@@ -9587,7 +9587,7 @@
           <p:cNvPr id="8" name="Tijdelijke aanduiding voor inhoud 2">
             <a:extLst>
               <a:ext uri="{FF2B5EF4-FFF2-40B4-BE49-F238E27FC236}">
-                <a16:creationId xmlns:a16="http://schemas.microsoft.com/office/drawing/2014/main" xmlns="" id="{6F369E50-FD53-4A8F-BEB4-927F2DB729E9}"/>
+                <a16:creationId xmlns="" xmlns:a16="http://schemas.microsoft.com/office/drawing/2014/main" id="{6F369E50-FD53-4A8F-BEB4-927F2DB729E9}"/>
               </a:ext>
             </a:extLst>
           </p:cNvPr>
@@ -10097,7 +10097,7 @@
           <p:cNvPr id="9" name="Afbeelding 8">
             <a:extLst>
               <a:ext uri="{FF2B5EF4-FFF2-40B4-BE49-F238E27FC236}">
-                <a16:creationId xmlns:a16="http://schemas.microsoft.com/office/drawing/2014/main" xmlns="" id="{78163BF0-3543-4E5E-B8E9-31A9E7B8059C}"/>
+                <a16:creationId xmlns="" xmlns:a16="http://schemas.microsoft.com/office/drawing/2014/main" id="{78163BF0-3543-4E5E-B8E9-31A9E7B8059C}"/>
               </a:ext>
             </a:extLst>
           </p:cNvPr>
@@ -10127,7 +10127,7 @@
           <p:cNvPr id="12" name="Picture 2" descr="Database Diagram Icon - Wiring Diagrams Show">
             <a:extLst>
               <a:ext uri="{FF2B5EF4-FFF2-40B4-BE49-F238E27FC236}">
-                <a16:creationId xmlns:a16="http://schemas.microsoft.com/office/drawing/2014/main" xmlns="" id="{933A2A07-78D4-4FCA-A625-D9A0F13B10C5}"/>
+                <a16:creationId xmlns="" xmlns:a16="http://schemas.microsoft.com/office/drawing/2014/main" id="{933A2A07-78D4-4FCA-A625-D9A0F13B10C5}"/>
               </a:ext>
             </a:extLst>
           </p:cNvPr>
@@ -10174,7 +10174,7 @@
           <p:cNvPr id="3" name="Afbeelding 2">
             <a:extLst>
               <a:ext uri="{FF2B5EF4-FFF2-40B4-BE49-F238E27FC236}">
-                <a16:creationId xmlns:a16="http://schemas.microsoft.com/office/drawing/2014/main" xmlns="" id="{8EE97774-63EA-414B-808C-DC91150E46DF}"/>
+                <a16:creationId xmlns="" xmlns:a16="http://schemas.microsoft.com/office/drawing/2014/main" id="{8EE97774-63EA-414B-808C-DC91150E46DF}"/>
               </a:ext>
             </a:extLst>
           </p:cNvPr>
@@ -10707,7 +10707,7 @@
           <p:cNvPr id="8" name="Tijdelijke aanduiding voor inhoud 2">
             <a:extLst>
               <a:ext uri="{FF2B5EF4-FFF2-40B4-BE49-F238E27FC236}">
-                <a16:creationId xmlns:a16="http://schemas.microsoft.com/office/drawing/2014/main" xmlns="" id="{6F369E50-FD53-4A8F-BEB4-927F2DB729E9}"/>
+                <a16:creationId xmlns="" xmlns:a16="http://schemas.microsoft.com/office/drawing/2014/main" id="{6F369E50-FD53-4A8F-BEB4-927F2DB729E9}"/>
               </a:ext>
             </a:extLst>
           </p:cNvPr>
@@ -11275,7 +11275,7 @@
           <p:cNvPr id="9" name="Afbeelding 8">
             <a:extLst>
               <a:ext uri="{FF2B5EF4-FFF2-40B4-BE49-F238E27FC236}">
-                <a16:creationId xmlns:a16="http://schemas.microsoft.com/office/drawing/2014/main" xmlns="" id="{78163BF0-3543-4E5E-B8E9-31A9E7B8059C}"/>
+                <a16:creationId xmlns="" xmlns:a16="http://schemas.microsoft.com/office/drawing/2014/main" id="{78163BF0-3543-4E5E-B8E9-31A9E7B8059C}"/>
               </a:ext>
             </a:extLst>
           </p:cNvPr>
@@ -11305,7 +11305,7 @@
           <p:cNvPr id="12" name="Picture 2" descr="Database Diagram Icon - Wiring Diagrams Show">
             <a:extLst>
               <a:ext uri="{FF2B5EF4-FFF2-40B4-BE49-F238E27FC236}">
-                <a16:creationId xmlns:a16="http://schemas.microsoft.com/office/drawing/2014/main" xmlns="" id="{933A2A07-78D4-4FCA-A625-D9A0F13B10C5}"/>
+                <a16:creationId xmlns="" xmlns:a16="http://schemas.microsoft.com/office/drawing/2014/main" id="{933A2A07-78D4-4FCA-A625-D9A0F13B10C5}"/>
               </a:ext>
             </a:extLst>
           </p:cNvPr>
@@ -11352,7 +11352,7 @@
           <p:cNvPr id="15" name="Afbeelding 14">
             <a:extLst>
               <a:ext uri="{FF2B5EF4-FFF2-40B4-BE49-F238E27FC236}">
-                <a16:creationId xmlns:a16="http://schemas.microsoft.com/office/drawing/2014/main" xmlns="" id="{8D2C55ED-1A8A-41E0-B589-0B836853BBD3}"/>
+                <a16:creationId xmlns="" xmlns:a16="http://schemas.microsoft.com/office/drawing/2014/main" id="{8D2C55ED-1A8A-41E0-B589-0B836853BBD3}"/>
               </a:ext>
             </a:extLst>
           </p:cNvPr>
@@ -11388,7 +11388,7 @@
           <p:cNvPr id="17" name="Afbeelding 16">
             <a:extLst>
               <a:ext uri="{FF2B5EF4-FFF2-40B4-BE49-F238E27FC236}">
-                <a16:creationId xmlns:a16="http://schemas.microsoft.com/office/drawing/2014/main" xmlns="" id="{91A2594F-5052-4919-A59A-7D0CED28C41C}"/>
+                <a16:creationId xmlns="" xmlns:a16="http://schemas.microsoft.com/office/drawing/2014/main" id="{91A2594F-5052-4919-A59A-7D0CED28C41C}"/>
               </a:ext>
             </a:extLst>
           </p:cNvPr>
@@ -12410,6 +12410,13 @@
   <p:clrMapOvr>
     <a:masterClrMapping/>
   </p:clrMapOvr>
+  <p:timing>
+    <p:tnLst>
+      <p:par>
+        <p:cTn id="1" dur="indefinite" restart="never" nodeType="tmRoot"/>
+      </p:par>
+    </p:tnLst>
+  </p:timing>
 </p:sld>
 </file>
 
@@ -18906,6 +18913,54 @@
           </a:prstGeom>
         </p:spPr>
       </p:pic>
+      <p:pic>
+        <p:nvPicPr>
+          <p:cNvPr id="9" name="Afbeelding 8"/>
+          <p:cNvPicPr>
+            <a:picLocks noChangeAspect="1"/>
+          </p:cNvPicPr>
+          <p:nvPr/>
+        </p:nvPicPr>
+        <p:blipFill>
+          <a:blip r:embed="rId7"/>
+          <a:stretch>
+            <a:fillRect/>
+          </a:stretch>
+        </p:blipFill>
+        <p:spPr>
+          <a:xfrm>
+            <a:off x="6279872" y="1144115"/>
+            <a:ext cx="5819775" cy="5019675"/>
+          </a:xfrm>
+          <a:prstGeom prst="rect">
+            <a:avLst/>
+          </a:prstGeom>
+        </p:spPr>
+      </p:pic>
+      <p:pic>
+        <p:nvPicPr>
+          <p:cNvPr id="14" name="Afbeelding 13"/>
+          <p:cNvPicPr>
+            <a:picLocks noChangeAspect="1"/>
+          </p:cNvPicPr>
+          <p:nvPr/>
+        </p:nvPicPr>
+        <p:blipFill>
+          <a:blip r:embed="rId8"/>
+          <a:stretch>
+            <a:fillRect/>
+          </a:stretch>
+        </p:blipFill>
+        <p:spPr>
+          <a:xfrm>
+            <a:off x="5594072" y="1125064"/>
+            <a:ext cx="6505575" cy="5057775"/>
+          </a:xfrm>
+          <a:prstGeom prst="rect">
+            <a:avLst/>
+          </a:prstGeom>
+        </p:spPr>
+      </p:pic>
     </p:spTree>
     <p:extLst>
       <p:ext uri="{BB962C8B-B14F-4D97-AF65-F5344CB8AC3E}">
@@ -18950,7 +19005,7 @@
                                           </p:stCondLst>
                                         </p:cTn>
                                         <p:tgtEl>
-                                          <p:spTgt spid="3"/>
+                                          <p:spTgt spid="9"/>
                                         </p:tgtEl>
                                         <p:attrNameLst>
                                           <p:attrName>style.visibility</p:attrName>
@@ -18964,11 +19019,27 @@
                                       <p:cBhvr>
                                         <p:cTn id="7" dur="500"/>
                                         <p:tgtEl>
-                                          <p:spTgt spid="3"/>
+                                          <p:spTgt spid="9"/>
                                         </p:tgtEl>
                                       </p:cBhvr>
                                     </p:animEffect>
                                   </p:childTnLst>
+                                  <p:subTnLst>
+                                    <p:set>
+                                      <p:cBhvr override="childStyle">
+                                        <p:cTn dur="1" fill="hold" display="0" masterRel="nextClick" afterEffect="1"/>
+                                        <p:tgtEl>
+                                          <p:spTgt spid="9"/>
+                                        </p:tgtEl>
+                                        <p:attrNameLst>
+                                          <p:attrName>style.visibility</p:attrName>
+                                        </p:attrNameLst>
+                                      </p:cBhvr>
+                                      <p:to>
+                                        <p:strVal val="hidden"/>
+                                      </p:to>
+                                    </p:set>
+                                  </p:subTnLst>
                                 </p:cTn>
                               </p:par>
                             </p:childTnLst>
@@ -19003,6 +19074,110 @@
                                           </p:stCondLst>
                                         </p:cTn>
                                         <p:tgtEl>
+                                          <p:spTgt spid="3"/>
+                                        </p:tgtEl>
+                                        <p:attrNameLst>
+                                          <p:attrName>style.visibility</p:attrName>
+                                        </p:attrNameLst>
+                                      </p:cBhvr>
+                                      <p:to>
+                                        <p:strVal val="visible"/>
+                                      </p:to>
+                                    </p:set>
+                                    <p:animEffect transition="in" filter="fade">
+                                      <p:cBhvr>
+                                        <p:cTn id="12" dur="500"/>
+                                        <p:tgtEl>
+                                          <p:spTgt spid="3"/>
+                                        </p:tgtEl>
+                                      </p:cBhvr>
+                                    </p:animEffect>
+                                  </p:childTnLst>
+                                </p:cTn>
+                              </p:par>
+                              <p:par>
+                                <p:cTn id="13" presetID="10" presetClass="entr" presetSubtype="0" fill="hold" nodeType="withEffect">
+                                  <p:stCondLst>
+                                    <p:cond delay="0"/>
+                                  </p:stCondLst>
+                                  <p:childTnLst>
+                                    <p:set>
+                                      <p:cBhvr>
+                                        <p:cTn id="14" dur="1" fill="hold">
+                                          <p:stCondLst>
+                                            <p:cond delay="0"/>
+                                          </p:stCondLst>
+                                        </p:cTn>
+                                        <p:tgtEl>
+                                          <p:spTgt spid="14"/>
+                                        </p:tgtEl>
+                                        <p:attrNameLst>
+                                          <p:attrName>style.visibility</p:attrName>
+                                        </p:attrNameLst>
+                                      </p:cBhvr>
+                                      <p:to>
+                                        <p:strVal val="visible"/>
+                                      </p:to>
+                                    </p:set>
+                                    <p:animEffect transition="in" filter="fade">
+                                      <p:cBhvr>
+                                        <p:cTn id="15" dur="500"/>
+                                        <p:tgtEl>
+                                          <p:spTgt spid="14"/>
+                                        </p:tgtEl>
+                                      </p:cBhvr>
+                                    </p:animEffect>
+                                  </p:childTnLst>
+                                  <p:subTnLst>
+                                    <p:set>
+                                      <p:cBhvr override="childStyle">
+                                        <p:cTn dur="1" fill="hold" display="0" masterRel="nextClick" afterEffect="1"/>
+                                        <p:tgtEl>
+                                          <p:spTgt spid="14"/>
+                                        </p:tgtEl>
+                                        <p:attrNameLst>
+                                          <p:attrName>style.visibility</p:attrName>
+                                        </p:attrNameLst>
+                                      </p:cBhvr>
+                                      <p:to>
+                                        <p:strVal val="hidden"/>
+                                      </p:to>
+                                    </p:set>
+                                  </p:subTnLst>
+                                </p:cTn>
+                              </p:par>
+                            </p:childTnLst>
+                          </p:cTn>
+                        </p:par>
+                      </p:childTnLst>
+                    </p:cTn>
+                  </p:par>
+                  <p:par>
+                    <p:cTn id="16" fill="hold">
+                      <p:stCondLst>
+                        <p:cond delay="indefinite"/>
+                      </p:stCondLst>
+                      <p:childTnLst>
+                        <p:par>
+                          <p:cTn id="17" fill="hold">
+                            <p:stCondLst>
+                              <p:cond delay="0"/>
+                            </p:stCondLst>
+                            <p:childTnLst>
+                              <p:par>
+                                <p:cTn id="18" presetID="10" presetClass="entr" presetSubtype="0" fill="hold" nodeType="clickEffect">
+                                  <p:stCondLst>
+                                    <p:cond delay="0"/>
+                                  </p:stCondLst>
+                                  <p:childTnLst>
+                                    <p:set>
+                                      <p:cBhvr>
+                                        <p:cTn id="19" dur="1" fill="hold">
+                                          <p:stCondLst>
+                                            <p:cond delay="0"/>
+                                          </p:stCondLst>
+                                        </p:cTn>
+                                        <p:tgtEl>
                                           <p:spTgt spid="7"/>
                                         </p:tgtEl>
                                         <p:attrNameLst>
@@ -19015,7 +19190,7 @@
                                     </p:set>
                                     <p:animEffect transition="in" filter="fade">
                                       <p:cBhvr>
-                                        <p:cTn id="12" dur="500"/>
+                                        <p:cTn id="20" dur="500"/>
                                         <p:tgtEl>
                                           <p:spTgt spid="7"/>
                                         </p:tgtEl>
@@ -19031,26 +19206,26 @@
                     </p:cTn>
                   </p:par>
                   <p:par>
-                    <p:cTn id="13" fill="hold">
+                    <p:cTn id="21" fill="hold">
                       <p:stCondLst>
                         <p:cond delay="indefinite"/>
                       </p:stCondLst>
                       <p:childTnLst>
                         <p:par>
-                          <p:cTn id="14" fill="hold">
+                          <p:cTn id="22" fill="hold">
                             <p:stCondLst>
                               <p:cond delay="0"/>
                             </p:stCondLst>
                             <p:childTnLst>
                               <p:par>
-                                <p:cTn id="15" presetID="10" presetClass="entr" presetSubtype="0" fill="hold" nodeType="clickEffect">
+                                <p:cTn id="23" presetID="10" presetClass="entr" presetSubtype="0" fill="hold" nodeType="clickEffect">
                                   <p:stCondLst>
                                     <p:cond delay="0"/>
                                   </p:stCondLst>
                                   <p:childTnLst>
                                     <p:set>
                                       <p:cBhvr>
-                                        <p:cTn id="16" dur="1" fill="hold">
+                                        <p:cTn id="24" dur="1" fill="hold">
                                           <p:stCondLst>
                                             <p:cond delay="0"/>
                                           </p:stCondLst>
@@ -19068,7 +19243,7 @@
                                     </p:set>
                                     <p:animEffect transition="in" filter="fade">
                                       <p:cBhvr>
-                                        <p:cTn id="17" dur="500"/>
+                                        <p:cTn id="25" dur="500"/>
                                         <p:tgtEl>
                                           <p:spTgt spid="8"/>
                                         </p:tgtEl>
@@ -19612,7 +19787,7 @@
           <p:cNvPr id="8" name="Tijdelijke aanduiding voor inhoud 2">
             <a:extLst>
               <a:ext uri="{FF2B5EF4-FFF2-40B4-BE49-F238E27FC236}">
-                <a16:creationId xmlns:a16="http://schemas.microsoft.com/office/drawing/2014/main" xmlns="" id="{CD5377B0-390F-44E8-8D88-0B2E3A7DB0FA}"/>
+                <a16:creationId xmlns="" xmlns:a16="http://schemas.microsoft.com/office/drawing/2014/main" id="{CD5377B0-390F-44E8-8D88-0B2E3A7DB0FA}"/>
               </a:ext>
             </a:extLst>
           </p:cNvPr>
@@ -19965,7 +20140,7 @@
           <p:cNvPr id="3" name="Afbeelding 2">
             <a:extLst>
               <a:ext uri="{FF2B5EF4-FFF2-40B4-BE49-F238E27FC236}">
-                <a16:creationId xmlns:a16="http://schemas.microsoft.com/office/drawing/2014/main" xmlns="" id="{3FE28DE5-FE1D-466B-9EE7-53DAF25E8A1F}"/>
+                <a16:creationId xmlns="" xmlns:a16="http://schemas.microsoft.com/office/drawing/2014/main" id="{3FE28DE5-FE1D-466B-9EE7-53DAF25E8A1F}"/>
               </a:ext>
             </a:extLst>
           </p:cNvPr>
@@ -20001,7 +20176,7 @@
           <p:cNvPr id="13" name="Afbeelding 12">
             <a:extLst>
               <a:ext uri="{FF2B5EF4-FFF2-40B4-BE49-F238E27FC236}">
-                <a16:creationId xmlns:a16="http://schemas.microsoft.com/office/drawing/2014/main" xmlns="" id="{DB9FE702-B333-4089-9DC3-2607F3B69E02}"/>
+                <a16:creationId xmlns="" xmlns:a16="http://schemas.microsoft.com/office/drawing/2014/main" id="{DB9FE702-B333-4089-9DC3-2607F3B69E02}"/>
               </a:ext>
             </a:extLst>
           </p:cNvPr>
@@ -20031,7 +20206,7 @@
           <p:cNvPr id="14" name="Picture 2" descr="Database Diagram Icon - Wiring Diagrams Show">
             <a:extLst>
               <a:ext uri="{FF2B5EF4-FFF2-40B4-BE49-F238E27FC236}">
-                <a16:creationId xmlns:a16="http://schemas.microsoft.com/office/drawing/2014/main" xmlns="" id="{94D99D60-36FD-4703-B0B3-39EBFA97B61B}"/>
+                <a16:creationId xmlns="" xmlns:a16="http://schemas.microsoft.com/office/drawing/2014/main" id="{94D99D60-36FD-4703-B0B3-39EBFA97B61B}"/>
               </a:ext>
             </a:extLst>
           </p:cNvPr>
@@ -20078,7 +20253,7 @@
           <p:cNvPr id="15" name="Picture 8" descr="Office, database Free Icon of Super Flat Remix V1.08 Apps">
             <a:extLst>
               <a:ext uri="{FF2B5EF4-FFF2-40B4-BE49-F238E27FC236}">
-                <a16:creationId xmlns:a16="http://schemas.microsoft.com/office/drawing/2014/main" xmlns="" id="{609CA9DF-E4A3-46C2-9D48-FECD26A8605A}"/>
+                <a16:creationId xmlns="" xmlns:a16="http://schemas.microsoft.com/office/drawing/2014/main" id="{609CA9DF-E4A3-46C2-9D48-FECD26A8605A}"/>
               </a:ext>
             </a:extLst>
           </p:cNvPr>
@@ -20555,7 +20730,7 @@
           <p:cNvPr id="8" name="Tijdelijke aanduiding voor inhoud 2">
             <a:extLst>
               <a:ext uri="{FF2B5EF4-FFF2-40B4-BE49-F238E27FC236}">
-                <a16:creationId xmlns:a16="http://schemas.microsoft.com/office/drawing/2014/main" xmlns="" id="{6F369E50-FD53-4A8F-BEB4-927F2DB729E9}"/>
+                <a16:creationId xmlns="" xmlns:a16="http://schemas.microsoft.com/office/drawing/2014/main" id="{6F369E50-FD53-4A8F-BEB4-927F2DB729E9}"/>
               </a:ext>
             </a:extLst>
           </p:cNvPr>
@@ -20994,7 +21169,7 @@
           <p:cNvPr id="9" name="Afbeelding 8">
             <a:extLst>
               <a:ext uri="{FF2B5EF4-FFF2-40B4-BE49-F238E27FC236}">
-                <a16:creationId xmlns:a16="http://schemas.microsoft.com/office/drawing/2014/main" xmlns="" id="{E88CCEAF-6E39-401F-B547-278BC1C8ABC8}"/>
+                <a16:creationId xmlns="" xmlns:a16="http://schemas.microsoft.com/office/drawing/2014/main" id="{E88CCEAF-6E39-401F-B547-278BC1C8ABC8}"/>
               </a:ext>
             </a:extLst>
           </p:cNvPr>
@@ -21024,7 +21199,7 @@
           <p:cNvPr id="13" name="Picture 2" descr="Database Diagram Icon - Wiring Diagrams Show">
             <a:extLst>
               <a:ext uri="{FF2B5EF4-FFF2-40B4-BE49-F238E27FC236}">
-                <a16:creationId xmlns:a16="http://schemas.microsoft.com/office/drawing/2014/main" xmlns="" id="{19C24C76-C278-43CC-AEE2-E33B58C1664A}"/>
+                <a16:creationId xmlns="" xmlns:a16="http://schemas.microsoft.com/office/drawing/2014/main" id="{19C24C76-C278-43CC-AEE2-E33B58C1664A}"/>
               </a:ext>
             </a:extLst>
           </p:cNvPr>
@@ -21071,7 +21246,7 @@
           <p:cNvPr id="14" name="Picture 8" descr="Office, database Free Icon of Super Flat Remix V1.08 Apps">
             <a:extLst>
               <a:ext uri="{FF2B5EF4-FFF2-40B4-BE49-F238E27FC236}">
-                <a16:creationId xmlns:a16="http://schemas.microsoft.com/office/drawing/2014/main" xmlns="" id="{8C94D101-142A-4391-94D9-25EE58C06DAC}"/>
+                <a16:creationId xmlns="" xmlns:a16="http://schemas.microsoft.com/office/drawing/2014/main" id="{8C94D101-142A-4391-94D9-25EE58C06DAC}"/>
               </a:ext>
             </a:extLst>
           </p:cNvPr>
@@ -21118,7 +21293,7 @@
           <p:cNvPr id="3" name="Afbeelding 2">
             <a:extLst>
               <a:ext uri="{FF2B5EF4-FFF2-40B4-BE49-F238E27FC236}">
-                <a16:creationId xmlns:a16="http://schemas.microsoft.com/office/drawing/2014/main" xmlns="" id="{F11B46D1-0961-45DA-A524-5F5F90DCEB57}"/>
+                <a16:creationId xmlns="" xmlns:a16="http://schemas.microsoft.com/office/drawing/2014/main" id="{F11B46D1-0961-45DA-A524-5F5F90DCEB57}"/>
               </a:ext>
             </a:extLst>
           </p:cNvPr>

--- a/documenten/eindpresentatie/drone1.pptx
+++ b/documenten/eindpresentatie/drone1.pptx
@@ -4422,6 +4422,13 @@
       <p:transition spd="slow" advTm="16982"/>
     </mc:Fallback>
   </mc:AlternateContent>
+  <p:timing>
+    <p:tnLst>
+      <p:par>
+        <p:cTn id="1" dur="indefinite" restart="never" nodeType="tmRoot"/>
+      </p:par>
+    </p:tnLst>
+  </p:timing>
 </p:sld>
 </file>
 
@@ -4642,7 +4649,7 @@
           <p:cNvPr id="8" name="Tijdelijke aanduiding voor inhoud 2">
             <a:extLst>
               <a:ext uri="{FF2B5EF4-FFF2-40B4-BE49-F238E27FC236}">
-                <a16:creationId xmlns="" xmlns:a16="http://schemas.microsoft.com/office/drawing/2014/main" id="{6F369E50-FD53-4A8F-BEB4-927F2DB729E9}"/>
+                <a16:creationId xmlns:a16="http://schemas.microsoft.com/office/drawing/2014/main" xmlns="" id="{6F369E50-FD53-4A8F-BEB4-927F2DB729E9}"/>
               </a:ext>
             </a:extLst>
           </p:cNvPr>
@@ -5067,7 +5074,7 @@
               <a:t>van </a:t>
             </a:r>
             <a:r>
-              <a:rPr lang="nl-BE" sz="2000" dirty="0" err="1">
+              <a:rPr lang="nl-BE" sz="2000" i="1" dirty="0" err="1">
                 <a:solidFill>
                   <a:schemeClr val="tx1"/>
                 </a:solidFill>
@@ -5075,7 +5082,7 @@
               <a:t>primary</a:t>
             </a:r>
             <a:r>
-              <a:rPr lang="nl-BE" sz="2000" dirty="0">
+              <a:rPr lang="nl-BE" sz="2000" i="1" dirty="0">
                 <a:solidFill>
                   <a:schemeClr val="tx1"/>
                 </a:solidFill>
@@ -5083,7 +5090,7 @@
               <a:t> </a:t>
             </a:r>
             <a:r>
-              <a:rPr lang="nl-BE" sz="2000" dirty="0" err="1">
+              <a:rPr lang="nl-BE" sz="2000" i="1" dirty="0" err="1">
                 <a:solidFill>
                   <a:schemeClr val="tx1"/>
                 </a:solidFill>
@@ -5091,15 +5098,23 @@
               <a:t>keys</a:t>
             </a:r>
             <a:r>
+              <a:rPr lang="nl-BE" sz="2000" i="1" dirty="0">
+                <a:solidFill>
+                  <a:schemeClr val="tx1"/>
+                </a:solidFill>
+              </a:rPr>
+              <a:t> </a:t>
+            </a:r>
+            <a:r>
               <a:rPr lang="nl-BE" sz="2000" dirty="0">
                 <a:solidFill>
                   <a:schemeClr val="tx1"/>
                 </a:solidFill>
               </a:rPr>
-              <a:t> op </a:t>
-            </a:r>
-            <a:r>
-              <a:rPr lang="nl-BE" sz="2000" dirty="0" err="1">
+              <a:t>op </a:t>
+            </a:r>
+            <a:r>
+              <a:rPr lang="nl-BE" sz="2000" i="1" dirty="0" err="1">
                 <a:solidFill>
                   <a:schemeClr val="tx1"/>
                 </a:solidFill>
@@ -5107,7 +5122,7 @@
               <a:t>primary</a:t>
             </a:r>
             <a:r>
-              <a:rPr lang="nl-BE" sz="2000" dirty="0">
+              <a:rPr lang="nl-BE" sz="2000" i="1" dirty="0">
                 <a:solidFill>
                   <a:schemeClr val="tx1"/>
                 </a:solidFill>
@@ -5115,14 +5130,14 @@
               <a:t> </a:t>
             </a:r>
             <a:r>
-              <a:rPr lang="nl-BE" sz="2000" dirty="0" err="1">
+              <a:rPr lang="nl-BE" sz="2000" i="1" dirty="0" err="1">
                 <a:solidFill>
                   <a:schemeClr val="tx1"/>
                 </a:solidFill>
               </a:rPr>
               <a:t>keys</a:t>
             </a:r>
-            <a:endParaRPr lang="nl-BE" sz="2000" dirty="0">
+            <a:endParaRPr lang="nl-BE" sz="2000" i="1" dirty="0">
               <a:solidFill>
                 <a:schemeClr val="tx1"/>
               </a:solidFill>
@@ -5169,7 +5184,7 @@
               <a:t>van </a:t>
             </a:r>
             <a:r>
-              <a:rPr lang="nl-BE" sz="2000" dirty="0" err="1">
+              <a:rPr lang="nl-BE" sz="2000" i="1" dirty="0" err="1">
                 <a:solidFill>
                   <a:schemeClr val="tx1"/>
                 </a:solidFill>
@@ -5177,7 +5192,7 @@
               <a:t>primary</a:t>
             </a:r>
             <a:r>
-              <a:rPr lang="nl-BE" sz="2000" dirty="0">
+              <a:rPr lang="nl-BE" sz="2000" i="1" dirty="0">
                 <a:solidFill>
                   <a:schemeClr val="tx1"/>
                 </a:solidFill>
@@ -5185,7 +5200,7 @@
               <a:t> </a:t>
             </a:r>
             <a:r>
-              <a:rPr lang="nl-BE" sz="2000" dirty="0" err="1">
+              <a:rPr lang="nl-BE" sz="2000" i="1" dirty="0" err="1">
                 <a:solidFill>
                   <a:schemeClr val="tx1"/>
                 </a:solidFill>
@@ -5193,15 +5208,23 @@
               <a:t>keys</a:t>
             </a:r>
             <a:r>
+              <a:rPr lang="nl-BE" sz="2000" i="1" dirty="0">
+                <a:solidFill>
+                  <a:schemeClr val="tx1"/>
+                </a:solidFill>
+              </a:rPr>
+              <a:t> </a:t>
+            </a:r>
+            <a:r>
               <a:rPr lang="nl-BE" sz="2000" dirty="0">
                 <a:solidFill>
                   <a:schemeClr val="tx1"/>
                 </a:solidFill>
               </a:rPr>
-              <a:t> op </a:t>
-            </a:r>
-            <a:r>
-              <a:rPr lang="nl-BE" sz="2000" dirty="0" err="1">
+              <a:t>op </a:t>
+            </a:r>
+            <a:r>
+              <a:rPr lang="nl-BE" sz="2000" i="1" dirty="0" err="1">
                 <a:solidFill>
                   <a:schemeClr val="tx1"/>
                 </a:solidFill>
@@ -5209,7 +5232,7 @@
               <a:t>foreign</a:t>
             </a:r>
             <a:r>
-              <a:rPr lang="nl-BE" sz="2000" dirty="0">
+              <a:rPr lang="nl-BE" sz="2000" i="1" dirty="0">
                 <a:solidFill>
                   <a:schemeClr val="tx1"/>
                 </a:solidFill>
@@ -5217,14 +5240,14 @@
               <a:t> </a:t>
             </a:r>
             <a:r>
-              <a:rPr lang="nl-BE" sz="2000" dirty="0" err="1">
+              <a:rPr lang="nl-BE" sz="2000" i="1" dirty="0" err="1">
                 <a:solidFill>
                   <a:schemeClr val="tx1"/>
                 </a:solidFill>
               </a:rPr>
               <a:t>keys</a:t>
             </a:r>
-            <a:endParaRPr lang="nl-BE" sz="2400" dirty="0">
+            <a:endParaRPr lang="nl-BE" sz="2400" i="1" dirty="0">
               <a:solidFill>
                 <a:schemeClr val="tx1"/>
               </a:solidFill>
@@ -5244,7 +5267,7 @@
           <p:cNvPr id="9" name="Afbeelding 8">
             <a:extLst>
               <a:ext uri="{FF2B5EF4-FFF2-40B4-BE49-F238E27FC236}">
-                <a16:creationId xmlns="" xmlns:a16="http://schemas.microsoft.com/office/drawing/2014/main" id="{78163BF0-3543-4E5E-B8E9-31A9E7B8059C}"/>
+                <a16:creationId xmlns:a16="http://schemas.microsoft.com/office/drawing/2014/main" xmlns="" id="{78163BF0-3543-4E5E-B8E9-31A9E7B8059C}"/>
               </a:ext>
             </a:extLst>
           </p:cNvPr>
@@ -5274,7 +5297,7 @@
           <p:cNvPr id="12" name="Picture 2" descr="Database Diagram Icon - Wiring Diagrams Show">
             <a:extLst>
               <a:ext uri="{FF2B5EF4-FFF2-40B4-BE49-F238E27FC236}">
-                <a16:creationId xmlns="" xmlns:a16="http://schemas.microsoft.com/office/drawing/2014/main" id="{933A2A07-78D4-4FCA-A625-D9A0F13B10C5}"/>
+                <a16:creationId xmlns:a16="http://schemas.microsoft.com/office/drawing/2014/main" xmlns="" id="{933A2A07-78D4-4FCA-A625-D9A0F13B10C5}"/>
               </a:ext>
             </a:extLst>
           </p:cNvPr>
@@ -5893,28 +5916,12 @@
           </a:lstStyle>
           <a:p>
             <a:r>
-              <a:rPr lang="en-GB" dirty="0" err="1">
+              <a:rPr lang="en-GB" dirty="0" err="1" smtClean="0">
                 <a:solidFill>
                   <a:schemeClr val="tx1"/>
                 </a:solidFill>
               </a:rPr>
-              <a:t>DroneFlight</a:t>
-            </a:r>
-            <a:r>
-              <a:rPr lang="en-GB" dirty="0">
-                <a:solidFill>
-                  <a:schemeClr val="tx1"/>
-                </a:solidFill>
-              </a:rPr>
-              <a:t> </a:t>
-            </a:r>
-            <a:r>
-              <a:rPr lang="en-GB" dirty="0" err="1">
-                <a:solidFill>
-                  <a:schemeClr val="tx1"/>
-                </a:solidFill>
-              </a:rPr>
-              <a:t>tabel</a:t>
+              <a:t>DroneFlighttabel</a:t>
             </a:r>
             <a:endParaRPr lang="nl-BE" dirty="0">
               <a:solidFill>
@@ -5929,7 +5936,7 @@
           <p:cNvPr id="8" name="Tijdelijke aanduiding voor inhoud 2">
             <a:extLst>
               <a:ext uri="{FF2B5EF4-FFF2-40B4-BE49-F238E27FC236}">
-                <a16:creationId xmlns="" xmlns:a16="http://schemas.microsoft.com/office/drawing/2014/main" id="{6F369E50-FD53-4A8F-BEB4-927F2DB729E9}"/>
+                <a16:creationId xmlns:a16="http://schemas.microsoft.com/office/drawing/2014/main" xmlns="" id="{6F369E50-FD53-4A8F-BEB4-927F2DB729E9}"/>
               </a:ext>
             </a:extLst>
           </p:cNvPr>
@@ -6257,20 +6264,12 @@
               <a:buChar char="§"/>
             </a:pPr>
             <a:r>
-              <a:rPr lang="en-GB" sz="2000" b="1" i="1" dirty="0">
+              <a:rPr lang="en-GB" sz="2000" b="1" dirty="0">
                 <a:solidFill>
                   <a:schemeClr val="tx1"/>
                 </a:solidFill>
               </a:rPr>
-              <a:t>Data</a:t>
-            </a:r>
-            <a:r>
-              <a:rPr lang="en-GB" sz="2000" b="1" dirty="0">
-                <a:solidFill>
-                  <a:schemeClr val="tx1"/>
-                </a:solidFill>
-              </a:rPr>
-              <a:t> </a:t>
+              <a:t>Data </a:t>
             </a:r>
             <a:r>
               <a:rPr lang="en-GB" sz="2000" dirty="0" err="1">
@@ -6319,15 +6318,15 @@
               <a:buChar char="§"/>
             </a:pPr>
             <a:r>
-              <a:rPr lang="en-GB" sz="2000" b="1" i="1" dirty="0">
+              <a:rPr lang="en-GB" sz="2000" b="1" dirty="0" err="1" smtClean="0">
                 <a:solidFill>
                   <a:schemeClr val="tx1"/>
                 </a:solidFill>
               </a:rPr>
-              <a:t>Project </a:t>
-            </a:r>
-            <a:r>
-              <a:rPr lang="en-GB" sz="2000" dirty="0" err="1">
+              <a:t>Project</a:t>
+            </a:r>
+            <a:r>
+              <a:rPr lang="en-GB" sz="2000" dirty="0" err="1" smtClean="0">
                 <a:solidFill>
                   <a:schemeClr val="tx1"/>
                 </a:solidFill>
@@ -6343,7 +6342,7 @@
           <p:cNvPr id="9" name="Afbeelding 8">
             <a:extLst>
               <a:ext uri="{FF2B5EF4-FFF2-40B4-BE49-F238E27FC236}">
-                <a16:creationId xmlns="" xmlns:a16="http://schemas.microsoft.com/office/drawing/2014/main" id="{78163BF0-3543-4E5E-B8E9-31A9E7B8059C}"/>
+                <a16:creationId xmlns:a16="http://schemas.microsoft.com/office/drawing/2014/main" xmlns="" id="{78163BF0-3543-4E5E-B8E9-31A9E7B8059C}"/>
               </a:ext>
             </a:extLst>
           </p:cNvPr>
@@ -6373,7 +6372,7 @@
           <p:cNvPr id="12" name="Picture 2" descr="Database Diagram Icon - Wiring Diagrams Show">
             <a:extLst>
               <a:ext uri="{FF2B5EF4-FFF2-40B4-BE49-F238E27FC236}">
-                <a16:creationId xmlns="" xmlns:a16="http://schemas.microsoft.com/office/drawing/2014/main" id="{933A2A07-78D4-4FCA-A625-D9A0F13B10C5}"/>
+                <a16:creationId xmlns:a16="http://schemas.microsoft.com/office/drawing/2014/main" xmlns="" id="{933A2A07-78D4-4FCA-A625-D9A0F13B10C5}"/>
               </a:ext>
             </a:extLst>
           </p:cNvPr>
@@ -6420,7 +6419,7 @@
           <p:cNvPr id="3" name="Afbeelding 2">
             <a:extLst>
               <a:ext uri="{FF2B5EF4-FFF2-40B4-BE49-F238E27FC236}">
-                <a16:creationId xmlns="" xmlns:a16="http://schemas.microsoft.com/office/drawing/2014/main" id="{9CB15827-3A33-44CC-B5F4-DE87491D0A03}"/>
+                <a16:creationId xmlns:a16="http://schemas.microsoft.com/office/drawing/2014/main" xmlns="" id="{9CB15827-3A33-44CC-B5F4-DE87491D0A03}"/>
               </a:ext>
             </a:extLst>
           </p:cNvPr>
@@ -6927,14 +6926,14 @@
           </a:lstStyle>
           <a:p>
             <a:r>
-              <a:rPr lang="en-GB" dirty="0">
+              <a:rPr lang="en-GB" i="1" dirty="0">
                 <a:solidFill>
                   <a:schemeClr val="tx1"/>
                 </a:solidFill>
               </a:rPr>
               <a:t>Reverse geocoding</a:t>
             </a:r>
-            <a:endParaRPr lang="nl-BE" dirty="0">
+            <a:endParaRPr lang="nl-BE" i="1" dirty="0">
               <a:solidFill>
                 <a:schemeClr val="tx1"/>
               </a:solidFill>
@@ -6947,7 +6946,7 @@
           <p:cNvPr id="8" name="Tijdelijke aanduiding voor inhoud 2">
             <a:extLst>
               <a:ext uri="{FF2B5EF4-FFF2-40B4-BE49-F238E27FC236}">
-                <a16:creationId xmlns="" xmlns:a16="http://schemas.microsoft.com/office/drawing/2014/main" id="{6F369E50-FD53-4A8F-BEB4-927F2DB729E9}"/>
+                <a16:creationId xmlns:a16="http://schemas.microsoft.com/office/drawing/2014/main" xmlns="" id="{6F369E50-FD53-4A8F-BEB4-927F2DB729E9}"/>
               </a:ext>
             </a:extLst>
           </p:cNvPr>
@@ -7338,7 +7337,7 @@
           <p:cNvPr id="9" name="Afbeelding 8">
             <a:extLst>
               <a:ext uri="{FF2B5EF4-FFF2-40B4-BE49-F238E27FC236}">
-                <a16:creationId xmlns="" xmlns:a16="http://schemas.microsoft.com/office/drawing/2014/main" id="{78163BF0-3543-4E5E-B8E9-31A9E7B8059C}"/>
+                <a16:creationId xmlns:a16="http://schemas.microsoft.com/office/drawing/2014/main" xmlns="" id="{78163BF0-3543-4E5E-B8E9-31A9E7B8059C}"/>
               </a:ext>
             </a:extLst>
           </p:cNvPr>
@@ -7368,7 +7367,7 @@
           <p:cNvPr id="3" name="Afbeelding 2">
             <a:extLst>
               <a:ext uri="{FF2B5EF4-FFF2-40B4-BE49-F238E27FC236}">
-                <a16:creationId xmlns="" xmlns:a16="http://schemas.microsoft.com/office/drawing/2014/main" id="{5992E346-CF22-4F00-9A37-CA0E5B7B3D06}"/>
+                <a16:creationId xmlns:a16="http://schemas.microsoft.com/office/drawing/2014/main" xmlns="" id="{5992E346-CF22-4F00-9A37-CA0E5B7B3D06}"/>
               </a:ext>
             </a:extLst>
           </p:cNvPr>
@@ -7814,28 +7813,12 @@
           </a:lstStyle>
           <a:p>
             <a:r>
-              <a:rPr lang="en-GB" dirty="0" err="1">
+              <a:rPr lang="en-GB" dirty="0" err="1" smtClean="0">
                 <a:solidFill>
                   <a:schemeClr val="tx1"/>
                 </a:solidFill>
               </a:rPr>
-              <a:t>QualityReport</a:t>
-            </a:r>
-            <a:r>
-              <a:rPr lang="en-GB" dirty="0">
-                <a:solidFill>
-                  <a:schemeClr val="tx1"/>
-                </a:solidFill>
-              </a:rPr>
-              <a:t> </a:t>
-            </a:r>
-            <a:r>
-              <a:rPr lang="en-GB" dirty="0" err="1">
-                <a:solidFill>
-                  <a:schemeClr val="tx1"/>
-                </a:solidFill>
-              </a:rPr>
-              <a:t>tabel</a:t>
+              <a:t>QualityReporttabel</a:t>
             </a:r>
             <a:endParaRPr lang="nl-BE" dirty="0">
               <a:solidFill>
@@ -7850,7 +7833,7 @@
           <p:cNvPr id="8" name="Tijdelijke aanduiding voor inhoud 2">
             <a:extLst>
               <a:ext uri="{FF2B5EF4-FFF2-40B4-BE49-F238E27FC236}">
-                <a16:creationId xmlns="" xmlns:a16="http://schemas.microsoft.com/office/drawing/2014/main" id="{6F369E50-FD53-4A8F-BEB4-927F2DB729E9}"/>
+                <a16:creationId xmlns:a16="http://schemas.microsoft.com/office/drawing/2014/main" xmlns="" id="{6F369E50-FD53-4A8F-BEB4-927F2DB729E9}"/>
               </a:ext>
             </a:extLst>
           </p:cNvPr>
@@ -8210,12 +8193,28 @@
               <a:t> door </a:t>
             </a:r>
             <a:r>
+              <a:rPr lang="en-GB" sz="2000" dirty="0" err="1" smtClean="0">
+                <a:solidFill>
+                  <a:schemeClr val="tx1"/>
+                </a:solidFill>
+              </a:rPr>
+              <a:t>middel</a:t>
+            </a:r>
+            <a:r>
               <a:rPr lang="en-GB" sz="2000" dirty="0" smtClean="0">
                 <a:solidFill>
                   <a:schemeClr val="tx1"/>
                 </a:solidFill>
               </a:rPr>
-              <a:t>middle van </a:t>
+              <a:t> </a:t>
+            </a:r>
+            <a:r>
+              <a:rPr lang="en-GB" sz="2000" dirty="0" smtClean="0">
+                <a:solidFill>
+                  <a:schemeClr val="tx1"/>
+                </a:solidFill>
+              </a:rPr>
+              <a:t>van </a:t>
             </a:r>
             <a:r>
               <a:rPr lang="en-GB" sz="2000" b="1" dirty="0" err="1">
@@ -8234,7 +8233,7 @@
           <p:cNvPr id="9" name="Afbeelding 8">
             <a:extLst>
               <a:ext uri="{FF2B5EF4-FFF2-40B4-BE49-F238E27FC236}">
-                <a16:creationId xmlns="" xmlns:a16="http://schemas.microsoft.com/office/drawing/2014/main" id="{78163BF0-3543-4E5E-B8E9-31A9E7B8059C}"/>
+                <a16:creationId xmlns:a16="http://schemas.microsoft.com/office/drawing/2014/main" xmlns="" id="{78163BF0-3543-4E5E-B8E9-31A9E7B8059C}"/>
               </a:ext>
             </a:extLst>
           </p:cNvPr>
@@ -8264,7 +8263,7 @@
           <p:cNvPr id="12" name="Picture 2" descr="Database Diagram Icon - Wiring Diagrams Show">
             <a:extLst>
               <a:ext uri="{FF2B5EF4-FFF2-40B4-BE49-F238E27FC236}">
-                <a16:creationId xmlns="" xmlns:a16="http://schemas.microsoft.com/office/drawing/2014/main" id="{933A2A07-78D4-4FCA-A625-D9A0F13B10C5}"/>
+                <a16:creationId xmlns:a16="http://schemas.microsoft.com/office/drawing/2014/main" xmlns="" id="{933A2A07-78D4-4FCA-A625-D9A0F13B10C5}"/>
               </a:ext>
             </a:extLst>
           </p:cNvPr>
@@ -8311,7 +8310,7 @@
           <p:cNvPr id="3" name="Afbeelding 2">
             <a:extLst>
               <a:ext uri="{FF2B5EF4-FFF2-40B4-BE49-F238E27FC236}">
-                <a16:creationId xmlns="" xmlns:a16="http://schemas.microsoft.com/office/drawing/2014/main" id="{60B1A678-79C0-42C6-A194-EEA70EB45E9F}"/>
+                <a16:creationId xmlns:a16="http://schemas.microsoft.com/office/drawing/2014/main" xmlns="" id="{60B1A678-79C0-42C6-A194-EEA70EB45E9F}"/>
               </a:ext>
             </a:extLst>
           </p:cNvPr>
@@ -8757,20 +8756,12 @@
           </a:lstStyle>
           <a:p>
             <a:r>
-              <a:rPr lang="en-GB" dirty="0">
+              <a:rPr lang="en-GB" dirty="0" err="1" smtClean="0">
                 <a:solidFill>
                   <a:schemeClr val="tx1"/>
                 </a:solidFill>
               </a:rPr>
-              <a:t>Login </a:t>
-            </a:r>
-            <a:r>
-              <a:rPr lang="en-GB" dirty="0" err="1">
-                <a:solidFill>
-                  <a:schemeClr val="tx1"/>
-                </a:solidFill>
-              </a:rPr>
-              <a:t>tabellen</a:t>
+              <a:t>Logintabellen</a:t>
             </a:r>
             <a:endParaRPr lang="nl-BE" dirty="0">
               <a:solidFill>
@@ -8785,7 +8776,7 @@
           <p:cNvPr id="8" name="Tijdelijke aanduiding voor inhoud 2">
             <a:extLst>
               <a:ext uri="{FF2B5EF4-FFF2-40B4-BE49-F238E27FC236}">
-                <a16:creationId xmlns="" xmlns:a16="http://schemas.microsoft.com/office/drawing/2014/main" id="{6F369E50-FD53-4A8F-BEB4-927F2DB729E9}"/>
+                <a16:creationId xmlns:a16="http://schemas.microsoft.com/office/drawing/2014/main" xmlns="" id="{6F369E50-FD53-4A8F-BEB4-927F2DB729E9}"/>
               </a:ext>
             </a:extLst>
           </p:cNvPr>
@@ -9107,7 +9098,7 @@
           <p:cNvPr id="9" name="Afbeelding 8">
             <a:extLst>
               <a:ext uri="{FF2B5EF4-FFF2-40B4-BE49-F238E27FC236}">
-                <a16:creationId xmlns="" xmlns:a16="http://schemas.microsoft.com/office/drawing/2014/main" id="{78163BF0-3543-4E5E-B8E9-31A9E7B8059C}"/>
+                <a16:creationId xmlns:a16="http://schemas.microsoft.com/office/drawing/2014/main" xmlns="" id="{78163BF0-3543-4E5E-B8E9-31A9E7B8059C}"/>
               </a:ext>
             </a:extLst>
           </p:cNvPr>
@@ -9137,7 +9128,7 @@
           <p:cNvPr id="12" name="Picture 2" descr="Database Diagram Icon - Wiring Diagrams Show">
             <a:extLst>
               <a:ext uri="{FF2B5EF4-FFF2-40B4-BE49-F238E27FC236}">
-                <a16:creationId xmlns="" xmlns:a16="http://schemas.microsoft.com/office/drawing/2014/main" id="{933A2A07-78D4-4FCA-A625-D9A0F13B10C5}"/>
+                <a16:creationId xmlns:a16="http://schemas.microsoft.com/office/drawing/2014/main" xmlns="" id="{933A2A07-78D4-4FCA-A625-D9A0F13B10C5}"/>
               </a:ext>
             </a:extLst>
           </p:cNvPr>
@@ -9184,7 +9175,7 @@
           <p:cNvPr id="3" name="Afbeelding 2">
             <a:extLst>
               <a:ext uri="{FF2B5EF4-FFF2-40B4-BE49-F238E27FC236}">
-                <a16:creationId xmlns="" xmlns:a16="http://schemas.microsoft.com/office/drawing/2014/main" id="{415B2642-349A-46CA-877A-DF1A0A32E00C}"/>
+                <a16:creationId xmlns:a16="http://schemas.microsoft.com/office/drawing/2014/main" xmlns="" id="{415B2642-349A-46CA-877A-DF1A0A32E00C}"/>
               </a:ext>
             </a:extLst>
           </p:cNvPr>
@@ -9551,28 +9542,12 @@
           </a:lstStyle>
           <a:p>
             <a:r>
-              <a:rPr lang="en-GB" dirty="0" err="1">
+              <a:rPr lang="en-GB" dirty="0" err="1" smtClean="0">
                 <a:solidFill>
                   <a:schemeClr val="tx1"/>
                 </a:solidFill>
               </a:rPr>
-              <a:t>DroneLogEntry</a:t>
-            </a:r>
-            <a:r>
-              <a:rPr lang="en-GB" dirty="0">
-                <a:solidFill>
-                  <a:schemeClr val="tx1"/>
-                </a:solidFill>
-              </a:rPr>
-              <a:t> </a:t>
-            </a:r>
-            <a:r>
-              <a:rPr lang="en-GB" dirty="0" err="1">
-                <a:solidFill>
-                  <a:schemeClr val="tx1"/>
-                </a:solidFill>
-              </a:rPr>
-              <a:t>tabel</a:t>
+              <a:t>DroneLogEntrytabel</a:t>
             </a:r>
             <a:endParaRPr lang="nl-BE" dirty="0">
               <a:solidFill>
@@ -9587,7 +9562,7 @@
           <p:cNvPr id="8" name="Tijdelijke aanduiding voor inhoud 2">
             <a:extLst>
               <a:ext uri="{FF2B5EF4-FFF2-40B4-BE49-F238E27FC236}">
-                <a16:creationId xmlns="" xmlns:a16="http://schemas.microsoft.com/office/drawing/2014/main" id="{6F369E50-FD53-4A8F-BEB4-927F2DB729E9}"/>
+                <a16:creationId xmlns:a16="http://schemas.microsoft.com/office/drawing/2014/main" xmlns="" id="{6F369E50-FD53-4A8F-BEB4-927F2DB729E9}"/>
               </a:ext>
             </a:extLst>
           </p:cNvPr>
@@ -10097,7 +10072,7 @@
           <p:cNvPr id="9" name="Afbeelding 8">
             <a:extLst>
               <a:ext uri="{FF2B5EF4-FFF2-40B4-BE49-F238E27FC236}">
-                <a16:creationId xmlns="" xmlns:a16="http://schemas.microsoft.com/office/drawing/2014/main" id="{78163BF0-3543-4E5E-B8E9-31A9E7B8059C}"/>
+                <a16:creationId xmlns:a16="http://schemas.microsoft.com/office/drawing/2014/main" xmlns="" id="{78163BF0-3543-4E5E-B8E9-31A9E7B8059C}"/>
               </a:ext>
             </a:extLst>
           </p:cNvPr>
@@ -10127,7 +10102,7 @@
           <p:cNvPr id="12" name="Picture 2" descr="Database Diagram Icon - Wiring Diagrams Show">
             <a:extLst>
               <a:ext uri="{FF2B5EF4-FFF2-40B4-BE49-F238E27FC236}">
-                <a16:creationId xmlns="" xmlns:a16="http://schemas.microsoft.com/office/drawing/2014/main" id="{933A2A07-78D4-4FCA-A625-D9A0F13B10C5}"/>
+                <a16:creationId xmlns:a16="http://schemas.microsoft.com/office/drawing/2014/main" xmlns="" id="{933A2A07-78D4-4FCA-A625-D9A0F13B10C5}"/>
               </a:ext>
             </a:extLst>
           </p:cNvPr>
@@ -10174,7 +10149,7 @@
           <p:cNvPr id="3" name="Afbeelding 2">
             <a:extLst>
               <a:ext uri="{FF2B5EF4-FFF2-40B4-BE49-F238E27FC236}">
-                <a16:creationId xmlns="" xmlns:a16="http://schemas.microsoft.com/office/drawing/2014/main" id="{8EE97774-63EA-414B-808C-DC91150E46DF}"/>
+                <a16:creationId xmlns:a16="http://schemas.microsoft.com/office/drawing/2014/main" xmlns="" id="{8EE97774-63EA-414B-808C-DC91150E46DF}"/>
               </a:ext>
             </a:extLst>
           </p:cNvPr>
@@ -10663,31 +10638,15 @@
           </a:lstStyle>
           <a:p>
             <a:r>
-              <a:rPr lang="en-GB" dirty="0">
+              <a:rPr lang="en-GB" dirty="0" smtClean="0">
                 <a:solidFill>
                   <a:schemeClr val="tx1"/>
                 </a:solidFill>
               </a:rPr>
-              <a:t>.</a:t>
-            </a:r>
-            <a:r>
-              <a:rPr lang="en-GB" dirty="0" err="1">
-                <a:solidFill>
-                  <a:schemeClr val="tx1"/>
-                </a:solidFill>
-              </a:rPr>
-              <a:t>dat</a:t>
-            </a:r>
-            <a:r>
-              <a:rPr lang="en-GB" dirty="0">
-                <a:solidFill>
-                  <a:schemeClr val="tx1"/>
-                </a:solidFill>
-              </a:rPr>
-              <a:t> file </a:t>
-            </a:r>
-            <a:r>
-              <a:rPr lang="en-GB" dirty="0" err="1">
+              <a:t>DAT-bestand </a:t>
+            </a:r>
+            <a:r>
+              <a:rPr lang="en-GB" dirty="0" err="1" smtClean="0">
                 <a:solidFill>
                   <a:schemeClr val="tx1"/>
                 </a:solidFill>
@@ -10707,7 +10666,7 @@
           <p:cNvPr id="8" name="Tijdelijke aanduiding voor inhoud 2">
             <a:extLst>
               <a:ext uri="{FF2B5EF4-FFF2-40B4-BE49-F238E27FC236}">
-                <a16:creationId xmlns="" xmlns:a16="http://schemas.microsoft.com/office/drawing/2014/main" id="{6F369E50-FD53-4A8F-BEB4-927F2DB729E9}"/>
+                <a16:creationId xmlns:a16="http://schemas.microsoft.com/office/drawing/2014/main" xmlns="" id="{6F369E50-FD53-4A8F-BEB4-927F2DB729E9}"/>
               </a:ext>
             </a:extLst>
           </p:cNvPr>
@@ -10719,7 +10678,7 @@
         <p:spPr>
           <a:xfrm>
             <a:off x="965943" y="1528153"/>
-            <a:ext cx="4096387" cy="4448507"/>
+            <a:ext cx="4308186" cy="4448507"/>
           </a:xfrm>
           <a:prstGeom prst="rect">
             <a:avLst/>
@@ -11010,8 +10969,21 @@
                   <a:schemeClr val="tx1"/>
                 </a:solidFill>
               </a:rPr>
-              <a:t> files</a:t>
-            </a:r>
+              <a:t> </a:t>
+            </a:r>
+            <a:r>
+              <a:rPr lang="en-GB" sz="2000" dirty="0" err="1" smtClean="0">
+                <a:solidFill>
+                  <a:schemeClr val="tx1"/>
+                </a:solidFill>
+              </a:rPr>
+              <a:t>bestanden</a:t>
+            </a:r>
+            <a:endParaRPr lang="en-GB" sz="2000" dirty="0">
+              <a:solidFill>
+                <a:schemeClr val="tx1"/>
+              </a:solidFill>
+            </a:endParaRPr>
           </a:p>
           <a:p>
             <a:pPr lvl="1">
@@ -11275,7 +11247,7 @@
           <p:cNvPr id="9" name="Afbeelding 8">
             <a:extLst>
               <a:ext uri="{FF2B5EF4-FFF2-40B4-BE49-F238E27FC236}">
-                <a16:creationId xmlns="" xmlns:a16="http://schemas.microsoft.com/office/drawing/2014/main" id="{78163BF0-3543-4E5E-B8E9-31A9E7B8059C}"/>
+                <a16:creationId xmlns:a16="http://schemas.microsoft.com/office/drawing/2014/main" xmlns="" id="{78163BF0-3543-4E5E-B8E9-31A9E7B8059C}"/>
               </a:ext>
             </a:extLst>
           </p:cNvPr>
@@ -11305,7 +11277,7 @@
           <p:cNvPr id="12" name="Picture 2" descr="Database Diagram Icon - Wiring Diagrams Show">
             <a:extLst>
               <a:ext uri="{FF2B5EF4-FFF2-40B4-BE49-F238E27FC236}">
-                <a16:creationId xmlns="" xmlns:a16="http://schemas.microsoft.com/office/drawing/2014/main" id="{933A2A07-78D4-4FCA-A625-D9A0F13B10C5}"/>
+                <a16:creationId xmlns:a16="http://schemas.microsoft.com/office/drawing/2014/main" xmlns="" id="{933A2A07-78D4-4FCA-A625-D9A0F13B10C5}"/>
               </a:ext>
             </a:extLst>
           </p:cNvPr>
@@ -11352,7 +11324,7 @@
           <p:cNvPr id="15" name="Afbeelding 14">
             <a:extLst>
               <a:ext uri="{FF2B5EF4-FFF2-40B4-BE49-F238E27FC236}">
-                <a16:creationId xmlns="" xmlns:a16="http://schemas.microsoft.com/office/drawing/2014/main" id="{8D2C55ED-1A8A-41E0-B589-0B836853BBD3}"/>
+                <a16:creationId xmlns:a16="http://schemas.microsoft.com/office/drawing/2014/main" xmlns="" id="{8D2C55ED-1A8A-41E0-B589-0B836853BBD3}"/>
               </a:ext>
             </a:extLst>
           </p:cNvPr>
@@ -11388,7 +11360,7 @@
           <p:cNvPr id="17" name="Afbeelding 16">
             <a:extLst>
               <a:ext uri="{FF2B5EF4-FFF2-40B4-BE49-F238E27FC236}">
-                <a16:creationId xmlns="" xmlns:a16="http://schemas.microsoft.com/office/drawing/2014/main" id="{91A2594F-5052-4919-A59A-7D0CED28C41C}"/>
+                <a16:creationId xmlns:a16="http://schemas.microsoft.com/office/drawing/2014/main" xmlns="" id="{91A2594F-5052-4919-A59A-7D0CED28C41C}"/>
               </a:ext>
             </a:extLst>
           </p:cNvPr>
@@ -19787,7 +19759,7 @@
           <p:cNvPr id="8" name="Tijdelijke aanduiding voor inhoud 2">
             <a:extLst>
               <a:ext uri="{FF2B5EF4-FFF2-40B4-BE49-F238E27FC236}">
-                <a16:creationId xmlns="" xmlns:a16="http://schemas.microsoft.com/office/drawing/2014/main" id="{CD5377B0-390F-44E8-8D88-0B2E3A7DB0FA}"/>
+                <a16:creationId xmlns:a16="http://schemas.microsoft.com/office/drawing/2014/main" xmlns="" id="{CD5377B0-390F-44E8-8D88-0B2E3A7DB0FA}"/>
               </a:ext>
             </a:extLst>
           </p:cNvPr>
@@ -20140,7 +20112,7 @@
           <p:cNvPr id="3" name="Afbeelding 2">
             <a:extLst>
               <a:ext uri="{FF2B5EF4-FFF2-40B4-BE49-F238E27FC236}">
-                <a16:creationId xmlns="" xmlns:a16="http://schemas.microsoft.com/office/drawing/2014/main" id="{3FE28DE5-FE1D-466B-9EE7-53DAF25E8A1F}"/>
+                <a16:creationId xmlns:a16="http://schemas.microsoft.com/office/drawing/2014/main" xmlns="" id="{3FE28DE5-FE1D-466B-9EE7-53DAF25E8A1F}"/>
               </a:ext>
             </a:extLst>
           </p:cNvPr>
@@ -20176,7 +20148,7 @@
           <p:cNvPr id="13" name="Afbeelding 12">
             <a:extLst>
               <a:ext uri="{FF2B5EF4-FFF2-40B4-BE49-F238E27FC236}">
-                <a16:creationId xmlns="" xmlns:a16="http://schemas.microsoft.com/office/drawing/2014/main" id="{DB9FE702-B333-4089-9DC3-2607F3B69E02}"/>
+                <a16:creationId xmlns:a16="http://schemas.microsoft.com/office/drawing/2014/main" xmlns="" id="{DB9FE702-B333-4089-9DC3-2607F3B69E02}"/>
               </a:ext>
             </a:extLst>
           </p:cNvPr>
@@ -20206,7 +20178,7 @@
           <p:cNvPr id="14" name="Picture 2" descr="Database Diagram Icon - Wiring Diagrams Show">
             <a:extLst>
               <a:ext uri="{FF2B5EF4-FFF2-40B4-BE49-F238E27FC236}">
-                <a16:creationId xmlns="" xmlns:a16="http://schemas.microsoft.com/office/drawing/2014/main" id="{94D99D60-36FD-4703-B0B3-39EBFA97B61B}"/>
+                <a16:creationId xmlns:a16="http://schemas.microsoft.com/office/drawing/2014/main" xmlns="" id="{94D99D60-36FD-4703-B0B3-39EBFA97B61B}"/>
               </a:ext>
             </a:extLst>
           </p:cNvPr>
@@ -20253,7 +20225,7 @@
           <p:cNvPr id="15" name="Picture 8" descr="Office, database Free Icon of Super Flat Remix V1.08 Apps">
             <a:extLst>
               <a:ext uri="{FF2B5EF4-FFF2-40B4-BE49-F238E27FC236}">
-                <a16:creationId xmlns="" xmlns:a16="http://schemas.microsoft.com/office/drawing/2014/main" id="{609CA9DF-E4A3-46C2-9D48-FECD26A8605A}"/>
+                <a16:creationId xmlns:a16="http://schemas.microsoft.com/office/drawing/2014/main" xmlns="" id="{609CA9DF-E4A3-46C2-9D48-FECD26A8605A}"/>
               </a:ext>
             </a:extLst>
           </p:cNvPr>
@@ -20715,7 +20687,15 @@
                   <a:schemeClr val="tx1"/>
                 </a:solidFill>
               </a:rPr>
-              <a:t>Entity Framework</a:t>
+              <a:t>Entity </a:t>
+            </a:r>
+            <a:r>
+              <a:rPr lang="en-GB" dirty="0" smtClean="0">
+                <a:solidFill>
+                  <a:schemeClr val="tx1"/>
+                </a:solidFill>
+              </a:rPr>
+              <a:t>Framework 6</a:t>
             </a:r>
             <a:endParaRPr lang="nl-BE" dirty="0">
               <a:solidFill>
@@ -20730,7 +20710,7 @@
           <p:cNvPr id="8" name="Tijdelijke aanduiding voor inhoud 2">
             <a:extLst>
               <a:ext uri="{FF2B5EF4-FFF2-40B4-BE49-F238E27FC236}">
-                <a16:creationId xmlns="" xmlns:a16="http://schemas.microsoft.com/office/drawing/2014/main" id="{6F369E50-FD53-4A8F-BEB4-927F2DB729E9}"/>
+                <a16:creationId xmlns:a16="http://schemas.microsoft.com/office/drawing/2014/main" xmlns="" id="{6F369E50-FD53-4A8F-BEB4-927F2DB729E9}"/>
               </a:ext>
             </a:extLst>
           </p:cNvPr>
@@ -21169,7 +21149,7 @@
           <p:cNvPr id="9" name="Afbeelding 8">
             <a:extLst>
               <a:ext uri="{FF2B5EF4-FFF2-40B4-BE49-F238E27FC236}">
-                <a16:creationId xmlns="" xmlns:a16="http://schemas.microsoft.com/office/drawing/2014/main" id="{E88CCEAF-6E39-401F-B547-278BC1C8ABC8}"/>
+                <a16:creationId xmlns:a16="http://schemas.microsoft.com/office/drawing/2014/main" xmlns="" id="{E88CCEAF-6E39-401F-B547-278BC1C8ABC8}"/>
               </a:ext>
             </a:extLst>
           </p:cNvPr>
@@ -21199,7 +21179,7 @@
           <p:cNvPr id="13" name="Picture 2" descr="Database Diagram Icon - Wiring Diagrams Show">
             <a:extLst>
               <a:ext uri="{FF2B5EF4-FFF2-40B4-BE49-F238E27FC236}">
-                <a16:creationId xmlns="" xmlns:a16="http://schemas.microsoft.com/office/drawing/2014/main" id="{19C24C76-C278-43CC-AEE2-E33B58C1664A}"/>
+                <a16:creationId xmlns:a16="http://schemas.microsoft.com/office/drawing/2014/main" xmlns="" id="{19C24C76-C278-43CC-AEE2-E33B58C1664A}"/>
               </a:ext>
             </a:extLst>
           </p:cNvPr>
@@ -21246,7 +21226,7 @@
           <p:cNvPr id="14" name="Picture 8" descr="Office, database Free Icon of Super Flat Remix V1.08 Apps">
             <a:extLst>
               <a:ext uri="{FF2B5EF4-FFF2-40B4-BE49-F238E27FC236}">
-                <a16:creationId xmlns="" xmlns:a16="http://schemas.microsoft.com/office/drawing/2014/main" id="{8C94D101-142A-4391-94D9-25EE58C06DAC}"/>
+                <a16:creationId xmlns:a16="http://schemas.microsoft.com/office/drawing/2014/main" xmlns="" id="{8C94D101-142A-4391-94D9-25EE58C06DAC}"/>
               </a:ext>
             </a:extLst>
           </p:cNvPr>
@@ -21293,7 +21273,7 @@
           <p:cNvPr id="3" name="Afbeelding 2">
             <a:extLst>
               <a:ext uri="{FF2B5EF4-FFF2-40B4-BE49-F238E27FC236}">
-                <a16:creationId xmlns="" xmlns:a16="http://schemas.microsoft.com/office/drawing/2014/main" id="{F11B46D1-0961-45DA-A524-5F5F90DCEB57}"/>
+                <a16:creationId xmlns:a16="http://schemas.microsoft.com/office/drawing/2014/main" xmlns="" id="{F11B46D1-0961-45DA-A524-5F5F90DCEB57}"/>
               </a:ext>
             </a:extLst>
           </p:cNvPr>
